--- a/Presentasjon.pptx
+++ b/Presentasjon.pptx
@@ -7,19 +7,29 @@
     <p:sldMasterId id="2147483705" r:id="rId7"/>
   </p:sldMasterIdLst>
   <p:notesMasterIdLst>
-    <p:notesMasterId r:id="rId15"/>
+    <p:notesMasterId r:id="rId25"/>
   </p:notesMasterIdLst>
   <p:handoutMasterIdLst>
-    <p:handoutMasterId r:id="rId16"/>
+    <p:handoutMasterId r:id="rId26"/>
   </p:handoutMasterIdLst>
   <p:sldIdLst>
-    <p:sldId id="256" r:id="rId8"/>
-    <p:sldId id="257" r:id="rId9"/>
-    <p:sldId id="258" r:id="rId10"/>
-    <p:sldId id="259" r:id="rId11"/>
-    <p:sldId id="260" r:id="rId12"/>
-    <p:sldId id="261" r:id="rId13"/>
-    <p:sldId id="262" r:id="rId14"/>
+    <p:sldId id="263" r:id="rId8"/>
+    <p:sldId id="269" r:id="rId9"/>
+    <p:sldId id="264" r:id="rId10"/>
+    <p:sldId id="265" r:id="rId11"/>
+    <p:sldId id="268" r:id="rId12"/>
+    <p:sldId id="267" r:id="rId13"/>
+    <p:sldId id="266" r:id="rId14"/>
+    <p:sldId id="256" r:id="rId15"/>
+    <p:sldId id="257" r:id="rId16"/>
+    <p:sldId id="258" r:id="rId17"/>
+    <p:sldId id="259" r:id="rId18"/>
+    <p:sldId id="260" r:id="rId19"/>
+    <p:sldId id="261" r:id="rId20"/>
+    <p:sldId id="262" r:id="rId21"/>
+    <p:sldId id="270" r:id="rId22"/>
+    <p:sldId id="272" r:id="rId23"/>
+    <p:sldId id="271" r:id="rId24"/>
   </p:sldIdLst>
   <p:sldSz cx="12192000" cy="6858000"/>
   <p:notesSz cx="6858000" cy="9144000"/>
@@ -222,7 +232,7 @@
           <a:p>
             <a:fld id="{54C52192-B826-4AE0-9CD6-BEA9467D12B3}" type="datetimeFigureOut">
               <a:rPr lang="nb-NO" smtClean="0"/>
-              <a:t>26.10.2017</a:t>
+              <a:t>28.10.2017</a:t>
             </a:fld>
             <a:endParaRPr lang="nb-NO"/>
           </a:p>
@@ -387,7 +397,7 @@
           <a:p>
             <a:fld id="{2696BCB2-2760-41B1-A1BE-7886EF110FCB}" type="datetimeFigureOut">
               <a:rPr lang="nb-NO" smtClean="0"/>
-              <a:t>26.10.2017</a:t>
+              <a:t>28.10.2017</a:t>
             </a:fld>
             <a:endParaRPr lang="nb-NO"/>
           </a:p>
@@ -4020,6 +4030,401 @@
 </file>
 
 <file path=ppt/slideLayouts/slideLayout20.xml><?xml version="1.0" encoding="utf-8"?>
+<p:sldLayout xmlns:a="http://schemas.openxmlformats.org/drawingml/2006/main" xmlns:r="http://schemas.openxmlformats.org/officeDocument/2006/relationships" xmlns:p="http://schemas.openxmlformats.org/presentationml/2006/main" showMasterSp="0" type="title">
+  <p:cSld name="Kapittelforside">
+    <p:spTree>
+      <p:nvGrpSpPr>
+        <p:cNvPr id="1" name=""/>
+        <p:cNvGrpSpPr/>
+        <p:nvPr/>
+      </p:nvGrpSpPr>
+      <p:grpSpPr>
+        <a:xfrm>
+          <a:off x="0" y="0"/>
+          <a:ext cx="0" cy="0"/>
+          <a:chOff x="0" y="0"/>
+          <a:chExt cx="0" cy="0"/>
+        </a:xfrm>
+      </p:grpSpPr>
+      <p:sp>
+        <p:nvSpPr>
+          <p:cNvPr id="2" name="Title 1"/>
+          <p:cNvSpPr>
+            <a:spLocks noGrp="1"/>
+          </p:cNvSpPr>
+          <p:nvPr>
+            <p:ph type="ctrTitle"/>
+          </p:nvPr>
+        </p:nvSpPr>
+        <p:spPr>
+          <a:xfrm>
+            <a:off x="1524000" y="2450303"/>
+            <a:ext cx="9144000" cy="923925"/>
+          </a:xfrm>
+        </p:spPr>
+        <p:txBody>
+          <a:bodyPr anchor="b">
+            <a:noAutofit/>
+          </a:bodyPr>
+          <a:lstStyle>
+            <a:lvl1pPr algn="ctr">
+              <a:defRPr sz="4500"/>
+            </a:lvl1pPr>
+          </a:lstStyle>
+          <a:p>
+            <a:r>
+              <a:rPr lang="en-US" noProof="0" smtClean="0"/>
+              <a:t>Click to edit Master title style</a:t>
+            </a:r>
+            <a:endParaRPr lang="nb-NO" noProof="0" dirty="0"/>
+          </a:p>
+        </p:txBody>
+      </p:sp>
+      <p:sp>
+        <p:nvSpPr>
+          <p:cNvPr id="3" name="Subtitle 2"/>
+          <p:cNvSpPr>
+            <a:spLocks noGrp="1"/>
+          </p:cNvSpPr>
+          <p:nvPr>
+            <p:ph type="subTitle" idx="1"/>
+          </p:nvPr>
+        </p:nvSpPr>
+        <p:spPr>
+          <a:xfrm>
+            <a:off x="1524000" y="3814762"/>
+            <a:ext cx="9144000" cy="778669"/>
+          </a:xfrm>
+        </p:spPr>
+        <p:txBody>
+          <a:bodyPr>
+            <a:noAutofit/>
+          </a:bodyPr>
+          <a:lstStyle>
+            <a:lvl1pPr marL="0" indent="0" algn="ctr">
+              <a:buNone/>
+              <a:defRPr sz="2500"/>
+            </a:lvl1pPr>
+            <a:lvl2pPr marL="457200" indent="0" algn="ctr">
+              <a:buNone/>
+              <a:defRPr sz="2000"/>
+            </a:lvl2pPr>
+            <a:lvl3pPr marL="914400" indent="0" algn="ctr">
+              <a:buNone/>
+              <a:defRPr sz="1800"/>
+            </a:lvl3pPr>
+            <a:lvl4pPr marL="1371600" indent="0" algn="ctr">
+              <a:buNone/>
+              <a:defRPr sz="1600"/>
+            </a:lvl4pPr>
+            <a:lvl5pPr marL="1828800" indent="0" algn="ctr">
+              <a:buNone/>
+              <a:defRPr sz="1600"/>
+            </a:lvl5pPr>
+            <a:lvl6pPr marL="2286000" indent="0" algn="ctr">
+              <a:buNone/>
+              <a:defRPr sz="1600"/>
+            </a:lvl6pPr>
+            <a:lvl7pPr marL="2743200" indent="0" algn="ctr">
+              <a:buNone/>
+              <a:defRPr sz="1600"/>
+            </a:lvl7pPr>
+            <a:lvl8pPr marL="3200400" indent="0" algn="ctr">
+              <a:buNone/>
+              <a:defRPr sz="1600"/>
+            </a:lvl8pPr>
+            <a:lvl9pPr marL="3657600" indent="0" algn="ctr">
+              <a:buNone/>
+              <a:defRPr sz="1600"/>
+            </a:lvl9pPr>
+          </a:lstStyle>
+          <a:p>
+            <a:r>
+              <a:rPr lang="en-US" noProof="0" smtClean="0"/>
+              <a:t>Click to edit Master subtitle style</a:t>
+            </a:r>
+            <a:endParaRPr lang="nb-NO" noProof="0" dirty="0"/>
+          </a:p>
+        </p:txBody>
+      </p:sp>
+      <p:sp>
+        <p:nvSpPr>
+          <p:cNvPr id="6" name="Slide Number Placeholder 5"/>
+          <p:cNvSpPr>
+            <a:spLocks noGrp="1"/>
+          </p:cNvSpPr>
+          <p:nvPr>
+            <p:ph type="sldNum" sz="quarter" idx="12"/>
+          </p:nvPr>
+        </p:nvSpPr>
+        <p:spPr>
+          <a:xfrm>
+            <a:off x="11415713" y="6492875"/>
+            <a:ext cx="512762" cy="365125"/>
+          </a:xfrm>
+          <a:prstGeom prst="rect">
+            <a:avLst/>
+          </a:prstGeom>
+        </p:spPr>
+        <p:txBody>
+          <a:bodyPr/>
+          <a:lstStyle/>
+          <a:p>
+            <a:fld id="{618FBC2E-150B-49D4-A5E9-D014A10F5E5B}" type="slidenum">
+              <a:rPr lang="nb-NO" smtClean="0"/>
+              <a:t>‹#›</a:t>
+            </a:fld>
+            <a:endParaRPr lang="nb-NO"/>
+          </a:p>
+        </p:txBody>
+      </p:sp>
+      <p:grpSp>
+        <p:nvGrpSpPr>
+          <p:cNvPr id="7" name="Group 6"/>
+          <p:cNvGrpSpPr/>
+          <p:nvPr userDrawn="1"/>
+        </p:nvGrpSpPr>
+        <p:grpSpPr>
+          <a:xfrm>
+            <a:off x="5760721" y="1617044"/>
+            <a:ext cx="683394" cy="683394"/>
+            <a:chOff x="5293895" y="2030930"/>
+            <a:chExt cx="683394" cy="683394"/>
+          </a:xfrm>
+        </p:grpSpPr>
+        <p:sp>
+          <p:nvSpPr>
+            <p:cNvPr id="8" name="Oval 7"/>
+            <p:cNvSpPr/>
+            <p:nvPr/>
+          </p:nvSpPr>
+          <p:spPr>
+            <a:xfrm>
+              <a:off x="5476775" y="2213810"/>
+              <a:ext cx="317634" cy="317634"/>
+            </a:xfrm>
+            <a:prstGeom prst="ellipse">
+              <a:avLst/>
+            </a:prstGeom>
+            <a:noFill/>
+            <a:ln w="50800">
+              <a:solidFill>
+                <a:srgbClr val="FA6100"/>
+              </a:solidFill>
+            </a:ln>
+          </p:spPr>
+          <p:style>
+            <a:lnRef idx="2">
+              <a:schemeClr val="accent1">
+                <a:shade val="50000"/>
+              </a:schemeClr>
+            </a:lnRef>
+            <a:fillRef idx="1">
+              <a:schemeClr val="accent1"/>
+            </a:fillRef>
+            <a:effectRef idx="0">
+              <a:schemeClr val="accent1"/>
+            </a:effectRef>
+            <a:fontRef idx="minor">
+              <a:schemeClr val="lt1"/>
+            </a:fontRef>
+          </p:style>
+          <p:txBody>
+            <a:bodyPr rtlCol="0" anchor="ctr"/>
+            <a:lstStyle/>
+            <a:p>
+              <a:pPr algn="ctr"/>
+              <a:endParaRPr lang="en-US"/>
+            </a:p>
+          </p:txBody>
+        </p:sp>
+        <p:sp>
+          <p:nvSpPr>
+            <p:cNvPr id="9" name="Oval 8"/>
+            <p:cNvSpPr/>
+            <p:nvPr/>
+          </p:nvSpPr>
+          <p:spPr>
+            <a:xfrm>
+              <a:off x="5293895" y="2030930"/>
+              <a:ext cx="683394" cy="683394"/>
+            </a:xfrm>
+            <a:prstGeom prst="ellipse">
+              <a:avLst/>
+            </a:prstGeom>
+            <a:noFill/>
+            <a:ln w="50800">
+              <a:solidFill>
+                <a:srgbClr val="FA6100"/>
+              </a:solidFill>
+            </a:ln>
+          </p:spPr>
+          <p:style>
+            <a:lnRef idx="2">
+              <a:schemeClr val="accent1">
+                <a:shade val="50000"/>
+              </a:schemeClr>
+            </a:lnRef>
+            <a:fillRef idx="1">
+              <a:schemeClr val="accent1"/>
+            </a:fillRef>
+            <a:effectRef idx="0">
+              <a:schemeClr val="accent1"/>
+            </a:effectRef>
+            <a:fontRef idx="minor">
+              <a:schemeClr val="lt1"/>
+            </a:fontRef>
+          </p:style>
+          <p:txBody>
+            <a:bodyPr rtlCol="0" anchor="ctr"/>
+            <a:lstStyle/>
+            <a:p>
+              <a:pPr algn="ctr"/>
+              <a:endParaRPr lang="en-US"/>
+            </a:p>
+          </p:txBody>
+        </p:sp>
+      </p:grpSp>
+      <p:grpSp>
+        <p:nvGrpSpPr>
+          <p:cNvPr id="11" name="Group 10"/>
+          <p:cNvGrpSpPr/>
+          <p:nvPr userDrawn="1"/>
+        </p:nvGrpSpPr>
+        <p:grpSpPr>
+          <a:xfrm>
+            <a:off x="11950995" y="657823"/>
+            <a:ext cx="241005" cy="659219"/>
+            <a:chOff x="11950995" y="552893"/>
+            <a:chExt cx="241005" cy="659219"/>
+          </a:xfrm>
+        </p:grpSpPr>
+        <p:sp>
+          <p:nvSpPr>
+            <p:cNvPr id="12" name="Rectangle 11"/>
+            <p:cNvSpPr/>
+            <p:nvPr/>
+          </p:nvSpPr>
+          <p:spPr>
+            <a:xfrm>
+              <a:off x="11950995" y="552893"/>
+              <a:ext cx="241005" cy="659219"/>
+            </a:xfrm>
+            <a:prstGeom prst="rect">
+              <a:avLst/>
+            </a:prstGeom>
+            <a:solidFill>
+              <a:schemeClr val="tx1"/>
+            </a:solidFill>
+            <a:ln>
+              <a:noFill/>
+            </a:ln>
+          </p:spPr>
+          <p:style>
+            <a:lnRef idx="2">
+              <a:schemeClr val="accent1">
+                <a:shade val="50000"/>
+              </a:schemeClr>
+            </a:lnRef>
+            <a:fillRef idx="1">
+              <a:schemeClr val="accent1"/>
+            </a:fillRef>
+            <a:effectRef idx="0">
+              <a:schemeClr val="accent1"/>
+            </a:effectRef>
+            <a:fontRef idx="minor">
+              <a:schemeClr val="lt1"/>
+            </a:fontRef>
+          </p:style>
+          <p:txBody>
+            <a:bodyPr rtlCol="0" anchor="ctr"/>
+            <a:lstStyle/>
+            <a:p>
+              <a:pPr algn="ctr"/>
+              <a:endParaRPr lang="en-US"/>
+            </a:p>
+          </p:txBody>
+        </p:sp>
+        <p:pic>
+          <p:nvPicPr>
+            <p:cNvPr id="13" name="Picture 12"/>
+            <p:cNvPicPr>
+              <a:picLocks noChangeAspect="1"/>
+            </p:cNvPicPr>
+            <p:nvPr/>
+          </p:nvPicPr>
+          <p:blipFill>
+            <a:blip r:embed="rId2" cstate="screen">
+              <a:extLst>
+                <a:ext uri="{28A0092B-C50C-407E-A947-70E740481C1C}">
+                  <a14:useLocalDpi xmlns:a14="http://schemas.microsoft.com/office/drawing/2010/main"/>
+                </a:ext>
+              </a:extLst>
+            </a:blip>
+            <a:stretch>
+              <a:fillRect/>
+            </a:stretch>
+          </p:blipFill>
+          <p:spPr>
+            <a:xfrm rot="5400000">
+              <a:off x="11829714" y="828836"/>
+              <a:ext cx="506509" cy="139290"/>
+            </a:xfrm>
+            <a:prstGeom prst="rect">
+              <a:avLst/>
+            </a:prstGeom>
+          </p:spPr>
+        </p:pic>
+      </p:grpSp>
+      <p:cxnSp>
+        <p:nvCxnSpPr>
+          <p:cNvPr id="14" name="Straight Connector 13"/>
+          <p:cNvCxnSpPr/>
+          <p:nvPr userDrawn="1"/>
+        </p:nvCxnSpPr>
+        <p:spPr>
+          <a:xfrm>
+            <a:off x="5635357" y="3538611"/>
+            <a:ext cx="900000" cy="0"/>
+          </a:xfrm>
+          <a:prstGeom prst="line">
+            <a:avLst/>
+          </a:prstGeom>
+          <a:ln w="25400">
+            <a:solidFill>
+              <a:schemeClr val="tx1"/>
+            </a:solidFill>
+          </a:ln>
+        </p:spPr>
+        <p:style>
+          <a:lnRef idx="1">
+            <a:schemeClr val="accent1"/>
+          </a:lnRef>
+          <a:fillRef idx="0">
+            <a:schemeClr val="accent1"/>
+          </a:fillRef>
+          <a:effectRef idx="0">
+            <a:schemeClr val="accent1"/>
+          </a:effectRef>
+          <a:fontRef idx="minor">
+            <a:schemeClr val="tx1"/>
+          </a:fontRef>
+        </p:style>
+      </p:cxnSp>
+    </p:spTree>
+    <p:extLst>
+      <p:ext uri="{BB962C8B-B14F-4D97-AF65-F5344CB8AC3E}">
+        <p14:creationId xmlns:p14="http://schemas.microsoft.com/office/powerpoint/2010/main" val="1191893233"/>
+      </p:ext>
+    </p:extLst>
+  </p:cSld>
+  <p:clrMapOvr>
+    <a:masterClrMapping/>
+  </p:clrMapOvr>
+</p:sldLayout>
+</file>
+
+<file path=ppt/slideLayouts/slideLayout21.xml><?xml version="1.0" encoding="utf-8"?>
 <p:sldLayout xmlns:a="http://schemas.openxmlformats.org/drawingml/2006/main" xmlns:r="http://schemas.openxmlformats.org/officeDocument/2006/relationships" xmlns:p="http://schemas.openxmlformats.org/presentationml/2006/main" preserve="1" userDrawn="1">
   <p:cSld name="Første steg">
     <p:spTree>
@@ -4467,7 +4872,7 @@
 </p:sldLayout>
 </file>
 
-<file path=ppt/slideLayouts/slideLayout21.xml><?xml version="1.0" encoding="utf-8"?>
+<file path=ppt/slideLayouts/slideLayout22.xml><?xml version="1.0" encoding="utf-8"?>
 <p:sldLayout xmlns:a="http://schemas.openxmlformats.org/drawingml/2006/main" xmlns:r="http://schemas.openxmlformats.org/officeDocument/2006/relationships" xmlns:p="http://schemas.openxmlformats.org/presentationml/2006/main" preserve="1" userDrawn="1">
   <p:cSld name="Mellomsteg tekst og bilde">
     <p:spTree>
@@ -4770,7 +5175,7 @@
 </p:sldLayout>
 </file>
 
-<file path=ppt/slideLayouts/slideLayout22.xml><?xml version="1.0" encoding="utf-8"?>
+<file path=ppt/slideLayouts/slideLayout23.xml><?xml version="1.0" encoding="utf-8"?>
 <p:sldLayout xmlns:a="http://schemas.openxmlformats.org/drawingml/2006/main" xmlns:r="http://schemas.openxmlformats.org/officeDocument/2006/relationships" xmlns:p="http://schemas.openxmlformats.org/presentationml/2006/main" preserve="1" userDrawn="1">
   <p:cSld name="Mellomsteg bare tittel">
     <p:spTree>
@@ -4958,7 +5363,7 @@
 </p:sldLayout>
 </file>
 
-<file path=ppt/slideLayouts/slideLayout23.xml><?xml version="1.0" encoding="utf-8"?>
+<file path=ppt/slideLayouts/slideLayout24.xml><?xml version="1.0" encoding="utf-8"?>
 <p:sldLayout xmlns:a="http://schemas.openxmlformats.org/drawingml/2006/main" xmlns:r="http://schemas.openxmlformats.org/officeDocument/2006/relationships" xmlns:p="http://schemas.openxmlformats.org/presentationml/2006/main" preserve="1" userDrawn="1">
   <p:cSld name="Mellomsteg tre bilder">
     <p:spTree>
@@ -5463,7 +5868,7 @@
 </p:sldLayout>
 </file>
 
-<file path=ppt/slideLayouts/slideLayout24.xml><?xml version="1.0" encoding="utf-8"?>
+<file path=ppt/slideLayouts/slideLayout25.xml><?xml version="1.0" encoding="utf-8"?>
 <p:sldLayout xmlns:a="http://schemas.openxmlformats.org/drawingml/2006/main" xmlns:r="http://schemas.openxmlformats.org/officeDocument/2006/relationships" xmlns:p="http://schemas.openxmlformats.org/presentationml/2006/main" preserve="1" userDrawn="1">
   <p:cSld name="Siste steg">
     <p:spTree>
@@ -8586,7 +8991,7 @@
             <p:nvPr/>
           </p:nvPicPr>
           <p:blipFill>
-            <a:blip r:embed="rId15" cstate="screen">
+            <a:blip r:embed="rId16" cstate="screen">
               <a:extLst>
                 <a:ext uri="{28A0092B-C50C-407E-A947-70E740481C1C}">
                   <a14:useLocalDpi xmlns:a14="http://schemas.microsoft.com/office/drawing/2010/main"/>
@@ -8696,6 +9101,7 @@
     <p:sldLayoutId id="2147483704" r:id="rId11"/>
     <p:sldLayoutId id="2147483710" r:id="rId12"/>
     <p:sldLayoutId id="2147483693" r:id="rId13"/>
+    <p:sldLayoutId id="2147483713" r:id="rId14"/>
   </p:sldLayoutIdLst>
   <p:txStyles>
     <p:titleStyle>
@@ -9638,45 +10044,7 @@
       </p:grpSpPr>
       <p:sp>
         <p:nvSpPr>
-          <p:cNvPr id="2" name="Content Placeholder 1"/>
-          <p:cNvSpPr>
-            <a:spLocks noGrp="1"/>
-          </p:cNvSpPr>
-          <p:nvPr>
-            <p:ph idx="1"/>
-          </p:nvPr>
-        </p:nvSpPr>
-        <p:spPr/>
-        <p:txBody>
-          <a:bodyPr/>
-          <a:lstStyle/>
-          <a:p>
-            <a:r>
-              <a:rPr lang="nb-NO" dirty="0"/>
-              <a:t>Representerer en operasjon som skal utføres på alle objekter i en objekt-struktur</a:t>
-            </a:r>
-            <a:r>
-              <a:rPr lang="nb-NO" dirty="0" smtClean="0"/>
-              <a:t>.</a:t>
-            </a:r>
-          </a:p>
-          <a:p>
-            <a:r>
-              <a:rPr lang="nb-NO" dirty="0"/>
-              <a:t>Med Visitor kan man legge til nye operasjoner uten å endre på klassene i objekt-strukturen.</a:t>
-            </a:r>
-          </a:p>
-          <a:p>
-            <a:pPr marL="357187" lvl="1" indent="0">
-              <a:buNone/>
-            </a:pPr>
-            <a:endParaRPr lang="nb-NO" dirty="0"/>
-          </a:p>
-        </p:txBody>
-      </p:sp>
-      <p:sp>
-        <p:nvSpPr>
-          <p:cNvPr id="3" name="Title 2"/>
+          <p:cNvPr id="5" name="Tittel 4"/>
           <p:cNvSpPr>
             <a:spLocks noGrp="1"/>
           </p:cNvSpPr>
@@ -9691,7 +10059,46 @@
           <a:p>
             <a:r>
               <a:rPr lang="nb-NO" dirty="0" smtClean="0"/>
-              <a:t>Visitor - hensikt</a:t>
+              <a:t>Visitor og </a:t>
+            </a:r>
+            <a:r>
+              <a:rPr lang="nb-NO" dirty="0" err="1" smtClean="0"/>
+              <a:t>Strategy</a:t>
+            </a:r>
+            <a:endParaRPr lang="nb-NO" dirty="0"/>
+          </a:p>
+        </p:txBody>
+      </p:sp>
+      <p:sp>
+        <p:nvSpPr>
+          <p:cNvPr id="6" name="Undertittel 5"/>
+          <p:cNvSpPr>
+            <a:spLocks noGrp="1"/>
+          </p:cNvSpPr>
+          <p:nvPr>
+            <p:ph type="subTitle" idx="1"/>
+          </p:nvPr>
+        </p:nvSpPr>
+        <p:spPr/>
+        <p:txBody>
+          <a:bodyPr/>
+          <a:lstStyle/>
+          <a:p>
+            <a:r>
+              <a:rPr lang="nb-NO" dirty="0" smtClean="0"/>
+              <a:t>Systemutviklerskolen: </a:t>
+            </a:r>
+            <a:r>
+              <a:rPr lang="nb-NO" dirty="0" err="1" smtClean="0"/>
+              <a:t>Hands-on</a:t>
+            </a:r>
+            <a:r>
+              <a:rPr lang="nb-NO" dirty="0" smtClean="0"/>
+              <a:t> design </a:t>
+            </a:r>
+            <a:r>
+              <a:rPr lang="nb-NO" dirty="0" err="1" smtClean="0"/>
+              <a:t>patterns</a:t>
             </a:r>
             <a:endParaRPr lang="nb-NO" dirty="0"/>
           </a:p>
@@ -9700,7 +10107,7 @@
     </p:spTree>
     <p:extLst>
       <p:ext uri="{BB962C8B-B14F-4D97-AF65-F5344CB8AC3E}">
-        <p14:creationId xmlns:p14="http://schemas.microsoft.com/office/powerpoint/2010/main" val="2302386445"/>
+        <p14:creationId xmlns:p14="http://schemas.microsoft.com/office/powerpoint/2010/main" val="2166879095"/>
       </p:ext>
     </p:extLst>
   </p:cSld>
@@ -9710,492 +10117,14 @@
   <p:timing>
     <p:tnLst>
       <p:par>
-        <p:cTn id="1" dur="indefinite" restart="never" nodeType="tmRoot">
-          <p:childTnLst>
-            <p:seq concurrent="1" nextAc="seek">
-              <p:cTn id="2" dur="indefinite" nodeType="mainSeq">
-                <p:childTnLst>
-                  <p:par>
-                    <p:cTn id="3" fill="hold">
-                      <p:stCondLst>
-                        <p:cond delay="indefinite"/>
-                      </p:stCondLst>
-                      <p:childTnLst>
-                        <p:par>
-                          <p:cTn id="4" fill="hold">
-                            <p:stCondLst>
-                              <p:cond delay="0"/>
-                            </p:stCondLst>
-                            <p:childTnLst>
-                              <p:par>
-                                <p:cTn id="5" presetID="1" presetClass="entr" presetSubtype="0" fill="hold" grpId="0" nodeType="clickEffect">
-                                  <p:stCondLst>
-                                    <p:cond delay="0"/>
-                                  </p:stCondLst>
-                                  <p:childTnLst>
-                                    <p:set>
-                                      <p:cBhvr>
-                                        <p:cTn id="6" dur="1" fill="hold">
-                                          <p:stCondLst>
-                                            <p:cond delay="0"/>
-                                          </p:stCondLst>
-                                        </p:cTn>
-                                        <p:tgtEl>
-                                          <p:spTgt spid="2">
-                                            <p:txEl>
-                                              <p:pRg st="0" end="0"/>
-                                            </p:txEl>
-                                          </p:spTgt>
-                                        </p:tgtEl>
-                                        <p:attrNameLst>
-                                          <p:attrName>style.visibility</p:attrName>
-                                        </p:attrNameLst>
-                                      </p:cBhvr>
-                                      <p:to>
-                                        <p:strVal val="visible"/>
-                                      </p:to>
-                                    </p:set>
-                                  </p:childTnLst>
-                                </p:cTn>
-                              </p:par>
-                            </p:childTnLst>
-                          </p:cTn>
-                        </p:par>
-                      </p:childTnLst>
-                    </p:cTn>
-                  </p:par>
-                  <p:par>
-                    <p:cTn id="7" fill="hold">
-                      <p:stCondLst>
-                        <p:cond delay="indefinite"/>
-                      </p:stCondLst>
-                      <p:childTnLst>
-                        <p:par>
-                          <p:cTn id="8" fill="hold">
-                            <p:stCondLst>
-                              <p:cond delay="0"/>
-                            </p:stCondLst>
-                            <p:childTnLst>
-                              <p:par>
-                                <p:cTn id="9" presetID="1" presetClass="entr" presetSubtype="0" fill="hold" grpId="0" nodeType="clickEffect">
-                                  <p:stCondLst>
-                                    <p:cond delay="0"/>
-                                  </p:stCondLst>
-                                  <p:childTnLst>
-                                    <p:set>
-                                      <p:cBhvr>
-                                        <p:cTn id="10" dur="1" fill="hold">
-                                          <p:stCondLst>
-                                            <p:cond delay="0"/>
-                                          </p:stCondLst>
-                                        </p:cTn>
-                                        <p:tgtEl>
-                                          <p:spTgt spid="2">
-                                            <p:txEl>
-                                              <p:pRg st="1" end="1"/>
-                                            </p:txEl>
-                                          </p:spTgt>
-                                        </p:tgtEl>
-                                        <p:attrNameLst>
-                                          <p:attrName>style.visibility</p:attrName>
-                                        </p:attrNameLst>
-                                      </p:cBhvr>
-                                      <p:to>
-                                        <p:strVal val="visible"/>
-                                      </p:to>
-                                    </p:set>
-                                  </p:childTnLst>
-                                </p:cTn>
-                              </p:par>
-                            </p:childTnLst>
-                          </p:cTn>
-                        </p:par>
-                      </p:childTnLst>
-                    </p:cTn>
-                  </p:par>
-                </p:childTnLst>
-              </p:cTn>
-              <p:prevCondLst>
-                <p:cond evt="onPrev" delay="0">
-                  <p:tgtEl>
-                    <p:sldTgt/>
-                  </p:tgtEl>
-                </p:cond>
-              </p:prevCondLst>
-              <p:nextCondLst>
-                <p:cond evt="onNext" delay="0">
-                  <p:tgtEl>
-                    <p:sldTgt/>
-                  </p:tgtEl>
-                </p:cond>
-              </p:nextCondLst>
-            </p:seq>
-          </p:childTnLst>
-        </p:cTn>
+        <p:cTn id="1" dur="indefinite" restart="never" nodeType="tmRoot"/>
       </p:par>
     </p:tnLst>
-    <p:bldLst>
-      <p:bldP spid="2" grpId="0" uiExpand="1" build="p"/>
-    </p:bldLst>
   </p:timing>
 </p:sld>
 </file>
 
-<file path=ppt/slides/slide2.xml><?xml version="1.0" encoding="utf-8"?>
-<p:sld xmlns:a="http://schemas.openxmlformats.org/drawingml/2006/main" xmlns:r="http://schemas.openxmlformats.org/officeDocument/2006/relationships" xmlns:p="http://schemas.openxmlformats.org/presentationml/2006/main">
-  <p:cSld>
-    <p:spTree>
-      <p:nvGrpSpPr>
-        <p:cNvPr id="1" name=""/>
-        <p:cNvGrpSpPr/>
-        <p:nvPr/>
-      </p:nvGrpSpPr>
-      <p:grpSpPr>
-        <a:xfrm>
-          <a:off x="0" y="0"/>
-          <a:ext cx="0" cy="0"/>
-          <a:chOff x="0" y="0"/>
-          <a:chExt cx="0" cy="0"/>
-        </a:xfrm>
-      </p:grpSpPr>
-      <p:sp>
-        <p:nvSpPr>
-          <p:cNvPr id="2" name="Content Placeholder 1"/>
-          <p:cNvSpPr>
-            <a:spLocks noGrp="1"/>
-          </p:cNvSpPr>
-          <p:nvPr>
-            <p:ph idx="1"/>
-          </p:nvPr>
-        </p:nvSpPr>
-        <p:spPr/>
-        <p:txBody>
-          <a:bodyPr/>
-          <a:lstStyle/>
-          <a:p>
-            <a:r>
-              <a:rPr lang="nb-NO" dirty="0"/>
-              <a:t>Man har en objekt-struktur som består av ulike typer (klasser), og man ønsker å traversere gjennom elementene for å utføre en operasjon som er implementert ulikt for de ulike typene.</a:t>
-            </a:r>
-          </a:p>
-          <a:p>
-            <a:r>
-              <a:rPr lang="nb-NO" dirty="0"/>
-              <a:t>En måte å løse problemet på er ved å bruke arv, hvor hver sub-type implementerer sin variant av operasjonen.</a:t>
-            </a:r>
-          </a:p>
-          <a:p>
-            <a:pPr lvl="1"/>
-            <a:r>
-              <a:rPr lang="nb-NO" dirty="0"/>
-              <a:t>Dette kan medføre brudd på Single-</a:t>
-            </a:r>
-            <a:r>
-              <a:rPr lang="nb-NO" dirty="0" err="1"/>
-              <a:t>responsibility</a:t>
-            </a:r>
-            <a:r>
-              <a:rPr lang="nb-NO" dirty="0"/>
-              <a:t> prinsippet da operasjonen ikke nødvendigvis hører hjemme i klassen, og bare er aktuell </a:t>
-            </a:r>
-            <a:r>
-              <a:rPr lang="nb-NO" dirty="0" err="1"/>
-              <a:t>ifm</a:t>
-            </a:r>
-            <a:r>
-              <a:rPr lang="nb-NO" dirty="0"/>
-              <a:t> traverseringen.</a:t>
-            </a:r>
-          </a:p>
-          <a:p>
-            <a:pPr lvl="1"/>
-            <a:r>
-              <a:rPr lang="nb-NO" dirty="0"/>
-              <a:t>Dersom det blir behov for en ny type operasjon, må alle klassene implementere denne, som er et brudd på Open/</a:t>
-            </a:r>
-            <a:r>
-              <a:rPr lang="nb-NO" dirty="0" err="1"/>
-              <a:t>Closed</a:t>
-            </a:r>
-            <a:r>
-              <a:rPr lang="nb-NO" dirty="0"/>
-              <a:t> prinsippet.</a:t>
-            </a:r>
-          </a:p>
-          <a:p>
-            <a:pPr marL="0" indent="0">
-              <a:buNone/>
-            </a:pPr>
-            <a:endParaRPr lang="nb-NO" dirty="0"/>
-          </a:p>
-        </p:txBody>
-      </p:sp>
-      <p:sp>
-        <p:nvSpPr>
-          <p:cNvPr id="3" name="Title 2"/>
-          <p:cNvSpPr>
-            <a:spLocks noGrp="1"/>
-          </p:cNvSpPr>
-          <p:nvPr>
-            <p:ph type="title"/>
-          </p:nvPr>
-        </p:nvSpPr>
-        <p:spPr/>
-        <p:txBody>
-          <a:bodyPr/>
-          <a:lstStyle/>
-          <a:p>
-            <a:r>
-              <a:rPr lang="nb-NO" dirty="0" smtClean="0"/>
-              <a:t>Visitor - bakgrunn</a:t>
-            </a:r>
-            <a:endParaRPr lang="nb-NO" dirty="0"/>
-          </a:p>
-        </p:txBody>
-      </p:sp>
-    </p:spTree>
-    <p:extLst>
-      <p:ext uri="{BB962C8B-B14F-4D97-AF65-F5344CB8AC3E}">
-        <p14:creationId xmlns:p14="http://schemas.microsoft.com/office/powerpoint/2010/main" val="697017918"/>
-      </p:ext>
-    </p:extLst>
-  </p:cSld>
-  <p:clrMapOvr>
-    <a:masterClrMapping/>
-  </p:clrMapOvr>
-  <p:timing>
-    <p:tnLst>
-      <p:par>
-        <p:cTn id="1" dur="indefinite" restart="never" nodeType="tmRoot">
-          <p:childTnLst>
-            <p:seq concurrent="1" nextAc="seek">
-              <p:cTn id="2" dur="indefinite" nodeType="mainSeq">
-                <p:childTnLst>
-                  <p:par>
-                    <p:cTn id="3" fill="hold">
-                      <p:stCondLst>
-                        <p:cond delay="indefinite"/>
-                      </p:stCondLst>
-                      <p:childTnLst>
-                        <p:par>
-                          <p:cTn id="4" fill="hold">
-                            <p:stCondLst>
-                              <p:cond delay="0"/>
-                            </p:stCondLst>
-                            <p:childTnLst>
-                              <p:par>
-                                <p:cTn id="5" presetID="1" presetClass="entr" presetSubtype="0" fill="hold" grpId="0" nodeType="clickEffect">
-                                  <p:stCondLst>
-                                    <p:cond delay="0"/>
-                                  </p:stCondLst>
-                                  <p:childTnLst>
-                                    <p:set>
-                                      <p:cBhvr>
-                                        <p:cTn id="6" dur="1" fill="hold">
-                                          <p:stCondLst>
-                                            <p:cond delay="0"/>
-                                          </p:stCondLst>
-                                        </p:cTn>
-                                        <p:tgtEl>
-                                          <p:spTgt spid="2">
-                                            <p:txEl>
-                                              <p:pRg st="0" end="0"/>
-                                            </p:txEl>
-                                          </p:spTgt>
-                                        </p:tgtEl>
-                                        <p:attrNameLst>
-                                          <p:attrName>style.visibility</p:attrName>
-                                        </p:attrNameLst>
-                                      </p:cBhvr>
-                                      <p:to>
-                                        <p:strVal val="visible"/>
-                                      </p:to>
-                                    </p:set>
-                                  </p:childTnLst>
-                                </p:cTn>
-                              </p:par>
-                            </p:childTnLst>
-                          </p:cTn>
-                        </p:par>
-                      </p:childTnLst>
-                    </p:cTn>
-                  </p:par>
-                  <p:par>
-                    <p:cTn id="7" fill="hold">
-                      <p:stCondLst>
-                        <p:cond delay="indefinite"/>
-                      </p:stCondLst>
-                      <p:childTnLst>
-                        <p:par>
-                          <p:cTn id="8" fill="hold">
-                            <p:stCondLst>
-                              <p:cond delay="0"/>
-                            </p:stCondLst>
-                            <p:childTnLst>
-                              <p:par>
-                                <p:cTn id="9" presetID="1" presetClass="entr" presetSubtype="0" fill="hold" grpId="0" nodeType="clickEffect">
-                                  <p:stCondLst>
-                                    <p:cond delay="0"/>
-                                  </p:stCondLst>
-                                  <p:childTnLst>
-                                    <p:set>
-                                      <p:cBhvr>
-                                        <p:cTn id="10" dur="1" fill="hold">
-                                          <p:stCondLst>
-                                            <p:cond delay="0"/>
-                                          </p:stCondLst>
-                                        </p:cTn>
-                                        <p:tgtEl>
-                                          <p:spTgt spid="2">
-                                            <p:txEl>
-                                              <p:pRg st="1" end="1"/>
-                                            </p:txEl>
-                                          </p:spTgt>
-                                        </p:tgtEl>
-                                        <p:attrNameLst>
-                                          <p:attrName>style.visibility</p:attrName>
-                                        </p:attrNameLst>
-                                      </p:cBhvr>
-                                      <p:to>
-                                        <p:strVal val="visible"/>
-                                      </p:to>
-                                    </p:set>
-                                  </p:childTnLst>
-                                </p:cTn>
-                              </p:par>
-                            </p:childTnLst>
-                          </p:cTn>
-                        </p:par>
-                      </p:childTnLst>
-                    </p:cTn>
-                  </p:par>
-                  <p:par>
-                    <p:cTn id="11" fill="hold">
-                      <p:stCondLst>
-                        <p:cond delay="indefinite"/>
-                      </p:stCondLst>
-                      <p:childTnLst>
-                        <p:par>
-                          <p:cTn id="12" fill="hold">
-                            <p:stCondLst>
-                              <p:cond delay="0"/>
-                            </p:stCondLst>
-                            <p:childTnLst>
-                              <p:par>
-                                <p:cTn id="13" presetID="1" presetClass="entr" presetSubtype="0" fill="hold" grpId="0" nodeType="clickEffect">
-                                  <p:stCondLst>
-                                    <p:cond delay="0"/>
-                                  </p:stCondLst>
-                                  <p:childTnLst>
-                                    <p:set>
-                                      <p:cBhvr>
-                                        <p:cTn id="14" dur="1" fill="hold">
-                                          <p:stCondLst>
-                                            <p:cond delay="0"/>
-                                          </p:stCondLst>
-                                        </p:cTn>
-                                        <p:tgtEl>
-                                          <p:spTgt spid="2">
-                                            <p:txEl>
-                                              <p:pRg st="2" end="2"/>
-                                            </p:txEl>
-                                          </p:spTgt>
-                                        </p:tgtEl>
-                                        <p:attrNameLst>
-                                          <p:attrName>style.visibility</p:attrName>
-                                        </p:attrNameLst>
-                                      </p:cBhvr>
-                                      <p:to>
-                                        <p:strVal val="visible"/>
-                                      </p:to>
-                                    </p:set>
-                                  </p:childTnLst>
-                                </p:cTn>
-                              </p:par>
-                            </p:childTnLst>
-                          </p:cTn>
-                        </p:par>
-                      </p:childTnLst>
-                    </p:cTn>
-                  </p:par>
-                  <p:par>
-                    <p:cTn id="15" fill="hold">
-                      <p:stCondLst>
-                        <p:cond delay="indefinite"/>
-                      </p:stCondLst>
-                      <p:childTnLst>
-                        <p:par>
-                          <p:cTn id="16" fill="hold">
-                            <p:stCondLst>
-                              <p:cond delay="0"/>
-                            </p:stCondLst>
-                            <p:childTnLst>
-                              <p:par>
-                                <p:cTn id="17" presetID="1" presetClass="entr" presetSubtype="0" fill="hold" grpId="0" nodeType="clickEffect">
-                                  <p:stCondLst>
-                                    <p:cond delay="0"/>
-                                  </p:stCondLst>
-                                  <p:childTnLst>
-                                    <p:set>
-                                      <p:cBhvr>
-                                        <p:cTn id="18" dur="1" fill="hold">
-                                          <p:stCondLst>
-                                            <p:cond delay="0"/>
-                                          </p:stCondLst>
-                                        </p:cTn>
-                                        <p:tgtEl>
-                                          <p:spTgt spid="2">
-                                            <p:txEl>
-                                              <p:pRg st="3" end="3"/>
-                                            </p:txEl>
-                                          </p:spTgt>
-                                        </p:tgtEl>
-                                        <p:attrNameLst>
-                                          <p:attrName>style.visibility</p:attrName>
-                                        </p:attrNameLst>
-                                      </p:cBhvr>
-                                      <p:to>
-                                        <p:strVal val="visible"/>
-                                      </p:to>
-                                    </p:set>
-                                  </p:childTnLst>
-                                </p:cTn>
-                              </p:par>
-                            </p:childTnLst>
-                          </p:cTn>
-                        </p:par>
-                      </p:childTnLst>
-                    </p:cTn>
-                  </p:par>
-                </p:childTnLst>
-              </p:cTn>
-              <p:prevCondLst>
-                <p:cond evt="onPrev" delay="0">
-                  <p:tgtEl>
-                    <p:sldTgt/>
-                  </p:tgtEl>
-                </p:cond>
-              </p:prevCondLst>
-              <p:nextCondLst>
-                <p:cond evt="onNext" delay="0">
-                  <p:tgtEl>
-                    <p:sldTgt/>
-                  </p:tgtEl>
-                </p:cond>
-              </p:nextCondLst>
-            </p:seq>
-          </p:childTnLst>
-        </p:cTn>
-      </p:par>
-    </p:tnLst>
-    <p:bldLst>
-      <p:bldP spid="2" grpId="0" uiExpand="1" build="p"/>
-    </p:bldLst>
-  </p:timing>
-</p:sld>
-</file>
-
-<file path=ppt/slides/slide3.xml><?xml version="1.0" encoding="utf-8"?>
+<file path=ppt/slides/slide10.xml><?xml version="1.0" encoding="utf-8"?>
 <p:sld xmlns:a="http://schemas.openxmlformats.org/drawingml/2006/main" xmlns:r="http://schemas.openxmlformats.org/officeDocument/2006/relationships" xmlns:p="http://schemas.openxmlformats.org/presentationml/2006/main">
   <p:cSld>
     <p:spTree>
@@ -10245,7 +10174,7 @@
           <p:cNvPr id="6" name="Picture 2" descr="Visitor Pattern - UML Class Diagram">
             <a:extLst>
               <a:ext uri="{FF2B5EF4-FFF2-40B4-BE49-F238E27FC236}">
-                <a16:creationId xmlns:a16="http://schemas.microsoft.com/office/drawing/2014/main" xmlns="" id="{6ECB2638-78CB-4DAA-BB71-94163B2EB52E}"/>
+                <a16:creationId xmlns="" xmlns:a16="http://schemas.microsoft.com/office/drawing/2014/main" id="{6ECB2638-78CB-4DAA-BB71-94163B2EB52E}"/>
               </a:ext>
             </a:extLst>
           </p:cNvPr>
@@ -10307,7 +10236,7 @@
 </p:sld>
 </file>
 
-<file path=ppt/slides/slide4.xml><?xml version="1.0" encoding="utf-8"?>
+<file path=ppt/slides/slide11.xml><?xml version="1.0" encoding="utf-8"?>
 <p:sld xmlns:a="http://schemas.openxmlformats.org/drawingml/2006/main" xmlns:r="http://schemas.openxmlformats.org/officeDocument/2006/relationships" xmlns:p="http://schemas.openxmlformats.org/presentationml/2006/main">
   <p:cSld>
     <p:spTree>
@@ -10388,7 +10317,7 @@
           <p:cNvPr id="5" name="Rektangel 1">
             <a:extLst>
               <a:ext uri="{FF2B5EF4-FFF2-40B4-BE49-F238E27FC236}">
-                <a16:creationId xmlns:a16="http://schemas.microsoft.com/office/drawing/2014/main" xmlns="" id="{3BEF0AC1-9401-4053-82E5-96A4AC358384}"/>
+                <a16:creationId xmlns="" xmlns:a16="http://schemas.microsoft.com/office/drawing/2014/main" id="{3BEF0AC1-9401-4053-82E5-96A4AC358384}"/>
               </a:ext>
             </a:extLst>
           </p:cNvPr>
@@ -11884,7 +11813,7 @@
 </p:sld>
 </file>
 
-<file path=ppt/slides/slide5.xml><?xml version="1.0" encoding="utf-8"?>
+<file path=ppt/slides/slide12.xml><?xml version="1.0" encoding="utf-8"?>
 <p:sld xmlns:a="http://schemas.openxmlformats.org/drawingml/2006/main" xmlns:r="http://schemas.openxmlformats.org/officeDocument/2006/relationships" xmlns:p="http://schemas.openxmlformats.org/presentationml/2006/main">
   <p:cSld>
     <p:spTree>
@@ -11965,7 +11894,7 @@
           <p:cNvPr id="7" name="Rektangel 1">
             <a:extLst>
               <a:ext uri="{FF2B5EF4-FFF2-40B4-BE49-F238E27FC236}">
-                <a16:creationId xmlns:a16="http://schemas.microsoft.com/office/drawing/2014/main" xmlns="" id="{63988271-58E0-4D95-9B6F-CBA92D24F708}"/>
+                <a16:creationId xmlns="" xmlns:a16="http://schemas.microsoft.com/office/drawing/2014/main" id="{63988271-58E0-4D95-9B6F-CBA92D24F708}"/>
               </a:ext>
             </a:extLst>
           </p:cNvPr>
@@ -13232,7 +13161,7 @@
 </p:sld>
 </file>
 
-<file path=ppt/slides/slide6.xml><?xml version="1.0" encoding="utf-8"?>
+<file path=ppt/slides/slide13.xml><?xml version="1.0" encoding="utf-8"?>
 <p:sld xmlns:a="http://schemas.openxmlformats.org/drawingml/2006/main" xmlns:r="http://schemas.openxmlformats.org/officeDocument/2006/relationships" xmlns:p="http://schemas.openxmlformats.org/presentationml/2006/main">
   <p:cSld>
     <p:spTree>
@@ -13313,7 +13242,7 @@
           <p:cNvPr id="5" name="Rektangel 1">
             <a:extLst>
               <a:ext uri="{FF2B5EF4-FFF2-40B4-BE49-F238E27FC236}">
-                <a16:creationId xmlns:a16="http://schemas.microsoft.com/office/drawing/2014/main" xmlns="" id="{FA736312-75CA-4887-9F29-9AF851C77593}"/>
+                <a16:creationId xmlns="" xmlns:a16="http://schemas.microsoft.com/office/drawing/2014/main" id="{FA736312-75CA-4887-9F29-9AF851C77593}"/>
               </a:ext>
             </a:extLst>
           </p:cNvPr>
@@ -14700,7 +14629,7 @@
 </p:sld>
 </file>
 
-<file path=ppt/slides/slide7.xml><?xml version="1.0" encoding="utf-8"?>
+<file path=ppt/slides/slide14.xml><?xml version="1.0" encoding="utf-8"?>
 <p:sld xmlns:a="http://schemas.openxmlformats.org/drawingml/2006/main" xmlns:r="http://schemas.openxmlformats.org/officeDocument/2006/relationships" xmlns:p="http://schemas.openxmlformats.org/presentationml/2006/main">
   <p:cSld>
     <p:spTree>
@@ -14842,6 +14771,2079 @@
     <p:extLst>
       <p:ext uri="{BB962C8B-B14F-4D97-AF65-F5344CB8AC3E}">
         <p14:creationId xmlns:p14="http://schemas.microsoft.com/office/powerpoint/2010/main" val="771176593"/>
+      </p:ext>
+    </p:extLst>
+  </p:cSld>
+  <p:clrMapOvr>
+    <a:masterClrMapping/>
+  </p:clrMapOvr>
+  <p:timing>
+    <p:tnLst>
+      <p:par>
+        <p:cTn id="1" dur="indefinite" restart="never" nodeType="tmRoot">
+          <p:childTnLst>
+            <p:seq concurrent="1" nextAc="seek">
+              <p:cTn id="2" dur="indefinite" nodeType="mainSeq">
+                <p:childTnLst>
+                  <p:par>
+                    <p:cTn id="3" fill="hold">
+                      <p:stCondLst>
+                        <p:cond delay="indefinite"/>
+                      </p:stCondLst>
+                      <p:childTnLst>
+                        <p:par>
+                          <p:cTn id="4" fill="hold">
+                            <p:stCondLst>
+                              <p:cond delay="0"/>
+                            </p:stCondLst>
+                            <p:childTnLst>
+                              <p:par>
+                                <p:cTn id="5" presetID="1" presetClass="entr" presetSubtype="0" fill="hold" grpId="0" nodeType="clickEffect">
+                                  <p:stCondLst>
+                                    <p:cond delay="0"/>
+                                  </p:stCondLst>
+                                  <p:childTnLst>
+                                    <p:set>
+                                      <p:cBhvr>
+                                        <p:cTn id="6" dur="1" fill="hold">
+                                          <p:stCondLst>
+                                            <p:cond delay="0"/>
+                                          </p:stCondLst>
+                                        </p:cTn>
+                                        <p:tgtEl>
+                                          <p:spTgt spid="2">
+                                            <p:txEl>
+                                              <p:pRg st="0" end="0"/>
+                                            </p:txEl>
+                                          </p:spTgt>
+                                        </p:tgtEl>
+                                        <p:attrNameLst>
+                                          <p:attrName>style.visibility</p:attrName>
+                                        </p:attrNameLst>
+                                      </p:cBhvr>
+                                      <p:to>
+                                        <p:strVal val="visible"/>
+                                      </p:to>
+                                    </p:set>
+                                  </p:childTnLst>
+                                </p:cTn>
+                              </p:par>
+                            </p:childTnLst>
+                          </p:cTn>
+                        </p:par>
+                      </p:childTnLst>
+                    </p:cTn>
+                  </p:par>
+                  <p:par>
+                    <p:cTn id="7" fill="hold">
+                      <p:stCondLst>
+                        <p:cond delay="indefinite"/>
+                      </p:stCondLst>
+                      <p:childTnLst>
+                        <p:par>
+                          <p:cTn id="8" fill="hold">
+                            <p:stCondLst>
+                              <p:cond delay="0"/>
+                            </p:stCondLst>
+                            <p:childTnLst>
+                              <p:par>
+                                <p:cTn id="9" presetID="1" presetClass="entr" presetSubtype="0" fill="hold" grpId="0" nodeType="clickEffect">
+                                  <p:stCondLst>
+                                    <p:cond delay="0"/>
+                                  </p:stCondLst>
+                                  <p:childTnLst>
+                                    <p:set>
+                                      <p:cBhvr>
+                                        <p:cTn id="10" dur="1" fill="hold">
+                                          <p:stCondLst>
+                                            <p:cond delay="0"/>
+                                          </p:stCondLst>
+                                        </p:cTn>
+                                        <p:tgtEl>
+                                          <p:spTgt spid="2">
+                                            <p:txEl>
+                                              <p:pRg st="1" end="1"/>
+                                            </p:txEl>
+                                          </p:spTgt>
+                                        </p:tgtEl>
+                                        <p:attrNameLst>
+                                          <p:attrName>style.visibility</p:attrName>
+                                        </p:attrNameLst>
+                                      </p:cBhvr>
+                                      <p:to>
+                                        <p:strVal val="visible"/>
+                                      </p:to>
+                                    </p:set>
+                                  </p:childTnLst>
+                                </p:cTn>
+                              </p:par>
+                            </p:childTnLst>
+                          </p:cTn>
+                        </p:par>
+                      </p:childTnLst>
+                    </p:cTn>
+                  </p:par>
+                  <p:par>
+                    <p:cTn id="11" fill="hold">
+                      <p:stCondLst>
+                        <p:cond delay="indefinite"/>
+                      </p:stCondLst>
+                      <p:childTnLst>
+                        <p:par>
+                          <p:cTn id="12" fill="hold">
+                            <p:stCondLst>
+                              <p:cond delay="0"/>
+                            </p:stCondLst>
+                            <p:childTnLst>
+                              <p:par>
+                                <p:cTn id="13" presetID="1" presetClass="entr" presetSubtype="0" fill="hold" grpId="0" nodeType="clickEffect">
+                                  <p:stCondLst>
+                                    <p:cond delay="0"/>
+                                  </p:stCondLst>
+                                  <p:childTnLst>
+                                    <p:set>
+                                      <p:cBhvr>
+                                        <p:cTn id="14" dur="1" fill="hold">
+                                          <p:stCondLst>
+                                            <p:cond delay="0"/>
+                                          </p:stCondLst>
+                                        </p:cTn>
+                                        <p:tgtEl>
+                                          <p:spTgt spid="2">
+                                            <p:txEl>
+                                              <p:pRg st="2" end="2"/>
+                                            </p:txEl>
+                                          </p:spTgt>
+                                        </p:tgtEl>
+                                        <p:attrNameLst>
+                                          <p:attrName>style.visibility</p:attrName>
+                                        </p:attrNameLst>
+                                      </p:cBhvr>
+                                      <p:to>
+                                        <p:strVal val="visible"/>
+                                      </p:to>
+                                    </p:set>
+                                  </p:childTnLst>
+                                </p:cTn>
+                              </p:par>
+                            </p:childTnLst>
+                          </p:cTn>
+                        </p:par>
+                      </p:childTnLst>
+                    </p:cTn>
+                  </p:par>
+                  <p:par>
+                    <p:cTn id="15" fill="hold">
+                      <p:stCondLst>
+                        <p:cond delay="indefinite"/>
+                      </p:stCondLst>
+                      <p:childTnLst>
+                        <p:par>
+                          <p:cTn id="16" fill="hold">
+                            <p:stCondLst>
+                              <p:cond delay="0"/>
+                            </p:stCondLst>
+                            <p:childTnLst>
+                              <p:par>
+                                <p:cTn id="17" presetID="1" presetClass="entr" presetSubtype="0" fill="hold" grpId="0" nodeType="clickEffect">
+                                  <p:stCondLst>
+                                    <p:cond delay="0"/>
+                                  </p:stCondLst>
+                                  <p:childTnLst>
+                                    <p:set>
+                                      <p:cBhvr>
+                                        <p:cTn id="18" dur="1" fill="hold">
+                                          <p:stCondLst>
+                                            <p:cond delay="0"/>
+                                          </p:stCondLst>
+                                        </p:cTn>
+                                        <p:tgtEl>
+                                          <p:spTgt spid="2">
+                                            <p:txEl>
+                                              <p:pRg st="3" end="3"/>
+                                            </p:txEl>
+                                          </p:spTgt>
+                                        </p:tgtEl>
+                                        <p:attrNameLst>
+                                          <p:attrName>style.visibility</p:attrName>
+                                        </p:attrNameLst>
+                                      </p:cBhvr>
+                                      <p:to>
+                                        <p:strVal val="visible"/>
+                                      </p:to>
+                                    </p:set>
+                                  </p:childTnLst>
+                                </p:cTn>
+                              </p:par>
+                            </p:childTnLst>
+                          </p:cTn>
+                        </p:par>
+                      </p:childTnLst>
+                    </p:cTn>
+                  </p:par>
+                </p:childTnLst>
+              </p:cTn>
+              <p:prevCondLst>
+                <p:cond evt="onPrev" delay="0">
+                  <p:tgtEl>
+                    <p:sldTgt/>
+                  </p:tgtEl>
+                </p:cond>
+              </p:prevCondLst>
+              <p:nextCondLst>
+                <p:cond evt="onNext" delay="0">
+                  <p:tgtEl>
+                    <p:sldTgt/>
+                  </p:tgtEl>
+                </p:cond>
+              </p:nextCondLst>
+            </p:seq>
+          </p:childTnLst>
+        </p:cTn>
+      </p:par>
+    </p:tnLst>
+    <p:bldLst>
+      <p:bldP spid="2" grpId="0" uiExpand="1" build="p"/>
+    </p:bldLst>
+  </p:timing>
+</p:sld>
+</file>
+
+<file path=ppt/slides/slide15.xml><?xml version="1.0" encoding="utf-8"?>
+<p:sld xmlns:a="http://schemas.openxmlformats.org/drawingml/2006/main" xmlns:r="http://schemas.openxmlformats.org/officeDocument/2006/relationships" xmlns:p="http://schemas.openxmlformats.org/presentationml/2006/main">
+  <p:cSld>
+    <p:spTree>
+      <p:nvGrpSpPr>
+        <p:cNvPr id="1" name=""/>
+        <p:cNvGrpSpPr/>
+        <p:nvPr/>
+      </p:nvGrpSpPr>
+      <p:grpSpPr>
+        <a:xfrm>
+          <a:off x="0" y="0"/>
+          <a:ext cx="0" cy="0"/>
+          <a:chOff x="0" y="0"/>
+          <a:chExt cx="0" cy="0"/>
+        </a:xfrm>
+      </p:grpSpPr>
+      <p:sp>
+        <p:nvSpPr>
+          <p:cNvPr id="2" name="Tittel 1"/>
+          <p:cNvSpPr>
+            <a:spLocks noGrp="1"/>
+          </p:cNvSpPr>
+          <p:nvPr>
+            <p:ph type="ctrTitle"/>
+          </p:nvPr>
+        </p:nvSpPr>
+        <p:spPr/>
+        <p:txBody>
+          <a:bodyPr/>
+          <a:lstStyle/>
+          <a:p>
+            <a:r>
+              <a:rPr lang="nb-NO" dirty="0" err="1" smtClean="0"/>
+              <a:t>Hands-on</a:t>
+            </a:r>
+            <a:r>
+              <a:rPr lang="nb-NO" dirty="0" smtClean="0"/>
+              <a:t> </a:t>
+            </a:r>
+            <a:r>
+              <a:rPr lang="nb-NO" dirty="0" err="1" smtClean="0"/>
+              <a:t>session</a:t>
+            </a:r>
+            <a:endParaRPr lang="nb-NO" dirty="0"/>
+          </a:p>
+        </p:txBody>
+      </p:sp>
+      <p:sp>
+        <p:nvSpPr>
+          <p:cNvPr id="3" name="Undertittel 2"/>
+          <p:cNvSpPr>
+            <a:spLocks noGrp="1"/>
+          </p:cNvSpPr>
+          <p:nvPr>
+            <p:ph type="subTitle" idx="1"/>
+          </p:nvPr>
+        </p:nvSpPr>
+        <p:spPr/>
+        <p:txBody>
+          <a:bodyPr/>
+          <a:lstStyle/>
+          <a:p>
+            <a:endParaRPr lang="nb-NO" dirty="0"/>
+          </a:p>
+        </p:txBody>
+      </p:sp>
+    </p:spTree>
+    <p:extLst>
+      <p:ext uri="{BB962C8B-B14F-4D97-AF65-F5344CB8AC3E}">
+        <p14:creationId xmlns:p14="http://schemas.microsoft.com/office/powerpoint/2010/main" val="1641850311"/>
+      </p:ext>
+    </p:extLst>
+  </p:cSld>
+  <p:clrMapOvr>
+    <a:masterClrMapping/>
+  </p:clrMapOvr>
+  <p:timing>
+    <p:tnLst>
+      <p:par>
+        <p:cTn id="1" dur="indefinite" restart="never" nodeType="tmRoot"/>
+      </p:par>
+    </p:tnLst>
+  </p:timing>
+</p:sld>
+</file>
+
+<file path=ppt/slides/slide16.xml><?xml version="1.0" encoding="utf-8"?>
+<p:sld xmlns:a="http://schemas.openxmlformats.org/drawingml/2006/main" xmlns:r="http://schemas.openxmlformats.org/officeDocument/2006/relationships" xmlns:p="http://schemas.openxmlformats.org/presentationml/2006/main">
+  <p:cSld>
+    <p:spTree>
+      <p:nvGrpSpPr>
+        <p:cNvPr id="1" name=""/>
+        <p:cNvGrpSpPr/>
+        <p:nvPr/>
+      </p:nvGrpSpPr>
+      <p:grpSpPr>
+        <a:xfrm>
+          <a:off x="0" y="0"/>
+          <a:ext cx="0" cy="0"/>
+          <a:chOff x="0" y="0"/>
+          <a:chExt cx="0" cy="0"/>
+        </a:xfrm>
+      </p:grpSpPr>
+      <p:sp>
+        <p:nvSpPr>
+          <p:cNvPr id="5" name="Plassholder for innhold 4"/>
+          <p:cNvSpPr>
+            <a:spLocks noGrp="1"/>
+          </p:cNvSpPr>
+          <p:nvPr>
+            <p:ph idx="1"/>
+          </p:nvPr>
+        </p:nvSpPr>
+        <p:spPr/>
+        <p:txBody>
+          <a:bodyPr/>
+          <a:lstStyle/>
+          <a:p>
+            <a:r>
+              <a:rPr lang="nb-NO" dirty="0">
+                <a:hlinkClick r:id="rId2"/>
+              </a:rPr>
+              <a:t>https://</a:t>
+            </a:r>
+            <a:r>
+              <a:rPr lang="nb-NO" dirty="0" smtClean="0">
+                <a:hlinkClick r:id="rId2"/>
+              </a:rPr>
+              <a:t>github.com/bouvet/VisitorAndStrategyPattern</a:t>
+            </a:r>
+            <a:endParaRPr lang="nb-NO" dirty="0" smtClean="0"/>
+          </a:p>
+          <a:p>
+            <a:r>
+              <a:rPr lang="nb-NO" dirty="0" smtClean="0"/>
+              <a:t>C# og Java</a:t>
+            </a:r>
+            <a:endParaRPr lang="nb-NO" dirty="0"/>
+          </a:p>
+        </p:txBody>
+      </p:sp>
+      <p:sp>
+        <p:nvSpPr>
+          <p:cNvPr id="4" name="Tittel 3"/>
+          <p:cNvSpPr>
+            <a:spLocks noGrp="1"/>
+          </p:cNvSpPr>
+          <p:nvPr>
+            <p:ph type="title"/>
+          </p:nvPr>
+        </p:nvSpPr>
+        <p:spPr/>
+        <p:txBody>
+          <a:bodyPr/>
+          <a:lstStyle/>
+          <a:p>
+            <a:r>
+              <a:rPr lang="nb-NO" dirty="0" smtClean="0"/>
+              <a:t>Koden finner dere på </a:t>
+            </a:r>
+            <a:r>
+              <a:rPr lang="nb-NO" dirty="0" err="1" smtClean="0"/>
+              <a:t>GitHub</a:t>
+            </a:r>
+            <a:endParaRPr lang="nb-NO" dirty="0"/>
+          </a:p>
+        </p:txBody>
+      </p:sp>
+    </p:spTree>
+    <p:extLst>
+      <p:ext uri="{BB962C8B-B14F-4D97-AF65-F5344CB8AC3E}">
+        <p14:creationId xmlns:p14="http://schemas.microsoft.com/office/powerpoint/2010/main" val="3450875842"/>
+      </p:ext>
+    </p:extLst>
+  </p:cSld>
+  <p:clrMapOvr>
+    <a:masterClrMapping/>
+  </p:clrMapOvr>
+  <p:timing>
+    <p:tnLst>
+      <p:par>
+        <p:cTn id="1" dur="indefinite" restart="never" nodeType="tmRoot"/>
+      </p:par>
+    </p:tnLst>
+  </p:timing>
+</p:sld>
+</file>
+
+<file path=ppt/slides/slide17.xml><?xml version="1.0" encoding="utf-8"?>
+<p:sld xmlns:a="http://schemas.openxmlformats.org/drawingml/2006/main" xmlns:r="http://schemas.openxmlformats.org/officeDocument/2006/relationships" xmlns:p="http://schemas.openxmlformats.org/presentationml/2006/main">
+  <p:cSld>
+    <p:spTree>
+      <p:nvGrpSpPr>
+        <p:cNvPr id="1" name=""/>
+        <p:cNvGrpSpPr/>
+        <p:nvPr/>
+      </p:nvGrpSpPr>
+      <p:grpSpPr>
+        <a:xfrm>
+          <a:off x="0" y="0"/>
+          <a:ext cx="0" cy="0"/>
+          <a:chOff x="0" y="0"/>
+          <a:chExt cx="0" cy="0"/>
+        </a:xfrm>
+      </p:grpSpPr>
+      <p:sp>
+        <p:nvSpPr>
+          <p:cNvPr id="5" name="Plassholder for tekst 4"/>
+          <p:cNvSpPr>
+            <a:spLocks noGrp="1"/>
+          </p:cNvSpPr>
+          <p:nvPr>
+            <p:ph type="body" sz="quarter" idx="13"/>
+          </p:nvPr>
+        </p:nvSpPr>
+        <p:spPr/>
+        <p:txBody>
+          <a:bodyPr/>
+          <a:lstStyle/>
+          <a:p>
+            <a:r>
+              <a:rPr lang="nb-NO" sz="2000" dirty="0" smtClean="0"/>
+              <a:t>Bruk </a:t>
+            </a:r>
+            <a:r>
+              <a:rPr lang="nb-NO" sz="2000" dirty="0" err="1" smtClean="0"/>
+              <a:t>Strategy-pattern</a:t>
+            </a:r>
+            <a:r>
+              <a:rPr lang="nb-NO" sz="2000" dirty="0" smtClean="0"/>
+              <a:t> for å flytte ut rapport-logikken fra Company</a:t>
+            </a:r>
+            <a:endParaRPr lang="nb-NO" sz="2000" dirty="0"/>
+          </a:p>
+        </p:txBody>
+      </p:sp>
+      <p:sp>
+        <p:nvSpPr>
+          <p:cNvPr id="6" name="Plassholder for tekst 5"/>
+          <p:cNvSpPr>
+            <a:spLocks noGrp="1"/>
+          </p:cNvSpPr>
+          <p:nvPr>
+            <p:ph type="body" sz="quarter" idx="14"/>
+          </p:nvPr>
+        </p:nvSpPr>
+        <p:spPr/>
+        <p:txBody>
+          <a:bodyPr/>
+          <a:lstStyle/>
+          <a:p>
+            <a:r>
+              <a:rPr lang="nb-NO" sz="2000" dirty="0" smtClean="0"/>
+              <a:t>Bruk Visitor-</a:t>
+            </a:r>
+            <a:r>
+              <a:rPr lang="nb-NO" sz="2000" dirty="0" err="1" smtClean="0"/>
+              <a:t>pattern</a:t>
+            </a:r>
+            <a:r>
+              <a:rPr lang="nb-NO" sz="2000" dirty="0" smtClean="0"/>
+              <a:t> for å flytte ut kostnadsberegninger fra </a:t>
+            </a:r>
+            <a:r>
+              <a:rPr lang="nb-NO" sz="2000" dirty="0" err="1" smtClean="0"/>
+              <a:t>Employee</a:t>
+            </a:r>
+            <a:r>
+              <a:rPr lang="nb-NO" sz="2000" dirty="0" smtClean="0"/>
+              <a:t> og Consultant</a:t>
+            </a:r>
+            <a:endParaRPr lang="nb-NO" sz="2000" dirty="0"/>
+          </a:p>
+        </p:txBody>
+      </p:sp>
+      <p:sp>
+        <p:nvSpPr>
+          <p:cNvPr id="7" name="Plassholder for tekst 6"/>
+          <p:cNvSpPr>
+            <a:spLocks noGrp="1"/>
+          </p:cNvSpPr>
+          <p:nvPr>
+            <p:ph type="body" sz="quarter" idx="15"/>
+          </p:nvPr>
+        </p:nvSpPr>
+        <p:spPr/>
+        <p:txBody>
+          <a:bodyPr/>
+          <a:lstStyle/>
+          <a:p>
+            <a:r>
+              <a:rPr lang="nb-NO" sz="2000" dirty="0" smtClean="0"/>
+              <a:t>Kombiner Visitor med </a:t>
+            </a:r>
+            <a:r>
+              <a:rPr lang="nb-NO" sz="2000" dirty="0" err="1" smtClean="0"/>
+              <a:t>Strategy</a:t>
+            </a:r>
+            <a:r>
+              <a:rPr lang="nb-NO" sz="2000" dirty="0" smtClean="0"/>
+              <a:t> for å fjerne rapport-relatert kode fra </a:t>
+            </a:r>
+            <a:r>
+              <a:rPr lang="nb-NO" sz="2000" dirty="0" err="1" smtClean="0"/>
+              <a:t>Employee</a:t>
+            </a:r>
+            <a:r>
+              <a:rPr lang="nb-NO" sz="2000" dirty="0" smtClean="0"/>
+              <a:t> og Consultant</a:t>
+            </a:r>
+            <a:endParaRPr lang="nb-NO" sz="2000" dirty="0"/>
+          </a:p>
+        </p:txBody>
+      </p:sp>
+      <p:sp>
+        <p:nvSpPr>
+          <p:cNvPr id="4" name="Tittel 3"/>
+          <p:cNvSpPr>
+            <a:spLocks noGrp="1"/>
+          </p:cNvSpPr>
+          <p:nvPr>
+            <p:ph type="ctrTitle"/>
+          </p:nvPr>
+        </p:nvSpPr>
+        <p:spPr/>
+        <p:txBody>
+          <a:bodyPr/>
+          <a:lstStyle/>
+          <a:p>
+            <a:r>
+              <a:rPr lang="nb-NO" dirty="0" smtClean="0"/>
+              <a:t>Oppgaver</a:t>
+            </a:r>
+            <a:endParaRPr lang="nb-NO" dirty="0"/>
+          </a:p>
+        </p:txBody>
+      </p:sp>
+    </p:spTree>
+    <p:extLst>
+      <p:ext uri="{BB962C8B-B14F-4D97-AF65-F5344CB8AC3E}">
+        <p14:creationId xmlns:p14="http://schemas.microsoft.com/office/powerpoint/2010/main" val="4125141690"/>
+      </p:ext>
+    </p:extLst>
+  </p:cSld>
+  <p:clrMapOvr>
+    <a:masterClrMapping/>
+  </p:clrMapOvr>
+  <p:timing>
+    <p:tnLst>
+      <p:par>
+        <p:cTn id="1" dur="indefinite" restart="never" nodeType="tmRoot"/>
+      </p:par>
+    </p:tnLst>
+  </p:timing>
+</p:sld>
+</file>
+
+<file path=ppt/slides/slide2.xml><?xml version="1.0" encoding="utf-8"?>
+<p:sld xmlns:a="http://schemas.openxmlformats.org/drawingml/2006/main" xmlns:r="http://schemas.openxmlformats.org/officeDocument/2006/relationships" xmlns:p="http://schemas.openxmlformats.org/presentationml/2006/main">
+  <p:cSld>
+    <p:spTree>
+      <p:nvGrpSpPr>
+        <p:cNvPr id="1" name=""/>
+        <p:cNvGrpSpPr/>
+        <p:nvPr/>
+      </p:nvGrpSpPr>
+      <p:grpSpPr>
+        <a:xfrm>
+          <a:off x="0" y="0"/>
+          <a:ext cx="0" cy="0"/>
+          <a:chOff x="0" y="0"/>
+          <a:chExt cx="0" cy="0"/>
+        </a:xfrm>
+      </p:grpSpPr>
+      <p:sp>
+        <p:nvSpPr>
+          <p:cNvPr id="2" name="Tittel 1"/>
+          <p:cNvSpPr>
+            <a:spLocks noGrp="1"/>
+          </p:cNvSpPr>
+          <p:nvPr>
+            <p:ph type="ctrTitle"/>
+          </p:nvPr>
+        </p:nvSpPr>
+        <p:spPr/>
+        <p:txBody>
+          <a:bodyPr/>
+          <a:lstStyle/>
+          <a:p>
+            <a:r>
+              <a:rPr lang="nb-NO" dirty="0" smtClean="0"/>
+              <a:t>Innledning</a:t>
+            </a:r>
+            <a:endParaRPr lang="nb-NO" dirty="0"/>
+          </a:p>
+        </p:txBody>
+      </p:sp>
+      <p:sp>
+        <p:nvSpPr>
+          <p:cNvPr id="3" name="Undertittel 2"/>
+          <p:cNvSpPr>
+            <a:spLocks noGrp="1"/>
+          </p:cNvSpPr>
+          <p:nvPr>
+            <p:ph type="subTitle" idx="1"/>
+          </p:nvPr>
+        </p:nvSpPr>
+        <p:spPr/>
+        <p:txBody>
+          <a:bodyPr/>
+          <a:lstStyle/>
+          <a:p>
+            <a:r>
+              <a:rPr lang="nb-NO" dirty="0" smtClean="0"/>
+              <a:t>Øystein Jakobsen</a:t>
+            </a:r>
+            <a:endParaRPr lang="nb-NO" dirty="0"/>
+          </a:p>
+        </p:txBody>
+      </p:sp>
+    </p:spTree>
+    <p:extLst>
+      <p:ext uri="{BB962C8B-B14F-4D97-AF65-F5344CB8AC3E}">
+        <p14:creationId xmlns:p14="http://schemas.microsoft.com/office/powerpoint/2010/main" val="3698609642"/>
+      </p:ext>
+    </p:extLst>
+  </p:cSld>
+  <p:clrMapOvr>
+    <a:masterClrMapping/>
+  </p:clrMapOvr>
+  <p:timing>
+    <p:tnLst>
+      <p:par>
+        <p:cTn id="1" dur="indefinite" restart="never" nodeType="tmRoot"/>
+      </p:par>
+    </p:tnLst>
+  </p:timing>
+</p:sld>
+</file>
+
+<file path=ppt/slides/slide3.xml><?xml version="1.0" encoding="utf-8"?>
+<p:sld xmlns:a="http://schemas.openxmlformats.org/drawingml/2006/main" xmlns:r="http://schemas.openxmlformats.org/officeDocument/2006/relationships" xmlns:p="http://schemas.openxmlformats.org/presentationml/2006/main">
+  <p:cSld>
+    <p:spTree>
+      <p:nvGrpSpPr>
+        <p:cNvPr id="1" name=""/>
+        <p:cNvGrpSpPr/>
+        <p:nvPr/>
+      </p:nvGrpSpPr>
+      <p:grpSpPr>
+        <a:xfrm>
+          <a:off x="0" y="0"/>
+          <a:ext cx="0" cy="0"/>
+          <a:chOff x="0" y="0"/>
+          <a:chExt cx="0" cy="0"/>
+        </a:xfrm>
+      </p:grpSpPr>
+      <p:sp>
+        <p:nvSpPr>
+          <p:cNvPr id="8" name="Tittel 7"/>
+          <p:cNvSpPr>
+            <a:spLocks noGrp="1"/>
+          </p:cNvSpPr>
+          <p:nvPr>
+            <p:ph type="title"/>
+          </p:nvPr>
+        </p:nvSpPr>
+        <p:spPr/>
+        <p:txBody>
+          <a:bodyPr/>
+          <a:lstStyle/>
+          <a:p>
+            <a:r>
+              <a:rPr lang="nb-NO" dirty="0" smtClean="0"/>
+              <a:t>Hva og hvorfor</a:t>
+            </a:r>
+            <a:endParaRPr lang="nb-NO" dirty="0"/>
+          </a:p>
+        </p:txBody>
+      </p:sp>
+      <p:sp>
+        <p:nvSpPr>
+          <p:cNvPr id="9" name="Plassholder for innhold 8"/>
+          <p:cNvSpPr>
+            <a:spLocks noGrp="1"/>
+          </p:cNvSpPr>
+          <p:nvPr>
+            <p:ph idx="1"/>
+          </p:nvPr>
+        </p:nvSpPr>
+        <p:spPr/>
+        <p:txBody>
+          <a:bodyPr/>
+          <a:lstStyle/>
+          <a:p>
+            <a:r>
+              <a:rPr lang="nb-NO" dirty="0" smtClean="0"/>
+              <a:t>Standardløsninger på vanlige problemer</a:t>
+            </a:r>
+          </a:p>
+          <a:p>
+            <a:r>
+              <a:rPr lang="nb-NO" dirty="0" smtClean="0"/>
+              <a:t>Godt dokumenterte</a:t>
+            </a:r>
+          </a:p>
+          <a:p>
+            <a:r>
+              <a:rPr lang="nb-NO" dirty="0" smtClean="0"/>
+              <a:t>Godt forståtte</a:t>
+            </a:r>
+          </a:p>
+          <a:p>
+            <a:r>
+              <a:rPr lang="nb-NO" dirty="0" smtClean="0"/>
+              <a:t>Språknøytrale</a:t>
+            </a:r>
+          </a:p>
+        </p:txBody>
+      </p:sp>
+      <p:pic>
+        <p:nvPicPr>
+          <p:cNvPr id="1026" name="Picture 2" descr="https://images-na.ssl-images-amazon.com/images/I/81gtKoapHFL.jpg"/>
+          <p:cNvPicPr>
+            <a:picLocks noChangeAspect="1" noChangeArrowheads="1"/>
+          </p:cNvPicPr>
+          <p:nvPr/>
+        </p:nvPicPr>
+        <p:blipFill>
+          <a:blip r:embed="rId2" cstate="print">
+            <a:extLst>
+              <a:ext uri="{28A0092B-C50C-407E-A947-70E740481C1C}">
+                <a14:useLocalDpi xmlns:a14="http://schemas.microsoft.com/office/drawing/2010/main" val="0"/>
+              </a:ext>
+            </a:extLst>
+          </a:blip>
+          <a:srcRect/>
+          <a:stretch>
+            <a:fillRect/>
+          </a:stretch>
+        </p:blipFill>
+        <p:spPr bwMode="auto">
+          <a:xfrm>
+            <a:off x="6982029" y="365125"/>
+            <a:ext cx="4619402" cy="5811837"/>
+          </a:xfrm>
+          <a:prstGeom prst="rect">
+            <a:avLst/>
+          </a:prstGeom>
+          <a:noFill/>
+          <a:extLst>
+            <a:ext uri="{909E8E84-426E-40DD-AFC4-6F175D3DCCD1}">
+              <a14:hiddenFill xmlns:a14="http://schemas.microsoft.com/office/drawing/2010/main">
+                <a:solidFill>
+                  <a:srgbClr val="FFFFFF"/>
+                </a:solidFill>
+              </a14:hiddenFill>
+            </a:ext>
+          </a:extLst>
+        </p:spPr>
+      </p:pic>
+      <p:pic>
+        <p:nvPicPr>
+          <p:cNvPr id="1030" name="Picture 6" descr="https://images-na.ssl-images-amazon.com/images/I/51eqtvacK7L._SX376_BO1,204,203,200_.jpg"/>
+          <p:cNvPicPr>
+            <a:picLocks noChangeAspect="1" noChangeArrowheads="1"/>
+          </p:cNvPicPr>
+          <p:nvPr/>
+        </p:nvPicPr>
+        <p:blipFill>
+          <a:blip r:embed="rId3">
+            <a:extLst>
+              <a:ext uri="{28A0092B-C50C-407E-A947-70E740481C1C}">
+                <a14:useLocalDpi xmlns:a14="http://schemas.microsoft.com/office/drawing/2010/main" val="0"/>
+              </a:ext>
+            </a:extLst>
+          </a:blip>
+          <a:srcRect/>
+          <a:stretch>
+            <a:fillRect/>
+          </a:stretch>
+        </p:blipFill>
+        <p:spPr bwMode="auto">
+          <a:xfrm>
+            <a:off x="8615869" y="3233777"/>
+            <a:ext cx="2688986" cy="3549747"/>
+          </a:xfrm>
+          <a:prstGeom prst="rect">
+            <a:avLst/>
+          </a:prstGeom>
+          <a:noFill/>
+          <a:extLst>
+            <a:ext uri="{909E8E84-426E-40DD-AFC4-6F175D3DCCD1}">
+              <a14:hiddenFill xmlns:a14="http://schemas.microsoft.com/office/drawing/2010/main">
+                <a:solidFill>
+                  <a:srgbClr val="FFFFFF"/>
+                </a:solidFill>
+              </a14:hiddenFill>
+            </a:ext>
+          </a:extLst>
+        </p:spPr>
+      </p:pic>
+      <p:pic>
+        <p:nvPicPr>
+          <p:cNvPr id="1032" name="Picture 8" descr="https://www.martinfowler.com/books/eaa.jpg"/>
+          <p:cNvPicPr>
+            <a:picLocks noChangeAspect="1" noChangeArrowheads="1"/>
+          </p:cNvPicPr>
+          <p:nvPr/>
+        </p:nvPicPr>
+        <p:blipFill>
+          <a:blip r:embed="rId4">
+            <a:extLst>
+              <a:ext uri="{28A0092B-C50C-407E-A947-70E740481C1C}">
+                <a14:useLocalDpi xmlns:a14="http://schemas.microsoft.com/office/drawing/2010/main" val="0"/>
+              </a:ext>
+            </a:extLst>
+          </a:blip>
+          <a:srcRect/>
+          <a:stretch>
+            <a:fillRect/>
+          </a:stretch>
+        </p:blipFill>
+        <p:spPr bwMode="auto">
+          <a:xfrm>
+            <a:off x="5310676" y="2410239"/>
+            <a:ext cx="2826204" cy="3544060"/>
+          </a:xfrm>
+          <a:prstGeom prst="rect">
+            <a:avLst/>
+          </a:prstGeom>
+          <a:noFill/>
+          <a:extLst>
+            <a:ext uri="{909E8E84-426E-40DD-AFC4-6F175D3DCCD1}">
+              <a14:hiddenFill xmlns:a14="http://schemas.microsoft.com/office/drawing/2010/main">
+                <a:solidFill>
+                  <a:srgbClr val="FFFFFF"/>
+                </a:solidFill>
+              </a14:hiddenFill>
+            </a:ext>
+          </a:extLst>
+        </p:spPr>
+      </p:pic>
+    </p:spTree>
+    <p:extLst>
+      <p:ext uri="{BB962C8B-B14F-4D97-AF65-F5344CB8AC3E}">
+        <p14:creationId xmlns:p14="http://schemas.microsoft.com/office/powerpoint/2010/main" val="1013876649"/>
+      </p:ext>
+    </p:extLst>
+  </p:cSld>
+  <p:clrMapOvr>
+    <a:masterClrMapping/>
+  </p:clrMapOvr>
+  <p:timing>
+    <p:tnLst>
+      <p:par>
+        <p:cTn id="1" dur="indefinite" restart="never" nodeType="tmRoot">
+          <p:childTnLst>
+            <p:seq concurrent="1" nextAc="seek">
+              <p:cTn id="2" dur="indefinite" nodeType="mainSeq">
+                <p:childTnLst>
+                  <p:par>
+                    <p:cTn id="3" fill="hold">
+                      <p:stCondLst>
+                        <p:cond delay="indefinite"/>
+                      </p:stCondLst>
+                      <p:childTnLst>
+                        <p:par>
+                          <p:cTn id="4" fill="hold">
+                            <p:stCondLst>
+                              <p:cond delay="0"/>
+                            </p:stCondLst>
+                            <p:childTnLst>
+                              <p:par>
+                                <p:cTn id="5" presetID="2" presetClass="entr" presetSubtype="4" fill="hold" nodeType="clickEffect">
+                                  <p:stCondLst>
+                                    <p:cond delay="0"/>
+                                  </p:stCondLst>
+                                  <p:childTnLst>
+                                    <p:set>
+                                      <p:cBhvr>
+                                        <p:cTn id="6" dur="1" fill="hold">
+                                          <p:stCondLst>
+                                            <p:cond delay="0"/>
+                                          </p:stCondLst>
+                                        </p:cTn>
+                                        <p:tgtEl>
+                                          <p:spTgt spid="1032"/>
+                                        </p:tgtEl>
+                                        <p:attrNameLst>
+                                          <p:attrName>style.visibility</p:attrName>
+                                        </p:attrNameLst>
+                                      </p:cBhvr>
+                                      <p:to>
+                                        <p:strVal val="visible"/>
+                                      </p:to>
+                                    </p:set>
+                                    <p:anim calcmode="lin" valueType="num">
+                                      <p:cBhvr additive="base">
+                                        <p:cTn id="7" dur="500" fill="hold"/>
+                                        <p:tgtEl>
+                                          <p:spTgt spid="1032"/>
+                                        </p:tgtEl>
+                                        <p:attrNameLst>
+                                          <p:attrName>ppt_x</p:attrName>
+                                        </p:attrNameLst>
+                                      </p:cBhvr>
+                                      <p:tavLst>
+                                        <p:tav tm="0">
+                                          <p:val>
+                                            <p:strVal val="#ppt_x"/>
+                                          </p:val>
+                                        </p:tav>
+                                        <p:tav tm="100000">
+                                          <p:val>
+                                            <p:strVal val="#ppt_x"/>
+                                          </p:val>
+                                        </p:tav>
+                                      </p:tavLst>
+                                    </p:anim>
+                                    <p:anim calcmode="lin" valueType="num">
+                                      <p:cBhvr additive="base">
+                                        <p:cTn id="8" dur="500" fill="hold"/>
+                                        <p:tgtEl>
+                                          <p:spTgt spid="1032"/>
+                                        </p:tgtEl>
+                                        <p:attrNameLst>
+                                          <p:attrName>ppt_y</p:attrName>
+                                        </p:attrNameLst>
+                                      </p:cBhvr>
+                                      <p:tavLst>
+                                        <p:tav tm="0">
+                                          <p:val>
+                                            <p:strVal val="1+#ppt_h/2"/>
+                                          </p:val>
+                                        </p:tav>
+                                        <p:tav tm="100000">
+                                          <p:val>
+                                            <p:strVal val="#ppt_y"/>
+                                          </p:val>
+                                        </p:tav>
+                                      </p:tavLst>
+                                    </p:anim>
+                                  </p:childTnLst>
+                                </p:cTn>
+                              </p:par>
+                            </p:childTnLst>
+                          </p:cTn>
+                        </p:par>
+                      </p:childTnLst>
+                    </p:cTn>
+                  </p:par>
+                  <p:par>
+                    <p:cTn id="9" fill="hold">
+                      <p:stCondLst>
+                        <p:cond delay="indefinite"/>
+                      </p:stCondLst>
+                      <p:childTnLst>
+                        <p:par>
+                          <p:cTn id="10" fill="hold">
+                            <p:stCondLst>
+                              <p:cond delay="0"/>
+                            </p:stCondLst>
+                            <p:childTnLst>
+                              <p:par>
+                                <p:cTn id="11" presetID="2" presetClass="entr" presetSubtype="4" fill="hold" nodeType="clickEffect">
+                                  <p:stCondLst>
+                                    <p:cond delay="0"/>
+                                  </p:stCondLst>
+                                  <p:childTnLst>
+                                    <p:set>
+                                      <p:cBhvr>
+                                        <p:cTn id="12" dur="1" fill="hold">
+                                          <p:stCondLst>
+                                            <p:cond delay="0"/>
+                                          </p:stCondLst>
+                                        </p:cTn>
+                                        <p:tgtEl>
+                                          <p:spTgt spid="1030"/>
+                                        </p:tgtEl>
+                                        <p:attrNameLst>
+                                          <p:attrName>style.visibility</p:attrName>
+                                        </p:attrNameLst>
+                                      </p:cBhvr>
+                                      <p:to>
+                                        <p:strVal val="visible"/>
+                                      </p:to>
+                                    </p:set>
+                                    <p:anim calcmode="lin" valueType="num">
+                                      <p:cBhvr additive="base">
+                                        <p:cTn id="13" dur="500" fill="hold"/>
+                                        <p:tgtEl>
+                                          <p:spTgt spid="1030"/>
+                                        </p:tgtEl>
+                                        <p:attrNameLst>
+                                          <p:attrName>ppt_x</p:attrName>
+                                        </p:attrNameLst>
+                                      </p:cBhvr>
+                                      <p:tavLst>
+                                        <p:tav tm="0">
+                                          <p:val>
+                                            <p:strVal val="#ppt_x"/>
+                                          </p:val>
+                                        </p:tav>
+                                        <p:tav tm="100000">
+                                          <p:val>
+                                            <p:strVal val="#ppt_x"/>
+                                          </p:val>
+                                        </p:tav>
+                                      </p:tavLst>
+                                    </p:anim>
+                                    <p:anim calcmode="lin" valueType="num">
+                                      <p:cBhvr additive="base">
+                                        <p:cTn id="14" dur="500" fill="hold"/>
+                                        <p:tgtEl>
+                                          <p:spTgt spid="1030"/>
+                                        </p:tgtEl>
+                                        <p:attrNameLst>
+                                          <p:attrName>ppt_y</p:attrName>
+                                        </p:attrNameLst>
+                                      </p:cBhvr>
+                                      <p:tavLst>
+                                        <p:tav tm="0">
+                                          <p:val>
+                                            <p:strVal val="1+#ppt_h/2"/>
+                                          </p:val>
+                                        </p:tav>
+                                        <p:tav tm="100000">
+                                          <p:val>
+                                            <p:strVal val="#ppt_y"/>
+                                          </p:val>
+                                        </p:tav>
+                                      </p:tavLst>
+                                    </p:anim>
+                                  </p:childTnLst>
+                                </p:cTn>
+                              </p:par>
+                            </p:childTnLst>
+                          </p:cTn>
+                        </p:par>
+                      </p:childTnLst>
+                    </p:cTn>
+                  </p:par>
+                </p:childTnLst>
+              </p:cTn>
+              <p:prevCondLst>
+                <p:cond evt="onPrev" delay="0">
+                  <p:tgtEl>
+                    <p:sldTgt/>
+                  </p:tgtEl>
+                </p:cond>
+              </p:prevCondLst>
+              <p:nextCondLst>
+                <p:cond evt="onNext" delay="0">
+                  <p:tgtEl>
+                    <p:sldTgt/>
+                  </p:tgtEl>
+                </p:cond>
+              </p:nextCondLst>
+            </p:seq>
+          </p:childTnLst>
+        </p:cTn>
+      </p:par>
+    </p:tnLst>
+  </p:timing>
+</p:sld>
+</file>
+
+<file path=ppt/slides/slide4.xml><?xml version="1.0" encoding="utf-8"?>
+<p:sld xmlns:a="http://schemas.openxmlformats.org/drawingml/2006/main" xmlns:r="http://schemas.openxmlformats.org/officeDocument/2006/relationships" xmlns:p="http://schemas.openxmlformats.org/presentationml/2006/main">
+  <p:cSld>
+    <p:spTree>
+      <p:nvGrpSpPr>
+        <p:cNvPr id="1" name=""/>
+        <p:cNvGrpSpPr/>
+        <p:nvPr/>
+      </p:nvGrpSpPr>
+      <p:grpSpPr>
+        <a:xfrm>
+          <a:off x="0" y="0"/>
+          <a:ext cx="0" cy="0"/>
+          <a:chOff x="0" y="0"/>
+          <a:chExt cx="0" cy="0"/>
+        </a:xfrm>
+      </p:grpSpPr>
+      <p:sp>
+        <p:nvSpPr>
+          <p:cNvPr id="5" name="Tittel 4"/>
+          <p:cNvSpPr>
+            <a:spLocks noGrp="1"/>
+          </p:cNvSpPr>
+          <p:nvPr>
+            <p:ph type="title"/>
+          </p:nvPr>
+        </p:nvSpPr>
+        <p:spPr/>
+        <p:txBody>
+          <a:bodyPr/>
+          <a:lstStyle/>
+          <a:p>
+            <a:r>
+              <a:rPr lang="en-US" dirty="0"/>
+              <a:t>Gang of Four Design Patterns</a:t>
+            </a:r>
+            <a:endParaRPr lang="nb-NO" dirty="0"/>
+          </a:p>
+        </p:txBody>
+      </p:sp>
+      <p:sp>
+        <p:nvSpPr>
+          <p:cNvPr id="6" name="Plassholder for innhold 5"/>
+          <p:cNvSpPr>
+            <a:spLocks noGrp="1"/>
+          </p:cNvSpPr>
+          <p:nvPr>
+            <p:ph idx="1"/>
+          </p:nvPr>
+        </p:nvSpPr>
+        <p:spPr>
+          <a:xfrm>
+            <a:off x="1234800" y="1520687"/>
+            <a:ext cx="4861200" cy="5049078"/>
+          </a:xfrm>
+        </p:spPr>
+        <p:txBody>
+          <a:bodyPr/>
+          <a:lstStyle/>
+          <a:p>
+            <a:r>
+              <a:rPr lang="nb-NO" dirty="0" err="1" smtClean="0"/>
+              <a:t>Creational</a:t>
+            </a:r>
+            <a:r>
+              <a:rPr lang="nb-NO" dirty="0" smtClean="0"/>
+              <a:t> </a:t>
+            </a:r>
+            <a:r>
+              <a:rPr lang="nb-NO" dirty="0" err="1" smtClean="0"/>
+              <a:t>patterns</a:t>
+            </a:r>
+            <a:endParaRPr lang="nb-NO" dirty="0" smtClean="0"/>
+          </a:p>
+          <a:p>
+            <a:pPr lvl="2"/>
+            <a:r>
+              <a:rPr lang="nb-NO" dirty="0" err="1" smtClean="0"/>
+              <a:t>Abstract</a:t>
+            </a:r>
+            <a:r>
+              <a:rPr lang="nb-NO" dirty="0" smtClean="0"/>
+              <a:t> </a:t>
+            </a:r>
+            <a:r>
+              <a:rPr lang="nb-NO" dirty="0" err="1" smtClean="0"/>
+              <a:t>factory</a:t>
+            </a:r>
+            <a:endParaRPr lang="nb-NO" dirty="0" smtClean="0"/>
+          </a:p>
+          <a:p>
+            <a:pPr lvl="2"/>
+            <a:r>
+              <a:rPr lang="nb-NO" dirty="0" smtClean="0"/>
+              <a:t>Builder</a:t>
+            </a:r>
+          </a:p>
+          <a:p>
+            <a:pPr lvl="2"/>
+            <a:r>
+              <a:rPr lang="nb-NO" dirty="0" err="1" smtClean="0"/>
+              <a:t>Factory</a:t>
+            </a:r>
+            <a:r>
+              <a:rPr lang="nb-NO" dirty="0" smtClean="0"/>
+              <a:t> </a:t>
+            </a:r>
+            <a:r>
+              <a:rPr lang="nb-NO" dirty="0" err="1" smtClean="0"/>
+              <a:t>method</a:t>
+            </a:r>
+            <a:endParaRPr lang="nb-NO" dirty="0" smtClean="0"/>
+          </a:p>
+          <a:p>
+            <a:pPr lvl="2"/>
+            <a:r>
+              <a:rPr lang="nb-NO" dirty="0" smtClean="0"/>
+              <a:t>Prototype</a:t>
+            </a:r>
+          </a:p>
+          <a:p>
+            <a:pPr lvl="2"/>
+            <a:r>
+              <a:rPr lang="nb-NO" dirty="0" smtClean="0"/>
+              <a:t>Singleton</a:t>
+            </a:r>
+          </a:p>
+          <a:p>
+            <a:r>
+              <a:rPr lang="nb-NO" dirty="0" err="1" smtClean="0"/>
+              <a:t>Structural</a:t>
+            </a:r>
+            <a:r>
+              <a:rPr lang="nb-NO" dirty="0" smtClean="0"/>
+              <a:t> </a:t>
+            </a:r>
+            <a:r>
+              <a:rPr lang="nb-NO" dirty="0" err="1" smtClean="0"/>
+              <a:t>patterns</a:t>
+            </a:r>
+            <a:endParaRPr lang="nb-NO" dirty="0" smtClean="0"/>
+          </a:p>
+          <a:p>
+            <a:pPr lvl="2"/>
+            <a:r>
+              <a:rPr lang="nb-NO" dirty="0" smtClean="0"/>
+              <a:t>Adapter</a:t>
+            </a:r>
+          </a:p>
+          <a:p>
+            <a:pPr lvl="2"/>
+            <a:r>
+              <a:rPr lang="nb-NO" dirty="0" smtClean="0"/>
+              <a:t>Bridge</a:t>
+            </a:r>
+          </a:p>
+          <a:p>
+            <a:pPr lvl="2"/>
+            <a:r>
+              <a:rPr lang="nb-NO" dirty="0" err="1" smtClean="0"/>
+              <a:t>Composite</a:t>
+            </a:r>
+            <a:endParaRPr lang="nb-NO" dirty="0" smtClean="0"/>
+          </a:p>
+          <a:p>
+            <a:pPr lvl="2"/>
+            <a:r>
+              <a:rPr lang="nb-NO" dirty="0" err="1" smtClean="0"/>
+              <a:t>Decorator</a:t>
+            </a:r>
+            <a:endParaRPr lang="nb-NO" dirty="0" smtClean="0"/>
+          </a:p>
+          <a:p>
+            <a:pPr lvl="2"/>
+            <a:r>
+              <a:rPr lang="nb-NO" dirty="0" err="1" smtClean="0"/>
+              <a:t>Facade</a:t>
+            </a:r>
+            <a:endParaRPr lang="nb-NO" dirty="0" smtClean="0"/>
+          </a:p>
+          <a:p>
+            <a:pPr lvl="2"/>
+            <a:r>
+              <a:rPr lang="nb-NO" dirty="0" err="1" smtClean="0"/>
+              <a:t>Flyweight</a:t>
+            </a:r>
+            <a:endParaRPr lang="nb-NO" dirty="0" smtClean="0"/>
+          </a:p>
+          <a:p>
+            <a:pPr lvl="2"/>
+            <a:r>
+              <a:rPr lang="nb-NO" dirty="0" smtClean="0"/>
+              <a:t>Proxy</a:t>
+            </a:r>
+          </a:p>
+        </p:txBody>
+      </p:sp>
+      <p:sp>
+        <p:nvSpPr>
+          <p:cNvPr id="7" name="Plassholder for innhold 6"/>
+          <p:cNvSpPr>
+            <a:spLocks noGrp="1"/>
+          </p:cNvSpPr>
+          <p:nvPr>
+            <p:ph idx="13"/>
+          </p:nvPr>
+        </p:nvSpPr>
+        <p:spPr>
+          <a:xfrm>
+            <a:off x="6511650" y="1520687"/>
+            <a:ext cx="4869656" cy="5049078"/>
+          </a:xfrm>
+        </p:spPr>
+        <p:txBody>
+          <a:bodyPr/>
+          <a:lstStyle/>
+          <a:p>
+            <a:r>
+              <a:rPr lang="nb-NO" dirty="0" err="1" smtClean="0"/>
+              <a:t>Behavioural</a:t>
+            </a:r>
+            <a:r>
+              <a:rPr lang="nb-NO" dirty="0" smtClean="0"/>
+              <a:t> </a:t>
+            </a:r>
+            <a:r>
+              <a:rPr lang="nb-NO" dirty="0" err="1" smtClean="0"/>
+              <a:t>patterns</a:t>
+            </a:r>
+            <a:endParaRPr lang="nb-NO" dirty="0" smtClean="0"/>
+          </a:p>
+          <a:p>
+            <a:pPr lvl="2"/>
+            <a:r>
+              <a:rPr lang="nb-NO" dirty="0" smtClean="0"/>
+              <a:t>Chain </a:t>
+            </a:r>
+            <a:r>
+              <a:rPr lang="nb-NO" dirty="0" err="1" smtClean="0"/>
+              <a:t>of</a:t>
+            </a:r>
+            <a:r>
+              <a:rPr lang="nb-NO" dirty="0" smtClean="0"/>
+              <a:t> </a:t>
+            </a:r>
+            <a:r>
+              <a:rPr lang="nb-NO" dirty="0" err="1" smtClean="0"/>
+              <a:t>responsibility</a:t>
+            </a:r>
+            <a:endParaRPr lang="nb-NO" dirty="0" smtClean="0"/>
+          </a:p>
+          <a:p>
+            <a:pPr lvl="2"/>
+            <a:r>
+              <a:rPr lang="nb-NO" dirty="0" err="1" smtClean="0"/>
+              <a:t>Command</a:t>
+            </a:r>
+            <a:endParaRPr lang="nb-NO" dirty="0" smtClean="0"/>
+          </a:p>
+          <a:p>
+            <a:pPr lvl="2"/>
+            <a:r>
+              <a:rPr lang="nb-NO" dirty="0" smtClean="0"/>
+              <a:t>Interpreter</a:t>
+            </a:r>
+          </a:p>
+          <a:p>
+            <a:pPr lvl="2"/>
+            <a:r>
+              <a:rPr lang="nb-NO" dirty="0" err="1" smtClean="0"/>
+              <a:t>Iterator</a:t>
+            </a:r>
+            <a:endParaRPr lang="nb-NO" dirty="0" smtClean="0"/>
+          </a:p>
+          <a:p>
+            <a:pPr lvl="2"/>
+            <a:r>
+              <a:rPr lang="nb-NO" dirty="0" err="1" smtClean="0"/>
+              <a:t>Mediator</a:t>
+            </a:r>
+            <a:endParaRPr lang="nb-NO" dirty="0" smtClean="0"/>
+          </a:p>
+          <a:p>
+            <a:pPr lvl="2"/>
+            <a:r>
+              <a:rPr lang="nb-NO" dirty="0" smtClean="0"/>
+              <a:t>Memento</a:t>
+            </a:r>
+          </a:p>
+          <a:p>
+            <a:pPr lvl="2"/>
+            <a:r>
+              <a:rPr lang="nb-NO" dirty="0" smtClean="0"/>
+              <a:t>Observer</a:t>
+            </a:r>
+          </a:p>
+          <a:p>
+            <a:pPr lvl="2"/>
+            <a:r>
+              <a:rPr lang="nb-NO" dirty="0" smtClean="0"/>
+              <a:t>State</a:t>
+            </a:r>
+          </a:p>
+          <a:p>
+            <a:pPr lvl="2"/>
+            <a:r>
+              <a:rPr lang="nb-NO" b="1" dirty="0" err="1" smtClean="0"/>
+              <a:t>Strategy</a:t>
+            </a:r>
+            <a:endParaRPr lang="nb-NO" b="1" dirty="0" smtClean="0"/>
+          </a:p>
+          <a:p>
+            <a:pPr lvl="2"/>
+            <a:r>
+              <a:rPr lang="nb-NO" dirty="0" err="1" smtClean="0"/>
+              <a:t>Template</a:t>
+            </a:r>
+            <a:r>
+              <a:rPr lang="nb-NO" dirty="0" smtClean="0"/>
+              <a:t> </a:t>
+            </a:r>
+            <a:r>
+              <a:rPr lang="nb-NO" dirty="0" err="1" smtClean="0"/>
+              <a:t>method</a:t>
+            </a:r>
+            <a:endParaRPr lang="nb-NO" dirty="0" smtClean="0"/>
+          </a:p>
+          <a:p>
+            <a:pPr lvl="2"/>
+            <a:r>
+              <a:rPr lang="nb-NO" b="1" dirty="0" smtClean="0"/>
+              <a:t>Visitor</a:t>
+            </a:r>
+            <a:endParaRPr lang="nb-NO" b="1" dirty="0"/>
+          </a:p>
+        </p:txBody>
+      </p:sp>
+    </p:spTree>
+    <p:extLst>
+      <p:ext uri="{BB962C8B-B14F-4D97-AF65-F5344CB8AC3E}">
+        <p14:creationId xmlns:p14="http://schemas.microsoft.com/office/powerpoint/2010/main" val="4233883710"/>
+      </p:ext>
+    </p:extLst>
+  </p:cSld>
+  <p:clrMapOvr>
+    <a:masterClrMapping/>
+  </p:clrMapOvr>
+  <p:timing>
+    <p:tnLst>
+      <p:par>
+        <p:cTn id="1" dur="indefinite" restart="never" nodeType="tmRoot"/>
+      </p:par>
+    </p:tnLst>
+  </p:timing>
+</p:sld>
+</file>
+
+<file path=ppt/slides/slide5.xml><?xml version="1.0" encoding="utf-8"?>
+<p:sld xmlns:a="http://schemas.openxmlformats.org/drawingml/2006/main" xmlns:r="http://schemas.openxmlformats.org/officeDocument/2006/relationships" xmlns:p="http://schemas.openxmlformats.org/presentationml/2006/main">
+  <p:cSld>
+    <p:spTree>
+      <p:nvGrpSpPr>
+        <p:cNvPr id="1" name=""/>
+        <p:cNvGrpSpPr/>
+        <p:nvPr/>
+      </p:nvGrpSpPr>
+      <p:grpSpPr>
+        <a:xfrm>
+          <a:off x="0" y="0"/>
+          <a:ext cx="0" cy="0"/>
+          <a:chOff x="0" y="0"/>
+          <a:chExt cx="0" cy="0"/>
+        </a:xfrm>
+      </p:grpSpPr>
+      <p:sp>
+        <p:nvSpPr>
+          <p:cNvPr id="2" name="Tittel 1"/>
+          <p:cNvSpPr>
+            <a:spLocks noGrp="1"/>
+          </p:cNvSpPr>
+          <p:nvPr>
+            <p:ph type="title"/>
+          </p:nvPr>
+        </p:nvSpPr>
+        <p:spPr/>
+        <p:txBody>
+          <a:bodyPr/>
+          <a:lstStyle/>
+          <a:p>
+            <a:r>
+              <a:rPr lang="nb-NO" dirty="0" smtClean="0"/>
+              <a:t>Enterprise Integration </a:t>
+            </a:r>
+            <a:r>
+              <a:rPr lang="nb-NO" dirty="0" err="1" smtClean="0"/>
+              <a:t>Patterns</a:t>
+            </a:r>
+            <a:endParaRPr lang="nb-NO" dirty="0"/>
+          </a:p>
+        </p:txBody>
+      </p:sp>
+      <p:pic>
+        <p:nvPicPr>
+          <p:cNvPr id="2050" name="Picture 2" descr="https://assets.graffletopia.com/production/canvases/137/1973/1400528214/original.png?1400528214"/>
+          <p:cNvPicPr>
+            <a:picLocks noChangeAspect="1" noChangeArrowheads="1"/>
+          </p:cNvPicPr>
+          <p:nvPr/>
+        </p:nvPicPr>
+        <p:blipFill>
+          <a:blip r:embed="rId2">
+            <a:extLst>
+              <a:ext uri="{28A0092B-C50C-407E-A947-70E740481C1C}">
+                <a14:useLocalDpi xmlns:a14="http://schemas.microsoft.com/office/drawing/2010/main" val="0"/>
+              </a:ext>
+            </a:extLst>
+          </a:blip>
+          <a:srcRect/>
+          <a:stretch>
+            <a:fillRect/>
+          </a:stretch>
+        </p:blipFill>
+        <p:spPr bwMode="auto">
+          <a:xfrm>
+            <a:off x="3042893" y="1456082"/>
+            <a:ext cx="6858000" cy="5143501"/>
+          </a:xfrm>
+          <a:prstGeom prst="rect">
+            <a:avLst/>
+          </a:prstGeom>
+          <a:noFill/>
+          <a:extLst>
+            <a:ext uri="{909E8E84-426E-40DD-AFC4-6F175D3DCCD1}">
+              <a14:hiddenFill xmlns:a14="http://schemas.microsoft.com/office/drawing/2010/main">
+                <a:solidFill>
+                  <a:srgbClr val="FFFFFF"/>
+                </a:solidFill>
+              </a14:hiddenFill>
+            </a:ext>
+          </a:extLst>
+        </p:spPr>
+      </p:pic>
+    </p:spTree>
+    <p:extLst>
+      <p:ext uri="{BB962C8B-B14F-4D97-AF65-F5344CB8AC3E}">
+        <p14:creationId xmlns:p14="http://schemas.microsoft.com/office/powerpoint/2010/main" val="3013564781"/>
+      </p:ext>
+    </p:extLst>
+  </p:cSld>
+  <p:clrMapOvr>
+    <a:masterClrMapping/>
+  </p:clrMapOvr>
+  <p:timing>
+    <p:tnLst>
+      <p:par>
+        <p:cTn id="1" dur="indefinite" restart="never" nodeType="tmRoot"/>
+      </p:par>
+    </p:tnLst>
+  </p:timing>
+</p:sld>
+</file>
+
+<file path=ppt/slides/slide6.xml><?xml version="1.0" encoding="utf-8"?>
+<p:sld xmlns:a="http://schemas.openxmlformats.org/drawingml/2006/main" xmlns:r="http://schemas.openxmlformats.org/officeDocument/2006/relationships" xmlns:p="http://schemas.openxmlformats.org/presentationml/2006/main">
+  <p:cSld>
+    <p:spTree>
+      <p:nvGrpSpPr>
+        <p:cNvPr id="1" name=""/>
+        <p:cNvGrpSpPr/>
+        <p:nvPr/>
+      </p:nvGrpSpPr>
+      <p:grpSpPr>
+        <a:xfrm>
+          <a:off x="0" y="0"/>
+          <a:ext cx="0" cy="0"/>
+          <a:chOff x="0" y="0"/>
+          <a:chExt cx="0" cy="0"/>
+        </a:xfrm>
+      </p:grpSpPr>
+      <p:sp>
+        <p:nvSpPr>
+          <p:cNvPr id="2" name="Tittel 1"/>
+          <p:cNvSpPr>
+            <a:spLocks noGrp="1"/>
+          </p:cNvSpPr>
+          <p:nvPr>
+            <p:ph type="ctrTitle"/>
+          </p:nvPr>
+        </p:nvSpPr>
+        <p:spPr/>
+        <p:txBody>
+          <a:bodyPr/>
+          <a:lstStyle/>
+          <a:p>
+            <a:r>
+              <a:rPr lang="nb-NO" dirty="0" err="1" smtClean="0"/>
+              <a:t>Strategy</a:t>
+            </a:r>
+            <a:endParaRPr lang="nb-NO" dirty="0"/>
+          </a:p>
+        </p:txBody>
+      </p:sp>
+      <p:sp>
+        <p:nvSpPr>
+          <p:cNvPr id="3" name="Undertittel 2"/>
+          <p:cNvSpPr>
+            <a:spLocks noGrp="1"/>
+          </p:cNvSpPr>
+          <p:nvPr>
+            <p:ph type="subTitle" idx="1"/>
+          </p:nvPr>
+        </p:nvSpPr>
+        <p:spPr/>
+        <p:txBody>
+          <a:bodyPr/>
+          <a:lstStyle/>
+          <a:p>
+            <a:r>
+              <a:rPr lang="nb-NO" dirty="0" smtClean="0"/>
+              <a:t>Jon-Thomas Eliassen</a:t>
+            </a:r>
+            <a:endParaRPr lang="nb-NO" dirty="0"/>
+          </a:p>
+        </p:txBody>
+      </p:sp>
+    </p:spTree>
+    <p:extLst>
+      <p:ext uri="{BB962C8B-B14F-4D97-AF65-F5344CB8AC3E}">
+        <p14:creationId xmlns:p14="http://schemas.microsoft.com/office/powerpoint/2010/main" val="1611489258"/>
+      </p:ext>
+    </p:extLst>
+  </p:cSld>
+  <p:clrMapOvr>
+    <a:masterClrMapping/>
+  </p:clrMapOvr>
+  <p:timing>
+    <p:tnLst>
+      <p:par>
+        <p:cTn id="1" dur="indefinite" restart="never" nodeType="tmRoot"/>
+      </p:par>
+    </p:tnLst>
+  </p:timing>
+</p:sld>
+</file>
+
+<file path=ppt/slides/slide7.xml><?xml version="1.0" encoding="utf-8"?>
+<p:sld xmlns:a="http://schemas.openxmlformats.org/drawingml/2006/main" xmlns:r="http://schemas.openxmlformats.org/officeDocument/2006/relationships" xmlns:p="http://schemas.openxmlformats.org/presentationml/2006/main">
+  <p:cSld>
+    <p:spTree>
+      <p:nvGrpSpPr>
+        <p:cNvPr id="1" name=""/>
+        <p:cNvGrpSpPr/>
+        <p:nvPr/>
+      </p:nvGrpSpPr>
+      <p:grpSpPr>
+        <a:xfrm>
+          <a:off x="0" y="0"/>
+          <a:ext cx="0" cy="0"/>
+          <a:chOff x="0" y="0"/>
+          <a:chExt cx="0" cy="0"/>
+        </a:xfrm>
+      </p:grpSpPr>
+      <p:sp>
+        <p:nvSpPr>
+          <p:cNvPr id="9" name="Tittel 8"/>
+          <p:cNvSpPr>
+            <a:spLocks noGrp="1"/>
+          </p:cNvSpPr>
+          <p:nvPr>
+            <p:ph type="ctrTitle"/>
+          </p:nvPr>
+        </p:nvSpPr>
+        <p:spPr/>
+        <p:txBody>
+          <a:bodyPr/>
+          <a:lstStyle/>
+          <a:p>
+            <a:r>
+              <a:rPr lang="nb-NO" dirty="0" smtClean="0"/>
+              <a:t>Visitor</a:t>
+            </a:r>
+            <a:endParaRPr lang="nb-NO" dirty="0"/>
+          </a:p>
+        </p:txBody>
+      </p:sp>
+      <p:sp>
+        <p:nvSpPr>
+          <p:cNvPr id="10" name="Undertittel 9"/>
+          <p:cNvSpPr>
+            <a:spLocks noGrp="1"/>
+          </p:cNvSpPr>
+          <p:nvPr>
+            <p:ph type="subTitle" idx="1"/>
+          </p:nvPr>
+        </p:nvSpPr>
+        <p:spPr/>
+        <p:txBody>
+          <a:bodyPr/>
+          <a:lstStyle/>
+          <a:p>
+            <a:r>
+              <a:rPr lang="nb-NO" dirty="0" smtClean="0"/>
+              <a:t>Tor Erstad</a:t>
+            </a:r>
+            <a:endParaRPr lang="nb-NO" dirty="0"/>
+          </a:p>
+        </p:txBody>
+      </p:sp>
+    </p:spTree>
+    <p:extLst>
+      <p:ext uri="{BB962C8B-B14F-4D97-AF65-F5344CB8AC3E}">
+        <p14:creationId xmlns:p14="http://schemas.microsoft.com/office/powerpoint/2010/main" val="1745027018"/>
+      </p:ext>
+    </p:extLst>
+  </p:cSld>
+  <p:clrMapOvr>
+    <a:masterClrMapping/>
+  </p:clrMapOvr>
+  <p:timing>
+    <p:tnLst>
+      <p:par>
+        <p:cTn id="1" dur="indefinite" restart="never" nodeType="tmRoot"/>
+      </p:par>
+    </p:tnLst>
+  </p:timing>
+</p:sld>
+</file>
+
+<file path=ppt/slides/slide8.xml><?xml version="1.0" encoding="utf-8"?>
+<p:sld xmlns:a="http://schemas.openxmlformats.org/drawingml/2006/main" xmlns:r="http://schemas.openxmlformats.org/officeDocument/2006/relationships" xmlns:p="http://schemas.openxmlformats.org/presentationml/2006/main">
+  <p:cSld>
+    <p:spTree>
+      <p:nvGrpSpPr>
+        <p:cNvPr id="1" name=""/>
+        <p:cNvGrpSpPr/>
+        <p:nvPr/>
+      </p:nvGrpSpPr>
+      <p:grpSpPr>
+        <a:xfrm>
+          <a:off x="0" y="0"/>
+          <a:ext cx="0" cy="0"/>
+          <a:chOff x="0" y="0"/>
+          <a:chExt cx="0" cy="0"/>
+        </a:xfrm>
+      </p:grpSpPr>
+      <p:sp>
+        <p:nvSpPr>
+          <p:cNvPr id="2" name="Content Placeholder 1"/>
+          <p:cNvSpPr>
+            <a:spLocks noGrp="1"/>
+          </p:cNvSpPr>
+          <p:nvPr>
+            <p:ph idx="1"/>
+          </p:nvPr>
+        </p:nvSpPr>
+        <p:spPr/>
+        <p:txBody>
+          <a:bodyPr/>
+          <a:lstStyle/>
+          <a:p>
+            <a:r>
+              <a:rPr lang="nb-NO" dirty="0"/>
+              <a:t>Representerer en operasjon som skal utføres på alle objekter i en objekt-struktur</a:t>
+            </a:r>
+            <a:r>
+              <a:rPr lang="nb-NO" dirty="0" smtClean="0"/>
+              <a:t>.</a:t>
+            </a:r>
+          </a:p>
+          <a:p>
+            <a:r>
+              <a:rPr lang="nb-NO" dirty="0"/>
+              <a:t>Med Visitor kan man legge til nye operasjoner uten å endre på klassene i objekt-strukturen.</a:t>
+            </a:r>
+          </a:p>
+          <a:p>
+            <a:pPr marL="357187" lvl="1" indent="0">
+              <a:buNone/>
+            </a:pPr>
+            <a:endParaRPr lang="nb-NO" dirty="0"/>
+          </a:p>
+        </p:txBody>
+      </p:sp>
+      <p:sp>
+        <p:nvSpPr>
+          <p:cNvPr id="3" name="Title 2"/>
+          <p:cNvSpPr>
+            <a:spLocks noGrp="1"/>
+          </p:cNvSpPr>
+          <p:nvPr>
+            <p:ph type="title"/>
+          </p:nvPr>
+        </p:nvSpPr>
+        <p:spPr/>
+        <p:txBody>
+          <a:bodyPr/>
+          <a:lstStyle/>
+          <a:p>
+            <a:r>
+              <a:rPr lang="nb-NO" dirty="0" smtClean="0"/>
+              <a:t>Visitor - hensikt</a:t>
+            </a:r>
+            <a:endParaRPr lang="nb-NO" dirty="0"/>
+          </a:p>
+        </p:txBody>
+      </p:sp>
+    </p:spTree>
+    <p:extLst>
+      <p:ext uri="{BB962C8B-B14F-4D97-AF65-F5344CB8AC3E}">
+        <p14:creationId xmlns:p14="http://schemas.microsoft.com/office/powerpoint/2010/main" val="2302386445"/>
+      </p:ext>
+    </p:extLst>
+  </p:cSld>
+  <p:clrMapOvr>
+    <a:masterClrMapping/>
+  </p:clrMapOvr>
+  <p:timing>
+    <p:tnLst>
+      <p:par>
+        <p:cTn id="1" dur="indefinite" restart="never" nodeType="tmRoot">
+          <p:childTnLst>
+            <p:seq concurrent="1" nextAc="seek">
+              <p:cTn id="2" dur="indefinite" nodeType="mainSeq">
+                <p:childTnLst>
+                  <p:par>
+                    <p:cTn id="3" fill="hold">
+                      <p:stCondLst>
+                        <p:cond delay="indefinite"/>
+                      </p:stCondLst>
+                      <p:childTnLst>
+                        <p:par>
+                          <p:cTn id="4" fill="hold">
+                            <p:stCondLst>
+                              <p:cond delay="0"/>
+                            </p:stCondLst>
+                            <p:childTnLst>
+                              <p:par>
+                                <p:cTn id="5" presetID="1" presetClass="entr" presetSubtype="0" fill="hold" grpId="0" nodeType="clickEffect">
+                                  <p:stCondLst>
+                                    <p:cond delay="0"/>
+                                  </p:stCondLst>
+                                  <p:childTnLst>
+                                    <p:set>
+                                      <p:cBhvr>
+                                        <p:cTn id="6" dur="1" fill="hold">
+                                          <p:stCondLst>
+                                            <p:cond delay="0"/>
+                                          </p:stCondLst>
+                                        </p:cTn>
+                                        <p:tgtEl>
+                                          <p:spTgt spid="2">
+                                            <p:txEl>
+                                              <p:pRg st="0" end="0"/>
+                                            </p:txEl>
+                                          </p:spTgt>
+                                        </p:tgtEl>
+                                        <p:attrNameLst>
+                                          <p:attrName>style.visibility</p:attrName>
+                                        </p:attrNameLst>
+                                      </p:cBhvr>
+                                      <p:to>
+                                        <p:strVal val="visible"/>
+                                      </p:to>
+                                    </p:set>
+                                  </p:childTnLst>
+                                </p:cTn>
+                              </p:par>
+                            </p:childTnLst>
+                          </p:cTn>
+                        </p:par>
+                      </p:childTnLst>
+                    </p:cTn>
+                  </p:par>
+                  <p:par>
+                    <p:cTn id="7" fill="hold">
+                      <p:stCondLst>
+                        <p:cond delay="indefinite"/>
+                      </p:stCondLst>
+                      <p:childTnLst>
+                        <p:par>
+                          <p:cTn id="8" fill="hold">
+                            <p:stCondLst>
+                              <p:cond delay="0"/>
+                            </p:stCondLst>
+                            <p:childTnLst>
+                              <p:par>
+                                <p:cTn id="9" presetID="1" presetClass="entr" presetSubtype="0" fill="hold" grpId="0" nodeType="clickEffect">
+                                  <p:stCondLst>
+                                    <p:cond delay="0"/>
+                                  </p:stCondLst>
+                                  <p:childTnLst>
+                                    <p:set>
+                                      <p:cBhvr>
+                                        <p:cTn id="10" dur="1" fill="hold">
+                                          <p:stCondLst>
+                                            <p:cond delay="0"/>
+                                          </p:stCondLst>
+                                        </p:cTn>
+                                        <p:tgtEl>
+                                          <p:spTgt spid="2">
+                                            <p:txEl>
+                                              <p:pRg st="1" end="1"/>
+                                            </p:txEl>
+                                          </p:spTgt>
+                                        </p:tgtEl>
+                                        <p:attrNameLst>
+                                          <p:attrName>style.visibility</p:attrName>
+                                        </p:attrNameLst>
+                                      </p:cBhvr>
+                                      <p:to>
+                                        <p:strVal val="visible"/>
+                                      </p:to>
+                                    </p:set>
+                                  </p:childTnLst>
+                                </p:cTn>
+                              </p:par>
+                            </p:childTnLst>
+                          </p:cTn>
+                        </p:par>
+                      </p:childTnLst>
+                    </p:cTn>
+                  </p:par>
+                </p:childTnLst>
+              </p:cTn>
+              <p:prevCondLst>
+                <p:cond evt="onPrev" delay="0">
+                  <p:tgtEl>
+                    <p:sldTgt/>
+                  </p:tgtEl>
+                </p:cond>
+              </p:prevCondLst>
+              <p:nextCondLst>
+                <p:cond evt="onNext" delay="0">
+                  <p:tgtEl>
+                    <p:sldTgt/>
+                  </p:tgtEl>
+                </p:cond>
+              </p:nextCondLst>
+            </p:seq>
+          </p:childTnLst>
+        </p:cTn>
+      </p:par>
+    </p:tnLst>
+    <p:bldLst>
+      <p:bldP spid="2" grpId="0" uiExpand="1" build="p"/>
+    </p:bldLst>
+  </p:timing>
+</p:sld>
+</file>
+
+<file path=ppt/slides/slide9.xml><?xml version="1.0" encoding="utf-8"?>
+<p:sld xmlns:a="http://schemas.openxmlformats.org/drawingml/2006/main" xmlns:r="http://schemas.openxmlformats.org/officeDocument/2006/relationships" xmlns:p="http://schemas.openxmlformats.org/presentationml/2006/main">
+  <p:cSld>
+    <p:spTree>
+      <p:nvGrpSpPr>
+        <p:cNvPr id="1" name=""/>
+        <p:cNvGrpSpPr/>
+        <p:nvPr/>
+      </p:nvGrpSpPr>
+      <p:grpSpPr>
+        <a:xfrm>
+          <a:off x="0" y="0"/>
+          <a:ext cx="0" cy="0"/>
+          <a:chOff x="0" y="0"/>
+          <a:chExt cx="0" cy="0"/>
+        </a:xfrm>
+      </p:grpSpPr>
+      <p:sp>
+        <p:nvSpPr>
+          <p:cNvPr id="2" name="Content Placeholder 1"/>
+          <p:cNvSpPr>
+            <a:spLocks noGrp="1"/>
+          </p:cNvSpPr>
+          <p:nvPr>
+            <p:ph idx="1"/>
+          </p:nvPr>
+        </p:nvSpPr>
+        <p:spPr/>
+        <p:txBody>
+          <a:bodyPr/>
+          <a:lstStyle/>
+          <a:p>
+            <a:r>
+              <a:rPr lang="nb-NO" dirty="0"/>
+              <a:t>Man har en objekt-struktur som består av ulike typer (klasser), og man ønsker å traversere gjennom elementene for å utføre en operasjon som er implementert ulikt for de ulike typene.</a:t>
+            </a:r>
+          </a:p>
+          <a:p>
+            <a:r>
+              <a:rPr lang="nb-NO" dirty="0"/>
+              <a:t>En måte å løse problemet på er ved å bruke arv, hvor hver sub-type implementerer sin variant av operasjonen.</a:t>
+            </a:r>
+          </a:p>
+          <a:p>
+            <a:pPr lvl="1"/>
+            <a:r>
+              <a:rPr lang="nb-NO" dirty="0"/>
+              <a:t>Dette kan medføre brudd på Single-</a:t>
+            </a:r>
+            <a:r>
+              <a:rPr lang="nb-NO" dirty="0" err="1"/>
+              <a:t>responsibility</a:t>
+            </a:r>
+            <a:r>
+              <a:rPr lang="nb-NO" dirty="0"/>
+              <a:t> prinsippet da operasjonen ikke nødvendigvis hører hjemme i klassen, og bare er aktuell </a:t>
+            </a:r>
+            <a:r>
+              <a:rPr lang="nb-NO" dirty="0" err="1"/>
+              <a:t>ifm</a:t>
+            </a:r>
+            <a:r>
+              <a:rPr lang="nb-NO" dirty="0"/>
+              <a:t> traverseringen.</a:t>
+            </a:r>
+          </a:p>
+          <a:p>
+            <a:pPr lvl="1"/>
+            <a:r>
+              <a:rPr lang="nb-NO" dirty="0"/>
+              <a:t>Dersom det blir behov for en ny type operasjon, må alle klassene implementere denne, som er et brudd på Open/</a:t>
+            </a:r>
+            <a:r>
+              <a:rPr lang="nb-NO" dirty="0" err="1"/>
+              <a:t>Closed</a:t>
+            </a:r>
+            <a:r>
+              <a:rPr lang="nb-NO" dirty="0"/>
+              <a:t> prinsippet.</a:t>
+            </a:r>
+          </a:p>
+          <a:p>
+            <a:pPr marL="0" indent="0">
+              <a:buNone/>
+            </a:pPr>
+            <a:endParaRPr lang="nb-NO" dirty="0"/>
+          </a:p>
+        </p:txBody>
+      </p:sp>
+      <p:sp>
+        <p:nvSpPr>
+          <p:cNvPr id="3" name="Title 2"/>
+          <p:cNvSpPr>
+            <a:spLocks noGrp="1"/>
+          </p:cNvSpPr>
+          <p:nvPr>
+            <p:ph type="title"/>
+          </p:nvPr>
+        </p:nvSpPr>
+        <p:spPr/>
+        <p:txBody>
+          <a:bodyPr/>
+          <a:lstStyle/>
+          <a:p>
+            <a:r>
+              <a:rPr lang="nb-NO" dirty="0" smtClean="0"/>
+              <a:t>Visitor - bakgrunn</a:t>
+            </a:r>
+            <a:endParaRPr lang="nb-NO" dirty="0"/>
+          </a:p>
+        </p:txBody>
+      </p:sp>
+    </p:spTree>
+    <p:extLst>
+      <p:ext uri="{BB962C8B-B14F-4D97-AF65-F5344CB8AC3E}">
+        <p14:creationId xmlns:p14="http://schemas.microsoft.com/office/powerpoint/2010/main" val="697017918"/>
       </p:ext>
     </p:extLst>
   </p:cSld>
@@ -16612,6 +18614,61 @@
 </file>
 
 <file path=customXml/item1.xml><?xml version="1.0" encoding="utf-8"?>
+<?mso-contentType ?>
+<FormTemplates xmlns="http://schemas.microsoft.com/sharepoint/v3/contenttype/forms">
+  <Display>DocumentLibraryForm</Display>
+  <Edit>DocumentLibraryForm</Edit>
+  <New>DocumentLibraryForm</New>
+</FormTemplates>
+</file>
+
+<file path=customXml/item2.xml><?xml version="1.0" encoding="utf-8"?>
+<?mso-contentType ?>
+<spe:Receivers xmlns:spe="http://schemas.microsoft.com/sharepoint/events">
+  <Receiver>
+    <Name>Document ID Generator</Name>
+    <Synchronization>Synchronous</Synchronization>
+    <Type>10001</Type>
+    <SequenceNumber>1000</SequenceNumber>
+    <Assembly>Microsoft.Office.DocumentManagement, Version=14.0.0.0, Culture=neutral, PublicKeyToken=71e9bce111e9429c</Assembly>
+    <Class>Microsoft.Office.DocumentManagement.Internal.DocIdHandler</Class>
+    <Data/>
+    <Filter/>
+  </Receiver>
+  <Receiver>
+    <Name>Document ID Generator</Name>
+    <Synchronization>Synchronous</Synchronization>
+    <Type>10002</Type>
+    <SequenceNumber>1001</SequenceNumber>
+    <Assembly>Microsoft.Office.DocumentManagement, Version=14.0.0.0, Culture=neutral, PublicKeyToken=71e9bce111e9429c</Assembly>
+    <Class>Microsoft.Office.DocumentManagement.Internal.DocIdHandler</Class>
+    <Data/>
+    <Filter/>
+  </Receiver>
+  <Receiver>
+    <Name>Document ID Generator</Name>
+    <Synchronization>Synchronous</Synchronization>
+    <Type>10004</Type>
+    <SequenceNumber>1002</SequenceNumber>
+    <Assembly>Microsoft.Office.DocumentManagement, Version=14.0.0.0, Culture=neutral, PublicKeyToken=71e9bce111e9429c</Assembly>
+    <Class>Microsoft.Office.DocumentManagement.Internal.DocIdHandler</Class>
+    <Data/>
+    <Filter/>
+  </Receiver>
+  <Receiver>
+    <Name>Document ID Generator</Name>
+    <Synchronization>Synchronous</Synchronization>
+    <Type>10006</Type>
+    <SequenceNumber>1003</SequenceNumber>
+    <Assembly>Microsoft.Office.DocumentManagement, Version=14.0.0.0, Culture=neutral, PublicKeyToken=71e9bce111e9429c</Assembly>
+    <Class>Microsoft.Office.DocumentManagement.Internal.DocIdHandler</Class>
+    <Data/>
+    <Filter/>
+  </Receiver>
+</spe:Receivers>
+</file>
+
+<file path=customXml/item3.xml><?xml version="1.0" encoding="utf-8"?>
 <ct:contentTypeSchema xmlns:ct="http://schemas.microsoft.com/office/2006/metadata/contentType" xmlns:ma="http://schemas.microsoft.com/office/2006/metadata/properties/metaAttributes" ct:_="" ma:_="" ma:contentTypeName="Document" ma:contentTypeID="0x0101006DE77A4C69F7B04F983EB828CF8C5433" ma:contentTypeVersion="2" ma:contentTypeDescription="Create a new document." ma:contentTypeScope="" ma:versionID="3f88a36eb5d68a1319bea6a26a0634f9">
   <xsd:schema xmlns:xsd="http://www.w3.org/2001/XMLSchema" xmlns:xs="http://www.w3.org/2001/XMLSchema" xmlns:p="http://schemas.microsoft.com/office/2006/metadata/properties" xmlns:ns1="http://schemas.microsoft.com/sharepoint/v3" xmlns:ns2="cd7095a3-97f1-4663-a71f-a762e9d8a5de" targetNamespace="http://schemas.microsoft.com/office/2006/metadata/properties" ma:root="true" ma:fieldsID="12e73613dd42fd77c3af4275080e49b8" ns1:_="" ns2:_="">
     <xsd:import namespace="http://schemas.microsoft.com/sharepoint/v3"/>
@@ -16773,61 +18830,6 @@
 </ct:contentTypeSchema>
 </file>
 
-<file path=customXml/item2.xml><?xml version="1.0" encoding="utf-8"?>
-<?mso-contentType ?>
-<spe:Receivers xmlns:spe="http://schemas.microsoft.com/sharepoint/events">
-  <Receiver>
-    <Name>Document ID Generator</Name>
-    <Synchronization>Synchronous</Synchronization>
-    <Type>10001</Type>
-    <SequenceNumber>1000</SequenceNumber>
-    <Assembly>Microsoft.Office.DocumentManagement, Version=14.0.0.0, Culture=neutral, PublicKeyToken=71e9bce111e9429c</Assembly>
-    <Class>Microsoft.Office.DocumentManagement.Internal.DocIdHandler</Class>
-    <Data/>
-    <Filter/>
-  </Receiver>
-  <Receiver>
-    <Name>Document ID Generator</Name>
-    <Synchronization>Synchronous</Synchronization>
-    <Type>10002</Type>
-    <SequenceNumber>1001</SequenceNumber>
-    <Assembly>Microsoft.Office.DocumentManagement, Version=14.0.0.0, Culture=neutral, PublicKeyToken=71e9bce111e9429c</Assembly>
-    <Class>Microsoft.Office.DocumentManagement.Internal.DocIdHandler</Class>
-    <Data/>
-    <Filter/>
-  </Receiver>
-  <Receiver>
-    <Name>Document ID Generator</Name>
-    <Synchronization>Synchronous</Synchronization>
-    <Type>10004</Type>
-    <SequenceNumber>1002</SequenceNumber>
-    <Assembly>Microsoft.Office.DocumentManagement, Version=14.0.0.0, Culture=neutral, PublicKeyToken=71e9bce111e9429c</Assembly>
-    <Class>Microsoft.Office.DocumentManagement.Internal.DocIdHandler</Class>
-    <Data/>
-    <Filter/>
-  </Receiver>
-  <Receiver>
-    <Name>Document ID Generator</Name>
-    <Synchronization>Synchronous</Synchronization>
-    <Type>10006</Type>
-    <SequenceNumber>1003</SequenceNumber>
-    <Assembly>Microsoft.Office.DocumentManagement, Version=14.0.0.0, Culture=neutral, PublicKeyToken=71e9bce111e9429c</Assembly>
-    <Class>Microsoft.Office.DocumentManagement.Internal.DocIdHandler</Class>
-    <Data/>
-    <Filter/>
-  </Receiver>
-</spe:Receivers>
-</file>
-
-<file path=customXml/item3.xml><?xml version="1.0" encoding="utf-8"?>
-<?mso-contentType ?>
-<FormTemplates xmlns="http://schemas.microsoft.com/sharepoint/v3/contenttype/forms">
-  <Display>DocumentLibraryForm</Display>
-  <Edit>DocumentLibraryForm</Edit>
-  <New>DocumentLibraryForm</New>
-</FormTemplates>
-</file>
-
 <file path=customXml/item4.xml><?xml version="1.0" encoding="utf-8"?>
 <p:properties xmlns:p="http://schemas.microsoft.com/office/2006/metadata/properties" xmlns:xsi="http://www.w3.org/2001/XMLSchema-instance" xmlns:pc="http://schemas.microsoft.com/office/infopath/2007/PartnerControls">
   <documentManagement>
@@ -16843,6 +18845,22 @@
 </file>
 
 <file path=customXml/itemProps1.xml><?xml version="1.0" encoding="utf-8"?>
+<ds:datastoreItem xmlns:ds="http://schemas.openxmlformats.org/officeDocument/2006/customXml" ds:itemID="{BB82CC63-55FC-4D22-9ED3-DB88AF6228E1}">
+  <ds:schemaRefs>
+    <ds:schemaRef ds:uri="http://schemas.microsoft.com/sharepoint/v3/contenttype/forms"/>
+  </ds:schemaRefs>
+</ds:datastoreItem>
+</file>
+
+<file path=customXml/itemProps2.xml><?xml version="1.0" encoding="utf-8"?>
+<ds:datastoreItem xmlns:ds="http://schemas.openxmlformats.org/officeDocument/2006/customXml" ds:itemID="{1B3F50AB-02FD-4C47-98D2-8857298FC473}">
+  <ds:schemaRefs>
+    <ds:schemaRef ds:uri="http://schemas.microsoft.com/sharepoint/events"/>
+  </ds:schemaRefs>
+</ds:datastoreItem>
+</file>
+
+<file path=customXml/itemProps3.xml><?xml version="1.0" encoding="utf-8"?>
 <ds:datastoreItem xmlns:ds="http://schemas.openxmlformats.org/officeDocument/2006/customXml" ds:itemID="{1F8D2ADD-9475-4053-913E-BB32E431EB0D}">
   <ds:schemaRefs>
     <ds:schemaRef ds:uri="http://schemas.microsoft.com/office/2006/metadata/contentType"/>
@@ -16857,22 +18875,6 @@
     <ds:schemaRef ds:uri="http://purl.org/dc/elements/1.1/"/>
     <ds:schemaRef ds:uri="http://purl.org/dc/terms/"/>
     <ds:schemaRef ds:uri="http://schemas.microsoft.com/internal/obd"/>
-  </ds:schemaRefs>
-</ds:datastoreItem>
-</file>
-
-<file path=customXml/itemProps2.xml><?xml version="1.0" encoding="utf-8"?>
-<ds:datastoreItem xmlns:ds="http://schemas.openxmlformats.org/officeDocument/2006/customXml" ds:itemID="{1B3F50AB-02FD-4C47-98D2-8857298FC473}">
-  <ds:schemaRefs>
-    <ds:schemaRef ds:uri="http://schemas.microsoft.com/sharepoint/events"/>
-  </ds:schemaRefs>
-</ds:datastoreItem>
-</file>
-
-<file path=customXml/itemProps3.xml><?xml version="1.0" encoding="utf-8"?>
-<ds:datastoreItem xmlns:ds="http://schemas.openxmlformats.org/officeDocument/2006/customXml" ds:itemID="{BB82CC63-55FC-4D22-9ED3-DB88AF6228E1}">
-  <ds:schemaRefs>
-    <ds:schemaRef ds:uri="http://schemas.microsoft.com/sharepoint/v3/contenttype/forms"/>
   </ds:schemaRefs>
 </ds:datastoreItem>
 </file>

--- a/Presentasjon.pptx
+++ b/Presentasjon.pptx
@@ -7,10 +7,10 @@
     <p:sldMasterId id="2147483705" r:id="rId7"/>
   </p:sldMasterIdLst>
   <p:notesMasterIdLst>
-    <p:notesMasterId r:id="rId25"/>
+    <p:notesMasterId r:id="rId31"/>
   </p:notesMasterIdLst>
   <p:handoutMasterIdLst>
-    <p:handoutMasterId r:id="rId26"/>
+    <p:handoutMasterId r:id="rId32"/>
   </p:handoutMasterIdLst>
   <p:sldIdLst>
     <p:sldId id="263" r:id="rId8"/>
@@ -19,17 +19,23 @@
     <p:sldId id="265" r:id="rId11"/>
     <p:sldId id="268" r:id="rId12"/>
     <p:sldId id="267" r:id="rId13"/>
-    <p:sldId id="266" r:id="rId14"/>
-    <p:sldId id="256" r:id="rId15"/>
-    <p:sldId id="257" r:id="rId16"/>
-    <p:sldId id="258" r:id="rId17"/>
-    <p:sldId id="259" r:id="rId18"/>
-    <p:sldId id="260" r:id="rId19"/>
-    <p:sldId id="261" r:id="rId20"/>
-    <p:sldId id="262" r:id="rId21"/>
-    <p:sldId id="270" r:id="rId22"/>
-    <p:sldId id="272" r:id="rId23"/>
-    <p:sldId id="271" r:id="rId24"/>
+    <p:sldId id="273" r:id="rId14"/>
+    <p:sldId id="274" r:id="rId15"/>
+    <p:sldId id="278" r:id="rId16"/>
+    <p:sldId id="275" r:id="rId17"/>
+    <p:sldId id="276" r:id="rId18"/>
+    <p:sldId id="277" r:id="rId19"/>
+    <p:sldId id="266" r:id="rId20"/>
+    <p:sldId id="256" r:id="rId21"/>
+    <p:sldId id="257" r:id="rId22"/>
+    <p:sldId id="258" r:id="rId23"/>
+    <p:sldId id="259" r:id="rId24"/>
+    <p:sldId id="260" r:id="rId25"/>
+    <p:sldId id="261" r:id="rId26"/>
+    <p:sldId id="262" r:id="rId27"/>
+    <p:sldId id="270" r:id="rId28"/>
+    <p:sldId id="272" r:id="rId29"/>
+    <p:sldId id="271" r:id="rId30"/>
   </p:sldIdLst>
   <p:sldSz cx="12192000" cy="6858000"/>
   <p:notesSz cx="6858000" cy="9144000"/>
@@ -150,6 +156,10 @@
 </p:presentation>
 </file>
 
+<file path=ppt/revisionInfo.xml><?xml version="1.0" encoding="utf-8"?>
+<p1510:revInfo xmlns:a="http://schemas.openxmlformats.org/drawingml/2006/main" xmlns:r="http://schemas.openxmlformats.org/officeDocument/2006/relationships" xmlns:p1510="http://schemas.microsoft.com/office/powerpoint/2015/10/main"/>
+</file>
+
 <file path=ppt/handoutMasters/handoutMaster1.xml><?xml version="1.0" encoding="utf-8"?>
 <p:handoutMaster xmlns:a="http://schemas.openxmlformats.org/drawingml/2006/main" xmlns:r="http://schemas.openxmlformats.org/officeDocument/2006/relationships" xmlns:p="http://schemas.openxmlformats.org/presentationml/2006/main">
   <p:cSld>
@@ -232,7 +242,7 @@
           <a:p>
             <a:fld id="{54C52192-B826-4AE0-9CD6-BEA9467D12B3}" type="datetimeFigureOut">
               <a:rPr lang="nb-NO" smtClean="0"/>
-              <a:t>28.10.2017</a:t>
+              <a:t>29.10.2017</a:t>
             </a:fld>
             <a:endParaRPr lang="nb-NO"/>
           </a:p>
@@ -397,7 +407,7 @@
           <a:p>
             <a:fld id="{2696BCB2-2760-41B1-A1BE-7886EF110FCB}" type="datetimeFigureOut">
               <a:rPr lang="nb-NO" smtClean="0"/>
-              <a:t>28.10.2017</a:t>
+              <a:t>29.10.2017</a:t>
             </a:fld>
             <a:endParaRPr lang="nb-NO"/>
           </a:p>
@@ -819,6 +829,508 @@
 
 <file path=ppt/slideLayouts/slideLayout10.xml><?xml version="1.0" encoding="utf-8"?>
 <p:sldLayout xmlns:a="http://schemas.openxmlformats.org/drawingml/2006/main" xmlns:r="http://schemas.openxmlformats.org/officeDocument/2006/relationships" xmlns:p="http://schemas.openxmlformats.org/presentationml/2006/main" preserve="1" userDrawn="1">
+  <p:cSld name="Tittel og to spalter">
+    <p:spTree>
+      <p:nvGrpSpPr>
+        <p:cNvPr id="1" name=""/>
+        <p:cNvGrpSpPr/>
+        <p:nvPr/>
+      </p:nvGrpSpPr>
+      <p:grpSpPr>
+        <a:xfrm>
+          <a:off x="0" y="0"/>
+          <a:ext cx="0" cy="0"/>
+          <a:chOff x="0" y="0"/>
+          <a:chExt cx="0" cy="0"/>
+        </a:xfrm>
+      </p:grpSpPr>
+      <p:sp>
+        <p:nvSpPr>
+          <p:cNvPr id="2" name="Title 1"/>
+          <p:cNvSpPr>
+            <a:spLocks noGrp="1"/>
+          </p:cNvSpPr>
+          <p:nvPr>
+            <p:ph type="title"/>
+          </p:nvPr>
+        </p:nvSpPr>
+        <p:spPr/>
+        <p:txBody>
+          <a:bodyPr vert="horz" lIns="90000" tIns="45720" rIns="91440" bIns="45720" rtlCol="0" anchor="b">
+            <a:noAutofit/>
+          </a:bodyPr>
+          <a:lstStyle>
+            <a:lvl1pPr>
+              <a:defRPr lang="nb-NO" noProof="0" dirty="0"/>
+            </a:lvl1pPr>
+          </a:lstStyle>
+          <a:p>
+            <a:pPr lvl="0"/>
+            <a:r>
+              <a:rPr lang="nb-NO" noProof="0" dirty="0" err="1"/>
+              <a:t>Click</a:t>
+            </a:r>
+            <a:r>
+              <a:rPr lang="nb-NO" noProof="0" dirty="0"/>
+              <a:t> to </a:t>
+            </a:r>
+            <a:r>
+              <a:rPr lang="nb-NO" noProof="0" dirty="0" err="1"/>
+              <a:t>edit</a:t>
+            </a:r>
+            <a:r>
+              <a:rPr lang="nb-NO" noProof="0" dirty="0"/>
+              <a:t> Master </a:t>
+            </a:r>
+            <a:r>
+              <a:rPr lang="nb-NO" noProof="0" dirty="0" err="1"/>
+              <a:t>title</a:t>
+            </a:r>
+            <a:r>
+              <a:rPr lang="nb-NO" noProof="0" dirty="0"/>
+              <a:t> style</a:t>
+            </a:r>
+          </a:p>
+        </p:txBody>
+      </p:sp>
+      <p:sp>
+        <p:nvSpPr>
+          <p:cNvPr id="3" name="Content Placeholder 2"/>
+          <p:cNvSpPr>
+            <a:spLocks noGrp="1"/>
+          </p:cNvSpPr>
+          <p:nvPr>
+            <p:ph idx="1"/>
+          </p:nvPr>
+        </p:nvSpPr>
+        <p:spPr>
+          <a:xfrm>
+            <a:off x="1234800" y="1825625"/>
+            <a:ext cx="4861200" cy="4351338"/>
+          </a:xfrm>
+          <a:prstGeom prst="rect">
+            <a:avLst/>
+          </a:prstGeom>
+        </p:spPr>
+        <p:txBody>
+          <a:bodyPr vert="horz" lIns="91440" tIns="45720" rIns="91440" bIns="45720" rtlCol="0">
+            <a:noAutofit/>
+          </a:bodyPr>
+          <a:lstStyle>
+            <a:lvl1pPr>
+              <a:defRPr lang="nb-NO" noProof="0" dirty="0"/>
+            </a:lvl1pPr>
+            <a:lvl2pPr>
+              <a:defRPr lang="nb-NO" noProof="0" dirty="0"/>
+            </a:lvl2pPr>
+            <a:lvl3pPr>
+              <a:defRPr lang="nb-NO" noProof="0" dirty="0"/>
+            </a:lvl3pPr>
+          </a:lstStyle>
+          <a:p>
+            <a:pPr lvl="0"/>
+            <a:r>
+              <a:rPr lang="nb-NO" noProof="0" dirty="0"/>
+              <a:t>Edit Master </a:t>
+            </a:r>
+            <a:r>
+              <a:rPr lang="nb-NO" noProof="0" dirty="0" err="1"/>
+              <a:t>text</a:t>
+            </a:r>
+            <a:r>
+              <a:rPr lang="nb-NO" noProof="0" dirty="0"/>
+              <a:t> styles</a:t>
+            </a:r>
+          </a:p>
+          <a:p>
+            <a:pPr lvl="1"/>
+            <a:r>
+              <a:rPr lang="nb-NO" noProof="0" dirty="0"/>
+              <a:t>Second </a:t>
+            </a:r>
+            <a:r>
+              <a:rPr lang="nb-NO" noProof="0" dirty="0" err="1"/>
+              <a:t>level</a:t>
+            </a:r>
+            <a:endParaRPr lang="nb-NO" noProof="0" dirty="0"/>
+          </a:p>
+          <a:p>
+            <a:pPr lvl="2"/>
+            <a:r>
+              <a:rPr lang="nb-NO" noProof="0" dirty="0"/>
+              <a:t>Third </a:t>
+            </a:r>
+            <a:r>
+              <a:rPr lang="nb-NO" noProof="0" dirty="0" err="1"/>
+              <a:t>level</a:t>
+            </a:r>
+            <a:endParaRPr lang="nb-NO" noProof="0" dirty="0"/>
+          </a:p>
+        </p:txBody>
+      </p:sp>
+      <p:sp>
+        <p:nvSpPr>
+          <p:cNvPr id="6" name="Slide Number Placeholder 5"/>
+          <p:cNvSpPr>
+            <a:spLocks noGrp="1"/>
+          </p:cNvSpPr>
+          <p:nvPr>
+            <p:ph type="sldNum" sz="quarter" idx="12"/>
+          </p:nvPr>
+        </p:nvSpPr>
+        <p:spPr/>
+        <p:txBody>
+          <a:bodyPr/>
+          <a:lstStyle/>
+          <a:p>
+            <a:fld id="{618FBC2E-150B-49D4-A5E9-D014A10F5E5B}" type="slidenum">
+              <a:rPr lang="nb-NO" smtClean="0"/>
+              <a:t>‹#›</a:t>
+            </a:fld>
+            <a:endParaRPr lang="nb-NO"/>
+          </a:p>
+        </p:txBody>
+      </p:sp>
+      <p:cxnSp>
+        <p:nvCxnSpPr>
+          <p:cNvPr id="7" name="Straight Connector 6"/>
+          <p:cNvCxnSpPr/>
+          <p:nvPr userDrawn="1"/>
+        </p:nvCxnSpPr>
+        <p:spPr>
+          <a:xfrm>
+            <a:off x="1329176" y="1328149"/>
+            <a:ext cx="900000" cy="0"/>
+          </a:xfrm>
+          <a:prstGeom prst="line">
+            <a:avLst/>
+          </a:prstGeom>
+          <a:ln w="25400">
+            <a:solidFill>
+              <a:schemeClr val="tx1"/>
+            </a:solidFill>
+          </a:ln>
+        </p:spPr>
+        <p:style>
+          <a:lnRef idx="1">
+            <a:schemeClr val="accent1"/>
+          </a:lnRef>
+          <a:fillRef idx="0">
+            <a:schemeClr val="accent1"/>
+          </a:fillRef>
+          <a:effectRef idx="0">
+            <a:schemeClr val="accent1"/>
+          </a:effectRef>
+          <a:fontRef idx="minor">
+            <a:schemeClr val="tx1"/>
+          </a:fontRef>
+        </p:style>
+      </p:cxnSp>
+      <p:sp>
+        <p:nvSpPr>
+          <p:cNvPr id="8" name="Content Placeholder 2"/>
+          <p:cNvSpPr>
+            <a:spLocks noGrp="1"/>
+          </p:cNvSpPr>
+          <p:nvPr>
+            <p:ph idx="13"/>
+          </p:nvPr>
+        </p:nvSpPr>
+        <p:spPr>
+          <a:xfrm>
+            <a:off x="6511650" y="1825625"/>
+            <a:ext cx="4869656" cy="4351338"/>
+          </a:xfrm>
+          <a:prstGeom prst="rect">
+            <a:avLst/>
+          </a:prstGeom>
+        </p:spPr>
+        <p:txBody>
+          <a:bodyPr vert="horz" lIns="91440" tIns="45720" rIns="91440" bIns="45720" rtlCol="0">
+            <a:noAutofit/>
+          </a:bodyPr>
+          <a:lstStyle>
+            <a:lvl1pPr>
+              <a:defRPr lang="nb-NO" noProof="0" dirty="0"/>
+            </a:lvl1pPr>
+            <a:lvl2pPr>
+              <a:defRPr lang="nb-NO" noProof="0" dirty="0"/>
+            </a:lvl2pPr>
+            <a:lvl3pPr>
+              <a:defRPr lang="nb-NO" noProof="0" dirty="0"/>
+            </a:lvl3pPr>
+          </a:lstStyle>
+          <a:p>
+            <a:pPr lvl="0"/>
+            <a:r>
+              <a:rPr lang="nb-NO" noProof="0" dirty="0"/>
+              <a:t>Edit Master </a:t>
+            </a:r>
+            <a:r>
+              <a:rPr lang="nb-NO" noProof="0" dirty="0" err="1"/>
+              <a:t>text</a:t>
+            </a:r>
+            <a:r>
+              <a:rPr lang="nb-NO" noProof="0" dirty="0"/>
+              <a:t> styles</a:t>
+            </a:r>
+          </a:p>
+          <a:p>
+            <a:pPr lvl="1"/>
+            <a:r>
+              <a:rPr lang="nb-NO" noProof="0" dirty="0"/>
+              <a:t>Second </a:t>
+            </a:r>
+            <a:r>
+              <a:rPr lang="nb-NO" noProof="0" dirty="0" err="1"/>
+              <a:t>level</a:t>
+            </a:r>
+            <a:endParaRPr lang="nb-NO" noProof="0" dirty="0"/>
+          </a:p>
+          <a:p>
+            <a:pPr lvl="2"/>
+            <a:r>
+              <a:rPr lang="nb-NO" noProof="0" dirty="0"/>
+              <a:t>Third </a:t>
+            </a:r>
+            <a:r>
+              <a:rPr lang="nb-NO" noProof="0" dirty="0" err="1"/>
+              <a:t>level</a:t>
+            </a:r>
+            <a:endParaRPr lang="nb-NO" noProof="0" dirty="0"/>
+          </a:p>
+        </p:txBody>
+      </p:sp>
+    </p:spTree>
+    <p:extLst>
+      <p:ext uri="{BB962C8B-B14F-4D97-AF65-F5344CB8AC3E}">
+        <p14:creationId xmlns:p14="http://schemas.microsoft.com/office/powerpoint/2010/main" val="1859540317"/>
+      </p:ext>
+    </p:extLst>
+  </p:cSld>
+  <p:clrMapOvr>
+    <a:masterClrMapping/>
+  </p:clrMapOvr>
+</p:sldLayout>
+</file>
+
+<file path=ppt/slideLayouts/slideLayout11.xml><?xml version="1.0" encoding="utf-8"?>
+<p:sldLayout xmlns:a="http://schemas.openxmlformats.org/drawingml/2006/main" xmlns:r="http://schemas.openxmlformats.org/officeDocument/2006/relationships" xmlns:p="http://schemas.openxmlformats.org/presentationml/2006/main" preserve="1" userDrawn="1">
+  <p:cSld name="Innhold med bilde høyre">
+    <p:spTree>
+      <p:nvGrpSpPr>
+        <p:cNvPr id="1" name=""/>
+        <p:cNvGrpSpPr/>
+        <p:nvPr/>
+      </p:nvGrpSpPr>
+      <p:grpSpPr>
+        <a:xfrm>
+          <a:off x="0" y="0"/>
+          <a:ext cx="0" cy="0"/>
+          <a:chOff x="0" y="0"/>
+          <a:chExt cx="0" cy="0"/>
+        </a:xfrm>
+      </p:grpSpPr>
+      <p:sp>
+        <p:nvSpPr>
+          <p:cNvPr id="6" name="Picture Placeholder 5"/>
+          <p:cNvSpPr>
+            <a:spLocks noGrp="1"/>
+          </p:cNvSpPr>
+          <p:nvPr>
+            <p:ph type="pic" sz="quarter" idx="13"/>
+          </p:nvPr>
+        </p:nvSpPr>
+        <p:spPr>
+          <a:xfrm>
+            <a:off x="7180028" y="0"/>
+            <a:ext cx="5011972" cy="6858000"/>
+          </a:xfrm>
+          <a:prstGeom prst="rect">
+            <a:avLst/>
+          </a:prstGeom>
+          <a:noFill/>
+        </p:spPr>
+        <p:txBody>
+          <a:bodyPr/>
+          <a:lstStyle>
+            <a:lvl1pPr marL="0" indent="0">
+              <a:buNone/>
+              <a:defRPr/>
+            </a:lvl1pPr>
+          </a:lstStyle>
+          <a:p>
+            <a:endParaRPr lang="nb-NO" dirty="0"/>
+          </a:p>
+        </p:txBody>
+      </p:sp>
+      <p:sp>
+        <p:nvSpPr>
+          <p:cNvPr id="2" name="Title 1"/>
+          <p:cNvSpPr>
+            <a:spLocks noGrp="1"/>
+          </p:cNvSpPr>
+          <p:nvPr>
+            <p:ph type="title"/>
+          </p:nvPr>
+        </p:nvSpPr>
+        <p:spPr>
+          <a:xfrm>
+            <a:off x="1234800" y="365126"/>
+            <a:ext cx="5579468" cy="963024"/>
+          </a:xfrm>
+        </p:spPr>
+        <p:txBody>
+          <a:bodyPr vert="horz" lIns="90000" tIns="45720" rIns="91440" bIns="45720" rtlCol="0" anchor="b">
+            <a:noAutofit/>
+          </a:bodyPr>
+          <a:lstStyle>
+            <a:lvl1pPr>
+              <a:defRPr lang="nb-NO" noProof="0" dirty="0"/>
+            </a:lvl1pPr>
+          </a:lstStyle>
+          <a:p>
+            <a:pPr lvl="0"/>
+            <a:r>
+              <a:rPr lang="nb-NO" noProof="0" dirty="0" err="1"/>
+              <a:t>Click</a:t>
+            </a:r>
+            <a:r>
+              <a:rPr lang="nb-NO" noProof="0" dirty="0"/>
+              <a:t> to </a:t>
+            </a:r>
+            <a:r>
+              <a:rPr lang="nb-NO" noProof="0" dirty="0" err="1"/>
+              <a:t>edit</a:t>
+            </a:r>
+            <a:r>
+              <a:rPr lang="nb-NO" noProof="0" dirty="0"/>
+              <a:t> Master </a:t>
+            </a:r>
+            <a:r>
+              <a:rPr lang="nb-NO" noProof="0" dirty="0" err="1"/>
+              <a:t>title</a:t>
+            </a:r>
+            <a:r>
+              <a:rPr lang="nb-NO" noProof="0" dirty="0"/>
+              <a:t> style</a:t>
+            </a:r>
+          </a:p>
+        </p:txBody>
+      </p:sp>
+      <p:sp>
+        <p:nvSpPr>
+          <p:cNvPr id="7" name="Slide Number Placeholder 6"/>
+          <p:cNvSpPr>
+            <a:spLocks noGrp="1"/>
+          </p:cNvSpPr>
+          <p:nvPr>
+            <p:ph type="sldNum" sz="quarter" idx="12"/>
+          </p:nvPr>
+        </p:nvSpPr>
+        <p:spPr/>
+        <p:txBody>
+          <a:bodyPr/>
+          <a:lstStyle/>
+          <a:p>
+            <a:fld id="{618FBC2E-150B-49D4-A5E9-D014A10F5E5B}" type="slidenum">
+              <a:rPr lang="nb-NO" smtClean="0"/>
+              <a:t>‹#›</a:t>
+            </a:fld>
+            <a:endParaRPr lang="nb-NO"/>
+          </a:p>
+        </p:txBody>
+      </p:sp>
+      <p:sp>
+        <p:nvSpPr>
+          <p:cNvPr id="9" name="Text Placeholder 2"/>
+          <p:cNvSpPr>
+            <a:spLocks noGrp="1"/>
+          </p:cNvSpPr>
+          <p:nvPr>
+            <p:ph idx="1"/>
+          </p:nvPr>
+        </p:nvSpPr>
+        <p:spPr>
+          <a:xfrm>
+            <a:off x="1234800" y="1825625"/>
+            <a:ext cx="5579468" cy="4351338"/>
+          </a:xfrm>
+          <a:prstGeom prst="rect">
+            <a:avLst/>
+          </a:prstGeom>
+        </p:spPr>
+        <p:txBody>
+          <a:bodyPr vert="horz" lIns="91440" tIns="45720" rIns="91440" bIns="45720" rtlCol="0">
+            <a:noAutofit/>
+          </a:bodyPr>
+          <a:lstStyle>
+            <a:lvl1pPr>
+              <a:defRPr lang="nb-NO" noProof="0" dirty="0"/>
+            </a:lvl1pPr>
+            <a:lvl2pPr>
+              <a:defRPr lang="nb-NO" noProof="0" dirty="0"/>
+            </a:lvl2pPr>
+            <a:lvl3pPr>
+              <a:defRPr lang="nb-NO" noProof="0" dirty="0"/>
+            </a:lvl3pPr>
+          </a:lstStyle>
+          <a:p>
+            <a:pPr lvl="0"/>
+            <a:r>
+              <a:rPr lang="nb-NO" noProof="0" dirty="0"/>
+              <a:t>Edit Master </a:t>
+            </a:r>
+            <a:r>
+              <a:rPr lang="nb-NO" noProof="0" dirty="0" err="1"/>
+              <a:t>text</a:t>
+            </a:r>
+            <a:r>
+              <a:rPr lang="nb-NO" noProof="0" dirty="0"/>
+              <a:t> styles</a:t>
+            </a:r>
+          </a:p>
+          <a:p>
+            <a:pPr lvl="1"/>
+            <a:r>
+              <a:rPr lang="nb-NO" noProof="0" dirty="0"/>
+              <a:t>Second </a:t>
+            </a:r>
+            <a:r>
+              <a:rPr lang="nb-NO" noProof="0" dirty="0" err="1"/>
+              <a:t>level</a:t>
+            </a:r>
+            <a:endParaRPr lang="nb-NO" noProof="0" dirty="0"/>
+          </a:p>
+          <a:p>
+            <a:pPr lvl="2"/>
+            <a:r>
+              <a:rPr lang="nb-NO" noProof="0" dirty="0"/>
+              <a:t>Third </a:t>
+            </a:r>
+            <a:r>
+              <a:rPr lang="nb-NO" noProof="0" dirty="0" err="1"/>
+              <a:t>level</a:t>
+            </a:r>
+            <a:endParaRPr lang="nb-NO" noProof="0" dirty="0"/>
+          </a:p>
+        </p:txBody>
+      </p:sp>
+    </p:spTree>
+    <p:extLst>
+      <p:ext uri="{BB962C8B-B14F-4D97-AF65-F5344CB8AC3E}">
+        <p14:creationId xmlns:p14="http://schemas.microsoft.com/office/powerpoint/2010/main" val="792583142"/>
+      </p:ext>
+    </p:extLst>
+  </p:cSld>
+  <p:clrMapOvr>
+    <a:masterClrMapping/>
+  </p:clrMapOvr>
+</p:sldLayout>
+</file>
+
+<file path=ppt/slideLayouts/slideLayout12.xml><?xml version="1.0" encoding="utf-8"?>
+<p:sldLayout xmlns:a="http://schemas.openxmlformats.org/drawingml/2006/main" xmlns:r="http://schemas.openxmlformats.org/officeDocument/2006/relationships" xmlns:p="http://schemas.openxmlformats.org/presentationml/2006/main" preserve="1" userDrawn="1">
   <p:cSld name="Innhold med bilde venstre">
     <p:spTree>
       <p:nvGrpSpPr>
@@ -1069,7 +1581,7 @@
 </p:sldLayout>
 </file>
 
-<file path=ppt/slideLayouts/slideLayout11.xml><?xml version="1.0" encoding="utf-8"?>
+<file path=ppt/slideLayouts/slideLayout13.xml><?xml version="1.0" encoding="utf-8"?>
 <p:sldLayout xmlns:a="http://schemas.openxmlformats.org/drawingml/2006/main" xmlns:r="http://schemas.openxmlformats.org/officeDocument/2006/relationships" xmlns:p="http://schemas.openxmlformats.org/presentationml/2006/main" preserve="1" userDrawn="1">
   <p:cSld name="Tekst med graf høyre">
     <p:spTree>
@@ -1278,7 +1790,7 @@
 </p:sldLayout>
 </file>
 
-<file path=ppt/slideLayouts/slideLayout12.xml><?xml version="1.0" encoding="utf-8"?>
+<file path=ppt/slideLayouts/slideLayout14.xml><?xml version="1.0" encoding="utf-8"?>
 <p:sldLayout xmlns:a="http://schemas.openxmlformats.org/drawingml/2006/main" xmlns:r="http://schemas.openxmlformats.org/officeDocument/2006/relationships" xmlns:p="http://schemas.openxmlformats.org/presentationml/2006/main" preserve="1" userDrawn="1">
   <p:cSld name="Punkter med skjermbilde venstre">
     <p:spTree>
@@ -1566,7 +2078,7 @@
 </p:sldLayout>
 </file>
 
-<file path=ppt/slideLayouts/slideLayout13.xml><?xml version="1.0" encoding="utf-8"?>
+<file path=ppt/slideLayouts/slideLayout15.xml><?xml version="1.0" encoding="utf-8"?>
 <p:sldLayout xmlns:a="http://schemas.openxmlformats.org/drawingml/2006/main" xmlns:r="http://schemas.openxmlformats.org/officeDocument/2006/relationships" xmlns:p="http://schemas.openxmlformats.org/presentationml/2006/main" type="obj" preserve="1">
   <p:cSld name="Punkter med mobil høyre">
     <p:spTree>
@@ -1865,7 +2377,7 @@
 </p:sldLayout>
 </file>
 
-<file path=ppt/slideLayouts/slideLayout14.xml><?xml version="1.0" encoding="utf-8"?>
+<file path=ppt/slideLayouts/slideLayout16.xml><?xml version="1.0" encoding="utf-8"?>
 <p:sldLayout xmlns:a="http://schemas.openxmlformats.org/drawingml/2006/main" xmlns:r="http://schemas.openxmlformats.org/officeDocument/2006/relationships" xmlns:p="http://schemas.openxmlformats.org/presentationml/2006/main" showMasterSp="0" preserve="1" userDrawn="1">
   <p:cSld name="Fokusbokser">
     <p:spTree>
@@ -2577,7 +3089,7 @@
 </p:sldLayout>
 </file>
 
-<file path=ppt/slideLayouts/slideLayout15.xml><?xml version="1.0" encoding="utf-8"?>
+<file path=ppt/slideLayouts/slideLayout17.xml><?xml version="1.0" encoding="utf-8"?>
 <p:sldLayout xmlns:a="http://schemas.openxmlformats.org/drawingml/2006/main" xmlns:r="http://schemas.openxmlformats.org/officeDocument/2006/relationships" xmlns:p="http://schemas.openxmlformats.org/presentationml/2006/main" showMasterSp="0" preserve="1" userDrawn="1">
   <p:cSld name="Stor fremhevet tekst">
     <p:spTree>
@@ -2875,7 +3387,7 @@
 </p:sldLayout>
 </file>
 
-<file path=ppt/slideLayouts/slideLayout16.xml><?xml version="1.0" encoding="utf-8"?>
+<file path=ppt/slideLayouts/slideLayout18.xml><?xml version="1.0" encoding="utf-8"?>
 <p:sldLayout xmlns:a="http://schemas.openxmlformats.org/drawingml/2006/main" xmlns:r="http://schemas.openxmlformats.org/officeDocument/2006/relationships" xmlns:p="http://schemas.openxmlformats.org/presentationml/2006/main" showMasterSp="0" preserve="1" userDrawn="1">
   <p:cSld name="Sitat med lite bilde">
     <p:spTree>
@@ -3323,7 +3835,7 @@
 </p:sldLayout>
 </file>
 
-<file path=ppt/slideLayouts/slideLayout17.xml><?xml version="1.0" encoding="utf-8"?>
+<file path=ppt/slideLayouts/slideLayout19.xml><?xml version="1.0" encoding="utf-8"?>
 <p:sldLayout xmlns:a="http://schemas.openxmlformats.org/drawingml/2006/main" xmlns:r="http://schemas.openxmlformats.org/officeDocument/2006/relationships" xmlns:p="http://schemas.openxmlformats.org/presentationml/2006/main" showMasterSp="0" preserve="1" userDrawn="1">
   <p:cSld name="Sitat med stort bilde">
     <p:spTree>
@@ -3771,196 +4283,6 @@
 </p:sldLayout>
 </file>
 
-<file path=ppt/slideLayouts/slideLayout18.xml><?xml version="1.0" encoding="utf-8"?>
-<p:sldLayout xmlns:a="http://schemas.openxmlformats.org/drawingml/2006/main" xmlns:r="http://schemas.openxmlformats.org/officeDocument/2006/relationships" xmlns:p="http://schemas.openxmlformats.org/presentationml/2006/main" preserve="1" userDrawn="1">
-  <p:cSld name="Kun tittel">
-    <p:spTree>
-      <p:nvGrpSpPr>
-        <p:cNvPr id="1" name=""/>
-        <p:cNvGrpSpPr/>
-        <p:nvPr/>
-      </p:nvGrpSpPr>
-      <p:grpSpPr>
-        <a:xfrm>
-          <a:off x="0" y="0"/>
-          <a:ext cx="0" cy="0"/>
-          <a:chOff x="0" y="0"/>
-          <a:chExt cx="0" cy="0"/>
-        </a:xfrm>
-      </p:grpSpPr>
-      <p:sp>
-        <p:nvSpPr>
-          <p:cNvPr id="2" name="Title 1"/>
-          <p:cNvSpPr>
-            <a:spLocks noGrp="1"/>
-          </p:cNvSpPr>
-          <p:nvPr>
-            <p:ph type="title"/>
-          </p:nvPr>
-        </p:nvSpPr>
-        <p:spPr/>
-        <p:txBody>
-          <a:bodyPr vert="horz" lIns="90000" tIns="45720" rIns="91440" bIns="45720" rtlCol="0" anchor="b">
-            <a:noAutofit/>
-          </a:bodyPr>
-          <a:lstStyle>
-            <a:lvl1pPr>
-              <a:defRPr lang="nb-NO" noProof="0" dirty="0"/>
-            </a:lvl1pPr>
-          </a:lstStyle>
-          <a:p>
-            <a:pPr lvl="0"/>
-            <a:r>
-              <a:rPr lang="nb-NO" noProof="0" dirty="0" err="1"/>
-              <a:t>Click</a:t>
-            </a:r>
-            <a:r>
-              <a:rPr lang="nb-NO" noProof="0" dirty="0"/>
-              <a:t> to </a:t>
-            </a:r>
-            <a:r>
-              <a:rPr lang="nb-NO" noProof="0" dirty="0" err="1"/>
-              <a:t>edit</a:t>
-            </a:r>
-            <a:r>
-              <a:rPr lang="nb-NO" noProof="0" dirty="0"/>
-              <a:t> Master </a:t>
-            </a:r>
-            <a:r>
-              <a:rPr lang="nb-NO" noProof="0" dirty="0" err="1"/>
-              <a:t>title</a:t>
-            </a:r>
-            <a:r>
-              <a:rPr lang="nb-NO" noProof="0" dirty="0"/>
-              <a:t> style</a:t>
-            </a:r>
-          </a:p>
-        </p:txBody>
-      </p:sp>
-      <p:sp>
-        <p:nvSpPr>
-          <p:cNvPr id="6" name="Slide Number Placeholder 5"/>
-          <p:cNvSpPr>
-            <a:spLocks noGrp="1"/>
-          </p:cNvSpPr>
-          <p:nvPr>
-            <p:ph type="sldNum" sz="quarter" idx="12"/>
-          </p:nvPr>
-        </p:nvSpPr>
-        <p:spPr/>
-        <p:txBody>
-          <a:bodyPr/>
-          <a:lstStyle/>
-          <a:p>
-            <a:fld id="{618FBC2E-150B-49D4-A5E9-D014A10F5E5B}" type="slidenum">
-              <a:rPr lang="nb-NO" smtClean="0"/>
-              <a:t>‹#›</a:t>
-            </a:fld>
-            <a:endParaRPr lang="nb-NO"/>
-          </a:p>
-        </p:txBody>
-      </p:sp>
-      <p:cxnSp>
-        <p:nvCxnSpPr>
-          <p:cNvPr id="7" name="Straight Connector 6"/>
-          <p:cNvCxnSpPr/>
-          <p:nvPr userDrawn="1"/>
-        </p:nvCxnSpPr>
-        <p:spPr>
-          <a:xfrm>
-            <a:off x="1329176" y="1328149"/>
-            <a:ext cx="900000" cy="0"/>
-          </a:xfrm>
-          <a:prstGeom prst="line">
-            <a:avLst/>
-          </a:prstGeom>
-          <a:ln w="25400">
-            <a:solidFill>
-              <a:schemeClr val="tx1"/>
-            </a:solidFill>
-          </a:ln>
-        </p:spPr>
-        <p:style>
-          <a:lnRef idx="1">
-            <a:schemeClr val="accent1"/>
-          </a:lnRef>
-          <a:fillRef idx="0">
-            <a:schemeClr val="accent1"/>
-          </a:fillRef>
-          <a:effectRef idx="0">
-            <a:schemeClr val="accent1"/>
-          </a:effectRef>
-          <a:fontRef idx="minor">
-            <a:schemeClr val="tx1"/>
-          </a:fontRef>
-        </p:style>
-      </p:cxnSp>
-    </p:spTree>
-    <p:extLst>
-      <p:ext uri="{BB962C8B-B14F-4D97-AF65-F5344CB8AC3E}">
-        <p14:creationId xmlns:p14="http://schemas.microsoft.com/office/powerpoint/2010/main" val="4078559870"/>
-      </p:ext>
-    </p:extLst>
-  </p:cSld>
-  <p:clrMapOvr>
-    <a:masterClrMapping/>
-  </p:clrMapOvr>
-</p:sldLayout>
-</file>
-
-<file path=ppt/slideLayouts/slideLayout19.xml><?xml version="1.0" encoding="utf-8"?>
-<p:sldLayout xmlns:a="http://schemas.openxmlformats.org/drawingml/2006/main" xmlns:r="http://schemas.openxmlformats.org/officeDocument/2006/relationships" xmlns:p="http://schemas.openxmlformats.org/presentationml/2006/main" showMasterSp="0" type="blank" preserve="1">
-  <p:cSld name="Blank">
-    <p:spTree>
-      <p:nvGrpSpPr>
-        <p:cNvPr id="1" name=""/>
-        <p:cNvGrpSpPr/>
-        <p:nvPr/>
-      </p:nvGrpSpPr>
-      <p:grpSpPr>
-        <a:xfrm>
-          <a:off x="0" y="0"/>
-          <a:ext cx="0" cy="0"/>
-          <a:chOff x="0" y="0"/>
-          <a:chExt cx="0" cy="0"/>
-        </a:xfrm>
-      </p:grpSpPr>
-      <p:sp>
-        <p:nvSpPr>
-          <p:cNvPr id="4" name="Slide Number Placeholder 3"/>
-          <p:cNvSpPr>
-            <a:spLocks noGrp="1"/>
-          </p:cNvSpPr>
-          <p:nvPr>
-            <p:ph type="sldNum" sz="quarter" idx="12"/>
-          </p:nvPr>
-        </p:nvSpPr>
-        <p:spPr/>
-        <p:txBody>
-          <a:bodyPr/>
-          <a:lstStyle/>
-          <a:p>
-            <a:fld id="{618FBC2E-150B-49D4-A5E9-D014A10F5E5B}" type="slidenum">
-              <a:rPr lang="nb-NO" smtClean="0"/>
-              <a:t>‹#›</a:t>
-            </a:fld>
-            <a:endParaRPr lang="nb-NO"/>
-          </a:p>
-        </p:txBody>
-      </p:sp>
-    </p:spTree>
-    <p:extLst>
-      <p:ext uri="{BB962C8B-B14F-4D97-AF65-F5344CB8AC3E}">
-        <p14:creationId xmlns:p14="http://schemas.microsoft.com/office/powerpoint/2010/main" val="74598002"/>
-      </p:ext>
-    </p:extLst>
-  </p:cSld>
-  <p:clrMapOvr>
-    <a:masterClrMapping/>
-  </p:clrMapOvr>
-</p:sldLayout>
-</file>
-
 <file path=ppt/slideLayouts/slideLayout2.xml><?xml version="1.0" encoding="utf-8"?>
 <p:sldLayout xmlns:a="http://schemas.openxmlformats.org/drawingml/2006/main" xmlns:r="http://schemas.openxmlformats.org/officeDocument/2006/relationships" xmlns:p="http://schemas.openxmlformats.org/presentationml/2006/main" preserve="1" userDrawn="1">
   <p:cSld name="Oransje øy på svart">
@@ -4030,6 +4352,196 @@
 </file>
 
 <file path=ppt/slideLayouts/slideLayout20.xml><?xml version="1.0" encoding="utf-8"?>
+<p:sldLayout xmlns:a="http://schemas.openxmlformats.org/drawingml/2006/main" xmlns:r="http://schemas.openxmlformats.org/officeDocument/2006/relationships" xmlns:p="http://schemas.openxmlformats.org/presentationml/2006/main" preserve="1" userDrawn="1">
+  <p:cSld name="Kun tittel">
+    <p:spTree>
+      <p:nvGrpSpPr>
+        <p:cNvPr id="1" name=""/>
+        <p:cNvGrpSpPr/>
+        <p:nvPr/>
+      </p:nvGrpSpPr>
+      <p:grpSpPr>
+        <a:xfrm>
+          <a:off x="0" y="0"/>
+          <a:ext cx="0" cy="0"/>
+          <a:chOff x="0" y="0"/>
+          <a:chExt cx="0" cy="0"/>
+        </a:xfrm>
+      </p:grpSpPr>
+      <p:sp>
+        <p:nvSpPr>
+          <p:cNvPr id="2" name="Title 1"/>
+          <p:cNvSpPr>
+            <a:spLocks noGrp="1"/>
+          </p:cNvSpPr>
+          <p:nvPr>
+            <p:ph type="title"/>
+          </p:nvPr>
+        </p:nvSpPr>
+        <p:spPr/>
+        <p:txBody>
+          <a:bodyPr vert="horz" lIns="90000" tIns="45720" rIns="91440" bIns="45720" rtlCol="0" anchor="b">
+            <a:noAutofit/>
+          </a:bodyPr>
+          <a:lstStyle>
+            <a:lvl1pPr>
+              <a:defRPr lang="nb-NO" noProof="0" dirty="0"/>
+            </a:lvl1pPr>
+          </a:lstStyle>
+          <a:p>
+            <a:pPr lvl="0"/>
+            <a:r>
+              <a:rPr lang="nb-NO" noProof="0" dirty="0" err="1"/>
+              <a:t>Click</a:t>
+            </a:r>
+            <a:r>
+              <a:rPr lang="nb-NO" noProof="0" dirty="0"/>
+              <a:t> to </a:t>
+            </a:r>
+            <a:r>
+              <a:rPr lang="nb-NO" noProof="0" dirty="0" err="1"/>
+              <a:t>edit</a:t>
+            </a:r>
+            <a:r>
+              <a:rPr lang="nb-NO" noProof="0" dirty="0"/>
+              <a:t> Master </a:t>
+            </a:r>
+            <a:r>
+              <a:rPr lang="nb-NO" noProof="0" dirty="0" err="1"/>
+              <a:t>title</a:t>
+            </a:r>
+            <a:r>
+              <a:rPr lang="nb-NO" noProof="0" dirty="0"/>
+              <a:t> style</a:t>
+            </a:r>
+          </a:p>
+        </p:txBody>
+      </p:sp>
+      <p:sp>
+        <p:nvSpPr>
+          <p:cNvPr id="6" name="Slide Number Placeholder 5"/>
+          <p:cNvSpPr>
+            <a:spLocks noGrp="1"/>
+          </p:cNvSpPr>
+          <p:nvPr>
+            <p:ph type="sldNum" sz="quarter" idx="12"/>
+          </p:nvPr>
+        </p:nvSpPr>
+        <p:spPr/>
+        <p:txBody>
+          <a:bodyPr/>
+          <a:lstStyle/>
+          <a:p>
+            <a:fld id="{618FBC2E-150B-49D4-A5E9-D014A10F5E5B}" type="slidenum">
+              <a:rPr lang="nb-NO" smtClean="0"/>
+              <a:t>‹#›</a:t>
+            </a:fld>
+            <a:endParaRPr lang="nb-NO"/>
+          </a:p>
+        </p:txBody>
+      </p:sp>
+      <p:cxnSp>
+        <p:nvCxnSpPr>
+          <p:cNvPr id="7" name="Straight Connector 6"/>
+          <p:cNvCxnSpPr/>
+          <p:nvPr userDrawn="1"/>
+        </p:nvCxnSpPr>
+        <p:spPr>
+          <a:xfrm>
+            <a:off x="1329176" y="1328149"/>
+            <a:ext cx="900000" cy="0"/>
+          </a:xfrm>
+          <a:prstGeom prst="line">
+            <a:avLst/>
+          </a:prstGeom>
+          <a:ln w="25400">
+            <a:solidFill>
+              <a:schemeClr val="tx1"/>
+            </a:solidFill>
+          </a:ln>
+        </p:spPr>
+        <p:style>
+          <a:lnRef idx="1">
+            <a:schemeClr val="accent1"/>
+          </a:lnRef>
+          <a:fillRef idx="0">
+            <a:schemeClr val="accent1"/>
+          </a:fillRef>
+          <a:effectRef idx="0">
+            <a:schemeClr val="accent1"/>
+          </a:effectRef>
+          <a:fontRef idx="minor">
+            <a:schemeClr val="tx1"/>
+          </a:fontRef>
+        </p:style>
+      </p:cxnSp>
+    </p:spTree>
+    <p:extLst>
+      <p:ext uri="{BB962C8B-B14F-4D97-AF65-F5344CB8AC3E}">
+        <p14:creationId xmlns:p14="http://schemas.microsoft.com/office/powerpoint/2010/main" val="4078559870"/>
+      </p:ext>
+    </p:extLst>
+  </p:cSld>
+  <p:clrMapOvr>
+    <a:masterClrMapping/>
+  </p:clrMapOvr>
+</p:sldLayout>
+</file>
+
+<file path=ppt/slideLayouts/slideLayout21.xml><?xml version="1.0" encoding="utf-8"?>
+<p:sldLayout xmlns:a="http://schemas.openxmlformats.org/drawingml/2006/main" xmlns:r="http://schemas.openxmlformats.org/officeDocument/2006/relationships" xmlns:p="http://schemas.openxmlformats.org/presentationml/2006/main" showMasterSp="0" type="blank" preserve="1">
+  <p:cSld name="Blank">
+    <p:spTree>
+      <p:nvGrpSpPr>
+        <p:cNvPr id="1" name=""/>
+        <p:cNvGrpSpPr/>
+        <p:nvPr/>
+      </p:nvGrpSpPr>
+      <p:grpSpPr>
+        <a:xfrm>
+          <a:off x="0" y="0"/>
+          <a:ext cx="0" cy="0"/>
+          <a:chOff x="0" y="0"/>
+          <a:chExt cx="0" cy="0"/>
+        </a:xfrm>
+      </p:grpSpPr>
+      <p:sp>
+        <p:nvSpPr>
+          <p:cNvPr id="4" name="Slide Number Placeholder 3"/>
+          <p:cNvSpPr>
+            <a:spLocks noGrp="1"/>
+          </p:cNvSpPr>
+          <p:nvPr>
+            <p:ph type="sldNum" sz="quarter" idx="12"/>
+          </p:nvPr>
+        </p:nvSpPr>
+        <p:spPr/>
+        <p:txBody>
+          <a:bodyPr/>
+          <a:lstStyle/>
+          <a:p>
+            <a:fld id="{618FBC2E-150B-49D4-A5E9-D014A10F5E5B}" type="slidenum">
+              <a:rPr lang="nb-NO" smtClean="0"/>
+              <a:t>‹#›</a:t>
+            </a:fld>
+            <a:endParaRPr lang="nb-NO"/>
+          </a:p>
+        </p:txBody>
+      </p:sp>
+    </p:spTree>
+    <p:extLst>
+      <p:ext uri="{BB962C8B-B14F-4D97-AF65-F5344CB8AC3E}">
+        <p14:creationId xmlns:p14="http://schemas.microsoft.com/office/powerpoint/2010/main" val="74598002"/>
+      </p:ext>
+    </p:extLst>
+  </p:cSld>
+  <p:clrMapOvr>
+    <a:masterClrMapping/>
+  </p:clrMapOvr>
+</p:sldLayout>
+</file>
+
+<file path=ppt/slideLayouts/slideLayout22.xml><?xml version="1.0" encoding="utf-8"?>
 <p:sldLayout xmlns:a="http://schemas.openxmlformats.org/drawingml/2006/main" xmlns:r="http://schemas.openxmlformats.org/officeDocument/2006/relationships" xmlns:p="http://schemas.openxmlformats.org/presentationml/2006/main" showMasterSp="0" type="title">
   <p:cSld name="Kapittelforside">
     <p:spTree>
@@ -4073,7 +4585,7 @@
           </a:lstStyle>
           <a:p>
             <a:r>
-              <a:rPr lang="en-US" noProof="0" smtClean="0"/>
+              <a:rPr lang="en-US" noProof="0"/>
               <a:t>Click to edit Master title style</a:t>
             </a:r>
             <a:endParaRPr lang="nb-NO" noProof="0" dirty="0"/>
@@ -4140,7 +4652,7 @@
           </a:lstStyle>
           <a:p>
             <a:r>
-              <a:rPr lang="en-US" noProof="0" smtClean="0"/>
+              <a:rPr lang="en-US" noProof="0"/>
               <a:t>Click to edit Master subtitle style</a:t>
             </a:r>
             <a:endParaRPr lang="nb-NO" noProof="0" dirty="0"/>
@@ -4424,7 +4936,7 @@
 </p:sldLayout>
 </file>
 
-<file path=ppt/slideLayouts/slideLayout21.xml><?xml version="1.0" encoding="utf-8"?>
+<file path=ppt/slideLayouts/slideLayout23.xml><?xml version="1.0" encoding="utf-8"?>
 <p:sldLayout xmlns:a="http://schemas.openxmlformats.org/drawingml/2006/main" xmlns:r="http://schemas.openxmlformats.org/officeDocument/2006/relationships" xmlns:p="http://schemas.openxmlformats.org/presentationml/2006/main" preserve="1" userDrawn="1">
   <p:cSld name="Første steg">
     <p:spTree>
@@ -4872,7 +5384,7 @@
 </p:sldLayout>
 </file>
 
-<file path=ppt/slideLayouts/slideLayout22.xml><?xml version="1.0" encoding="utf-8"?>
+<file path=ppt/slideLayouts/slideLayout24.xml><?xml version="1.0" encoding="utf-8"?>
 <p:sldLayout xmlns:a="http://schemas.openxmlformats.org/drawingml/2006/main" xmlns:r="http://schemas.openxmlformats.org/officeDocument/2006/relationships" xmlns:p="http://schemas.openxmlformats.org/presentationml/2006/main" preserve="1" userDrawn="1">
   <p:cSld name="Mellomsteg tekst og bilde">
     <p:spTree>
@@ -5175,7 +5687,7 @@
 </p:sldLayout>
 </file>
 
-<file path=ppt/slideLayouts/slideLayout23.xml><?xml version="1.0" encoding="utf-8"?>
+<file path=ppt/slideLayouts/slideLayout25.xml><?xml version="1.0" encoding="utf-8"?>
 <p:sldLayout xmlns:a="http://schemas.openxmlformats.org/drawingml/2006/main" xmlns:r="http://schemas.openxmlformats.org/officeDocument/2006/relationships" xmlns:p="http://schemas.openxmlformats.org/presentationml/2006/main" preserve="1" userDrawn="1">
   <p:cSld name="Mellomsteg bare tittel">
     <p:spTree>
@@ -5363,7 +5875,7 @@
 </p:sldLayout>
 </file>
 
-<file path=ppt/slideLayouts/slideLayout24.xml><?xml version="1.0" encoding="utf-8"?>
+<file path=ppt/slideLayouts/slideLayout26.xml><?xml version="1.0" encoding="utf-8"?>
 <p:sldLayout xmlns:a="http://schemas.openxmlformats.org/drawingml/2006/main" xmlns:r="http://schemas.openxmlformats.org/officeDocument/2006/relationships" xmlns:p="http://schemas.openxmlformats.org/presentationml/2006/main" preserve="1" userDrawn="1">
   <p:cSld name="Mellomsteg tre bilder">
     <p:spTree>
@@ -5868,7 +6380,7 @@
 </p:sldLayout>
 </file>
 
-<file path=ppt/slideLayouts/slideLayout25.xml><?xml version="1.0" encoding="utf-8"?>
+<file path=ppt/slideLayouts/slideLayout27.xml><?xml version="1.0" encoding="utf-8"?>
 <p:sldLayout xmlns:a="http://schemas.openxmlformats.org/drawingml/2006/main" xmlns:r="http://schemas.openxmlformats.org/officeDocument/2006/relationships" xmlns:p="http://schemas.openxmlformats.org/presentationml/2006/main" preserve="1" userDrawn="1">
   <p:cSld name="Siste steg">
     <p:spTree>
@@ -6276,7 +6788,7 @@
           </a:lstStyle>
           <a:p>
             <a:r>
-              <a:rPr lang="en-US" noProof="0" smtClean="0"/>
+              <a:rPr lang="en-US" noProof="0"/>
               <a:t>Click to edit Master title style</a:t>
             </a:r>
             <a:endParaRPr lang="nb-NO" noProof="0" dirty="0"/>
@@ -6347,7 +6859,7 @@
           </a:lstStyle>
           <a:p>
             <a:r>
-              <a:rPr lang="en-US" noProof="0" smtClean="0"/>
+              <a:rPr lang="en-US" noProof="0"/>
               <a:t>Click to edit Master subtitle style</a:t>
             </a:r>
             <a:endParaRPr lang="nb-NO" noProof="0" dirty="0"/>
@@ -6644,7 +7156,7 @@
           </a:lstStyle>
           <a:p>
             <a:r>
-              <a:rPr lang="en-US" noProof="0" smtClean="0"/>
+              <a:rPr lang="en-US" noProof="0"/>
               <a:t>Click to edit Master title style</a:t>
             </a:r>
             <a:endParaRPr lang="nb-NO" noProof="0" dirty="0"/>
@@ -6715,7 +7227,7 @@
           </a:lstStyle>
           <a:p>
             <a:r>
-              <a:rPr lang="en-US" noProof="0" smtClean="0"/>
+              <a:rPr lang="en-US" noProof="0"/>
               <a:t>Click to edit Master subtitle style</a:t>
             </a:r>
             <a:endParaRPr lang="nb-NO" noProof="0" dirty="0"/>
@@ -6943,7 +7455,7 @@
           </a:lstStyle>
           <a:p>
             <a:r>
-              <a:rPr lang="en-US" noProof="0" smtClean="0"/>
+              <a:rPr lang="en-US" noProof="0"/>
               <a:t>Click to edit Master title style</a:t>
             </a:r>
             <a:endParaRPr lang="nb-NO" noProof="0" dirty="0"/>
@@ -7010,7 +7522,7 @@
           </a:lstStyle>
           <a:p>
             <a:r>
-              <a:rPr lang="en-US" smtClean="0"/>
+              <a:rPr lang="en-US"/>
               <a:t>Click to edit Master subtitle style</a:t>
             </a:r>
             <a:endParaRPr lang="nb-NO" dirty="0"/>
@@ -7201,7 +7713,7 @@
           </a:lstStyle>
           <a:p>
             <a:r>
-              <a:rPr lang="en-US" noProof="0" smtClean="0"/>
+              <a:rPr lang="en-US" noProof="0"/>
               <a:t>Click to edit Master title style</a:t>
             </a:r>
             <a:endParaRPr lang="nb-NO" noProof="0" dirty="0"/>
@@ -7268,7 +7780,7 @@
           </a:lstStyle>
           <a:p>
             <a:r>
-              <a:rPr lang="en-US" noProof="0" smtClean="0"/>
+              <a:rPr lang="en-US" noProof="0"/>
               <a:t>Click to edit Master subtitle style</a:t>
             </a:r>
             <a:endParaRPr lang="nb-NO" noProof="0" dirty="0"/>
@@ -7553,7 +8065,7 @@
 </file>
 
 <file path=ppt/slideLayouts/slideLayout7.xml><?xml version="1.0" encoding="utf-8"?>
-<p:sldLayout xmlns:a="http://schemas.openxmlformats.org/drawingml/2006/main" xmlns:r="http://schemas.openxmlformats.org/officeDocument/2006/relationships" xmlns:p="http://schemas.openxmlformats.org/presentationml/2006/main" preserve="1" userDrawn="1">
+<p:sldLayout xmlns:a="http://schemas.openxmlformats.org/drawingml/2006/main" xmlns:r="http://schemas.openxmlformats.org/officeDocument/2006/relationships" xmlns:p="http://schemas.openxmlformats.org/presentationml/2006/main" userDrawn="1">
   <p:cSld name="Punkter/innhold">
     <p:spTree>
       <p:nvGrpSpPr>
@@ -7728,7 +8240,7 @@
     </p:spTree>
     <p:extLst>
       <p:ext uri="{BB962C8B-B14F-4D97-AF65-F5344CB8AC3E}">
-        <p14:creationId xmlns:p14="http://schemas.microsoft.com/office/powerpoint/2010/main" val="3087709048"/>
+        <p14:creationId xmlns:p14="http://schemas.microsoft.com/office/powerpoint/2010/main" val="3606135024"/>
       </p:ext>
     </p:extLst>
   </p:cSld>
@@ -7739,294 +8251,7 @@
 </file>
 
 <file path=ppt/slideLayouts/slideLayout8.xml><?xml version="1.0" encoding="utf-8"?>
-<p:sldLayout xmlns:a="http://schemas.openxmlformats.org/drawingml/2006/main" xmlns:r="http://schemas.openxmlformats.org/officeDocument/2006/relationships" xmlns:p="http://schemas.openxmlformats.org/presentationml/2006/main" preserve="1" userDrawn="1">
-  <p:cSld name="Tittel og to spalter">
-    <p:spTree>
-      <p:nvGrpSpPr>
-        <p:cNvPr id="1" name=""/>
-        <p:cNvGrpSpPr/>
-        <p:nvPr/>
-      </p:nvGrpSpPr>
-      <p:grpSpPr>
-        <a:xfrm>
-          <a:off x="0" y="0"/>
-          <a:ext cx="0" cy="0"/>
-          <a:chOff x="0" y="0"/>
-          <a:chExt cx="0" cy="0"/>
-        </a:xfrm>
-      </p:grpSpPr>
-      <p:sp>
-        <p:nvSpPr>
-          <p:cNvPr id="2" name="Title 1"/>
-          <p:cNvSpPr>
-            <a:spLocks noGrp="1"/>
-          </p:cNvSpPr>
-          <p:nvPr>
-            <p:ph type="title"/>
-          </p:nvPr>
-        </p:nvSpPr>
-        <p:spPr/>
-        <p:txBody>
-          <a:bodyPr vert="horz" lIns="90000" tIns="45720" rIns="91440" bIns="45720" rtlCol="0" anchor="b">
-            <a:noAutofit/>
-          </a:bodyPr>
-          <a:lstStyle>
-            <a:lvl1pPr>
-              <a:defRPr lang="nb-NO" noProof="0" dirty="0"/>
-            </a:lvl1pPr>
-          </a:lstStyle>
-          <a:p>
-            <a:pPr lvl="0"/>
-            <a:r>
-              <a:rPr lang="nb-NO" noProof="0" dirty="0" err="1"/>
-              <a:t>Click</a:t>
-            </a:r>
-            <a:r>
-              <a:rPr lang="nb-NO" noProof="0" dirty="0"/>
-              <a:t> to </a:t>
-            </a:r>
-            <a:r>
-              <a:rPr lang="nb-NO" noProof="0" dirty="0" err="1"/>
-              <a:t>edit</a:t>
-            </a:r>
-            <a:r>
-              <a:rPr lang="nb-NO" noProof="0" dirty="0"/>
-              <a:t> Master </a:t>
-            </a:r>
-            <a:r>
-              <a:rPr lang="nb-NO" noProof="0" dirty="0" err="1"/>
-              <a:t>title</a:t>
-            </a:r>
-            <a:r>
-              <a:rPr lang="nb-NO" noProof="0" dirty="0"/>
-              <a:t> style</a:t>
-            </a:r>
-          </a:p>
-        </p:txBody>
-      </p:sp>
-      <p:sp>
-        <p:nvSpPr>
-          <p:cNvPr id="3" name="Content Placeholder 2"/>
-          <p:cNvSpPr>
-            <a:spLocks noGrp="1"/>
-          </p:cNvSpPr>
-          <p:nvPr>
-            <p:ph idx="1"/>
-          </p:nvPr>
-        </p:nvSpPr>
-        <p:spPr>
-          <a:xfrm>
-            <a:off x="1234800" y="1825625"/>
-            <a:ext cx="4861200" cy="4351338"/>
-          </a:xfrm>
-          <a:prstGeom prst="rect">
-            <a:avLst/>
-          </a:prstGeom>
-        </p:spPr>
-        <p:txBody>
-          <a:bodyPr vert="horz" lIns="91440" tIns="45720" rIns="91440" bIns="45720" rtlCol="0">
-            <a:noAutofit/>
-          </a:bodyPr>
-          <a:lstStyle>
-            <a:lvl1pPr>
-              <a:defRPr lang="nb-NO" noProof="0" dirty="0"/>
-            </a:lvl1pPr>
-            <a:lvl2pPr>
-              <a:defRPr lang="nb-NO" noProof="0" dirty="0"/>
-            </a:lvl2pPr>
-            <a:lvl3pPr>
-              <a:defRPr lang="nb-NO" noProof="0" dirty="0"/>
-            </a:lvl3pPr>
-          </a:lstStyle>
-          <a:p>
-            <a:pPr lvl="0"/>
-            <a:r>
-              <a:rPr lang="nb-NO" noProof="0" dirty="0"/>
-              <a:t>Edit Master </a:t>
-            </a:r>
-            <a:r>
-              <a:rPr lang="nb-NO" noProof="0" dirty="0" err="1"/>
-              <a:t>text</a:t>
-            </a:r>
-            <a:r>
-              <a:rPr lang="nb-NO" noProof="0" dirty="0"/>
-              <a:t> styles</a:t>
-            </a:r>
-          </a:p>
-          <a:p>
-            <a:pPr lvl="1"/>
-            <a:r>
-              <a:rPr lang="nb-NO" noProof="0" dirty="0"/>
-              <a:t>Second </a:t>
-            </a:r>
-            <a:r>
-              <a:rPr lang="nb-NO" noProof="0" dirty="0" err="1"/>
-              <a:t>level</a:t>
-            </a:r>
-            <a:endParaRPr lang="nb-NO" noProof="0" dirty="0"/>
-          </a:p>
-          <a:p>
-            <a:pPr lvl="2"/>
-            <a:r>
-              <a:rPr lang="nb-NO" noProof="0" dirty="0"/>
-              <a:t>Third </a:t>
-            </a:r>
-            <a:r>
-              <a:rPr lang="nb-NO" noProof="0" dirty="0" err="1"/>
-              <a:t>level</a:t>
-            </a:r>
-            <a:endParaRPr lang="nb-NO" noProof="0" dirty="0"/>
-          </a:p>
-        </p:txBody>
-      </p:sp>
-      <p:sp>
-        <p:nvSpPr>
-          <p:cNvPr id="6" name="Slide Number Placeholder 5"/>
-          <p:cNvSpPr>
-            <a:spLocks noGrp="1"/>
-          </p:cNvSpPr>
-          <p:nvPr>
-            <p:ph type="sldNum" sz="quarter" idx="12"/>
-          </p:nvPr>
-        </p:nvSpPr>
-        <p:spPr/>
-        <p:txBody>
-          <a:bodyPr/>
-          <a:lstStyle/>
-          <a:p>
-            <a:fld id="{618FBC2E-150B-49D4-A5E9-D014A10F5E5B}" type="slidenum">
-              <a:rPr lang="nb-NO" smtClean="0"/>
-              <a:t>‹#›</a:t>
-            </a:fld>
-            <a:endParaRPr lang="nb-NO"/>
-          </a:p>
-        </p:txBody>
-      </p:sp>
-      <p:cxnSp>
-        <p:nvCxnSpPr>
-          <p:cNvPr id="7" name="Straight Connector 6"/>
-          <p:cNvCxnSpPr/>
-          <p:nvPr userDrawn="1"/>
-        </p:nvCxnSpPr>
-        <p:spPr>
-          <a:xfrm>
-            <a:off x="1329176" y="1328149"/>
-            <a:ext cx="900000" cy="0"/>
-          </a:xfrm>
-          <a:prstGeom prst="line">
-            <a:avLst/>
-          </a:prstGeom>
-          <a:ln w="25400">
-            <a:solidFill>
-              <a:schemeClr val="tx1"/>
-            </a:solidFill>
-          </a:ln>
-        </p:spPr>
-        <p:style>
-          <a:lnRef idx="1">
-            <a:schemeClr val="accent1"/>
-          </a:lnRef>
-          <a:fillRef idx="0">
-            <a:schemeClr val="accent1"/>
-          </a:fillRef>
-          <a:effectRef idx="0">
-            <a:schemeClr val="accent1"/>
-          </a:effectRef>
-          <a:fontRef idx="minor">
-            <a:schemeClr val="tx1"/>
-          </a:fontRef>
-        </p:style>
-      </p:cxnSp>
-      <p:sp>
-        <p:nvSpPr>
-          <p:cNvPr id="8" name="Content Placeholder 2"/>
-          <p:cNvSpPr>
-            <a:spLocks noGrp="1"/>
-          </p:cNvSpPr>
-          <p:nvPr>
-            <p:ph idx="13"/>
-          </p:nvPr>
-        </p:nvSpPr>
-        <p:spPr>
-          <a:xfrm>
-            <a:off x="6511650" y="1825625"/>
-            <a:ext cx="4869656" cy="4351338"/>
-          </a:xfrm>
-          <a:prstGeom prst="rect">
-            <a:avLst/>
-          </a:prstGeom>
-        </p:spPr>
-        <p:txBody>
-          <a:bodyPr vert="horz" lIns="91440" tIns="45720" rIns="91440" bIns="45720" rtlCol="0">
-            <a:noAutofit/>
-          </a:bodyPr>
-          <a:lstStyle>
-            <a:lvl1pPr>
-              <a:defRPr lang="nb-NO" noProof="0" dirty="0"/>
-            </a:lvl1pPr>
-            <a:lvl2pPr>
-              <a:defRPr lang="nb-NO" noProof="0" dirty="0"/>
-            </a:lvl2pPr>
-            <a:lvl3pPr>
-              <a:defRPr lang="nb-NO" noProof="0" dirty="0"/>
-            </a:lvl3pPr>
-          </a:lstStyle>
-          <a:p>
-            <a:pPr lvl="0"/>
-            <a:r>
-              <a:rPr lang="nb-NO" noProof="0" dirty="0"/>
-              <a:t>Edit Master </a:t>
-            </a:r>
-            <a:r>
-              <a:rPr lang="nb-NO" noProof="0" dirty="0" err="1"/>
-              <a:t>text</a:t>
-            </a:r>
-            <a:r>
-              <a:rPr lang="nb-NO" noProof="0" dirty="0"/>
-              <a:t> styles</a:t>
-            </a:r>
-          </a:p>
-          <a:p>
-            <a:pPr lvl="1"/>
-            <a:r>
-              <a:rPr lang="nb-NO" noProof="0" dirty="0"/>
-              <a:t>Second </a:t>
-            </a:r>
-            <a:r>
-              <a:rPr lang="nb-NO" noProof="0" dirty="0" err="1"/>
-              <a:t>level</a:t>
-            </a:r>
-            <a:endParaRPr lang="nb-NO" noProof="0" dirty="0"/>
-          </a:p>
-          <a:p>
-            <a:pPr lvl="2"/>
-            <a:r>
-              <a:rPr lang="nb-NO" noProof="0" dirty="0"/>
-              <a:t>Third </a:t>
-            </a:r>
-            <a:r>
-              <a:rPr lang="nb-NO" noProof="0" dirty="0" err="1"/>
-              <a:t>level</a:t>
-            </a:r>
-            <a:endParaRPr lang="nb-NO" noProof="0" dirty="0"/>
-          </a:p>
-        </p:txBody>
-      </p:sp>
-    </p:spTree>
-    <p:extLst>
-      <p:ext uri="{BB962C8B-B14F-4D97-AF65-F5344CB8AC3E}">
-        <p14:creationId xmlns:p14="http://schemas.microsoft.com/office/powerpoint/2010/main" val="1859540317"/>
-      </p:ext>
-    </p:extLst>
-  </p:cSld>
-  <p:clrMapOvr>
-    <a:masterClrMapping/>
-  </p:clrMapOvr>
-</p:sldLayout>
-</file>
-
-<file path=ppt/slideLayouts/slideLayout9.xml><?xml version="1.0" encoding="utf-8"?>
-<p:sldLayout xmlns:a="http://schemas.openxmlformats.org/drawingml/2006/main" xmlns:r="http://schemas.openxmlformats.org/officeDocument/2006/relationships" xmlns:p="http://schemas.openxmlformats.org/presentationml/2006/main" preserve="1" userDrawn="1">
+<p:sldLayout xmlns:a="http://schemas.openxmlformats.org/drawingml/2006/main" xmlns:r="http://schemas.openxmlformats.org/officeDocument/2006/relationships" xmlns:p="http://schemas.openxmlformats.org/presentationml/2006/main" userDrawn="1">
   <p:cSld name="Innhold med bilde høyre">
     <p:spTree>
       <p:nvGrpSpPr>
@@ -8230,7 +8455,193 @@
     </p:spTree>
     <p:extLst>
       <p:ext uri="{BB962C8B-B14F-4D97-AF65-F5344CB8AC3E}">
-        <p14:creationId xmlns:p14="http://schemas.microsoft.com/office/powerpoint/2010/main" val="792583142"/>
+        <p14:creationId xmlns:p14="http://schemas.microsoft.com/office/powerpoint/2010/main" val="2610489467"/>
+      </p:ext>
+    </p:extLst>
+  </p:cSld>
+  <p:clrMapOvr>
+    <a:masterClrMapping/>
+  </p:clrMapOvr>
+</p:sldLayout>
+</file>
+
+<file path=ppt/slideLayouts/slideLayout9.xml><?xml version="1.0" encoding="utf-8"?>
+<p:sldLayout xmlns:a="http://schemas.openxmlformats.org/drawingml/2006/main" xmlns:r="http://schemas.openxmlformats.org/officeDocument/2006/relationships" xmlns:p="http://schemas.openxmlformats.org/presentationml/2006/main" preserve="1" userDrawn="1">
+  <p:cSld name="Punkter/innhold">
+    <p:spTree>
+      <p:nvGrpSpPr>
+        <p:cNvPr id="1" name=""/>
+        <p:cNvGrpSpPr/>
+        <p:nvPr/>
+      </p:nvGrpSpPr>
+      <p:grpSpPr>
+        <a:xfrm>
+          <a:off x="0" y="0"/>
+          <a:ext cx="0" cy="0"/>
+          <a:chOff x="0" y="0"/>
+          <a:chExt cx="0" cy="0"/>
+        </a:xfrm>
+      </p:grpSpPr>
+      <p:sp>
+        <p:nvSpPr>
+          <p:cNvPr id="3" name="Content Placeholder 2"/>
+          <p:cNvSpPr>
+            <a:spLocks noGrp="1"/>
+          </p:cNvSpPr>
+          <p:nvPr>
+            <p:ph idx="1"/>
+          </p:nvPr>
+        </p:nvSpPr>
+        <p:spPr>
+          <a:xfrm>
+            <a:off x="1234800" y="1825625"/>
+            <a:ext cx="8382613" cy="4351338"/>
+          </a:xfrm>
+          <a:prstGeom prst="rect">
+            <a:avLst/>
+          </a:prstGeom>
+        </p:spPr>
+        <p:txBody>
+          <a:bodyPr vert="horz" lIns="91440" tIns="45720" rIns="91440" bIns="45720" rtlCol="0">
+            <a:noAutofit/>
+          </a:bodyPr>
+          <a:lstStyle>
+            <a:lvl1pPr>
+              <a:defRPr lang="nb-NO" noProof="0" dirty="0"/>
+            </a:lvl1pPr>
+            <a:lvl2pPr>
+              <a:defRPr lang="nb-NO" noProof="0" dirty="0"/>
+            </a:lvl2pPr>
+            <a:lvl3pPr>
+              <a:defRPr lang="nb-NO" noProof="0" dirty="0"/>
+            </a:lvl3pPr>
+          </a:lstStyle>
+          <a:p>
+            <a:pPr lvl="0"/>
+            <a:r>
+              <a:rPr lang="nb-NO" noProof="0" dirty="0"/>
+              <a:t>Edit Master </a:t>
+            </a:r>
+            <a:r>
+              <a:rPr lang="nb-NO" noProof="0" dirty="0" err="1"/>
+              <a:t>text</a:t>
+            </a:r>
+            <a:r>
+              <a:rPr lang="nb-NO" noProof="0" dirty="0"/>
+              <a:t> styles</a:t>
+            </a:r>
+          </a:p>
+          <a:p>
+            <a:pPr lvl="1"/>
+            <a:r>
+              <a:rPr lang="nb-NO" noProof="0" dirty="0"/>
+              <a:t>Second </a:t>
+            </a:r>
+            <a:r>
+              <a:rPr lang="nb-NO" noProof="0" dirty="0" err="1"/>
+              <a:t>level</a:t>
+            </a:r>
+            <a:endParaRPr lang="nb-NO" noProof="0" dirty="0"/>
+          </a:p>
+          <a:p>
+            <a:pPr lvl="2"/>
+            <a:r>
+              <a:rPr lang="nb-NO" noProof="0" dirty="0"/>
+              <a:t>Third </a:t>
+            </a:r>
+            <a:r>
+              <a:rPr lang="nb-NO" noProof="0" dirty="0" err="1"/>
+              <a:t>level</a:t>
+            </a:r>
+            <a:endParaRPr lang="nb-NO" noProof="0" dirty="0"/>
+          </a:p>
+        </p:txBody>
+      </p:sp>
+      <p:sp>
+        <p:nvSpPr>
+          <p:cNvPr id="6" name="Slide Number Placeholder 5"/>
+          <p:cNvSpPr>
+            <a:spLocks noGrp="1"/>
+          </p:cNvSpPr>
+          <p:nvPr>
+            <p:ph type="sldNum" sz="quarter" idx="12"/>
+          </p:nvPr>
+        </p:nvSpPr>
+        <p:spPr/>
+        <p:txBody>
+          <a:bodyPr/>
+          <a:lstStyle/>
+          <a:p>
+            <a:fld id="{618FBC2E-150B-49D4-A5E9-D014A10F5E5B}" type="slidenum">
+              <a:rPr lang="nb-NO" smtClean="0"/>
+              <a:t>‹#›</a:t>
+            </a:fld>
+            <a:endParaRPr lang="nb-NO"/>
+          </a:p>
+        </p:txBody>
+      </p:sp>
+      <p:cxnSp>
+        <p:nvCxnSpPr>
+          <p:cNvPr id="7" name="Straight Connector 6"/>
+          <p:cNvCxnSpPr/>
+          <p:nvPr userDrawn="1"/>
+        </p:nvCxnSpPr>
+        <p:spPr>
+          <a:xfrm>
+            <a:off x="1329176" y="1328149"/>
+            <a:ext cx="900000" cy="0"/>
+          </a:xfrm>
+          <a:prstGeom prst="line">
+            <a:avLst/>
+          </a:prstGeom>
+          <a:ln w="25400">
+            <a:solidFill>
+              <a:schemeClr val="tx1"/>
+            </a:solidFill>
+          </a:ln>
+        </p:spPr>
+        <p:style>
+          <a:lnRef idx="1">
+            <a:schemeClr val="accent1"/>
+          </a:lnRef>
+          <a:fillRef idx="0">
+            <a:schemeClr val="accent1"/>
+          </a:fillRef>
+          <a:effectRef idx="0">
+            <a:schemeClr val="accent1"/>
+          </a:effectRef>
+          <a:fontRef idx="minor">
+            <a:schemeClr val="tx1"/>
+          </a:fontRef>
+        </p:style>
+      </p:cxnSp>
+      <p:sp>
+        <p:nvSpPr>
+          <p:cNvPr id="4" name="Title 3"/>
+          <p:cNvSpPr>
+            <a:spLocks noGrp="1"/>
+          </p:cNvSpPr>
+          <p:nvPr>
+            <p:ph type="title"/>
+          </p:nvPr>
+        </p:nvSpPr>
+        <p:spPr/>
+        <p:txBody>
+          <a:bodyPr/>
+          <a:lstStyle/>
+          <a:p>
+            <a:r>
+              <a:rPr lang="en-US"/>
+              <a:t>Click to edit Master title style</a:t>
+            </a:r>
+            <a:endParaRPr lang="nb-NO"/>
+          </a:p>
+        </p:txBody>
+      </p:sp>
+    </p:spTree>
+    <p:extLst>
+      <p:ext uri="{BB962C8B-B14F-4D97-AF65-F5344CB8AC3E}">
+        <p14:creationId xmlns:p14="http://schemas.microsoft.com/office/powerpoint/2010/main" val="3087709048"/>
       </p:ext>
     </p:extLst>
   </p:cSld>
@@ -8288,7 +8699,7 @@
           <a:lstStyle/>
           <a:p>
             <a:r>
-              <a:rPr lang="nb-NO" noProof="0" smtClean="0"/>
+              <a:rPr lang="nb-NO" noProof="0"/>
               <a:t>Klikk for å redigere tittelstil</a:t>
             </a:r>
             <a:endParaRPr lang="nb-NO" noProof="0" dirty="0"/>
@@ -8430,7 +8841,7 @@
             <p:nvPr/>
           </p:nvPicPr>
           <p:blipFill>
-            <a:blip r:embed="rId8" cstate="screen">
+            <a:blip r:embed="rId10" cstate="screen">
               <a:extLst>
                 <a:ext uri="{28A0092B-C50C-407E-A947-70E740481C1C}">
                   <a14:useLocalDpi xmlns:a14="http://schemas.microsoft.com/office/drawing/2010/main"/>
@@ -8468,6 +8879,8 @@
     <p:sldLayoutId id="2147483665" r:id="rId4"/>
     <p:sldLayoutId id="2147483668" r:id="rId5"/>
     <p:sldLayoutId id="2147483689" r:id="rId6"/>
+    <p:sldLayoutId id="2147483714" r:id="rId7"/>
+    <p:sldLayoutId id="2147483715" r:id="rId8"/>
   </p:sldLayoutIdLst>
   <p:txStyles>
     <p:titleStyle>
@@ -10058,11 +10471,11 @@
           <a:lstStyle/>
           <a:p>
             <a:r>
-              <a:rPr lang="nb-NO" dirty="0" smtClean="0"/>
+              <a:rPr lang="nb-NO" dirty="0"/>
               <a:t>Visitor og </a:t>
             </a:r>
             <a:r>
-              <a:rPr lang="nb-NO" dirty="0" err="1" smtClean="0"/>
+              <a:rPr lang="nb-NO" dirty="0" err="1"/>
               <a:t>Strategy</a:t>
             </a:r>
             <a:endParaRPr lang="nb-NO" dirty="0"/>
@@ -10085,19 +10498,19 @@
           <a:lstStyle/>
           <a:p>
             <a:r>
-              <a:rPr lang="nb-NO" dirty="0" smtClean="0"/>
+              <a:rPr lang="nb-NO" dirty="0"/>
               <a:t>Systemutviklerskolen: </a:t>
             </a:r>
             <a:r>
-              <a:rPr lang="nb-NO" dirty="0" err="1" smtClean="0"/>
+              <a:rPr lang="nb-NO" dirty="0" err="1"/>
               <a:t>Hands-on</a:t>
             </a:r>
             <a:r>
-              <a:rPr lang="nb-NO" dirty="0" smtClean="0"/>
+              <a:rPr lang="nb-NO" dirty="0"/>
               <a:t> design </a:t>
             </a:r>
             <a:r>
-              <a:rPr lang="nb-NO" dirty="0" err="1" smtClean="0"/>
+              <a:rPr lang="nb-NO" dirty="0" err="1"/>
               <a:t>patterns</a:t>
             </a:r>
             <a:endParaRPr lang="nb-NO" dirty="0"/>
@@ -10114,13 +10527,6 @@
   <p:clrMapOvr>
     <a:masterClrMapping/>
   </p:clrMapOvr>
-  <p:timing>
-    <p:tnLst>
-      <p:par>
-        <p:cTn id="1" dur="indefinite" restart="never" nodeType="tmRoot"/>
-      </p:par>
-    </p:tnLst>
-  </p:timing>
 </p:sld>
 </file>
 
@@ -10154,7 +10560,7 @@
         <p:spPr>
           <a:xfrm>
             <a:off x="1234800" y="365126"/>
-            <a:ext cx="3237809" cy="963024"/>
+            <a:ext cx="5056943" cy="963024"/>
           </a:xfrm>
         </p:spPr>
         <p:txBody>
@@ -10162,77 +10568,56 @@
           <a:lstStyle/>
           <a:p>
             <a:r>
-              <a:rPr lang="nb-NO" dirty="0" smtClean="0"/>
-              <a:t>Visitor - struktur</a:t>
-            </a:r>
-            <a:endParaRPr lang="nb-NO" dirty="0"/>
+              <a:rPr lang="nb-NO" dirty="0" err="1"/>
+              <a:t>Strategy</a:t>
+            </a:r>
+            <a:r>
+              <a:rPr lang="nb-NO" dirty="0"/>
+              <a:t> - struktur</a:t>
+            </a:r>
           </a:p>
         </p:txBody>
       </p:sp>
       <p:pic>
         <p:nvPicPr>
-          <p:cNvPr id="6" name="Picture 2" descr="Visitor Pattern - UML Class Diagram">
+          <p:cNvPr id="2" name="Bilde 1">
             <a:extLst>
               <a:ext uri="{FF2B5EF4-FFF2-40B4-BE49-F238E27FC236}">
-                <a16:creationId xmlns="" xmlns:a16="http://schemas.microsoft.com/office/drawing/2014/main" id="{6ECB2638-78CB-4DAA-BB71-94163B2EB52E}"/>
+                <a16:creationId xmlns:a16="http://schemas.microsoft.com/office/drawing/2014/main" id="{7BFD7AAE-8FA8-43E3-929F-29A7B3961AF5}"/>
               </a:ext>
             </a:extLst>
           </p:cNvPr>
           <p:cNvPicPr>
-            <a:picLocks noChangeAspect="1" noChangeArrowheads="1"/>
+            <a:picLocks noChangeAspect="1"/>
           </p:cNvPicPr>
           <p:nvPr/>
         </p:nvPicPr>
         <p:blipFill>
-          <a:blip r:embed="rId2">
-            <a:extLst>
-              <a:ext uri="{28A0092B-C50C-407E-A947-70E740481C1C}">
-                <a14:useLocalDpi xmlns:a14="http://schemas.microsoft.com/office/drawing/2010/main" val="0"/>
-              </a:ext>
-            </a:extLst>
-          </a:blip>
-          <a:srcRect/>
+          <a:blip r:embed="rId2"/>
           <a:stretch>
             <a:fillRect/>
           </a:stretch>
         </p:blipFill>
-        <p:spPr bwMode="auto">
+        <p:spPr>
           <a:xfrm>
-            <a:off x="4684432" y="611539"/>
-            <a:ext cx="5532296" cy="5565424"/>
+            <a:off x="2333539" y="1568741"/>
+            <a:ext cx="7482978" cy="3741489"/>
           </a:xfrm>
           <a:prstGeom prst="rect">
             <a:avLst/>
           </a:prstGeom>
-          <a:noFill/>
-          <a:extLst>
-            <a:ext uri="{909E8E84-426E-40DD-AFC4-6F175D3DCCD1}">
-              <a14:hiddenFill xmlns:a14="http://schemas.microsoft.com/office/drawing/2010/main">
-                <a:solidFill>
-                  <a:srgbClr val="FFFFFF"/>
-                </a:solidFill>
-              </a14:hiddenFill>
-            </a:ext>
-          </a:extLst>
         </p:spPr>
       </p:pic>
     </p:spTree>
     <p:extLst>
       <p:ext uri="{BB962C8B-B14F-4D97-AF65-F5344CB8AC3E}">
-        <p14:creationId xmlns:p14="http://schemas.microsoft.com/office/powerpoint/2010/main" val="2017677186"/>
+        <p14:creationId xmlns:p14="http://schemas.microsoft.com/office/powerpoint/2010/main" val="424425457"/>
       </p:ext>
     </p:extLst>
   </p:cSld>
   <p:clrMapOvr>
     <a:masterClrMapping/>
   </p:clrMapOvr>
-  <p:timing>
-    <p:tnLst>
-      <p:par>
-        <p:cTn id="1" dur="indefinite" restart="never" nodeType="tmRoot"/>
-      </p:par>
-    </p:tnLst>
-  </p:timing>
 </p:sld>
 </file>
 
@@ -10265,8 +10650,8 @@
         </p:nvSpPr>
         <p:spPr>
           <a:xfrm>
-            <a:off x="1234800" y="365126"/>
-            <a:ext cx="2740852" cy="963024"/>
+            <a:off x="1234799" y="365126"/>
+            <a:ext cx="3755341" cy="963024"/>
           </a:xfrm>
         </p:spPr>
         <p:txBody>
@@ -10274,10 +10659,13 @@
           <a:lstStyle/>
           <a:p>
             <a:r>
-              <a:rPr lang="nb-NO" dirty="0" smtClean="0"/>
-              <a:t>Visitor - kode</a:t>
-            </a:r>
-            <a:endParaRPr lang="nb-NO" dirty="0"/>
+              <a:rPr lang="nb-NO" dirty="0" err="1"/>
+              <a:t>Strategy</a:t>
+            </a:r>
+            <a:r>
+              <a:rPr lang="nb-NO" dirty="0"/>
+              <a:t> - kode</a:t>
+            </a:r>
           </a:p>
         </p:txBody>
       </p:sp>
@@ -10305,10 +10693,9 @@
               <a:buNone/>
             </a:pPr>
             <a:r>
-              <a:rPr lang="nb-NO" dirty="0" smtClean="0"/>
+              <a:rPr lang="nb-NO" dirty="0"/>
               <a:t>Objekt-struktur</a:t>
             </a:r>
-            <a:endParaRPr lang="nb-NO" dirty="0"/>
           </a:p>
         </p:txBody>
       </p:sp>
@@ -10317,7 +10704,7 @@
           <p:cNvPr id="5" name="Rektangel 1">
             <a:extLst>
               <a:ext uri="{FF2B5EF4-FFF2-40B4-BE49-F238E27FC236}">
-                <a16:creationId xmlns="" xmlns:a16="http://schemas.microsoft.com/office/drawing/2014/main" id="{3BEF0AC1-9401-4053-82E5-96A4AC358384}"/>
+                <a16:creationId xmlns:a16="http://schemas.microsoft.com/office/drawing/2014/main" id="{3BEF0AC1-9401-4053-82E5-96A4AC358384}"/>
               </a:ext>
             </a:extLst>
           </p:cNvPr>
@@ -11117,7 +11504,7 @@
     </p:spTree>
     <p:extLst>
       <p:ext uri="{BB962C8B-B14F-4D97-AF65-F5344CB8AC3E}">
-        <p14:creationId xmlns:p14="http://schemas.microsoft.com/office/powerpoint/2010/main" val="850569367"/>
+        <p14:creationId xmlns:p14="http://schemas.microsoft.com/office/powerpoint/2010/main" val="3746436238"/>
       </p:ext>
     </p:extLst>
   </p:cSld>
@@ -11832,6 +12219,1129 @@
       </p:grpSpPr>
       <p:sp>
         <p:nvSpPr>
+          <p:cNvPr id="2" name="Content Placeholder 1"/>
+          <p:cNvSpPr>
+            <a:spLocks noGrp="1"/>
+          </p:cNvSpPr>
+          <p:nvPr>
+            <p:ph idx="1"/>
+          </p:nvPr>
+        </p:nvSpPr>
+        <p:spPr/>
+        <p:txBody>
+          <a:bodyPr/>
+          <a:lstStyle/>
+          <a:p>
+            <a:r>
+              <a:rPr lang="nb-NO" dirty="0"/>
+              <a:t>Du har en objekt-struktur bestående av ulike klasser, og du ønsker å utføre operasjoner på objektene som er avhengig av den konkrete klassen.</a:t>
+            </a:r>
+          </a:p>
+          <a:p>
+            <a:r>
+              <a:rPr lang="nb-NO" dirty="0"/>
+              <a:t>Flere ulike operasjoner skal kunne utføres på objektene i strukturen, og du ønsker å unngå «forurensing» av klassene (</a:t>
+            </a:r>
+            <a:r>
+              <a:rPr lang="nb-NO" dirty="0" err="1"/>
+              <a:t>ref</a:t>
+            </a:r>
+            <a:r>
+              <a:rPr lang="nb-NO" dirty="0"/>
+              <a:t> Single-</a:t>
+            </a:r>
+            <a:r>
+              <a:rPr lang="nb-NO" dirty="0" err="1"/>
+              <a:t>responsibility</a:t>
+            </a:r>
+            <a:r>
+              <a:rPr lang="nb-NO" dirty="0"/>
+              <a:t>)</a:t>
+            </a:r>
+          </a:p>
+          <a:p>
+            <a:r>
+              <a:rPr lang="nb-NO" dirty="0" err="1"/>
+              <a:t>Objektstrukturen</a:t>
+            </a:r>
+            <a:r>
+              <a:rPr lang="nb-NO" dirty="0"/>
+              <a:t> er stabil. Det kommer ikke flere klasser.</a:t>
+            </a:r>
+          </a:p>
+          <a:p>
+            <a:r>
+              <a:rPr lang="nb-NO" dirty="0"/>
+              <a:t>Det kommer stadig flere operasjoner som skal utføres på </a:t>
+            </a:r>
+            <a:r>
+              <a:rPr lang="nb-NO" dirty="0" err="1"/>
+              <a:t>objektstrukturen</a:t>
+            </a:r>
+            <a:r>
+              <a:rPr lang="nb-NO" dirty="0"/>
+              <a:t> (</a:t>
+            </a:r>
+            <a:r>
+              <a:rPr lang="nb-NO" dirty="0" err="1"/>
+              <a:t>ref</a:t>
+            </a:r>
+            <a:r>
+              <a:rPr lang="nb-NO" dirty="0"/>
+              <a:t> Open/</a:t>
+            </a:r>
+            <a:r>
+              <a:rPr lang="nb-NO" dirty="0" err="1"/>
+              <a:t>Closed</a:t>
+            </a:r>
+            <a:r>
+              <a:rPr lang="nb-NO" dirty="0"/>
+              <a:t>)</a:t>
+            </a:r>
+          </a:p>
+          <a:p>
+            <a:pPr marL="0" indent="0">
+              <a:buNone/>
+            </a:pPr>
+            <a:endParaRPr lang="nb-NO" dirty="0"/>
+          </a:p>
+        </p:txBody>
+      </p:sp>
+      <p:sp>
+        <p:nvSpPr>
+          <p:cNvPr id="3" name="Title 2"/>
+          <p:cNvSpPr>
+            <a:spLocks noGrp="1"/>
+          </p:cNvSpPr>
+          <p:nvPr>
+            <p:ph type="title"/>
+          </p:nvPr>
+        </p:nvSpPr>
+        <p:spPr/>
+        <p:txBody>
+          <a:bodyPr/>
+          <a:lstStyle/>
+          <a:p>
+            <a:r>
+              <a:rPr lang="nb-NO" dirty="0" err="1"/>
+              <a:t>Strategy</a:t>
+            </a:r>
+            <a:r>
+              <a:rPr lang="nb-NO" dirty="0"/>
+              <a:t> – bruk når</a:t>
+            </a:r>
+          </a:p>
+        </p:txBody>
+      </p:sp>
+    </p:spTree>
+    <p:extLst>
+      <p:ext uri="{BB962C8B-B14F-4D97-AF65-F5344CB8AC3E}">
+        <p14:creationId xmlns:p14="http://schemas.microsoft.com/office/powerpoint/2010/main" val="131791634"/>
+      </p:ext>
+    </p:extLst>
+  </p:cSld>
+  <p:clrMapOvr>
+    <a:masterClrMapping/>
+  </p:clrMapOvr>
+  <p:timing>
+    <p:tnLst>
+      <p:par>
+        <p:cTn id="1" dur="indefinite" restart="never" nodeType="tmRoot">
+          <p:childTnLst>
+            <p:seq concurrent="1" nextAc="seek">
+              <p:cTn id="2" dur="indefinite" nodeType="mainSeq">
+                <p:childTnLst>
+                  <p:par>
+                    <p:cTn id="3" fill="hold">
+                      <p:stCondLst>
+                        <p:cond delay="indefinite"/>
+                      </p:stCondLst>
+                      <p:childTnLst>
+                        <p:par>
+                          <p:cTn id="4" fill="hold">
+                            <p:stCondLst>
+                              <p:cond delay="0"/>
+                            </p:stCondLst>
+                            <p:childTnLst>
+                              <p:par>
+                                <p:cTn id="5" presetID="1" presetClass="entr" presetSubtype="0" fill="hold" grpId="0" nodeType="clickEffect">
+                                  <p:stCondLst>
+                                    <p:cond delay="0"/>
+                                  </p:stCondLst>
+                                  <p:childTnLst>
+                                    <p:set>
+                                      <p:cBhvr>
+                                        <p:cTn id="6" dur="1" fill="hold">
+                                          <p:stCondLst>
+                                            <p:cond delay="0"/>
+                                          </p:stCondLst>
+                                        </p:cTn>
+                                        <p:tgtEl>
+                                          <p:spTgt spid="2">
+                                            <p:txEl>
+                                              <p:pRg st="0" end="0"/>
+                                            </p:txEl>
+                                          </p:spTgt>
+                                        </p:tgtEl>
+                                        <p:attrNameLst>
+                                          <p:attrName>style.visibility</p:attrName>
+                                        </p:attrNameLst>
+                                      </p:cBhvr>
+                                      <p:to>
+                                        <p:strVal val="visible"/>
+                                      </p:to>
+                                    </p:set>
+                                  </p:childTnLst>
+                                </p:cTn>
+                              </p:par>
+                            </p:childTnLst>
+                          </p:cTn>
+                        </p:par>
+                      </p:childTnLst>
+                    </p:cTn>
+                  </p:par>
+                  <p:par>
+                    <p:cTn id="7" fill="hold">
+                      <p:stCondLst>
+                        <p:cond delay="indefinite"/>
+                      </p:stCondLst>
+                      <p:childTnLst>
+                        <p:par>
+                          <p:cTn id="8" fill="hold">
+                            <p:stCondLst>
+                              <p:cond delay="0"/>
+                            </p:stCondLst>
+                            <p:childTnLst>
+                              <p:par>
+                                <p:cTn id="9" presetID="1" presetClass="entr" presetSubtype="0" fill="hold" grpId="0" nodeType="clickEffect">
+                                  <p:stCondLst>
+                                    <p:cond delay="0"/>
+                                  </p:stCondLst>
+                                  <p:childTnLst>
+                                    <p:set>
+                                      <p:cBhvr>
+                                        <p:cTn id="10" dur="1" fill="hold">
+                                          <p:stCondLst>
+                                            <p:cond delay="0"/>
+                                          </p:stCondLst>
+                                        </p:cTn>
+                                        <p:tgtEl>
+                                          <p:spTgt spid="2">
+                                            <p:txEl>
+                                              <p:pRg st="1" end="1"/>
+                                            </p:txEl>
+                                          </p:spTgt>
+                                        </p:tgtEl>
+                                        <p:attrNameLst>
+                                          <p:attrName>style.visibility</p:attrName>
+                                        </p:attrNameLst>
+                                      </p:cBhvr>
+                                      <p:to>
+                                        <p:strVal val="visible"/>
+                                      </p:to>
+                                    </p:set>
+                                  </p:childTnLst>
+                                </p:cTn>
+                              </p:par>
+                            </p:childTnLst>
+                          </p:cTn>
+                        </p:par>
+                      </p:childTnLst>
+                    </p:cTn>
+                  </p:par>
+                  <p:par>
+                    <p:cTn id="11" fill="hold">
+                      <p:stCondLst>
+                        <p:cond delay="indefinite"/>
+                      </p:stCondLst>
+                      <p:childTnLst>
+                        <p:par>
+                          <p:cTn id="12" fill="hold">
+                            <p:stCondLst>
+                              <p:cond delay="0"/>
+                            </p:stCondLst>
+                            <p:childTnLst>
+                              <p:par>
+                                <p:cTn id="13" presetID="1" presetClass="entr" presetSubtype="0" fill="hold" grpId="0" nodeType="clickEffect">
+                                  <p:stCondLst>
+                                    <p:cond delay="0"/>
+                                  </p:stCondLst>
+                                  <p:childTnLst>
+                                    <p:set>
+                                      <p:cBhvr>
+                                        <p:cTn id="14" dur="1" fill="hold">
+                                          <p:stCondLst>
+                                            <p:cond delay="0"/>
+                                          </p:stCondLst>
+                                        </p:cTn>
+                                        <p:tgtEl>
+                                          <p:spTgt spid="2">
+                                            <p:txEl>
+                                              <p:pRg st="2" end="2"/>
+                                            </p:txEl>
+                                          </p:spTgt>
+                                        </p:tgtEl>
+                                        <p:attrNameLst>
+                                          <p:attrName>style.visibility</p:attrName>
+                                        </p:attrNameLst>
+                                      </p:cBhvr>
+                                      <p:to>
+                                        <p:strVal val="visible"/>
+                                      </p:to>
+                                    </p:set>
+                                  </p:childTnLst>
+                                </p:cTn>
+                              </p:par>
+                            </p:childTnLst>
+                          </p:cTn>
+                        </p:par>
+                      </p:childTnLst>
+                    </p:cTn>
+                  </p:par>
+                  <p:par>
+                    <p:cTn id="15" fill="hold">
+                      <p:stCondLst>
+                        <p:cond delay="indefinite"/>
+                      </p:stCondLst>
+                      <p:childTnLst>
+                        <p:par>
+                          <p:cTn id="16" fill="hold">
+                            <p:stCondLst>
+                              <p:cond delay="0"/>
+                            </p:stCondLst>
+                            <p:childTnLst>
+                              <p:par>
+                                <p:cTn id="17" presetID="1" presetClass="entr" presetSubtype="0" fill="hold" grpId="0" nodeType="clickEffect">
+                                  <p:stCondLst>
+                                    <p:cond delay="0"/>
+                                  </p:stCondLst>
+                                  <p:childTnLst>
+                                    <p:set>
+                                      <p:cBhvr>
+                                        <p:cTn id="18" dur="1" fill="hold">
+                                          <p:stCondLst>
+                                            <p:cond delay="0"/>
+                                          </p:stCondLst>
+                                        </p:cTn>
+                                        <p:tgtEl>
+                                          <p:spTgt spid="2">
+                                            <p:txEl>
+                                              <p:pRg st="3" end="3"/>
+                                            </p:txEl>
+                                          </p:spTgt>
+                                        </p:tgtEl>
+                                        <p:attrNameLst>
+                                          <p:attrName>style.visibility</p:attrName>
+                                        </p:attrNameLst>
+                                      </p:cBhvr>
+                                      <p:to>
+                                        <p:strVal val="visible"/>
+                                      </p:to>
+                                    </p:set>
+                                  </p:childTnLst>
+                                </p:cTn>
+                              </p:par>
+                            </p:childTnLst>
+                          </p:cTn>
+                        </p:par>
+                      </p:childTnLst>
+                    </p:cTn>
+                  </p:par>
+                </p:childTnLst>
+              </p:cTn>
+              <p:prevCondLst>
+                <p:cond evt="onPrev" delay="0">
+                  <p:tgtEl>
+                    <p:sldTgt/>
+                  </p:tgtEl>
+                </p:cond>
+              </p:prevCondLst>
+              <p:nextCondLst>
+                <p:cond evt="onNext" delay="0">
+                  <p:tgtEl>
+                    <p:sldTgt/>
+                  </p:tgtEl>
+                </p:cond>
+              </p:nextCondLst>
+            </p:seq>
+          </p:childTnLst>
+        </p:cTn>
+      </p:par>
+    </p:tnLst>
+    <p:bldLst>
+      <p:bldP spid="2" grpId="0" uiExpand="1" build="p"/>
+    </p:bldLst>
+  </p:timing>
+</p:sld>
+</file>
+
+<file path=ppt/slides/slide13.xml><?xml version="1.0" encoding="utf-8"?>
+<p:sld xmlns:a="http://schemas.openxmlformats.org/drawingml/2006/main" xmlns:r="http://schemas.openxmlformats.org/officeDocument/2006/relationships" xmlns:p="http://schemas.openxmlformats.org/presentationml/2006/main">
+  <p:cSld>
+    <p:spTree>
+      <p:nvGrpSpPr>
+        <p:cNvPr id="1" name=""/>
+        <p:cNvGrpSpPr/>
+        <p:nvPr/>
+      </p:nvGrpSpPr>
+      <p:grpSpPr>
+        <a:xfrm>
+          <a:off x="0" y="0"/>
+          <a:ext cx="0" cy="0"/>
+          <a:chOff x="0" y="0"/>
+          <a:chExt cx="0" cy="0"/>
+        </a:xfrm>
+      </p:grpSpPr>
+      <p:sp>
+        <p:nvSpPr>
+          <p:cNvPr id="9" name="Tittel 8"/>
+          <p:cNvSpPr>
+            <a:spLocks noGrp="1"/>
+          </p:cNvSpPr>
+          <p:nvPr>
+            <p:ph type="ctrTitle"/>
+          </p:nvPr>
+        </p:nvSpPr>
+        <p:spPr/>
+        <p:txBody>
+          <a:bodyPr/>
+          <a:lstStyle/>
+          <a:p>
+            <a:r>
+              <a:rPr lang="nb-NO" dirty="0"/>
+              <a:t>Visitor</a:t>
+            </a:r>
+          </a:p>
+        </p:txBody>
+      </p:sp>
+      <p:sp>
+        <p:nvSpPr>
+          <p:cNvPr id="10" name="Undertittel 9"/>
+          <p:cNvSpPr>
+            <a:spLocks noGrp="1"/>
+          </p:cNvSpPr>
+          <p:nvPr>
+            <p:ph type="subTitle" idx="1"/>
+          </p:nvPr>
+        </p:nvSpPr>
+        <p:spPr/>
+        <p:txBody>
+          <a:bodyPr/>
+          <a:lstStyle/>
+          <a:p>
+            <a:r>
+              <a:rPr lang="nb-NO" dirty="0"/>
+              <a:t>Tor Erstad</a:t>
+            </a:r>
+          </a:p>
+        </p:txBody>
+      </p:sp>
+    </p:spTree>
+    <p:extLst>
+      <p:ext uri="{BB962C8B-B14F-4D97-AF65-F5344CB8AC3E}">
+        <p14:creationId xmlns:p14="http://schemas.microsoft.com/office/powerpoint/2010/main" val="1745027018"/>
+      </p:ext>
+    </p:extLst>
+  </p:cSld>
+  <p:clrMapOvr>
+    <a:masterClrMapping/>
+  </p:clrMapOvr>
+</p:sld>
+</file>
+
+<file path=ppt/slides/slide14.xml><?xml version="1.0" encoding="utf-8"?>
+<p:sld xmlns:a="http://schemas.openxmlformats.org/drawingml/2006/main" xmlns:r="http://schemas.openxmlformats.org/officeDocument/2006/relationships" xmlns:p="http://schemas.openxmlformats.org/presentationml/2006/main">
+  <p:cSld>
+    <p:spTree>
+      <p:nvGrpSpPr>
+        <p:cNvPr id="1" name=""/>
+        <p:cNvGrpSpPr/>
+        <p:nvPr/>
+      </p:nvGrpSpPr>
+      <p:grpSpPr>
+        <a:xfrm>
+          <a:off x="0" y="0"/>
+          <a:ext cx="0" cy="0"/>
+          <a:chOff x="0" y="0"/>
+          <a:chExt cx="0" cy="0"/>
+        </a:xfrm>
+      </p:grpSpPr>
+      <p:sp>
+        <p:nvSpPr>
+          <p:cNvPr id="2" name="Content Placeholder 1"/>
+          <p:cNvSpPr>
+            <a:spLocks noGrp="1"/>
+          </p:cNvSpPr>
+          <p:nvPr>
+            <p:ph idx="1"/>
+          </p:nvPr>
+        </p:nvSpPr>
+        <p:spPr/>
+        <p:txBody>
+          <a:bodyPr/>
+          <a:lstStyle/>
+          <a:p>
+            <a:r>
+              <a:rPr lang="nb-NO" dirty="0"/>
+              <a:t>Representerer en operasjon som skal utføres på alle objekter i en objekt-struktur.</a:t>
+            </a:r>
+          </a:p>
+          <a:p>
+            <a:r>
+              <a:rPr lang="nb-NO" dirty="0"/>
+              <a:t>Med Visitor kan man legge til nye operasjoner uten å endre på klassene i objekt-strukturen.</a:t>
+            </a:r>
+          </a:p>
+          <a:p>
+            <a:pPr marL="357187" lvl="1" indent="0">
+              <a:buNone/>
+            </a:pPr>
+            <a:endParaRPr lang="nb-NO" dirty="0"/>
+          </a:p>
+        </p:txBody>
+      </p:sp>
+      <p:sp>
+        <p:nvSpPr>
+          <p:cNvPr id="3" name="Title 2"/>
+          <p:cNvSpPr>
+            <a:spLocks noGrp="1"/>
+          </p:cNvSpPr>
+          <p:nvPr>
+            <p:ph type="title"/>
+          </p:nvPr>
+        </p:nvSpPr>
+        <p:spPr/>
+        <p:txBody>
+          <a:bodyPr/>
+          <a:lstStyle/>
+          <a:p>
+            <a:r>
+              <a:rPr lang="nb-NO" dirty="0"/>
+              <a:t>Visitor - hensikt</a:t>
+            </a:r>
+          </a:p>
+        </p:txBody>
+      </p:sp>
+    </p:spTree>
+    <p:extLst>
+      <p:ext uri="{BB962C8B-B14F-4D97-AF65-F5344CB8AC3E}">
+        <p14:creationId xmlns:p14="http://schemas.microsoft.com/office/powerpoint/2010/main" val="2302386445"/>
+      </p:ext>
+    </p:extLst>
+  </p:cSld>
+  <p:clrMapOvr>
+    <a:masterClrMapping/>
+  </p:clrMapOvr>
+  <p:timing>
+    <p:tnLst>
+      <p:par>
+        <p:cTn id="1" dur="indefinite" restart="never" nodeType="tmRoot">
+          <p:childTnLst>
+            <p:seq concurrent="1" nextAc="seek">
+              <p:cTn id="2" dur="indefinite" nodeType="mainSeq">
+                <p:childTnLst>
+                  <p:par>
+                    <p:cTn id="3" fill="hold">
+                      <p:stCondLst>
+                        <p:cond delay="indefinite"/>
+                      </p:stCondLst>
+                      <p:childTnLst>
+                        <p:par>
+                          <p:cTn id="4" fill="hold">
+                            <p:stCondLst>
+                              <p:cond delay="0"/>
+                            </p:stCondLst>
+                            <p:childTnLst>
+                              <p:par>
+                                <p:cTn id="5" presetID="1" presetClass="entr" presetSubtype="0" fill="hold" grpId="0" nodeType="clickEffect">
+                                  <p:stCondLst>
+                                    <p:cond delay="0"/>
+                                  </p:stCondLst>
+                                  <p:childTnLst>
+                                    <p:set>
+                                      <p:cBhvr>
+                                        <p:cTn id="6" dur="1" fill="hold">
+                                          <p:stCondLst>
+                                            <p:cond delay="0"/>
+                                          </p:stCondLst>
+                                        </p:cTn>
+                                        <p:tgtEl>
+                                          <p:spTgt spid="2">
+                                            <p:txEl>
+                                              <p:pRg st="0" end="0"/>
+                                            </p:txEl>
+                                          </p:spTgt>
+                                        </p:tgtEl>
+                                        <p:attrNameLst>
+                                          <p:attrName>style.visibility</p:attrName>
+                                        </p:attrNameLst>
+                                      </p:cBhvr>
+                                      <p:to>
+                                        <p:strVal val="visible"/>
+                                      </p:to>
+                                    </p:set>
+                                  </p:childTnLst>
+                                </p:cTn>
+                              </p:par>
+                            </p:childTnLst>
+                          </p:cTn>
+                        </p:par>
+                      </p:childTnLst>
+                    </p:cTn>
+                  </p:par>
+                  <p:par>
+                    <p:cTn id="7" fill="hold">
+                      <p:stCondLst>
+                        <p:cond delay="indefinite"/>
+                      </p:stCondLst>
+                      <p:childTnLst>
+                        <p:par>
+                          <p:cTn id="8" fill="hold">
+                            <p:stCondLst>
+                              <p:cond delay="0"/>
+                            </p:stCondLst>
+                            <p:childTnLst>
+                              <p:par>
+                                <p:cTn id="9" presetID="1" presetClass="entr" presetSubtype="0" fill="hold" grpId="0" nodeType="clickEffect">
+                                  <p:stCondLst>
+                                    <p:cond delay="0"/>
+                                  </p:stCondLst>
+                                  <p:childTnLst>
+                                    <p:set>
+                                      <p:cBhvr>
+                                        <p:cTn id="10" dur="1" fill="hold">
+                                          <p:stCondLst>
+                                            <p:cond delay="0"/>
+                                          </p:stCondLst>
+                                        </p:cTn>
+                                        <p:tgtEl>
+                                          <p:spTgt spid="2">
+                                            <p:txEl>
+                                              <p:pRg st="1" end="1"/>
+                                            </p:txEl>
+                                          </p:spTgt>
+                                        </p:tgtEl>
+                                        <p:attrNameLst>
+                                          <p:attrName>style.visibility</p:attrName>
+                                        </p:attrNameLst>
+                                      </p:cBhvr>
+                                      <p:to>
+                                        <p:strVal val="visible"/>
+                                      </p:to>
+                                    </p:set>
+                                  </p:childTnLst>
+                                </p:cTn>
+                              </p:par>
+                            </p:childTnLst>
+                          </p:cTn>
+                        </p:par>
+                      </p:childTnLst>
+                    </p:cTn>
+                  </p:par>
+                </p:childTnLst>
+              </p:cTn>
+              <p:prevCondLst>
+                <p:cond evt="onPrev" delay="0">
+                  <p:tgtEl>
+                    <p:sldTgt/>
+                  </p:tgtEl>
+                </p:cond>
+              </p:prevCondLst>
+              <p:nextCondLst>
+                <p:cond evt="onNext" delay="0">
+                  <p:tgtEl>
+                    <p:sldTgt/>
+                  </p:tgtEl>
+                </p:cond>
+              </p:nextCondLst>
+            </p:seq>
+          </p:childTnLst>
+        </p:cTn>
+      </p:par>
+    </p:tnLst>
+    <p:bldLst>
+      <p:bldP spid="2" grpId="0" uiExpand="1" build="p"/>
+    </p:bldLst>
+  </p:timing>
+</p:sld>
+</file>
+
+<file path=ppt/slides/slide15.xml><?xml version="1.0" encoding="utf-8"?>
+<p:sld xmlns:a="http://schemas.openxmlformats.org/drawingml/2006/main" xmlns:r="http://schemas.openxmlformats.org/officeDocument/2006/relationships" xmlns:p="http://schemas.openxmlformats.org/presentationml/2006/main">
+  <p:cSld>
+    <p:spTree>
+      <p:nvGrpSpPr>
+        <p:cNvPr id="1" name=""/>
+        <p:cNvGrpSpPr/>
+        <p:nvPr/>
+      </p:nvGrpSpPr>
+      <p:grpSpPr>
+        <a:xfrm>
+          <a:off x="0" y="0"/>
+          <a:ext cx="0" cy="0"/>
+          <a:chOff x="0" y="0"/>
+          <a:chExt cx="0" cy="0"/>
+        </a:xfrm>
+      </p:grpSpPr>
+      <p:sp>
+        <p:nvSpPr>
+          <p:cNvPr id="2" name="Content Placeholder 1"/>
+          <p:cNvSpPr>
+            <a:spLocks noGrp="1"/>
+          </p:cNvSpPr>
+          <p:nvPr>
+            <p:ph idx="1"/>
+          </p:nvPr>
+        </p:nvSpPr>
+        <p:spPr/>
+        <p:txBody>
+          <a:bodyPr/>
+          <a:lstStyle/>
+          <a:p>
+            <a:r>
+              <a:rPr lang="nb-NO" dirty="0"/>
+              <a:t>Man har en objekt-struktur som består av ulike typer (klasser), og man ønsker å traversere gjennom elementene for å utføre en operasjon som er implementert ulikt for de ulike typene.</a:t>
+            </a:r>
+          </a:p>
+          <a:p>
+            <a:r>
+              <a:rPr lang="nb-NO" dirty="0"/>
+              <a:t>En måte å løse problemet på er ved å bruke arv, hvor hver sub-type implementerer sin variant av operasjonen.</a:t>
+            </a:r>
+          </a:p>
+          <a:p>
+            <a:pPr lvl="1"/>
+            <a:r>
+              <a:rPr lang="nb-NO" dirty="0"/>
+              <a:t>Dette kan medføre brudd på Single-</a:t>
+            </a:r>
+            <a:r>
+              <a:rPr lang="nb-NO" dirty="0" err="1"/>
+              <a:t>responsibility</a:t>
+            </a:r>
+            <a:r>
+              <a:rPr lang="nb-NO" dirty="0"/>
+              <a:t> prinsippet da operasjonen ikke nødvendigvis hører hjemme i klassen, og bare er aktuell </a:t>
+            </a:r>
+            <a:r>
+              <a:rPr lang="nb-NO" dirty="0" err="1"/>
+              <a:t>ifm</a:t>
+            </a:r>
+            <a:r>
+              <a:rPr lang="nb-NO" dirty="0"/>
+              <a:t> traverseringen.</a:t>
+            </a:r>
+          </a:p>
+          <a:p>
+            <a:pPr lvl="1"/>
+            <a:r>
+              <a:rPr lang="nb-NO" dirty="0"/>
+              <a:t>Dersom det blir behov for en ny type operasjon, må alle klassene implementere denne, som er et brudd på Open/</a:t>
+            </a:r>
+            <a:r>
+              <a:rPr lang="nb-NO" dirty="0" err="1"/>
+              <a:t>Closed</a:t>
+            </a:r>
+            <a:r>
+              <a:rPr lang="nb-NO" dirty="0"/>
+              <a:t> prinsippet.</a:t>
+            </a:r>
+          </a:p>
+          <a:p>
+            <a:pPr marL="0" indent="0">
+              <a:buNone/>
+            </a:pPr>
+            <a:endParaRPr lang="nb-NO" dirty="0"/>
+          </a:p>
+        </p:txBody>
+      </p:sp>
+      <p:sp>
+        <p:nvSpPr>
+          <p:cNvPr id="3" name="Title 2"/>
+          <p:cNvSpPr>
+            <a:spLocks noGrp="1"/>
+          </p:cNvSpPr>
+          <p:nvPr>
+            <p:ph type="title"/>
+          </p:nvPr>
+        </p:nvSpPr>
+        <p:spPr/>
+        <p:txBody>
+          <a:bodyPr/>
+          <a:lstStyle/>
+          <a:p>
+            <a:r>
+              <a:rPr lang="nb-NO" dirty="0"/>
+              <a:t>Visitor - bakgrunn</a:t>
+            </a:r>
+          </a:p>
+        </p:txBody>
+      </p:sp>
+    </p:spTree>
+    <p:extLst>
+      <p:ext uri="{BB962C8B-B14F-4D97-AF65-F5344CB8AC3E}">
+        <p14:creationId xmlns:p14="http://schemas.microsoft.com/office/powerpoint/2010/main" val="697017918"/>
+      </p:ext>
+    </p:extLst>
+  </p:cSld>
+  <p:clrMapOvr>
+    <a:masterClrMapping/>
+  </p:clrMapOvr>
+  <p:timing>
+    <p:tnLst>
+      <p:par>
+        <p:cTn id="1" dur="indefinite" restart="never" nodeType="tmRoot">
+          <p:childTnLst>
+            <p:seq concurrent="1" nextAc="seek">
+              <p:cTn id="2" dur="indefinite" nodeType="mainSeq">
+                <p:childTnLst>
+                  <p:par>
+                    <p:cTn id="3" fill="hold">
+                      <p:stCondLst>
+                        <p:cond delay="indefinite"/>
+                      </p:stCondLst>
+                      <p:childTnLst>
+                        <p:par>
+                          <p:cTn id="4" fill="hold">
+                            <p:stCondLst>
+                              <p:cond delay="0"/>
+                            </p:stCondLst>
+                            <p:childTnLst>
+                              <p:par>
+                                <p:cTn id="5" presetID="1" presetClass="entr" presetSubtype="0" fill="hold" grpId="0" nodeType="clickEffect">
+                                  <p:stCondLst>
+                                    <p:cond delay="0"/>
+                                  </p:stCondLst>
+                                  <p:childTnLst>
+                                    <p:set>
+                                      <p:cBhvr>
+                                        <p:cTn id="6" dur="1" fill="hold">
+                                          <p:stCondLst>
+                                            <p:cond delay="0"/>
+                                          </p:stCondLst>
+                                        </p:cTn>
+                                        <p:tgtEl>
+                                          <p:spTgt spid="2">
+                                            <p:txEl>
+                                              <p:pRg st="0" end="0"/>
+                                            </p:txEl>
+                                          </p:spTgt>
+                                        </p:tgtEl>
+                                        <p:attrNameLst>
+                                          <p:attrName>style.visibility</p:attrName>
+                                        </p:attrNameLst>
+                                      </p:cBhvr>
+                                      <p:to>
+                                        <p:strVal val="visible"/>
+                                      </p:to>
+                                    </p:set>
+                                  </p:childTnLst>
+                                </p:cTn>
+                              </p:par>
+                            </p:childTnLst>
+                          </p:cTn>
+                        </p:par>
+                      </p:childTnLst>
+                    </p:cTn>
+                  </p:par>
+                  <p:par>
+                    <p:cTn id="7" fill="hold">
+                      <p:stCondLst>
+                        <p:cond delay="indefinite"/>
+                      </p:stCondLst>
+                      <p:childTnLst>
+                        <p:par>
+                          <p:cTn id="8" fill="hold">
+                            <p:stCondLst>
+                              <p:cond delay="0"/>
+                            </p:stCondLst>
+                            <p:childTnLst>
+                              <p:par>
+                                <p:cTn id="9" presetID="1" presetClass="entr" presetSubtype="0" fill="hold" grpId="0" nodeType="clickEffect">
+                                  <p:stCondLst>
+                                    <p:cond delay="0"/>
+                                  </p:stCondLst>
+                                  <p:childTnLst>
+                                    <p:set>
+                                      <p:cBhvr>
+                                        <p:cTn id="10" dur="1" fill="hold">
+                                          <p:stCondLst>
+                                            <p:cond delay="0"/>
+                                          </p:stCondLst>
+                                        </p:cTn>
+                                        <p:tgtEl>
+                                          <p:spTgt spid="2">
+                                            <p:txEl>
+                                              <p:pRg st="1" end="1"/>
+                                            </p:txEl>
+                                          </p:spTgt>
+                                        </p:tgtEl>
+                                        <p:attrNameLst>
+                                          <p:attrName>style.visibility</p:attrName>
+                                        </p:attrNameLst>
+                                      </p:cBhvr>
+                                      <p:to>
+                                        <p:strVal val="visible"/>
+                                      </p:to>
+                                    </p:set>
+                                  </p:childTnLst>
+                                </p:cTn>
+                              </p:par>
+                            </p:childTnLst>
+                          </p:cTn>
+                        </p:par>
+                      </p:childTnLst>
+                    </p:cTn>
+                  </p:par>
+                  <p:par>
+                    <p:cTn id="11" fill="hold">
+                      <p:stCondLst>
+                        <p:cond delay="indefinite"/>
+                      </p:stCondLst>
+                      <p:childTnLst>
+                        <p:par>
+                          <p:cTn id="12" fill="hold">
+                            <p:stCondLst>
+                              <p:cond delay="0"/>
+                            </p:stCondLst>
+                            <p:childTnLst>
+                              <p:par>
+                                <p:cTn id="13" presetID="1" presetClass="entr" presetSubtype="0" fill="hold" grpId="0" nodeType="clickEffect">
+                                  <p:stCondLst>
+                                    <p:cond delay="0"/>
+                                  </p:stCondLst>
+                                  <p:childTnLst>
+                                    <p:set>
+                                      <p:cBhvr>
+                                        <p:cTn id="14" dur="1" fill="hold">
+                                          <p:stCondLst>
+                                            <p:cond delay="0"/>
+                                          </p:stCondLst>
+                                        </p:cTn>
+                                        <p:tgtEl>
+                                          <p:spTgt spid="2">
+                                            <p:txEl>
+                                              <p:pRg st="2" end="2"/>
+                                            </p:txEl>
+                                          </p:spTgt>
+                                        </p:tgtEl>
+                                        <p:attrNameLst>
+                                          <p:attrName>style.visibility</p:attrName>
+                                        </p:attrNameLst>
+                                      </p:cBhvr>
+                                      <p:to>
+                                        <p:strVal val="visible"/>
+                                      </p:to>
+                                    </p:set>
+                                  </p:childTnLst>
+                                </p:cTn>
+                              </p:par>
+                            </p:childTnLst>
+                          </p:cTn>
+                        </p:par>
+                      </p:childTnLst>
+                    </p:cTn>
+                  </p:par>
+                  <p:par>
+                    <p:cTn id="15" fill="hold">
+                      <p:stCondLst>
+                        <p:cond delay="indefinite"/>
+                      </p:stCondLst>
+                      <p:childTnLst>
+                        <p:par>
+                          <p:cTn id="16" fill="hold">
+                            <p:stCondLst>
+                              <p:cond delay="0"/>
+                            </p:stCondLst>
+                            <p:childTnLst>
+                              <p:par>
+                                <p:cTn id="17" presetID="1" presetClass="entr" presetSubtype="0" fill="hold" grpId="0" nodeType="clickEffect">
+                                  <p:stCondLst>
+                                    <p:cond delay="0"/>
+                                  </p:stCondLst>
+                                  <p:childTnLst>
+                                    <p:set>
+                                      <p:cBhvr>
+                                        <p:cTn id="18" dur="1" fill="hold">
+                                          <p:stCondLst>
+                                            <p:cond delay="0"/>
+                                          </p:stCondLst>
+                                        </p:cTn>
+                                        <p:tgtEl>
+                                          <p:spTgt spid="2">
+                                            <p:txEl>
+                                              <p:pRg st="3" end="3"/>
+                                            </p:txEl>
+                                          </p:spTgt>
+                                        </p:tgtEl>
+                                        <p:attrNameLst>
+                                          <p:attrName>style.visibility</p:attrName>
+                                        </p:attrNameLst>
+                                      </p:cBhvr>
+                                      <p:to>
+                                        <p:strVal val="visible"/>
+                                      </p:to>
+                                    </p:set>
+                                  </p:childTnLst>
+                                </p:cTn>
+                              </p:par>
+                            </p:childTnLst>
+                          </p:cTn>
+                        </p:par>
+                      </p:childTnLst>
+                    </p:cTn>
+                  </p:par>
+                </p:childTnLst>
+              </p:cTn>
+              <p:prevCondLst>
+                <p:cond evt="onPrev" delay="0">
+                  <p:tgtEl>
+                    <p:sldTgt/>
+                  </p:tgtEl>
+                </p:cond>
+              </p:prevCondLst>
+              <p:nextCondLst>
+                <p:cond evt="onNext" delay="0">
+                  <p:tgtEl>
+                    <p:sldTgt/>
+                  </p:tgtEl>
+                </p:cond>
+              </p:nextCondLst>
+            </p:seq>
+          </p:childTnLst>
+        </p:cTn>
+      </p:par>
+    </p:tnLst>
+    <p:bldLst>
+      <p:bldP spid="2" grpId="0" uiExpand="1" build="p"/>
+    </p:bldLst>
+  </p:timing>
+</p:sld>
+</file>
+
+<file path=ppt/slides/slide16.xml><?xml version="1.0" encoding="utf-8"?>
+<p:sld xmlns:a="http://schemas.openxmlformats.org/drawingml/2006/main" xmlns:r="http://schemas.openxmlformats.org/officeDocument/2006/relationships" xmlns:p="http://schemas.openxmlformats.org/presentationml/2006/main">
+  <p:cSld>
+    <p:spTree>
+      <p:nvGrpSpPr>
+        <p:cNvPr id="1" name=""/>
+        <p:cNvGrpSpPr/>
+        <p:nvPr/>
+      </p:nvGrpSpPr>
+      <p:grpSpPr>
+        <a:xfrm>
+          <a:off x="0" y="0"/>
+          <a:ext cx="0" cy="0"/>
+          <a:chOff x="0" y="0"/>
+          <a:chExt cx="0" cy="0"/>
+        </a:xfrm>
+      </p:grpSpPr>
+      <p:sp>
+        <p:nvSpPr>
+          <p:cNvPr id="3" name="Title 2"/>
+          <p:cNvSpPr>
+            <a:spLocks noGrp="1"/>
+          </p:cNvSpPr>
+          <p:nvPr>
+            <p:ph type="title"/>
+          </p:nvPr>
+        </p:nvSpPr>
+        <p:spPr>
+          <a:xfrm>
+            <a:off x="1234800" y="365126"/>
+            <a:ext cx="3237809" cy="963024"/>
+          </a:xfrm>
+        </p:spPr>
+        <p:txBody>
+          <a:bodyPr/>
+          <a:lstStyle/>
+          <a:p>
+            <a:r>
+              <a:rPr lang="nb-NO" dirty="0"/>
+              <a:t>Visitor - struktur</a:t>
+            </a:r>
+          </a:p>
+        </p:txBody>
+      </p:sp>
+      <p:pic>
+        <p:nvPicPr>
+          <p:cNvPr id="6" name="Picture 2" descr="Visitor Pattern - UML Class Diagram">
+            <a:extLst>
+              <a:ext uri="{FF2B5EF4-FFF2-40B4-BE49-F238E27FC236}">
+                <a16:creationId xmlns:a16="http://schemas.microsoft.com/office/drawing/2014/main" id="{6ECB2638-78CB-4DAA-BB71-94163B2EB52E}"/>
+              </a:ext>
+            </a:extLst>
+          </p:cNvPr>
+          <p:cNvPicPr>
+            <a:picLocks noChangeAspect="1" noChangeArrowheads="1"/>
+          </p:cNvPicPr>
+          <p:nvPr/>
+        </p:nvPicPr>
+        <p:blipFill>
+          <a:blip r:embed="rId2">
+            <a:extLst>
+              <a:ext uri="{28A0092B-C50C-407E-A947-70E740481C1C}">
+                <a14:useLocalDpi xmlns:a14="http://schemas.microsoft.com/office/drawing/2010/main" val="0"/>
+              </a:ext>
+            </a:extLst>
+          </a:blip>
+          <a:srcRect/>
+          <a:stretch>
+            <a:fillRect/>
+          </a:stretch>
+        </p:blipFill>
+        <p:spPr bwMode="auto">
+          <a:xfrm>
+            <a:off x="4684432" y="611539"/>
+            <a:ext cx="5532296" cy="5565424"/>
+          </a:xfrm>
+          <a:prstGeom prst="rect">
+            <a:avLst/>
+          </a:prstGeom>
+          <a:noFill/>
+          <a:extLst>
+            <a:ext uri="{909E8E84-426E-40DD-AFC4-6F175D3DCCD1}">
+              <a14:hiddenFill xmlns:a14="http://schemas.microsoft.com/office/drawing/2010/main">
+                <a:solidFill>
+                  <a:srgbClr val="FFFFFF"/>
+                </a:solidFill>
+              </a14:hiddenFill>
+            </a:ext>
+          </a:extLst>
+        </p:spPr>
+      </p:pic>
+    </p:spTree>
+    <p:extLst>
+      <p:ext uri="{BB962C8B-B14F-4D97-AF65-F5344CB8AC3E}">
+        <p14:creationId xmlns:p14="http://schemas.microsoft.com/office/powerpoint/2010/main" val="2017677186"/>
+      </p:ext>
+    </p:extLst>
+  </p:cSld>
+  <p:clrMapOvr>
+    <a:masterClrMapping/>
+  </p:clrMapOvr>
+</p:sld>
+</file>
+
+<file path=ppt/slides/slide17.xml><?xml version="1.0" encoding="utf-8"?>
+<p:sld xmlns:a="http://schemas.openxmlformats.org/drawingml/2006/main" xmlns:r="http://schemas.openxmlformats.org/officeDocument/2006/relationships" xmlns:p="http://schemas.openxmlformats.org/presentationml/2006/main">
+  <p:cSld>
+    <p:spTree>
+      <p:nvGrpSpPr>
+        <p:cNvPr id="1" name=""/>
+        <p:cNvGrpSpPr/>
+        <p:nvPr/>
+      </p:nvGrpSpPr>
+      <p:grpSpPr>
+        <a:xfrm>
+          <a:off x="0" y="0"/>
+          <a:ext cx="0" cy="0"/>
+          <a:chOff x="0" y="0"/>
+          <a:chExt cx="0" cy="0"/>
+        </a:xfrm>
+      </p:grpSpPr>
+      <p:sp>
+        <p:nvSpPr>
           <p:cNvPr id="3" name="Title 2"/>
           <p:cNvSpPr>
             <a:spLocks noGrp="1"/>
@@ -11851,10 +13361,9 @@
           <a:lstStyle/>
           <a:p>
             <a:r>
-              <a:rPr lang="nb-NO" dirty="0" smtClean="0"/>
+              <a:rPr lang="nb-NO" dirty="0"/>
               <a:t>Visitor - kode</a:t>
             </a:r>
-            <a:endParaRPr lang="nb-NO" dirty="0"/>
           </a:p>
         </p:txBody>
       </p:sp>
@@ -11882,10 +13391,1584 @@
               <a:buNone/>
             </a:pPr>
             <a:r>
-              <a:rPr lang="nb-NO" dirty="0" smtClean="0"/>
+              <a:rPr lang="nb-NO" dirty="0"/>
+              <a:t>Objekt-struktur</a:t>
+            </a:r>
+          </a:p>
+        </p:txBody>
+      </p:sp>
+      <p:sp>
+        <p:nvSpPr>
+          <p:cNvPr id="5" name="Rektangel 1">
+            <a:extLst>
+              <a:ext uri="{FF2B5EF4-FFF2-40B4-BE49-F238E27FC236}">
+                <a16:creationId xmlns:a16="http://schemas.microsoft.com/office/drawing/2014/main" id="{3BEF0AC1-9401-4053-82E5-96A4AC358384}"/>
+              </a:ext>
+            </a:extLst>
+          </p:cNvPr>
+          <p:cNvSpPr/>
+          <p:nvPr/>
+        </p:nvSpPr>
+        <p:spPr>
+          <a:xfrm>
+            <a:off x="4990141" y="846638"/>
+            <a:ext cx="6096000" cy="5262979"/>
+          </a:xfrm>
+          <a:prstGeom prst="rect">
+            <a:avLst/>
+          </a:prstGeom>
+        </p:spPr>
+        <p:txBody>
+          <a:bodyPr>
+            <a:spAutoFit/>
+          </a:bodyPr>
+          <a:lstStyle/>
+          <a:p>
+            <a:r>
+              <a:rPr lang="nb-NO" sz="1400" dirty="0" err="1">
+                <a:solidFill>
+                  <a:srgbClr val="0000FF"/>
+                </a:solidFill>
+                <a:latin typeface="Consolas" panose="020B0609020204030204" pitchFamily="49" charset="0"/>
+              </a:rPr>
+              <a:t>public</a:t>
+            </a:r>
+            <a:r>
+              <a:rPr lang="nb-NO" sz="1400" dirty="0">
+                <a:solidFill>
+                  <a:srgbClr val="000000"/>
+                </a:solidFill>
+                <a:latin typeface="Consolas" panose="020B0609020204030204" pitchFamily="49" charset="0"/>
+              </a:rPr>
+              <a:t> </a:t>
+            </a:r>
+            <a:r>
+              <a:rPr lang="nb-NO" sz="1400" dirty="0" err="1">
+                <a:solidFill>
+                  <a:srgbClr val="0000FF"/>
+                </a:solidFill>
+                <a:latin typeface="Consolas" panose="020B0609020204030204" pitchFamily="49" charset="0"/>
+              </a:rPr>
+              <a:t>interface</a:t>
+            </a:r>
+            <a:r>
+              <a:rPr lang="nb-NO" sz="1400" dirty="0">
+                <a:solidFill>
+                  <a:srgbClr val="000000"/>
+                </a:solidFill>
+                <a:latin typeface="Consolas" panose="020B0609020204030204" pitchFamily="49" charset="0"/>
+              </a:rPr>
+              <a:t> </a:t>
+            </a:r>
+            <a:r>
+              <a:rPr lang="nb-NO" sz="1400" dirty="0" err="1">
+                <a:solidFill>
+                  <a:srgbClr val="2B91AF"/>
+                </a:solidFill>
+                <a:latin typeface="Consolas" panose="020B0609020204030204" pitchFamily="49" charset="0"/>
+              </a:rPr>
+              <a:t>IElement</a:t>
+            </a:r>
+            <a:endParaRPr lang="nb-NO" sz="1400" dirty="0">
+              <a:solidFill>
+                <a:srgbClr val="2B91AF"/>
+              </a:solidFill>
+              <a:latin typeface="Consolas" panose="020B0609020204030204" pitchFamily="49" charset="0"/>
+            </a:endParaRPr>
+          </a:p>
+          <a:p>
+            <a:r>
+              <a:rPr lang="nb-NO" sz="1400" dirty="0">
+                <a:solidFill>
+                  <a:srgbClr val="000000"/>
+                </a:solidFill>
+                <a:latin typeface="Consolas" panose="020B0609020204030204" pitchFamily="49" charset="0"/>
+              </a:rPr>
+              <a:t>{</a:t>
+            </a:r>
+          </a:p>
+          <a:p>
+            <a:r>
+              <a:rPr lang="nb-NO" sz="1400" dirty="0">
+                <a:solidFill>
+                  <a:srgbClr val="000000"/>
+                </a:solidFill>
+                <a:latin typeface="Consolas" panose="020B0609020204030204" pitchFamily="49" charset="0"/>
+              </a:rPr>
+              <a:t>    </a:t>
+            </a:r>
+            <a:r>
+              <a:rPr lang="nb-NO" sz="1400" dirty="0" err="1">
+                <a:solidFill>
+                  <a:srgbClr val="0000FF"/>
+                </a:solidFill>
+                <a:latin typeface="Consolas" panose="020B0609020204030204" pitchFamily="49" charset="0"/>
+              </a:rPr>
+              <a:t>void</a:t>
+            </a:r>
+            <a:r>
+              <a:rPr lang="nb-NO" sz="1400" dirty="0">
+                <a:solidFill>
+                  <a:srgbClr val="000000"/>
+                </a:solidFill>
+                <a:latin typeface="Consolas" panose="020B0609020204030204" pitchFamily="49" charset="0"/>
+              </a:rPr>
+              <a:t> Accept(</a:t>
+            </a:r>
+            <a:r>
+              <a:rPr lang="nb-NO" sz="1400" dirty="0" err="1">
+                <a:solidFill>
+                  <a:srgbClr val="2B91AF"/>
+                </a:solidFill>
+                <a:latin typeface="Consolas" panose="020B0609020204030204" pitchFamily="49" charset="0"/>
+              </a:rPr>
+              <a:t>IVisitor</a:t>
+            </a:r>
+            <a:r>
+              <a:rPr lang="nb-NO" sz="1400" dirty="0">
+                <a:solidFill>
+                  <a:srgbClr val="000000"/>
+                </a:solidFill>
+                <a:latin typeface="Consolas" panose="020B0609020204030204" pitchFamily="49" charset="0"/>
+              </a:rPr>
+              <a:t> visitor);</a:t>
+            </a:r>
+          </a:p>
+          <a:p>
+            <a:r>
+              <a:rPr lang="nb-NO" sz="1400" dirty="0">
+                <a:solidFill>
+                  <a:srgbClr val="000000"/>
+                </a:solidFill>
+                <a:latin typeface="Consolas" panose="020B0609020204030204" pitchFamily="49" charset="0"/>
+              </a:rPr>
+              <a:t>}</a:t>
+            </a:r>
+          </a:p>
+          <a:p>
+            <a:endParaRPr lang="nb-NO" sz="1400" dirty="0">
+              <a:solidFill>
+                <a:srgbClr val="000000"/>
+              </a:solidFill>
+              <a:latin typeface="Consolas" panose="020B0609020204030204" pitchFamily="49" charset="0"/>
+            </a:endParaRPr>
+          </a:p>
+          <a:p>
+            <a:r>
+              <a:rPr lang="nb-NO" sz="1400" dirty="0" err="1">
+                <a:solidFill>
+                  <a:srgbClr val="0000FF"/>
+                </a:solidFill>
+                <a:latin typeface="Consolas" panose="020B0609020204030204" pitchFamily="49" charset="0"/>
+              </a:rPr>
+              <a:t>public</a:t>
+            </a:r>
+            <a:r>
+              <a:rPr lang="nb-NO" sz="1400" dirty="0">
+                <a:solidFill>
+                  <a:srgbClr val="000000"/>
+                </a:solidFill>
+                <a:latin typeface="Consolas" panose="020B0609020204030204" pitchFamily="49" charset="0"/>
+              </a:rPr>
+              <a:t> </a:t>
+            </a:r>
+            <a:r>
+              <a:rPr lang="nb-NO" sz="1400" dirty="0" err="1">
+                <a:solidFill>
+                  <a:srgbClr val="0000FF"/>
+                </a:solidFill>
+                <a:latin typeface="Consolas" panose="020B0609020204030204" pitchFamily="49" charset="0"/>
+              </a:rPr>
+              <a:t>class</a:t>
+            </a:r>
+            <a:r>
+              <a:rPr lang="nb-NO" sz="1400" dirty="0">
+                <a:solidFill>
+                  <a:srgbClr val="000000"/>
+                </a:solidFill>
+                <a:latin typeface="Consolas" panose="020B0609020204030204" pitchFamily="49" charset="0"/>
+              </a:rPr>
+              <a:t> </a:t>
+            </a:r>
+            <a:r>
+              <a:rPr lang="nb-NO" sz="1400" dirty="0">
+                <a:solidFill>
+                  <a:srgbClr val="2B91AF"/>
+                </a:solidFill>
+                <a:latin typeface="Consolas" panose="020B0609020204030204" pitchFamily="49" charset="0"/>
+              </a:rPr>
+              <a:t>ConcreteElement1</a:t>
+            </a:r>
+            <a:r>
+              <a:rPr lang="nb-NO" sz="1400" dirty="0">
+                <a:solidFill>
+                  <a:srgbClr val="000000"/>
+                </a:solidFill>
+                <a:latin typeface="Consolas" panose="020B0609020204030204" pitchFamily="49" charset="0"/>
+              </a:rPr>
+              <a:t> : </a:t>
+            </a:r>
+            <a:r>
+              <a:rPr lang="nb-NO" sz="1400" dirty="0" err="1">
+                <a:solidFill>
+                  <a:srgbClr val="2B91AF"/>
+                </a:solidFill>
+                <a:latin typeface="Consolas" panose="020B0609020204030204" pitchFamily="49" charset="0"/>
+              </a:rPr>
+              <a:t>IElement</a:t>
+            </a:r>
+            <a:endParaRPr lang="nb-NO" sz="1400" dirty="0">
+              <a:solidFill>
+                <a:srgbClr val="2B91AF"/>
+              </a:solidFill>
+              <a:latin typeface="Consolas" panose="020B0609020204030204" pitchFamily="49" charset="0"/>
+            </a:endParaRPr>
+          </a:p>
+          <a:p>
+            <a:r>
+              <a:rPr lang="nb-NO" sz="1400" dirty="0">
+                <a:solidFill>
+                  <a:srgbClr val="000000"/>
+                </a:solidFill>
+                <a:latin typeface="Consolas" panose="020B0609020204030204" pitchFamily="49" charset="0"/>
+              </a:rPr>
+              <a:t>{</a:t>
+            </a:r>
+          </a:p>
+          <a:p>
+            <a:r>
+              <a:rPr lang="en-US" sz="1400" dirty="0">
+                <a:solidFill>
+                  <a:srgbClr val="000000"/>
+                </a:solidFill>
+                <a:latin typeface="Consolas" panose="020B0609020204030204" pitchFamily="49" charset="0"/>
+              </a:rPr>
+              <a:t>    </a:t>
+            </a:r>
+            <a:r>
+              <a:rPr lang="en-US" sz="1400" dirty="0">
+                <a:solidFill>
+                  <a:srgbClr val="0000FF"/>
+                </a:solidFill>
+                <a:latin typeface="Consolas" panose="020B0609020204030204" pitchFamily="49" charset="0"/>
+              </a:rPr>
+              <a:t>public</a:t>
+            </a:r>
+            <a:r>
+              <a:rPr lang="en-US" sz="1400" dirty="0">
+                <a:solidFill>
+                  <a:srgbClr val="000000"/>
+                </a:solidFill>
+                <a:latin typeface="Consolas" panose="020B0609020204030204" pitchFamily="49" charset="0"/>
+              </a:rPr>
+              <a:t> </a:t>
+            </a:r>
+            <a:r>
+              <a:rPr lang="en-US" sz="1400" dirty="0" err="1">
+                <a:solidFill>
+                  <a:srgbClr val="0000FF"/>
+                </a:solidFill>
+                <a:latin typeface="Consolas" panose="020B0609020204030204" pitchFamily="49" charset="0"/>
+              </a:rPr>
+              <a:t>int</a:t>
+            </a:r>
+            <a:r>
+              <a:rPr lang="en-US" sz="1400" dirty="0">
+                <a:solidFill>
+                  <a:srgbClr val="000000"/>
+                </a:solidFill>
+                <a:latin typeface="Consolas" panose="020B0609020204030204" pitchFamily="49" charset="0"/>
+              </a:rPr>
+              <a:t> Foo { </a:t>
+            </a:r>
+            <a:r>
+              <a:rPr lang="en-US" sz="1400" dirty="0">
+                <a:solidFill>
+                  <a:srgbClr val="0000FF"/>
+                </a:solidFill>
+                <a:latin typeface="Consolas" panose="020B0609020204030204" pitchFamily="49" charset="0"/>
+              </a:rPr>
+              <a:t>get</a:t>
+            </a:r>
+            <a:r>
+              <a:rPr lang="en-US" sz="1400" dirty="0">
+                <a:solidFill>
+                  <a:srgbClr val="000000"/>
+                </a:solidFill>
+                <a:latin typeface="Consolas" panose="020B0609020204030204" pitchFamily="49" charset="0"/>
+              </a:rPr>
+              <a:t>; </a:t>
+            </a:r>
+            <a:r>
+              <a:rPr lang="en-US" sz="1400" dirty="0">
+                <a:solidFill>
+                  <a:srgbClr val="0000FF"/>
+                </a:solidFill>
+                <a:latin typeface="Consolas" panose="020B0609020204030204" pitchFamily="49" charset="0"/>
+              </a:rPr>
+              <a:t>set</a:t>
+            </a:r>
+            <a:r>
+              <a:rPr lang="en-US" sz="1400" dirty="0">
+                <a:solidFill>
+                  <a:srgbClr val="000000"/>
+                </a:solidFill>
+                <a:latin typeface="Consolas" panose="020B0609020204030204" pitchFamily="49" charset="0"/>
+              </a:rPr>
+              <a:t>; }</a:t>
+            </a:r>
+          </a:p>
+          <a:p>
+            <a:endParaRPr lang="nb-NO" sz="1400" dirty="0">
+              <a:solidFill>
+                <a:srgbClr val="000000"/>
+              </a:solidFill>
+              <a:latin typeface="Consolas" panose="020B0609020204030204" pitchFamily="49" charset="0"/>
+            </a:endParaRPr>
+          </a:p>
+          <a:p>
+            <a:r>
+              <a:rPr lang="en-US" sz="1400" dirty="0">
+                <a:solidFill>
+                  <a:srgbClr val="000000"/>
+                </a:solidFill>
+                <a:latin typeface="Consolas" panose="020B0609020204030204" pitchFamily="49" charset="0"/>
+              </a:rPr>
+              <a:t>    </a:t>
+            </a:r>
+            <a:r>
+              <a:rPr lang="en-US" sz="1400" dirty="0">
+                <a:solidFill>
+                  <a:srgbClr val="0000FF"/>
+                </a:solidFill>
+                <a:latin typeface="Consolas" panose="020B0609020204030204" pitchFamily="49" charset="0"/>
+              </a:rPr>
+              <a:t>public</a:t>
+            </a:r>
+            <a:r>
+              <a:rPr lang="en-US" sz="1400" dirty="0">
+                <a:solidFill>
+                  <a:srgbClr val="000000"/>
+                </a:solidFill>
+                <a:latin typeface="Consolas" panose="020B0609020204030204" pitchFamily="49" charset="0"/>
+              </a:rPr>
+              <a:t> </a:t>
+            </a:r>
+            <a:r>
+              <a:rPr lang="en-US" sz="1400" dirty="0">
+                <a:solidFill>
+                  <a:srgbClr val="0000FF"/>
+                </a:solidFill>
+                <a:latin typeface="Consolas" panose="020B0609020204030204" pitchFamily="49" charset="0"/>
+              </a:rPr>
+              <a:t>void</a:t>
+            </a:r>
+            <a:r>
+              <a:rPr lang="en-US" sz="1400" dirty="0">
+                <a:solidFill>
+                  <a:srgbClr val="000000"/>
+                </a:solidFill>
+                <a:latin typeface="Consolas" panose="020B0609020204030204" pitchFamily="49" charset="0"/>
+              </a:rPr>
+              <a:t> Accept(</a:t>
+            </a:r>
+            <a:r>
+              <a:rPr lang="en-US" sz="1400" dirty="0" err="1">
+                <a:solidFill>
+                  <a:srgbClr val="2B91AF"/>
+                </a:solidFill>
+                <a:latin typeface="Consolas" panose="020B0609020204030204" pitchFamily="49" charset="0"/>
+              </a:rPr>
+              <a:t>IVisitor</a:t>
+            </a:r>
+            <a:r>
+              <a:rPr lang="en-US" sz="1400" dirty="0">
+                <a:solidFill>
+                  <a:srgbClr val="000000"/>
+                </a:solidFill>
+                <a:latin typeface="Consolas" panose="020B0609020204030204" pitchFamily="49" charset="0"/>
+              </a:rPr>
+              <a:t> visitor)</a:t>
+            </a:r>
+          </a:p>
+          <a:p>
+            <a:r>
+              <a:rPr lang="nb-NO" sz="1400" dirty="0">
+                <a:solidFill>
+                  <a:srgbClr val="000000"/>
+                </a:solidFill>
+                <a:latin typeface="Consolas" panose="020B0609020204030204" pitchFamily="49" charset="0"/>
+              </a:rPr>
+              <a:t>    {</a:t>
+            </a:r>
+          </a:p>
+          <a:p>
+            <a:r>
+              <a:rPr lang="nb-NO" sz="1400" dirty="0">
+                <a:solidFill>
+                  <a:srgbClr val="000000"/>
+                </a:solidFill>
+                <a:latin typeface="Consolas" panose="020B0609020204030204" pitchFamily="49" charset="0"/>
+              </a:rPr>
+              <a:t>        </a:t>
+            </a:r>
+            <a:r>
+              <a:rPr lang="nb-NO" sz="1400" dirty="0" err="1">
+                <a:solidFill>
+                  <a:srgbClr val="000000"/>
+                </a:solidFill>
+                <a:latin typeface="Consolas" panose="020B0609020204030204" pitchFamily="49" charset="0"/>
+              </a:rPr>
+              <a:t>visitor.Visit</a:t>
+            </a:r>
+            <a:r>
+              <a:rPr lang="nb-NO" sz="1400" dirty="0">
+                <a:solidFill>
+                  <a:srgbClr val="000000"/>
+                </a:solidFill>
+                <a:latin typeface="Consolas" panose="020B0609020204030204" pitchFamily="49" charset="0"/>
+              </a:rPr>
+              <a:t>(</a:t>
+            </a:r>
+            <a:r>
+              <a:rPr lang="nb-NO" sz="1400" dirty="0" err="1">
+                <a:solidFill>
+                  <a:srgbClr val="0000FF"/>
+                </a:solidFill>
+                <a:latin typeface="Consolas" panose="020B0609020204030204" pitchFamily="49" charset="0"/>
+              </a:rPr>
+              <a:t>this</a:t>
+            </a:r>
+            <a:r>
+              <a:rPr lang="nb-NO" sz="1400" dirty="0">
+                <a:solidFill>
+                  <a:srgbClr val="000000"/>
+                </a:solidFill>
+                <a:latin typeface="Consolas" panose="020B0609020204030204" pitchFamily="49" charset="0"/>
+              </a:rPr>
+              <a:t>);</a:t>
+            </a:r>
+          </a:p>
+          <a:p>
+            <a:r>
+              <a:rPr lang="nb-NO" sz="1400" dirty="0">
+                <a:solidFill>
+                  <a:srgbClr val="000000"/>
+                </a:solidFill>
+                <a:latin typeface="Consolas" panose="020B0609020204030204" pitchFamily="49" charset="0"/>
+              </a:rPr>
+              <a:t>    }</a:t>
+            </a:r>
+          </a:p>
+          <a:p>
+            <a:r>
+              <a:rPr lang="nb-NO" sz="1400" dirty="0">
+                <a:solidFill>
+                  <a:srgbClr val="000000"/>
+                </a:solidFill>
+                <a:latin typeface="Consolas" panose="020B0609020204030204" pitchFamily="49" charset="0"/>
+              </a:rPr>
+              <a:t>}</a:t>
+            </a:r>
+          </a:p>
+          <a:p>
+            <a:endParaRPr lang="nb-NO" sz="1400" dirty="0">
+              <a:solidFill>
+                <a:srgbClr val="000000"/>
+              </a:solidFill>
+              <a:latin typeface="Consolas" panose="020B0609020204030204" pitchFamily="49" charset="0"/>
+            </a:endParaRPr>
+          </a:p>
+          <a:p>
+            <a:r>
+              <a:rPr lang="nb-NO" sz="1400" dirty="0" err="1">
+                <a:solidFill>
+                  <a:srgbClr val="0000FF"/>
+                </a:solidFill>
+                <a:latin typeface="Consolas" panose="020B0609020204030204" pitchFamily="49" charset="0"/>
+              </a:rPr>
+              <a:t>public</a:t>
+            </a:r>
+            <a:r>
+              <a:rPr lang="nb-NO" sz="1400" dirty="0">
+                <a:solidFill>
+                  <a:srgbClr val="000000"/>
+                </a:solidFill>
+                <a:latin typeface="Consolas" panose="020B0609020204030204" pitchFamily="49" charset="0"/>
+              </a:rPr>
+              <a:t> </a:t>
+            </a:r>
+            <a:r>
+              <a:rPr lang="nb-NO" sz="1400" dirty="0" err="1">
+                <a:solidFill>
+                  <a:srgbClr val="0000FF"/>
+                </a:solidFill>
+                <a:latin typeface="Consolas" panose="020B0609020204030204" pitchFamily="49" charset="0"/>
+              </a:rPr>
+              <a:t>class</a:t>
+            </a:r>
+            <a:r>
+              <a:rPr lang="nb-NO" sz="1400" dirty="0">
+                <a:solidFill>
+                  <a:srgbClr val="000000"/>
+                </a:solidFill>
+                <a:latin typeface="Consolas" panose="020B0609020204030204" pitchFamily="49" charset="0"/>
+              </a:rPr>
+              <a:t> </a:t>
+            </a:r>
+            <a:r>
+              <a:rPr lang="nb-NO" sz="1400" dirty="0">
+                <a:solidFill>
+                  <a:srgbClr val="2B91AF"/>
+                </a:solidFill>
+                <a:latin typeface="Consolas" panose="020B0609020204030204" pitchFamily="49" charset="0"/>
+              </a:rPr>
+              <a:t>ConcreteElement2</a:t>
+            </a:r>
+            <a:r>
+              <a:rPr lang="nb-NO" sz="1400" dirty="0">
+                <a:solidFill>
+                  <a:srgbClr val="000000"/>
+                </a:solidFill>
+                <a:latin typeface="Consolas" panose="020B0609020204030204" pitchFamily="49" charset="0"/>
+              </a:rPr>
+              <a:t> : </a:t>
+            </a:r>
+            <a:r>
+              <a:rPr lang="nb-NO" sz="1400" dirty="0" err="1">
+                <a:solidFill>
+                  <a:srgbClr val="2B91AF"/>
+                </a:solidFill>
+                <a:latin typeface="Consolas" panose="020B0609020204030204" pitchFamily="49" charset="0"/>
+              </a:rPr>
+              <a:t>IElement</a:t>
+            </a:r>
+            <a:endParaRPr lang="nb-NO" sz="1400" dirty="0">
+              <a:solidFill>
+                <a:srgbClr val="2B91AF"/>
+              </a:solidFill>
+              <a:latin typeface="Consolas" panose="020B0609020204030204" pitchFamily="49" charset="0"/>
+            </a:endParaRPr>
+          </a:p>
+          <a:p>
+            <a:r>
+              <a:rPr lang="nb-NO" sz="1400" dirty="0">
+                <a:solidFill>
+                  <a:srgbClr val="000000"/>
+                </a:solidFill>
+                <a:latin typeface="Consolas" panose="020B0609020204030204" pitchFamily="49" charset="0"/>
+              </a:rPr>
+              <a:t>{</a:t>
+            </a:r>
+          </a:p>
+          <a:p>
+            <a:r>
+              <a:rPr lang="en-US" sz="1400" dirty="0">
+                <a:solidFill>
+                  <a:srgbClr val="000000"/>
+                </a:solidFill>
+                <a:latin typeface="Consolas" panose="020B0609020204030204" pitchFamily="49" charset="0"/>
+              </a:rPr>
+              <a:t>    </a:t>
+            </a:r>
+            <a:r>
+              <a:rPr lang="en-US" sz="1400" dirty="0">
+                <a:solidFill>
+                  <a:srgbClr val="0000FF"/>
+                </a:solidFill>
+                <a:latin typeface="Consolas" panose="020B0609020204030204" pitchFamily="49" charset="0"/>
+              </a:rPr>
+              <a:t>public</a:t>
+            </a:r>
+            <a:r>
+              <a:rPr lang="en-US" sz="1400" dirty="0">
+                <a:solidFill>
+                  <a:srgbClr val="000000"/>
+                </a:solidFill>
+                <a:latin typeface="Consolas" panose="020B0609020204030204" pitchFamily="49" charset="0"/>
+              </a:rPr>
+              <a:t> </a:t>
+            </a:r>
+            <a:r>
+              <a:rPr lang="en-US" sz="1400" dirty="0" err="1">
+                <a:solidFill>
+                  <a:srgbClr val="0000FF"/>
+                </a:solidFill>
+                <a:latin typeface="Consolas" panose="020B0609020204030204" pitchFamily="49" charset="0"/>
+              </a:rPr>
+              <a:t>int</a:t>
+            </a:r>
+            <a:r>
+              <a:rPr lang="en-US" sz="1400" dirty="0">
+                <a:solidFill>
+                  <a:srgbClr val="000000"/>
+                </a:solidFill>
+                <a:latin typeface="Consolas" panose="020B0609020204030204" pitchFamily="49" charset="0"/>
+              </a:rPr>
+              <a:t> Bar { </a:t>
+            </a:r>
+            <a:r>
+              <a:rPr lang="en-US" sz="1400" dirty="0">
+                <a:solidFill>
+                  <a:srgbClr val="0000FF"/>
+                </a:solidFill>
+                <a:latin typeface="Consolas" panose="020B0609020204030204" pitchFamily="49" charset="0"/>
+              </a:rPr>
+              <a:t>get</a:t>
+            </a:r>
+            <a:r>
+              <a:rPr lang="en-US" sz="1400" dirty="0">
+                <a:solidFill>
+                  <a:srgbClr val="000000"/>
+                </a:solidFill>
+                <a:latin typeface="Consolas" panose="020B0609020204030204" pitchFamily="49" charset="0"/>
+              </a:rPr>
+              <a:t>; </a:t>
+            </a:r>
+            <a:r>
+              <a:rPr lang="en-US" sz="1400" dirty="0">
+                <a:solidFill>
+                  <a:srgbClr val="0000FF"/>
+                </a:solidFill>
+                <a:latin typeface="Consolas" panose="020B0609020204030204" pitchFamily="49" charset="0"/>
+              </a:rPr>
+              <a:t>set</a:t>
+            </a:r>
+            <a:r>
+              <a:rPr lang="en-US" sz="1400" dirty="0">
+                <a:solidFill>
+                  <a:srgbClr val="000000"/>
+                </a:solidFill>
+                <a:latin typeface="Consolas" panose="020B0609020204030204" pitchFamily="49" charset="0"/>
+              </a:rPr>
+              <a:t>; }</a:t>
+            </a:r>
+          </a:p>
+          <a:p>
+            <a:endParaRPr lang="nb-NO" sz="1400" dirty="0">
+              <a:solidFill>
+                <a:srgbClr val="000000"/>
+              </a:solidFill>
+              <a:latin typeface="Consolas" panose="020B0609020204030204" pitchFamily="49" charset="0"/>
+            </a:endParaRPr>
+          </a:p>
+          <a:p>
+            <a:r>
+              <a:rPr lang="en-US" sz="1400" dirty="0">
+                <a:solidFill>
+                  <a:srgbClr val="000000"/>
+                </a:solidFill>
+                <a:latin typeface="Consolas" panose="020B0609020204030204" pitchFamily="49" charset="0"/>
+              </a:rPr>
+              <a:t>    </a:t>
+            </a:r>
+            <a:r>
+              <a:rPr lang="en-US" sz="1400" dirty="0">
+                <a:solidFill>
+                  <a:srgbClr val="0000FF"/>
+                </a:solidFill>
+                <a:latin typeface="Consolas" panose="020B0609020204030204" pitchFamily="49" charset="0"/>
+              </a:rPr>
+              <a:t>public</a:t>
+            </a:r>
+            <a:r>
+              <a:rPr lang="en-US" sz="1400" dirty="0">
+                <a:solidFill>
+                  <a:srgbClr val="000000"/>
+                </a:solidFill>
+                <a:latin typeface="Consolas" panose="020B0609020204030204" pitchFamily="49" charset="0"/>
+              </a:rPr>
+              <a:t> </a:t>
+            </a:r>
+            <a:r>
+              <a:rPr lang="en-US" sz="1400" dirty="0">
+                <a:solidFill>
+                  <a:srgbClr val="0000FF"/>
+                </a:solidFill>
+                <a:latin typeface="Consolas" panose="020B0609020204030204" pitchFamily="49" charset="0"/>
+              </a:rPr>
+              <a:t>void</a:t>
+            </a:r>
+            <a:r>
+              <a:rPr lang="en-US" sz="1400" dirty="0">
+                <a:solidFill>
+                  <a:srgbClr val="000000"/>
+                </a:solidFill>
+                <a:latin typeface="Consolas" panose="020B0609020204030204" pitchFamily="49" charset="0"/>
+              </a:rPr>
+              <a:t> Accept(</a:t>
+            </a:r>
+            <a:r>
+              <a:rPr lang="en-US" sz="1400" dirty="0" err="1">
+                <a:solidFill>
+                  <a:srgbClr val="2B91AF"/>
+                </a:solidFill>
+                <a:latin typeface="Consolas" panose="020B0609020204030204" pitchFamily="49" charset="0"/>
+              </a:rPr>
+              <a:t>IVisitor</a:t>
+            </a:r>
+            <a:r>
+              <a:rPr lang="en-US" sz="1400" dirty="0">
+                <a:solidFill>
+                  <a:srgbClr val="000000"/>
+                </a:solidFill>
+                <a:latin typeface="Consolas" panose="020B0609020204030204" pitchFamily="49" charset="0"/>
+              </a:rPr>
+              <a:t> visitor)</a:t>
+            </a:r>
+          </a:p>
+          <a:p>
+            <a:r>
+              <a:rPr lang="nb-NO" sz="1400" dirty="0">
+                <a:solidFill>
+                  <a:srgbClr val="000000"/>
+                </a:solidFill>
+                <a:latin typeface="Consolas" panose="020B0609020204030204" pitchFamily="49" charset="0"/>
+              </a:rPr>
+              <a:t>    {</a:t>
+            </a:r>
+          </a:p>
+          <a:p>
+            <a:r>
+              <a:rPr lang="nb-NO" sz="1400" dirty="0">
+                <a:solidFill>
+                  <a:srgbClr val="000000"/>
+                </a:solidFill>
+                <a:latin typeface="Consolas" panose="020B0609020204030204" pitchFamily="49" charset="0"/>
+              </a:rPr>
+              <a:t>        </a:t>
+            </a:r>
+            <a:r>
+              <a:rPr lang="nb-NO" sz="1400" dirty="0" err="1">
+                <a:solidFill>
+                  <a:srgbClr val="000000"/>
+                </a:solidFill>
+                <a:latin typeface="Consolas" panose="020B0609020204030204" pitchFamily="49" charset="0"/>
+              </a:rPr>
+              <a:t>visitor.Visit</a:t>
+            </a:r>
+            <a:r>
+              <a:rPr lang="nb-NO" sz="1400" dirty="0">
+                <a:solidFill>
+                  <a:srgbClr val="000000"/>
+                </a:solidFill>
+                <a:latin typeface="Consolas" panose="020B0609020204030204" pitchFamily="49" charset="0"/>
+              </a:rPr>
+              <a:t>(</a:t>
+            </a:r>
+            <a:r>
+              <a:rPr lang="nb-NO" sz="1400" dirty="0" err="1">
+                <a:solidFill>
+                  <a:srgbClr val="0000FF"/>
+                </a:solidFill>
+                <a:latin typeface="Consolas" panose="020B0609020204030204" pitchFamily="49" charset="0"/>
+              </a:rPr>
+              <a:t>this</a:t>
+            </a:r>
+            <a:r>
+              <a:rPr lang="nb-NO" sz="1400" dirty="0">
+                <a:solidFill>
+                  <a:srgbClr val="000000"/>
+                </a:solidFill>
+                <a:latin typeface="Consolas" panose="020B0609020204030204" pitchFamily="49" charset="0"/>
+              </a:rPr>
+              <a:t>);</a:t>
+            </a:r>
+          </a:p>
+          <a:p>
+            <a:r>
+              <a:rPr lang="nb-NO" sz="1400" dirty="0">
+                <a:solidFill>
+                  <a:srgbClr val="000000"/>
+                </a:solidFill>
+                <a:latin typeface="Consolas" panose="020B0609020204030204" pitchFamily="49" charset="0"/>
+              </a:rPr>
+              <a:t>    }</a:t>
+            </a:r>
+          </a:p>
+          <a:p>
+            <a:r>
+              <a:rPr lang="nb-NO" sz="1400" dirty="0">
+                <a:solidFill>
+                  <a:srgbClr val="000000"/>
+                </a:solidFill>
+                <a:latin typeface="Consolas" panose="020B0609020204030204" pitchFamily="49" charset="0"/>
+              </a:rPr>
+              <a:t>}</a:t>
+            </a:r>
+          </a:p>
+        </p:txBody>
+      </p:sp>
+    </p:spTree>
+    <p:extLst>
+      <p:ext uri="{BB962C8B-B14F-4D97-AF65-F5344CB8AC3E}">
+        <p14:creationId xmlns:p14="http://schemas.microsoft.com/office/powerpoint/2010/main" val="850569367"/>
+      </p:ext>
+    </p:extLst>
+  </p:cSld>
+  <p:clrMapOvr>
+    <a:masterClrMapping/>
+  </p:clrMapOvr>
+  <p:timing>
+    <p:tnLst>
+      <p:par>
+        <p:cTn id="1" dur="indefinite" restart="never" nodeType="tmRoot">
+          <p:childTnLst>
+            <p:seq concurrent="1" nextAc="seek">
+              <p:cTn id="2" dur="indefinite" nodeType="mainSeq">
+                <p:childTnLst>
+                  <p:par>
+                    <p:cTn id="3" fill="hold">
+                      <p:stCondLst>
+                        <p:cond delay="indefinite"/>
+                      </p:stCondLst>
+                      <p:childTnLst>
+                        <p:par>
+                          <p:cTn id="4" fill="hold">
+                            <p:stCondLst>
+                              <p:cond delay="0"/>
+                            </p:stCondLst>
+                            <p:childTnLst>
+                              <p:par>
+                                <p:cTn id="5" presetID="1" presetClass="entr" presetSubtype="0" fill="hold" nodeType="clickEffect">
+                                  <p:stCondLst>
+                                    <p:cond delay="0"/>
+                                  </p:stCondLst>
+                                  <p:childTnLst>
+                                    <p:set>
+                                      <p:cBhvr>
+                                        <p:cTn id="6" dur="1" fill="hold">
+                                          <p:stCondLst>
+                                            <p:cond delay="0"/>
+                                          </p:stCondLst>
+                                        </p:cTn>
+                                        <p:tgtEl>
+                                          <p:spTgt spid="5">
+                                            <p:txEl>
+                                              <p:pRg st="0" end="0"/>
+                                            </p:txEl>
+                                          </p:spTgt>
+                                        </p:tgtEl>
+                                        <p:attrNameLst>
+                                          <p:attrName>style.visibility</p:attrName>
+                                        </p:attrNameLst>
+                                      </p:cBhvr>
+                                      <p:to>
+                                        <p:strVal val="visible"/>
+                                      </p:to>
+                                    </p:set>
+                                  </p:childTnLst>
+                                </p:cTn>
+                              </p:par>
+                              <p:par>
+                                <p:cTn id="7" presetID="1" presetClass="entr" presetSubtype="0" fill="hold" nodeType="withEffect">
+                                  <p:stCondLst>
+                                    <p:cond delay="0"/>
+                                  </p:stCondLst>
+                                  <p:childTnLst>
+                                    <p:set>
+                                      <p:cBhvr>
+                                        <p:cTn id="8" dur="1" fill="hold">
+                                          <p:stCondLst>
+                                            <p:cond delay="0"/>
+                                          </p:stCondLst>
+                                        </p:cTn>
+                                        <p:tgtEl>
+                                          <p:spTgt spid="5">
+                                            <p:txEl>
+                                              <p:pRg st="1" end="1"/>
+                                            </p:txEl>
+                                          </p:spTgt>
+                                        </p:tgtEl>
+                                        <p:attrNameLst>
+                                          <p:attrName>style.visibility</p:attrName>
+                                        </p:attrNameLst>
+                                      </p:cBhvr>
+                                      <p:to>
+                                        <p:strVal val="visible"/>
+                                      </p:to>
+                                    </p:set>
+                                  </p:childTnLst>
+                                </p:cTn>
+                              </p:par>
+                              <p:par>
+                                <p:cTn id="9" presetID="1" presetClass="entr" presetSubtype="0" fill="hold" nodeType="withEffect">
+                                  <p:stCondLst>
+                                    <p:cond delay="0"/>
+                                  </p:stCondLst>
+                                  <p:childTnLst>
+                                    <p:set>
+                                      <p:cBhvr>
+                                        <p:cTn id="10" dur="1" fill="hold">
+                                          <p:stCondLst>
+                                            <p:cond delay="0"/>
+                                          </p:stCondLst>
+                                        </p:cTn>
+                                        <p:tgtEl>
+                                          <p:spTgt spid="5">
+                                            <p:txEl>
+                                              <p:pRg st="2" end="2"/>
+                                            </p:txEl>
+                                          </p:spTgt>
+                                        </p:tgtEl>
+                                        <p:attrNameLst>
+                                          <p:attrName>style.visibility</p:attrName>
+                                        </p:attrNameLst>
+                                      </p:cBhvr>
+                                      <p:to>
+                                        <p:strVal val="visible"/>
+                                      </p:to>
+                                    </p:set>
+                                  </p:childTnLst>
+                                </p:cTn>
+                              </p:par>
+                              <p:par>
+                                <p:cTn id="11" presetID="1" presetClass="entr" presetSubtype="0" fill="hold" nodeType="withEffect">
+                                  <p:stCondLst>
+                                    <p:cond delay="0"/>
+                                  </p:stCondLst>
+                                  <p:childTnLst>
+                                    <p:set>
+                                      <p:cBhvr>
+                                        <p:cTn id="12" dur="1" fill="hold">
+                                          <p:stCondLst>
+                                            <p:cond delay="0"/>
+                                          </p:stCondLst>
+                                        </p:cTn>
+                                        <p:tgtEl>
+                                          <p:spTgt spid="5">
+                                            <p:txEl>
+                                              <p:pRg st="3" end="3"/>
+                                            </p:txEl>
+                                          </p:spTgt>
+                                        </p:tgtEl>
+                                        <p:attrNameLst>
+                                          <p:attrName>style.visibility</p:attrName>
+                                        </p:attrNameLst>
+                                      </p:cBhvr>
+                                      <p:to>
+                                        <p:strVal val="visible"/>
+                                      </p:to>
+                                    </p:set>
+                                  </p:childTnLst>
+                                </p:cTn>
+                              </p:par>
+                            </p:childTnLst>
+                          </p:cTn>
+                        </p:par>
+                      </p:childTnLst>
+                    </p:cTn>
+                  </p:par>
+                  <p:par>
+                    <p:cTn id="13" fill="hold">
+                      <p:stCondLst>
+                        <p:cond delay="indefinite"/>
+                      </p:stCondLst>
+                      <p:childTnLst>
+                        <p:par>
+                          <p:cTn id="14" fill="hold">
+                            <p:stCondLst>
+                              <p:cond delay="0"/>
+                            </p:stCondLst>
+                            <p:childTnLst>
+                              <p:par>
+                                <p:cTn id="15" presetID="1" presetClass="entr" presetSubtype="0" fill="hold" nodeType="clickEffect">
+                                  <p:stCondLst>
+                                    <p:cond delay="0"/>
+                                  </p:stCondLst>
+                                  <p:childTnLst>
+                                    <p:set>
+                                      <p:cBhvr>
+                                        <p:cTn id="16" dur="1" fill="hold">
+                                          <p:stCondLst>
+                                            <p:cond delay="0"/>
+                                          </p:stCondLst>
+                                        </p:cTn>
+                                        <p:tgtEl>
+                                          <p:spTgt spid="5">
+                                            <p:txEl>
+                                              <p:pRg st="5" end="5"/>
+                                            </p:txEl>
+                                          </p:spTgt>
+                                        </p:tgtEl>
+                                        <p:attrNameLst>
+                                          <p:attrName>style.visibility</p:attrName>
+                                        </p:attrNameLst>
+                                      </p:cBhvr>
+                                      <p:to>
+                                        <p:strVal val="visible"/>
+                                      </p:to>
+                                    </p:set>
+                                  </p:childTnLst>
+                                </p:cTn>
+                              </p:par>
+                              <p:par>
+                                <p:cTn id="17" presetID="1" presetClass="entr" presetSubtype="0" fill="hold" nodeType="withEffect">
+                                  <p:stCondLst>
+                                    <p:cond delay="0"/>
+                                  </p:stCondLst>
+                                  <p:childTnLst>
+                                    <p:set>
+                                      <p:cBhvr>
+                                        <p:cTn id="18" dur="1" fill="hold">
+                                          <p:stCondLst>
+                                            <p:cond delay="0"/>
+                                          </p:stCondLst>
+                                        </p:cTn>
+                                        <p:tgtEl>
+                                          <p:spTgt spid="5">
+                                            <p:txEl>
+                                              <p:pRg st="6" end="6"/>
+                                            </p:txEl>
+                                          </p:spTgt>
+                                        </p:tgtEl>
+                                        <p:attrNameLst>
+                                          <p:attrName>style.visibility</p:attrName>
+                                        </p:attrNameLst>
+                                      </p:cBhvr>
+                                      <p:to>
+                                        <p:strVal val="visible"/>
+                                      </p:to>
+                                    </p:set>
+                                  </p:childTnLst>
+                                </p:cTn>
+                              </p:par>
+                              <p:par>
+                                <p:cTn id="19" presetID="1" presetClass="entr" presetSubtype="0" fill="hold" nodeType="withEffect">
+                                  <p:stCondLst>
+                                    <p:cond delay="0"/>
+                                  </p:stCondLst>
+                                  <p:childTnLst>
+                                    <p:set>
+                                      <p:cBhvr>
+                                        <p:cTn id="20" dur="1" fill="hold">
+                                          <p:stCondLst>
+                                            <p:cond delay="0"/>
+                                          </p:stCondLst>
+                                        </p:cTn>
+                                        <p:tgtEl>
+                                          <p:spTgt spid="5">
+                                            <p:txEl>
+                                              <p:pRg st="7" end="7"/>
+                                            </p:txEl>
+                                          </p:spTgt>
+                                        </p:tgtEl>
+                                        <p:attrNameLst>
+                                          <p:attrName>style.visibility</p:attrName>
+                                        </p:attrNameLst>
+                                      </p:cBhvr>
+                                      <p:to>
+                                        <p:strVal val="visible"/>
+                                      </p:to>
+                                    </p:set>
+                                  </p:childTnLst>
+                                </p:cTn>
+                              </p:par>
+                              <p:par>
+                                <p:cTn id="21" presetID="1" presetClass="entr" presetSubtype="0" fill="hold" nodeType="withEffect">
+                                  <p:stCondLst>
+                                    <p:cond delay="0"/>
+                                  </p:stCondLst>
+                                  <p:childTnLst>
+                                    <p:set>
+                                      <p:cBhvr>
+                                        <p:cTn id="22" dur="1" fill="hold">
+                                          <p:stCondLst>
+                                            <p:cond delay="0"/>
+                                          </p:stCondLst>
+                                        </p:cTn>
+                                        <p:tgtEl>
+                                          <p:spTgt spid="5">
+                                            <p:txEl>
+                                              <p:pRg st="9" end="9"/>
+                                            </p:txEl>
+                                          </p:spTgt>
+                                        </p:tgtEl>
+                                        <p:attrNameLst>
+                                          <p:attrName>style.visibility</p:attrName>
+                                        </p:attrNameLst>
+                                      </p:cBhvr>
+                                      <p:to>
+                                        <p:strVal val="visible"/>
+                                      </p:to>
+                                    </p:set>
+                                  </p:childTnLst>
+                                </p:cTn>
+                              </p:par>
+                              <p:par>
+                                <p:cTn id="23" presetID="1" presetClass="entr" presetSubtype="0" fill="hold" nodeType="withEffect">
+                                  <p:stCondLst>
+                                    <p:cond delay="0"/>
+                                  </p:stCondLst>
+                                  <p:childTnLst>
+                                    <p:set>
+                                      <p:cBhvr>
+                                        <p:cTn id="24" dur="1" fill="hold">
+                                          <p:stCondLst>
+                                            <p:cond delay="0"/>
+                                          </p:stCondLst>
+                                        </p:cTn>
+                                        <p:tgtEl>
+                                          <p:spTgt spid="5">
+                                            <p:txEl>
+                                              <p:pRg st="10" end="10"/>
+                                            </p:txEl>
+                                          </p:spTgt>
+                                        </p:tgtEl>
+                                        <p:attrNameLst>
+                                          <p:attrName>style.visibility</p:attrName>
+                                        </p:attrNameLst>
+                                      </p:cBhvr>
+                                      <p:to>
+                                        <p:strVal val="visible"/>
+                                      </p:to>
+                                    </p:set>
+                                  </p:childTnLst>
+                                </p:cTn>
+                              </p:par>
+                              <p:par>
+                                <p:cTn id="25" presetID="1" presetClass="entr" presetSubtype="0" fill="hold" nodeType="withEffect">
+                                  <p:stCondLst>
+                                    <p:cond delay="0"/>
+                                  </p:stCondLst>
+                                  <p:childTnLst>
+                                    <p:set>
+                                      <p:cBhvr>
+                                        <p:cTn id="26" dur="1" fill="hold">
+                                          <p:stCondLst>
+                                            <p:cond delay="0"/>
+                                          </p:stCondLst>
+                                        </p:cTn>
+                                        <p:tgtEl>
+                                          <p:spTgt spid="5">
+                                            <p:txEl>
+                                              <p:pRg st="11" end="11"/>
+                                            </p:txEl>
+                                          </p:spTgt>
+                                        </p:tgtEl>
+                                        <p:attrNameLst>
+                                          <p:attrName>style.visibility</p:attrName>
+                                        </p:attrNameLst>
+                                      </p:cBhvr>
+                                      <p:to>
+                                        <p:strVal val="visible"/>
+                                      </p:to>
+                                    </p:set>
+                                  </p:childTnLst>
+                                </p:cTn>
+                              </p:par>
+                              <p:par>
+                                <p:cTn id="27" presetID="1" presetClass="entr" presetSubtype="0" fill="hold" nodeType="withEffect">
+                                  <p:stCondLst>
+                                    <p:cond delay="0"/>
+                                  </p:stCondLst>
+                                  <p:childTnLst>
+                                    <p:set>
+                                      <p:cBhvr>
+                                        <p:cTn id="28" dur="1" fill="hold">
+                                          <p:stCondLst>
+                                            <p:cond delay="0"/>
+                                          </p:stCondLst>
+                                        </p:cTn>
+                                        <p:tgtEl>
+                                          <p:spTgt spid="5">
+                                            <p:txEl>
+                                              <p:pRg st="12" end="12"/>
+                                            </p:txEl>
+                                          </p:spTgt>
+                                        </p:tgtEl>
+                                        <p:attrNameLst>
+                                          <p:attrName>style.visibility</p:attrName>
+                                        </p:attrNameLst>
+                                      </p:cBhvr>
+                                      <p:to>
+                                        <p:strVal val="visible"/>
+                                      </p:to>
+                                    </p:set>
+                                  </p:childTnLst>
+                                </p:cTn>
+                              </p:par>
+                              <p:par>
+                                <p:cTn id="29" presetID="1" presetClass="entr" presetSubtype="0" fill="hold" nodeType="withEffect">
+                                  <p:stCondLst>
+                                    <p:cond delay="0"/>
+                                  </p:stCondLst>
+                                  <p:childTnLst>
+                                    <p:set>
+                                      <p:cBhvr>
+                                        <p:cTn id="30" dur="1" fill="hold">
+                                          <p:stCondLst>
+                                            <p:cond delay="0"/>
+                                          </p:stCondLst>
+                                        </p:cTn>
+                                        <p:tgtEl>
+                                          <p:spTgt spid="5">
+                                            <p:txEl>
+                                              <p:pRg st="13" end="13"/>
+                                            </p:txEl>
+                                          </p:spTgt>
+                                        </p:tgtEl>
+                                        <p:attrNameLst>
+                                          <p:attrName>style.visibility</p:attrName>
+                                        </p:attrNameLst>
+                                      </p:cBhvr>
+                                      <p:to>
+                                        <p:strVal val="visible"/>
+                                      </p:to>
+                                    </p:set>
+                                  </p:childTnLst>
+                                </p:cTn>
+                              </p:par>
+                              <p:par>
+                                <p:cTn id="31" presetID="1" presetClass="entr" presetSubtype="0" fill="hold" nodeType="withEffect">
+                                  <p:stCondLst>
+                                    <p:cond delay="0"/>
+                                  </p:stCondLst>
+                                  <p:childTnLst>
+                                    <p:set>
+                                      <p:cBhvr>
+                                        <p:cTn id="32" dur="1" fill="hold">
+                                          <p:stCondLst>
+                                            <p:cond delay="0"/>
+                                          </p:stCondLst>
+                                        </p:cTn>
+                                        <p:tgtEl>
+                                          <p:spTgt spid="5">
+                                            <p:txEl>
+                                              <p:pRg st="15" end="15"/>
+                                            </p:txEl>
+                                          </p:spTgt>
+                                        </p:tgtEl>
+                                        <p:attrNameLst>
+                                          <p:attrName>style.visibility</p:attrName>
+                                        </p:attrNameLst>
+                                      </p:cBhvr>
+                                      <p:to>
+                                        <p:strVal val="visible"/>
+                                      </p:to>
+                                    </p:set>
+                                  </p:childTnLst>
+                                </p:cTn>
+                              </p:par>
+                              <p:par>
+                                <p:cTn id="33" presetID="1" presetClass="entr" presetSubtype="0" fill="hold" nodeType="withEffect">
+                                  <p:stCondLst>
+                                    <p:cond delay="0"/>
+                                  </p:stCondLst>
+                                  <p:childTnLst>
+                                    <p:set>
+                                      <p:cBhvr>
+                                        <p:cTn id="34" dur="1" fill="hold">
+                                          <p:stCondLst>
+                                            <p:cond delay="0"/>
+                                          </p:stCondLst>
+                                        </p:cTn>
+                                        <p:tgtEl>
+                                          <p:spTgt spid="5">
+                                            <p:txEl>
+                                              <p:pRg st="16" end="16"/>
+                                            </p:txEl>
+                                          </p:spTgt>
+                                        </p:tgtEl>
+                                        <p:attrNameLst>
+                                          <p:attrName>style.visibility</p:attrName>
+                                        </p:attrNameLst>
+                                      </p:cBhvr>
+                                      <p:to>
+                                        <p:strVal val="visible"/>
+                                      </p:to>
+                                    </p:set>
+                                  </p:childTnLst>
+                                </p:cTn>
+                              </p:par>
+                              <p:par>
+                                <p:cTn id="35" presetID="1" presetClass="entr" presetSubtype="0" fill="hold" nodeType="withEffect">
+                                  <p:stCondLst>
+                                    <p:cond delay="0"/>
+                                  </p:stCondLst>
+                                  <p:childTnLst>
+                                    <p:set>
+                                      <p:cBhvr>
+                                        <p:cTn id="36" dur="1" fill="hold">
+                                          <p:stCondLst>
+                                            <p:cond delay="0"/>
+                                          </p:stCondLst>
+                                        </p:cTn>
+                                        <p:tgtEl>
+                                          <p:spTgt spid="5">
+                                            <p:txEl>
+                                              <p:pRg st="17" end="17"/>
+                                            </p:txEl>
+                                          </p:spTgt>
+                                        </p:tgtEl>
+                                        <p:attrNameLst>
+                                          <p:attrName>style.visibility</p:attrName>
+                                        </p:attrNameLst>
+                                      </p:cBhvr>
+                                      <p:to>
+                                        <p:strVal val="visible"/>
+                                      </p:to>
+                                    </p:set>
+                                  </p:childTnLst>
+                                </p:cTn>
+                              </p:par>
+                              <p:par>
+                                <p:cTn id="37" presetID="1" presetClass="entr" presetSubtype="0" fill="hold" nodeType="withEffect">
+                                  <p:stCondLst>
+                                    <p:cond delay="0"/>
+                                  </p:stCondLst>
+                                  <p:childTnLst>
+                                    <p:set>
+                                      <p:cBhvr>
+                                        <p:cTn id="38" dur="1" fill="hold">
+                                          <p:stCondLst>
+                                            <p:cond delay="0"/>
+                                          </p:stCondLst>
+                                        </p:cTn>
+                                        <p:tgtEl>
+                                          <p:spTgt spid="5">
+                                            <p:txEl>
+                                              <p:pRg st="19" end="19"/>
+                                            </p:txEl>
+                                          </p:spTgt>
+                                        </p:tgtEl>
+                                        <p:attrNameLst>
+                                          <p:attrName>style.visibility</p:attrName>
+                                        </p:attrNameLst>
+                                      </p:cBhvr>
+                                      <p:to>
+                                        <p:strVal val="visible"/>
+                                      </p:to>
+                                    </p:set>
+                                  </p:childTnLst>
+                                </p:cTn>
+                              </p:par>
+                              <p:par>
+                                <p:cTn id="39" presetID="1" presetClass="entr" presetSubtype="0" fill="hold" nodeType="withEffect">
+                                  <p:stCondLst>
+                                    <p:cond delay="0"/>
+                                  </p:stCondLst>
+                                  <p:childTnLst>
+                                    <p:set>
+                                      <p:cBhvr>
+                                        <p:cTn id="40" dur="1" fill="hold">
+                                          <p:stCondLst>
+                                            <p:cond delay="0"/>
+                                          </p:stCondLst>
+                                        </p:cTn>
+                                        <p:tgtEl>
+                                          <p:spTgt spid="5">
+                                            <p:txEl>
+                                              <p:pRg st="20" end="20"/>
+                                            </p:txEl>
+                                          </p:spTgt>
+                                        </p:tgtEl>
+                                        <p:attrNameLst>
+                                          <p:attrName>style.visibility</p:attrName>
+                                        </p:attrNameLst>
+                                      </p:cBhvr>
+                                      <p:to>
+                                        <p:strVal val="visible"/>
+                                      </p:to>
+                                    </p:set>
+                                  </p:childTnLst>
+                                </p:cTn>
+                              </p:par>
+                              <p:par>
+                                <p:cTn id="41" presetID="1" presetClass="entr" presetSubtype="0" fill="hold" nodeType="withEffect">
+                                  <p:stCondLst>
+                                    <p:cond delay="0"/>
+                                  </p:stCondLst>
+                                  <p:childTnLst>
+                                    <p:set>
+                                      <p:cBhvr>
+                                        <p:cTn id="42" dur="1" fill="hold">
+                                          <p:stCondLst>
+                                            <p:cond delay="0"/>
+                                          </p:stCondLst>
+                                        </p:cTn>
+                                        <p:tgtEl>
+                                          <p:spTgt spid="5">
+                                            <p:txEl>
+                                              <p:pRg st="21" end="21"/>
+                                            </p:txEl>
+                                          </p:spTgt>
+                                        </p:tgtEl>
+                                        <p:attrNameLst>
+                                          <p:attrName>style.visibility</p:attrName>
+                                        </p:attrNameLst>
+                                      </p:cBhvr>
+                                      <p:to>
+                                        <p:strVal val="visible"/>
+                                      </p:to>
+                                    </p:set>
+                                  </p:childTnLst>
+                                </p:cTn>
+                              </p:par>
+                              <p:par>
+                                <p:cTn id="43" presetID="1" presetClass="entr" presetSubtype="0" fill="hold" nodeType="withEffect">
+                                  <p:stCondLst>
+                                    <p:cond delay="0"/>
+                                  </p:stCondLst>
+                                  <p:childTnLst>
+                                    <p:set>
+                                      <p:cBhvr>
+                                        <p:cTn id="44" dur="1" fill="hold">
+                                          <p:stCondLst>
+                                            <p:cond delay="0"/>
+                                          </p:stCondLst>
+                                        </p:cTn>
+                                        <p:tgtEl>
+                                          <p:spTgt spid="5">
+                                            <p:txEl>
+                                              <p:pRg st="22" end="22"/>
+                                            </p:txEl>
+                                          </p:spTgt>
+                                        </p:tgtEl>
+                                        <p:attrNameLst>
+                                          <p:attrName>style.visibility</p:attrName>
+                                        </p:attrNameLst>
+                                      </p:cBhvr>
+                                      <p:to>
+                                        <p:strVal val="visible"/>
+                                      </p:to>
+                                    </p:set>
+                                  </p:childTnLst>
+                                </p:cTn>
+                              </p:par>
+                              <p:par>
+                                <p:cTn id="45" presetID="1" presetClass="entr" presetSubtype="0" fill="hold" nodeType="withEffect">
+                                  <p:stCondLst>
+                                    <p:cond delay="0"/>
+                                  </p:stCondLst>
+                                  <p:childTnLst>
+                                    <p:set>
+                                      <p:cBhvr>
+                                        <p:cTn id="46" dur="1" fill="hold">
+                                          <p:stCondLst>
+                                            <p:cond delay="0"/>
+                                          </p:stCondLst>
+                                        </p:cTn>
+                                        <p:tgtEl>
+                                          <p:spTgt spid="5">
+                                            <p:txEl>
+                                              <p:pRg st="23" end="23"/>
+                                            </p:txEl>
+                                          </p:spTgt>
+                                        </p:tgtEl>
+                                        <p:attrNameLst>
+                                          <p:attrName>style.visibility</p:attrName>
+                                        </p:attrNameLst>
+                                      </p:cBhvr>
+                                      <p:to>
+                                        <p:strVal val="visible"/>
+                                      </p:to>
+                                    </p:set>
+                                  </p:childTnLst>
+                                </p:cTn>
+                              </p:par>
+                            </p:childTnLst>
+                          </p:cTn>
+                        </p:par>
+                      </p:childTnLst>
+                    </p:cTn>
+                  </p:par>
+                </p:childTnLst>
+              </p:cTn>
+              <p:prevCondLst>
+                <p:cond evt="onPrev" delay="0">
+                  <p:tgtEl>
+                    <p:sldTgt/>
+                  </p:tgtEl>
+                </p:cond>
+              </p:prevCondLst>
+              <p:nextCondLst>
+                <p:cond evt="onNext" delay="0">
+                  <p:tgtEl>
+                    <p:sldTgt/>
+                  </p:tgtEl>
+                </p:cond>
+              </p:nextCondLst>
+            </p:seq>
+          </p:childTnLst>
+        </p:cTn>
+      </p:par>
+    </p:tnLst>
+  </p:timing>
+</p:sld>
+</file>
+
+<file path=ppt/slides/slide18.xml><?xml version="1.0" encoding="utf-8"?>
+<p:sld xmlns:a="http://schemas.openxmlformats.org/drawingml/2006/main" xmlns:r="http://schemas.openxmlformats.org/officeDocument/2006/relationships" xmlns:p="http://schemas.openxmlformats.org/presentationml/2006/main">
+  <p:cSld>
+    <p:spTree>
+      <p:nvGrpSpPr>
+        <p:cNvPr id="1" name=""/>
+        <p:cNvGrpSpPr/>
+        <p:nvPr/>
+      </p:nvGrpSpPr>
+      <p:grpSpPr>
+        <a:xfrm>
+          <a:off x="0" y="0"/>
+          <a:ext cx="0" cy="0"/>
+          <a:chOff x="0" y="0"/>
+          <a:chExt cx="0" cy="0"/>
+        </a:xfrm>
+      </p:grpSpPr>
+      <p:sp>
+        <p:nvSpPr>
+          <p:cNvPr id="3" name="Title 2"/>
+          <p:cNvSpPr>
+            <a:spLocks noGrp="1"/>
+          </p:cNvSpPr>
+          <p:nvPr>
+            <p:ph type="title"/>
+          </p:nvPr>
+        </p:nvSpPr>
+        <p:spPr>
+          <a:xfrm>
+            <a:off x="1234800" y="365126"/>
+            <a:ext cx="2740852" cy="963024"/>
+          </a:xfrm>
+        </p:spPr>
+        <p:txBody>
+          <a:bodyPr/>
+          <a:lstStyle/>
+          <a:p>
+            <a:r>
+              <a:rPr lang="nb-NO" dirty="0"/>
+              <a:t>Visitor - kode</a:t>
+            </a:r>
+          </a:p>
+        </p:txBody>
+      </p:sp>
+      <p:sp>
+        <p:nvSpPr>
+          <p:cNvPr id="4" name="Content Placeholder 3"/>
+          <p:cNvSpPr>
+            <a:spLocks noGrp="1"/>
+          </p:cNvSpPr>
+          <p:nvPr>
+            <p:ph idx="1"/>
+          </p:nvPr>
+        </p:nvSpPr>
+        <p:spPr>
+          <a:xfrm>
+            <a:off x="1234800" y="1825625"/>
+            <a:ext cx="2909817" cy="4351338"/>
+          </a:xfrm>
+        </p:spPr>
+        <p:txBody>
+          <a:bodyPr/>
+          <a:lstStyle/>
+          <a:p>
+            <a:pPr marL="0" indent="0">
+              <a:buNone/>
+            </a:pPr>
+            <a:r>
+              <a:rPr lang="nb-NO" dirty="0"/>
               <a:t>Visitor</a:t>
             </a:r>
-            <a:endParaRPr lang="nb-NO" dirty="0"/>
           </a:p>
         </p:txBody>
       </p:sp>
@@ -11894,7 +14977,7 @@
           <p:cNvPr id="7" name="Rektangel 1">
             <a:extLst>
               <a:ext uri="{FF2B5EF4-FFF2-40B4-BE49-F238E27FC236}">
-                <a16:creationId xmlns="" xmlns:a16="http://schemas.microsoft.com/office/drawing/2014/main" id="{63988271-58E0-4D95-9B6F-CBA92D24F708}"/>
+                <a16:creationId xmlns:a16="http://schemas.microsoft.com/office/drawing/2014/main" id="{63988271-58E0-4D95-9B6F-CBA92D24F708}"/>
               </a:ext>
             </a:extLst>
           </p:cNvPr>
@@ -13161,7 +16244,7 @@
 </p:sld>
 </file>
 
-<file path=ppt/slides/slide13.xml><?xml version="1.0" encoding="utf-8"?>
+<file path=ppt/slides/slide19.xml><?xml version="1.0" encoding="utf-8"?>
 <p:sld xmlns:a="http://schemas.openxmlformats.org/drawingml/2006/main" xmlns:r="http://schemas.openxmlformats.org/officeDocument/2006/relationships" xmlns:p="http://schemas.openxmlformats.org/presentationml/2006/main">
   <p:cSld>
     <p:spTree>
@@ -13199,10 +16282,9 @@
           <a:lstStyle/>
           <a:p>
             <a:r>
-              <a:rPr lang="nb-NO" dirty="0" smtClean="0"/>
+              <a:rPr lang="nb-NO" dirty="0"/>
               <a:t>Visitor - kode</a:t>
             </a:r>
-            <a:endParaRPr lang="nb-NO" dirty="0"/>
           </a:p>
         </p:txBody>
       </p:sp>
@@ -13230,10 +16312,9 @@
               <a:buNone/>
             </a:pPr>
             <a:r>
-              <a:rPr lang="nb-NO" dirty="0" smtClean="0"/>
+              <a:rPr lang="nb-NO" dirty="0"/>
               <a:t>Klient</a:t>
             </a:r>
-            <a:endParaRPr lang="nb-NO" dirty="0"/>
           </a:p>
         </p:txBody>
       </p:sp>
@@ -13242,7 +16323,7 @@
           <p:cNvPr id="5" name="Rektangel 1">
             <a:extLst>
               <a:ext uri="{FF2B5EF4-FFF2-40B4-BE49-F238E27FC236}">
-                <a16:creationId xmlns="" xmlns:a16="http://schemas.microsoft.com/office/drawing/2014/main" id="{FA736312-75CA-4887-9F29-9AF851C77593}"/>
+                <a16:creationId xmlns:a16="http://schemas.microsoft.com/office/drawing/2014/main" id="{FA736312-75CA-4887-9F29-9AF851C77593}"/>
               </a:ext>
             </a:extLst>
           </p:cNvPr>
@@ -13909,16 +16990,7 @@
                 </a:solidFill>
                 <a:latin typeface="Consolas" panose="020B0609020204030204" pitchFamily="49" charset="0"/>
               </a:rPr>
-              <a:t>// =&gt; </a:t>
-            </a:r>
-            <a:r>
-              <a:rPr lang="nb-NO" sz="1400" dirty="0" smtClean="0">
-                <a:solidFill>
-                  <a:srgbClr val="008000"/>
-                </a:solidFill>
-                <a:latin typeface="Consolas" panose="020B0609020204030204" pitchFamily="49" charset="0"/>
-              </a:rPr>
-              <a:t>3</a:t>
+              <a:t>// =&gt; 3</a:t>
             </a:r>
           </a:p>
           <a:p>
@@ -14629,7 +17701,81 @@
 </p:sld>
 </file>
 
-<file path=ppt/slides/slide14.xml><?xml version="1.0" encoding="utf-8"?>
+<file path=ppt/slides/slide2.xml><?xml version="1.0" encoding="utf-8"?>
+<p:sld xmlns:a="http://schemas.openxmlformats.org/drawingml/2006/main" xmlns:r="http://schemas.openxmlformats.org/officeDocument/2006/relationships" xmlns:p="http://schemas.openxmlformats.org/presentationml/2006/main">
+  <p:cSld>
+    <p:spTree>
+      <p:nvGrpSpPr>
+        <p:cNvPr id="1" name=""/>
+        <p:cNvGrpSpPr/>
+        <p:nvPr/>
+      </p:nvGrpSpPr>
+      <p:grpSpPr>
+        <a:xfrm>
+          <a:off x="0" y="0"/>
+          <a:ext cx="0" cy="0"/>
+          <a:chOff x="0" y="0"/>
+          <a:chExt cx="0" cy="0"/>
+        </a:xfrm>
+      </p:grpSpPr>
+      <p:sp>
+        <p:nvSpPr>
+          <p:cNvPr id="2" name="Tittel 1"/>
+          <p:cNvSpPr>
+            <a:spLocks noGrp="1"/>
+          </p:cNvSpPr>
+          <p:nvPr>
+            <p:ph type="ctrTitle"/>
+          </p:nvPr>
+        </p:nvSpPr>
+        <p:spPr/>
+        <p:txBody>
+          <a:bodyPr/>
+          <a:lstStyle/>
+          <a:p>
+            <a:r>
+              <a:rPr lang="nb-NO" dirty="0"/>
+              <a:t>Innledning</a:t>
+            </a:r>
+          </a:p>
+        </p:txBody>
+      </p:sp>
+      <p:sp>
+        <p:nvSpPr>
+          <p:cNvPr id="3" name="Undertittel 2"/>
+          <p:cNvSpPr>
+            <a:spLocks noGrp="1"/>
+          </p:cNvSpPr>
+          <p:nvPr>
+            <p:ph type="subTitle" idx="1"/>
+          </p:nvPr>
+        </p:nvSpPr>
+        <p:spPr/>
+        <p:txBody>
+          <a:bodyPr/>
+          <a:lstStyle/>
+          <a:p>
+            <a:r>
+              <a:rPr lang="nb-NO" dirty="0"/>
+              <a:t>Øystein Jakobsen</a:t>
+            </a:r>
+          </a:p>
+        </p:txBody>
+      </p:sp>
+    </p:spTree>
+    <p:extLst>
+      <p:ext uri="{BB962C8B-B14F-4D97-AF65-F5344CB8AC3E}">
+        <p14:creationId xmlns:p14="http://schemas.microsoft.com/office/powerpoint/2010/main" val="3698609642"/>
+      </p:ext>
+    </p:extLst>
+  </p:cSld>
+  <p:clrMapOvr>
+    <a:masterClrMapping/>
+  </p:clrMapOvr>
+</p:sld>
+</file>
+
+<file path=ppt/slides/slide20.xml><?xml version="1.0" encoding="utf-8"?>
 <p:sld xmlns:a="http://schemas.openxmlformats.org/drawingml/2006/main" xmlns:r="http://schemas.openxmlformats.org/officeDocument/2006/relationships" xmlns:p="http://schemas.openxmlformats.org/presentationml/2006/main">
   <p:cSld>
     <p:spTree>
@@ -14701,11 +17847,7 @@
           <a:p>
             <a:r>
               <a:rPr lang="nb-NO"/>
-              <a:t>Det </a:t>
-            </a:r>
-            <a:r>
-              <a:rPr lang="nb-NO" smtClean="0"/>
-              <a:t>kommer </a:t>
+              <a:t>Det kommer </a:t>
             </a:r>
             <a:r>
               <a:rPr lang="nb-NO" dirty="0"/>
@@ -14760,10 +17902,9 @@
           <a:lstStyle/>
           <a:p>
             <a:r>
-              <a:rPr lang="nb-NO" dirty="0" smtClean="0"/>
+              <a:rPr lang="nb-NO" dirty="0"/>
               <a:t>Visitor – bruk når</a:t>
             </a:r>
-            <a:endParaRPr lang="nb-NO" dirty="0"/>
           </a:p>
         </p:txBody>
       </p:sp>
@@ -15009,7 +18150,7 @@
 </p:sld>
 </file>
 
-<file path=ppt/slides/slide15.xml><?xml version="1.0" encoding="utf-8"?>
+<file path=ppt/slides/slide21.xml><?xml version="1.0" encoding="utf-8"?>
 <p:sld xmlns:a="http://schemas.openxmlformats.org/drawingml/2006/main" xmlns:r="http://schemas.openxmlformats.org/officeDocument/2006/relationships" xmlns:p="http://schemas.openxmlformats.org/presentationml/2006/main">
   <p:cSld>
     <p:spTree>
@@ -15042,15 +18183,15 @@
           <a:lstStyle/>
           <a:p>
             <a:r>
-              <a:rPr lang="nb-NO" dirty="0" err="1" smtClean="0"/>
+              <a:rPr lang="nb-NO" dirty="0" err="1"/>
               <a:t>Hands-on</a:t>
             </a:r>
             <a:r>
-              <a:rPr lang="nb-NO" dirty="0" smtClean="0"/>
+              <a:rPr lang="nb-NO" dirty="0"/>
               <a:t> </a:t>
             </a:r>
             <a:r>
-              <a:rPr lang="nb-NO" dirty="0" err="1" smtClean="0"/>
+              <a:rPr lang="nb-NO" dirty="0" err="1"/>
               <a:t>session</a:t>
             </a:r>
             <a:endParaRPr lang="nb-NO" dirty="0"/>
@@ -15086,17 +18227,10 @@
   <p:clrMapOvr>
     <a:masterClrMapping/>
   </p:clrMapOvr>
-  <p:timing>
-    <p:tnLst>
-      <p:par>
-        <p:cTn id="1" dur="indefinite" restart="never" nodeType="tmRoot"/>
-      </p:par>
-    </p:tnLst>
-  </p:timing>
 </p:sld>
 </file>
 
-<file path=ppt/slides/slide16.xml><?xml version="1.0" encoding="utf-8"?>
+<file path=ppt/slides/slide22.xml><?xml version="1.0" encoding="utf-8"?>
 <p:sld xmlns:a="http://schemas.openxmlformats.org/drawingml/2006/main" xmlns:r="http://schemas.openxmlformats.org/officeDocument/2006/relationships" xmlns:p="http://schemas.openxmlformats.org/presentationml/2006/main">
   <p:cSld>
     <p:spTree>
@@ -15132,22 +18266,15 @@
               <a:rPr lang="nb-NO" dirty="0">
                 <a:hlinkClick r:id="rId2"/>
               </a:rPr>
-              <a:t>https://</a:t>
-            </a:r>
-            <a:r>
-              <a:rPr lang="nb-NO" dirty="0" smtClean="0">
-                <a:hlinkClick r:id="rId2"/>
-              </a:rPr>
-              <a:t>github.com/bouvet/VisitorAndStrategyPattern</a:t>
-            </a:r>
-            <a:endParaRPr lang="nb-NO" dirty="0" smtClean="0"/>
-          </a:p>
-          <a:p>
-            <a:r>
-              <a:rPr lang="nb-NO" dirty="0" smtClean="0"/>
+              <a:t>https://github.com/bouvet/VisitorAndStrategyPattern</a:t>
+            </a:r>
+            <a:endParaRPr lang="nb-NO" dirty="0"/>
+          </a:p>
+          <a:p>
+            <a:r>
+              <a:rPr lang="nb-NO" dirty="0"/>
               <a:t>C# og Java</a:t>
             </a:r>
-            <a:endParaRPr lang="nb-NO" dirty="0"/>
           </a:p>
         </p:txBody>
       </p:sp>
@@ -15167,11 +18294,11 @@
           <a:lstStyle/>
           <a:p>
             <a:r>
-              <a:rPr lang="nb-NO" dirty="0" smtClean="0"/>
+              <a:rPr lang="nb-NO" dirty="0"/>
               <a:t>Koden finner dere på </a:t>
             </a:r>
             <a:r>
-              <a:rPr lang="nb-NO" dirty="0" err="1" smtClean="0"/>
+              <a:rPr lang="nb-NO" dirty="0" err="1"/>
               <a:t>GitHub</a:t>
             </a:r>
             <a:endParaRPr lang="nb-NO" dirty="0"/>
@@ -15188,17 +18315,10 @@
   <p:clrMapOvr>
     <a:masterClrMapping/>
   </p:clrMapOvr>
-  <p:timing>
-    <p:tnLst>
-      <p:par>
-        <p:cTn id="1" dur="indefinite" restart="never" nodeType="tmRoot"/>
-      </p:par>
-    </p:tnLst>
-  </p:timing>
 </p:sld>
 </file>
 
-<file path=ppt/slides/slide17.xml><?xml version="1.0" encoding="utf-8"?>
+<file path=ppt/slides/slide23.xml><?xml version="1.0" encoding="utf-8"?>
 <p:sld xmlns:a="http://schemas.openxmlformats.org/drawingml/2006/main" xmlns:r="http://schemas.openxmlformats.org/officeDocument/2006/relationships" xmlns:p="http://schemas.openxmlformats.org/presentationml/2006/main">
   <p:cSld>
     <p:spTree>
@@ -15225,24 +18345,28 @@
             <p:ph type="body" sz="quarter" idx="13"/>
           </p:nvPr>
         </p:nvSpPr>
-        <p:spPr/>
+        <p:spPr>
+          <a:xfrm>
+            <a:off x="1717200" y="4217322"/>
+            <a:ext cx="2469600" cy="2069178"/>
+          </a:xfrm>
+        </p:spPr>
         <p:txBody>
           <a:bodyPr/>
           <a:lstStyle/>
           <a:p>
             <a:r>
-              <a:rPr lang="nb-NO" sz="2000" dirty="0" smtClean="0"/>
+              <a:rPr lang="nb-NO" sz="2000" dirty="0"/>
               <a:t>Bruk </a:t>
             </a:r>
             <a:r>
-              <a:rPr lang="nb-NO" sz="2000" dirty="0" err="1" smtClean="0"/>
+              <a:rPr lang="nb-NO" sz="2000" dirty="0" err="1"/>
               <a:t>Strategy-pattern</a:t>
             </a:r>
             <a:r>
-              <a:rPr lang="nb-NO" sz="2000" dirty="0" smtClean="0"/>
+              <a:rPr lang="nb-NO" sz="2000" dirty="0"/>
               <a:t> for å flytte ut rapport-logikken fra Company</a:t>
             </a:r>
-            <a:endParaRPr lang="nb-NO" sz="2000" dirty="0"/>
           </a:p>
         </p:txBody>
       </p:sp>
@@ -15262,26 +18386,25 @@
           <a:lstStyle/>
           <a:p>
             <a:r>
-              <a:rPr lang="nb-NO" sz="2000" dirty="0" smtClean="0"/>
+              <a:rPr lang="nb-NO" sz="2000" dirty="0"/>
               <a:t>Bruk Visitor-</a:t>
             </a:r>
             <a:r>
-              <a:rPr lang="nb-NO" sz="2000" dirty="0" err="1" smtClean="0"/>
+              <a:rPr lang="nb-NO" sz="2000" dirty="0" err="1"/>
               <a:t>pattern</a:t>
             </a:r>
             <a:r>
-              <a:rPr lang="nb-NO" sz="2000" dirty="0" smtClean="0"/>
+              <a:rPr lang="nb-NO" sz="2000" dirty="0"/>
               <a:t> for å flytte ut kostnadsberegninger fra </a:t>
             </a:r>
             <a:r>
-              <a:rPr lang="nb-NO" sz="2000" dirty="0" err="1" smtClean="0"/>
+              <a:rPr lang="nb-NO" sz="2000" dirty="0" err="1"/>
               <a:t>Employee</a:t>
             </a:r>
             <a:r>
-              <a:rPr lang="nb-NO" sz="2000" dirty="0" smtClean="0"/>
+              <a:rPr lang="nb-NO" sz="2000" dirty="0"/>
               <a:t> og Consultant</a:t>
             </a:r>
-            <a:endParaRPr lang="nb-NO" sz="2000" dirty="0"/>
           </a:p>
         </p:txBody>
       </p:sp>
@@ -15301,26 +18424,25 @@
           <a:lstStyle/>
           <a:p>
             <a:r>
-              <a:rPr lang="nb-NO" sz="2000" dirty="0" smtClean="0"/>
+              <a:rPr lang="nb-NO" sz="2000" dirty="0"/>
               <a:t>Kombiner Visitor med </a:t>
             </a:r>
             <a:r>
-              <a:rPr lang="nb-NO" sz="2000" dirty="0" err="1" smtClean="0"/>
+              <a:rPr lang="nb-NO" sz="2000" dirty="0" err="1"/>
               <a:t>Strategy</a:t>
             </a:r>
             <a:r>
-              <a:rPr lang="nb-NO" sz="2000" dirty="0" smtClean="0"/>
+              <a:rPr lang="nb-NO" sz="2000" dirty="0"/>
               <a:t> for å fjerne rapport-relatert kode fra </a:t>
             </a:r>
             <a:r>
-              <a:rPr lang="nb-NO" sz="2000" dirty="0" err="1" smtClean="0"/>
+              <a:rPr lang="nb-NO" sz="2000" dirty="0" err="1"/>
               <a:t>Employee</a:t>
             </a:r>
             <a:r>
-              <a:rPr lang="nb-NO" sz="2000" dirty="0" smtClean="0"/>
+              <a:rPr lang="nb-NO" sz="2000" dirty="0"/>
               <a:t> og Consultant</a:t>
             </a:r>
-            <a:endParaRPr lang="nb-NO" sz="2000" dirty="0"/>
           </a:p>
         </p:txBody>
       </p:sp>
@@ -15340,10 +18462,9 @@
           <a:lstStyle/>
           <a:p>
             <a:r>
-              <a:rPr lang="nb-NO" dirty="0" smtClean="0"/>
+              <a:rPr lang="nb-NO" dirty="0"/>
               <a:t>Oppgaver</a:t>
             </a:r>
-            <a:endParaRPr lang="nb-NO" dirty="0"/>
           </a:p>
         </p:txBody>
       </p:sp>
@@ -15357,96 +18478,6 @@
   <p:clrMapOvr>
     <a:masterClrMapping/>
   </p:clrMapOvr>
-  <p:timing>
-    <p:tnLst>
-      <p:par>
-        <p:cTn id="1" dur="indefinite" restart="never" nodeType="tmRoot"/>
-      </p:par>
-    </p:tnLst>
-  </p:timing>
-</p:sld>
-</file>
-
-<file path=ppt/slides/slide2.xml><?xml version="1.0" encoding="utf-8"?>
-<p:sld xmlns:a="http://schemas.openxmlformats.org/drawingml/2006/main" xmlns:r="http://schemas.openxmlformats.org/officeDocument/2006/relationships" xmlns:p="http://schemas.openxmlformats.org/presentationml/2006/main">
-  <p:cSld>
-    <p:spTree>
-      <p:nvGrpSpPr>
-        <p:cNvPr id="1" name=""/>
-        <p:cNvGrpSpPr/>
-        <p:nvPr/>
-      </p:nvGrpSpPr>
-      <p:grpSpPr>
-        <a:xfrm>
-          <a:off x="0" y="0"/>
-          <a:ext cx="0" cy="0"/>
-          <a:chOff x="0" y="0"/>
-          <a:chExt cx="0" cy="0"/>
-        </a:xfrm>
-      </p:grpSpPr>
-      <p:sp>
-        <p:nvSpPr>
-          <p:cNvPr id="2" name="Tittel 1"/>
-          <p:cNvSpPr>
-            <a:spLocks noGrp="1"/>
-          </p:cNvSpPr>
-          <p:nvPr>
-            <p:ph type="ctrTitle"/>
-          </p:nvPr>
-        </p:nvSpPr>
-        <p:spPr/>
-        <p:txBody>
-          <a:bodyPr/>
-          <a:lstStyle/>
-          <a:p>
-            <a:r>
-              <a:rPr lang="nb-NO" dirty="0" smtClean="0"/>
-              <a:t>Innledning</a:t>
-            </a:r>
-            <a:endParaRPr lang="nb-NO" dirty="0"/>
-          </a:p>
-        </p:txBody>
-      </p:sp>
-      <p:sp>
-        <p:nvSpPr>
-          <p:cNvPr id="3" name="Undertittel 2"/>
-          <p:cNvSpPr>
-            <a:spLocks noGrp="1"/>
-          </p:cNvSpPr>
-          <p:nvPr>
-            <p:ph type="subTitle" idx="1"/>
-          </p:nvPr>
-        </p:nvSpPr>
-        <p:spPr/>
-        <p:txBody>
-          <a:bodyPr/>
-          <a:lstStyle/>
-          <a:p>
-            <a:r>
-              <a:rPr lang="nb-NO" dirty="0" smtClean="0"/>
-              <a:t>Øystein Jakobsen</a:t>
-            </a:r>
-            <a:endParaRPr lang="nb-NO" dirty="0"/>
-          </a:p>
-        </p:txBody>
-      </p:sp>
-    </p:spTree>
-    <p:extLst>
-      <p:ext uri="{BB962C8B-B14F-4D97-AF65-F5344CB8AC3E}">
-        <p14:creationId xmlns:p14="http://schemas.microsoft.com/office/powerpoint/2010/main" val="3698609642"/>
-      </p:ext>
-    </p:extLst>
-  </p:cSld>
-  <p:clrMapOvr>
-    <a:masterClrMapping/>
-  </p:clrMapOvr>
-  <p:timing>
-    <p:tnLst>
-      <p:par>
-        <p:cTn id="1" dur="indefinite" restart="never" nodeType="tmRoot"/>
-      </p:par>
-    </p:tnLst>
-  </p:timing>
 </p:sld>
 </file>
 
@@ -15483,10 +18514,9 @@
           <a:lstStyle/>
           <a:p>
             <a:r>
-              <a:rPr lang="nb-NO" dirty="0" smtClean="0"/>
+              <a:rPr lang="nb-NO" dirty="0"/>
               <a:t>Hva og hvorfor</a:t>
             </a:r>
-            <a:endParaRPr lang="nb-NO" dirty="0"/>
           </a:p>
         </p:txBody>
       </p:sp>
@@ -15506,25 +18536,25 @@
           <a:lstStyle/>
           <a:p>
             <a:r>
-              <a:rPr lang="nb-NO" dirty="0" smtClean="0"/>
+              <a:rPr lang="nb-NO" dirty="0"/>
               <a:t>Standardløsninger på vanlige problemer</a:t>
             </a:r>
           </a:p>
           <a:p>
             <a:r>
-              <a:rPr lang="nb-NO" dirty="0" smtClean="0"/>
+              <a:rPr lang="nb-NO" dirty="0"/>
               <a:t>Godt dokumenterte</a:t>
             </a:r>
           </a:p>
           <a:p>
             <a:r>
-              <a:rPr lang="nb-NO" dirty="0" smtClean="0"/>
+              <a:rPr lang="nb-NO" dirty="0"/>
               <a:t>Godt forståtte</a:t>
             </a:r>
           </a:p>
           <a:p>
             <a:r>
-              <a:rPr lang="nb-NO" dirty="0" smtClean="0"/>
+              <a:rPr lang="nb-NO" dirty="0"/>
               <a:t>Språknøytrale</a:t>
             </a:r>
           </a:p>
@@ -15939,137 +18969,137 @@
           <a:lstStyle/>
           <a:p>
             <a:r>
-              <a:rPr lang="nb-NO" dirty="0" err="1" smtClean="0"/>
+              <a:rPr lang="nb-NO" dirty="0" err="1"/>
               <a:t>Creational</a:t>
             </a:r>
             <a:r>
-              <a:rPr lang="nb-NO" dirty="0" smtClean="0"/>
+              <a:rPr lang="nb-NO" dirty="0"/>
               <a:t> </a:t>
             </a:r>
             <a:r>
-              <a:rPr lang="nb-NO" dirty="0" err="1" smtClean="0"/>
+              <a:rPr lang="nb-NO" dirty="0" err="1"/>
               <a:t>patterns</a:t>
             </a:r>
-            <a:endParaRPr lang="nb-NO" dirty="0" smtClean="0"/>
+            <a:endParaRPr lang="nb-NO" dirty="0"/>
           </a:p>
           <a:p>
             <a:pPr lvl="2"/>
             <a:r>
-              <a:rPr lang="nb-NO" dirty="0" err="1" smtClean="0"/>
+              <a:rPr lang="nb-NO" dirty="0" err="1"/>
               <a:t>Abstract</a:t>
             </a:r>
             <a:r>
-              <a:rPr lang="nb-NO" dirty="0" smtClean="0"/>
+              <a:rPr lang="nb-NO" dirty="0"/>
               <a:t> </a:t>
             </a:r>
             <a:r>
-              <a:rPr lang="nb-NO" dirty="0" err="1" smtClean="0"/>
+              <a:rPr lang="nb-NO" dirty="0" err="1"/>
               <a:t>factory</a:t>
             </a:r>
-            <a:endParaRPr lang="nb-NO" dirty="0" smtClean="0"/>
+            <a:endParaRPr lang="nb-NO" dirty="0"/>
           </a:p>
           <a:p>
             <a:pPr lvl="2"/>
             <a:r>
-              <a:rPr lang="nb-NO" dirty="0" smtClean="0"/>
+              <a:rPr lang="nb-NO" dirty="0"/>
               <a:t>Builder</a:t>
             </a:r>
           </a:p>
           <a:p>
             <a:pPr lvl="2"/>
             <a:r>
-              <a:rPr lang="nb-NO" dirty="0" err="1" smtClean="0"/>
+              <a:rPr lang="nb-NO" dirty="0" err="1"/>
               <a:t>Factory</a:t>
             </a:r>
             <a:r>
-              <a:rPr lang="nb-NO" dirty="0" smtClean="0"/>
+              <a:rPr lang="nb-NO" dirty="0"/>
               <a:t> </a:t>
             </a:r>
             <a:r>
-              <a:rPr lang="nb-NO" dirty="0" err="1" smtClean="0"/>
+              <a:rPr lang="nb-NO" dirty="0" err="1"/>
               <a:t>method</a:t>
             </a:r>
-            <a:endParaRPr lang="nb-NO" dirty="0" smtClean="0"/>
+            <a:endParaRPr lang="nb-NO" dirty="0"/>
           </a:p>
           <a:p>
             <a:pPr lvl="2"/>
             <a:r>
-              <a:rPr lang="nb-NO" dirty="0" smtClean="0"/>
+              <a:rPr lang="nb-NO" dirty="0"/>
               <a:t>Prototype</a:t>
             </a:r>
           </a:p>
           <a:p>
             <a:pPr lvl="2"/>
             <a:r>
-              <a:rPr lang="nb-NO" dirty="0" smtClean="0"/>
+              <a:rPr lang="nb-NO" dirty="0"/>
               <a:t>Singleton</a:t>
             </a:r>
           </a:p>
           <a:p>
             <a:r>
-              <a:rPr lang="nb-NO" dirty="0" err="1" smtClean="0"/>
+              <a:rPr lang="nb-NO" dirty="0" err="1"/>
               <a:t>Structural</a:t>
             </a:r>
             <a:r>
-              <a:rPr lang="nb-NO" dirty="0" smtClean="0"/>
+              <a:rPr lang="nb-NO" dirty="0"/>
               <a:t> </a:t>
             </a:r>
             <a:r>
-              <a:rPr lang="nb-NO" dirty="0" err="1" smtClean="0"/>
+              <a:rPr lang="nb-NO" dirty="0" err="1"/>
               <a:t>patterns</a:t>
             </a:r>
-            <a:endParaRPr lang="nb-NO" dirty="0" smtClean="0"/>
+            <a:endParaRPr lang="nb-NO" dirty="0"/>
           </a:p>
           <a:p>
             <a:pPr lvl="2"/>
             <a:r>
-              <a:rPr lang="nb-NO" dirty="0" smtClean="0"/>
+              <a:rPr lang="nb-NO" dirty="0"/>
               <a:t>Adapter</a:t>
             </a:r>
           </a:p>
           <a:p>
             <a:pPr lvl="2"/>
             <a:r>
-              <a:rPr lang="nb-NO" dirty="0" smtClean="0"/>
+              <a:rPr lang="nb-NO" dirty="0"/>
               <a:t>Bridge</a:t>
             </a:r>
           </a:p>
           <a:p>
             <a:pPr lvl="2"/>
             <a:r>
-              <a:rPr lang="nb-NO" dirty="0" err="1" smtClean="0"/>
+              <a:rPr lang="nb-NO" dirty="0" err="1"/>
               <a:t>Composite</a:t>
             </a:r>
-            <a:endParaRPr lang="nb-NO" dirty="0" smtClean="0"/>
+            <a:endParaRPr lang="nb-NO" dirty="0"/>
           </a:p>
           <a:p>
             <a:pPr lvl="2"/>
             <a:r>
-              <a:rPr lang="nb-NO" dirty="0" err="1" smtClean="0"/>
+              <a:rPr lang="nb-NO" dirty="0" err="1"/>
               <a:t>Decorator</a:t>
             </a:r>
-            <a:endParaRPr lang="nb-NO" dirty="0" smtClean="0"/>
+            <a:endParaRPr lang="nb-NO" dirty="0"/>
           </a:p>
           <a:p>
             <a:pPr lvl="2"/>
             <a:r>
-              <a:rPr lang="nb-NO" dirty="0" err="1" smtClean="0"/>
+              <a:rPr lang="nb-NO" dirty="0" err="1"/>
               <a:t>Facade</a:t>
             </a:r>
-            <a:endParaRPr lang="nb-NO" dirty="0" smtClean="0"/>
+            <a:endParaRPr lang="nb-NO" dirty="0"/>
           </a:p>
           <a:p>
             <a:pPr lvl="2"/>
             <a:r>
-              <a:rPr lang="nb-NO" dirty="0" err="1" smtClean="0"/>
+              <a:rPr lang="nb-NO" dirty="0" err="1"/>
               <a:t>Flyweight</a:t>
             </a:r>
-            <a:endParaRPr lang="nb-NO" dirty="0" smtClean="0"/>
+            <a:endParaRPr lang="nb-NO" dirty="0"/>
           </a:p>
           <a:p>
             <a:pPr lvl="2"/>
             <a:r>
-              <a:rPr lang="nb-NO" dirty="0" smtClean="0"/>
+              <a:rPr lang="nb-NO" dirty="0"/>
               <a:t>Proxy</a:t>
             </a:r>
           </a:p>
@@ -16096,122 +19126,121 @@
           <a:lstStyle/>
           <a:p>
             <a:r>
-              <a:rPr lang="nb-NO" dirty="0" err="1" smtClean="0"/>
+              <a:rPr lang="nb-NO" dirty="0" err="1"/>
               <a:t>Behavioural</a:t>
             </a:r>
             <a:r>
-              <a:rPr lang="nb-NO" dirty="0" smtClean="0"/>
+              <a:rPr lang="nb-NO" dirty="0"/>
               <a:t> </a:t>
             </a:r>
             <a:r>
-              <a:rPr lang="nb-NO" dirty="0" err="1" smtClean="0"/>
+              <a:rPr lang="nb-NO" dirty="0" err="1"/>
               <a:t>patterns</a:t>
             </a:r>
-            <a:endParaRPr lang="nb-NO" dirty="0" smtClean="0"/>
+            <a:endParaRPr lang="nb-NO" dirty="0"/>
           </a:p>
           <a:p>
             <a:pPr lvl="2"/>
             <a:r>
-              <a:rPr lang="nb-NO" dirty="0" smtClean="0"/>
+              <a:rPr lang="nb-NO" dirty="0"/>
               <a:t>Chain </a:t>
             </a:r>
             <a:r>
-              <a:rPr lang="nb-NO" dirty="0" err="1" smtClean="0"/>
+              <a:rPr lang="nb-NO" dirty="0" err="1"/>
               <a:t>of</a:t>
             </a:r>
             <a:r>
-              <a:rPr lang="nb-NO" dirty="0" smtClean="0"/>
+              <a:rPr lang="nb-NO" dirty="0"/>
               <a:t> </a:t>
             </a:r>
             <a:r>
-              <a:rPr lang="nb-NO" dirty="0" err="1" smtClean="0"/>
+              <a:rPr lang="nb-NO" dirty="0" err="1"/>
               <a:t>responsibility</a:t>
             </a:r>
-            <a:endParaRPr lang="nb-NO" dirty="0" smtClean="0"/>
+            <a:endParaRPr lang="nb-NO" dirty="0"/>
           </a:p>
           <a:p>
             <a:pPr lvl="2"/>
             <a:r>
-              <a:rPr lang="nb-NO" dirty="0" err="1" smtClean="0"/>
+              <a:rPr lang="nb-NO" dirty="0" err="1"/>
               <a:t>Command</a:t>
             </a:r>
-            <a:endParaRPr lang="nb-NO" dirty="0" smtClean="0"/>
+            <a:endParaRPr lang="nb-NO" dirty="0"/>
           </a:p>
           <a:p>
             <a:pPr lvl="2"/>
             <a:r>
-              <a:rPr lang="nb-NO" dirty="0" smtClean="0"/>
+              <a:rPr lang="nb-NO" dirty="0"/>
               <a:t>Interpreter</a:t>
             </a:r>
           </a:p>
           <a:p>
             <a:pPr lvl="2"/>
             <a:r>
-              <a:rPr lang="nb-NO" dirty="0" err="1" smtClean="0"/>
+              <a:rPr lang="nb-NO" dirty="0" err="1"/>
               <a:t>Iterator</a:t>
             </a:r>
-            <a:endParaRPr lang="nb-NO" dirty="0" smtClean="0"/>
+            <a:endParaRPr lang="nb-NO" dirty="0"/>
           </a:p>
           <a:p>
             <a:pPr lvl="2"/>
             <a:r>
-              <a:rPr lang="nb-NO" dirty="0" err="1" smtClean="0"/>
+              <a:rPr lang="nb-NO" dirty="0" err="1"/>
               <a:t>Mediator</a:t>
             </a:r>
-            <a:endParaRPr lang="nb-NO" dirty="0" smtClean="0"/>
+            <a:endParaRPr lang="nb-NO" dirty="0"/>
           </a:p>
           <a:p>
             <a:pPr lvl="2"/>
             <a:r>
-              <a:rPr lang="nb-NO" dirty="0" smtClean="0"/>
+              <a:rPr lang="nb-NO" dirty="0"/>
               <a:t>Memento</a:t>
             </a:r>
           </a:p>
           <a:p>
             <a:pPr lvl="2"/>
             <a:r>
-              <a:rPr lang="nb-NO" dirty="0" smtClean="0"/>
+              <a:rPr lang="nb-NO" dirty="0"/>
               <a:t>Observer</a:t>
             </a:r>
           </a:p>
           <a:p>
             <a:pPr lvl="2"/>
             <a:r>
-              <a:rPr lang="nb-NO" dirty="0" smtClean="0"/>
+              <a:rPr lang="nb-NO" dirty="0"/>
               <a:t>State</a:t>
             </a:r>
           </a:p>
           <a:p>
             <a:pPr lvl="2"/>
             <a:r>
-              <a:rPr lang="nb-NO" b="1" dirty="0" err="1" smtClean="0"/>
+              <a:rPr lang="nb-NO" b="1" dirty="0" err="1"/>
               <a:t>Strategy</a:t>
             </a:r>
-            <a:endParaRPr lang="nb-NO" b="1" dirty="0" smtClean="0"/>
+            <a:endParaRPr lang="nb-NO" b="1" dirty="0"/>
           </a:p>
           <a:p>
             <a:pPr lvl="2"/>
             <a:r>
-              <a:rPr lang="nb-NO" dirty="0" err="1" smtClean="0"/>
+              <a:rPr lang="nb-NO" dirty="0" err="1"/>
               <a:t>Template</a:t>
             </a:r>
             <a:r>
-              <a:rPr lang="nb-NO" dirty="0" smtClean="0"/>
+              <a:rPr lang="nb-NO" dirty="0"/>
               <a:t> </a:t>
             </a:r>
             <a:r>
-              <a:rPr lang="nb-NO" dirty="0" err="1" smtClean="0"/>
+              <a:rPr lang="nb-NO" dirty="0" err="1"/>
               <a:t>method</a:t>
             </a:r>
-            <a:endParaRPr lang="nb-NO" dirty="0" smtClean="0"/>
+            <a:endParaRPr lang="nb-NO" dirty="0"/>
           </a:p>
           <a:p>
             <a:pPr lvl="2"/>
             <a:r>
-              <a:rPr lang="nb-NO" b="1" dirty="0" smtClean="0"/>
+              <a:rPr lang="nb-NO" b="1" dirty="0"/>
               <a:t>Visitor</a:t>
             </a:r>
-            <a:endParaRPr lang="nb-NO" b="1" dirty="0"/>
           </a:p>
         </p:txBody>
       </p:sp>
@@ -16225,13 +19254,6 @@
   <p:clrMapOvr>
     <a:masterClrMapping/>
   </p:clrMapOvr>
-  <p:timing>
-    <p:tnLst>
-      <p:par>
-        <p:cTn id="1" dur="indefinite" restart="never" nodeType="tmRoot"/>
-      </p:par>
-    </p:tnLst>
-  </p:timing>
 </p:sld>
 </file>
 
@@ -16268,11 +19290,11 @@
           <a:lstStyle/>
           <a:p>
             <a:r>
-              <a:rPr lang="nb-NO" dirty="0" smtClean="0"/>
+              <a:rPr lang="nb-NO" dirty="0"/>
               <a:t>Enterprise Integration </a:t>
             </a:r>
             <a:r>
-              <a:rPr lang="nb-NO" dirty="0" err="1" smtClean="0"/>
+              <a:rPr lang="nb-NO" dirty="0" err="1"/>
               <a:t>Patterns</a:t>
             </a:r>
             <a:endParaRPr lang="nb-NO" dirty="0"/>
@@ -16330,13 +19352,6 @@
   <p:clrMapOvr>
     <a:masterClrMapping/>
   </p:clrMapOvr>
-  <p:timing>
-    <p:tnLst>
-      <p:par>
-        <p:cTn id="1" dur="indefinite" restart="never" nodeType="tmRoot"/>
-      </p:par>
-    </p:tnLst>
-  </p:timing>
 </p:sld>
 </file>
 
@@ -16373,7 +19388,7 @@
           <a:lstStyle/>
           <a:p>
             <a:r>
-              <a:rPr lang="nb-NO" dirty="0" err="1" smtClean="0"/>
+              <a:rPr lang="nb-NO" dirty="0" err="1"/>
               <a:t>Strategy</a:t>
             </a:r>
             <a:endParaRPr lang="nb-NO" dirty="0"/>
@@ -16396,10 +19411,9 @@
           <a:lstStyle/>
           <a:p>
             <a:r>
-              <a:rPr lang="nb-NO" dirty="0" smtClean="0"/>
+              <a:rPr lang="nb-NO" dirty="0"/>
               <a:t>Jon-Thomas Eliassen</a:t>
             </a:r>
-            <a:endParaRPr lang="nb-NO" dirty="0"/>
           </a:p>
         </p:txBody>
       </p:sp>
@@ -16413,100 +19427,10 @@
   <p:clrMapOvr>
     <a:masterClrMapping/>
   </p:clrMapOvr>
-  <p:timing>
-    <p:tnLst>
-      <p:par>
-        <p:cTn id="1" dur="indefinite" restart="never" nodeType="tmRoot"/>
-      </p:par>
-    </p:tnLst>
-  </p:timing>
 </p:sld>
 </file>
 
 <file path=ppt/slides/slide7.xml><?xml version="1.0" encoding="utf-8"?>
-<p:sld xmlns:a="http://schemas.openxmlformats.org/drawingml/2006/main" xmlns:r="http://schemas.openxmlformats.org/officeDocument/2006/relationships" xmlns:p="http://schemas.openxmlformats.org/presentationml/2006/main">
-  <p:cSld>
-    <p:spTree>
-      <p:nvGrpSpPr>
-        <p:cNvPr id="1" name=""/>
-        <p:cNvGrpSpPr/>
-        <p:nvPr/>
-      </p:nvGrpSpPr>
-      <p:grpSpPr>
-        <a:xfrm>
-          <a:off x="0" y="0"/>
-          <a:ext cx="0" cy="0"/>
-          <a:chOff x="0" y="0"/>
-          <a:chExt cx="0" cy="0"/>
-        </a:xfrm>
-      </p:grpSpPr>
-      <p:sp>
-        <p:nvSpPr>
-          <p:cNvPr id="9" name="Tittel 8"/>
-          <p:cNvSpPr>
-            <a:spLocks noGrp="1"/>
-          </p:cNvSpPr>
-          <p:nvPr>
-            <p:ph type="ctrTitle"/>
-          </p:nvPr>
-        </p:nvSpPr>
-        <p:spPr/>
-        <p:txBody>
-          <a:bodyPr/>
-          <a:lstStyle/>
-          <a:p>
-            <a:r>
-              <a:rPr lang="nb-NO" dirty="0" smtClean="0"/>
-              <a:t>Visitor</a:t>
-            </a:r>
-            <a:endParaRPr lang="nb-NO" dirty="0"/>
-          </a:p>
-        </p:txBody>
-      </p:sp>
-      <p:sp>
-        <p:nvSpPr>
-          <p:cNvPr id="10" name="Undertittel 9"/>
-          <p:cNvSpPr>
-            <a:spLocks noGrp="1"/>
-          </p:cNvSpPr>
-          <p:nvPr>
-            <p:ph type="subTitle" idx="1"/>
-          </p:nvPr>
-        </p:nvSpPr>
-        <p:spPr/>
-        <p:txBody>
-          <a:bodyPr/>
-          <a:lstStyle/>
-          <a:p>
-            <a:r>
-              <a:rPr lang="nb-NO" dirty="0" smtClean="0"/>
-              <a:t>Tor Erstad</a:t>
-            </a:r>
-            <a:endParaRPr lang="nb-NO" dirty="0"/>
-          </a:p>
-        </p:txBody>
-      </p:sp>
-    </p:spTree>
-    <p:extLst>
-      <p:ext uri="{BB962C8B-B14F-4D97-AF65-F5344CB8AC3E}">
-        <p14:creationId xmlns:p14="http://schemas.microsoft.com/office/powerpoint/2010/main" val="1745027018"/>
-      </p:ext>
-    </p:extLst>
-  </p:cSld>
-  <p:clrMapOvr>
-    <a:masterClrMapping/>
-  </p:clrMapOvr>
-  <p:timing>
-    <p:tnLst>
-      <p:par>
-        <p:cTn id="1" dur="indefinite" restart="never" nodeType="tmRoot"/>
-      </p:par>
-    </p:tnLst>
-  </p:timing>
-</p:sld>
-</file>
-
-<file path=ppt/slides/slide8.xml><?xml version="1.0" encoding="utf-8"?>
 <p:sld xmlns:a="http://schemas.openxmlformats.org/drawingml/2006/main" xmlns:r="http://schemas.openxmlformats.org/officeDocument/2006/relationships" xmlns:p="http://schemas.openxmlformats.org/presentationml/2006/main">
   <p:cSld>
     <p:spTree>
@@ -16540,17 +19464,51 @@
           <a:p>
             <a:r>
               <a:rPr lang="nb-NO" dirty="0"/>
-              <a:t>Representerer en operasjon som skal utføres på alle objekter i en objekt-struktur</a:t>
-            </a:r>
-            <a:r>
-              <a:rPr lang="nb-NO" dirty="0" smtClean="0"/>
+              <a:t>Endre strategi for hvordan en operasjon/ algoritme skal utføres – </a:t>
+            </a:r>
+            <a:r>
+              <a:rPr lang="nb-NO" dirty="0" err="1"/>
+              <a:t>runtime</a:t>
+            </a:r>
+            <a:r>
+              <a:rPr lang="nb-NO" dirty="0"/>
               <a:t>.</a:t>
             </a:r>
           </a:p>
           <a:p>
             <a:r>
               <a:rPr lang="nb-NO" dirty="0"/>
-              <a:t>Med Visitor kan man legge til nye operasjoner uten å endre på klassene i objekt-strukturen.</a:t>
+              <a:t>Når det finnes flere måte å gjøre en operasjon på:  Trekk hver operasjon ut i egne klasser, eksponer ved hjelp av et felles </a:t>
+            </a:r>
+            <a:r>
+              <a:rPr lang="nb-NO" dirty="0" err="1"/>
+              <a:t>interface</a:t>
+            </a:r>
+            <a:r>
+              <a:rPr lang="nb-NO" dirty="0"/>
+              <a:t>, og la klient </a:t>
+            </a:r>
+            <a:r>
+              <a:rPr lang="nb-NO" dirty="0" err="1"/>
+              <a:t>runtime</a:t>
+            </a:r>
+            <a:r>
+              <a:rPr lang="nb-NO" dirty="0"/>
+              <a:t> bestemme hvilken strategi som skal brukes.</a:t>
+            </a:r>
+          </a:p>
+          <a:p>
+            <a:r>
+              <a:rPr lang="nb-NO" dirty="0"/>
+              <a:t>Med </a:t>
+            </a:r>
+            <a:r>
+              <a:rPr lang="nb-NO" dirty="0" err="1"/>
+              <a:t>Strategy</a:t>
+            </a:r>
+            <a:r>
+              <a:rPr lang="nb-NO" dirty="0"/>
+              <a:t> kan man legge til nye operasjoner uten å endre på klassene i objekt-strukturen.</a:t>
             </a:r>
           </a:p>
           <a:p>
@@ -16577,17 +19535,20 @@
           <a:lstStyle/>
           <a:p>
             <a:r>
-              <a:rPr lang="nb-NO" dirty="0" smtClean="0"/>
-              <a:t>Visitor - hensikt</a:t>
-            </a:r>
-            <a:endParaRPr lang="nb-NO" dirty="0"/>
+              <a:rPr lang="nb-NO" dirty="0" err="1"/>
+              <a:t>Strategy</a:t>
+            </a:r>
+            <a:r>
+              <a:rPr lang="nb-NO" dirty="0"/>
+              <a:t> - hensikt</a:t>
+            </a:r>
           </a:p>
         </p:txBody>
       </p:sp>
     </p:spTree>
     <p:extLst>
       <p:ext uri="{BB962C8B-B14F-4D97-AF65-F5344CB8AC3E}">
-        <p14:creationId xmlns:p14="http://schemas.microsoft.com/office/powerpoint/2010/main" val="2302386445"/>
+        <p14:creationId xmlns:p14="http://schemas.microsoft.com/office/powerpoint/2010/main" val="4024516063"/>
       </p:ext>
     </p:extLst>
   </p:cSld>
@@ -16700,6 +19661,55 @@
                       </p:childTnLst>
                     </p:cTn>
                   </p:par>
+                  <p:par>
+                    <p:cTn id="11" fill="hold">
+                      <p:stCondLst>
+                        <p:cond delay="indefinite"/>
+                      </p:stCondLst>
+                      <p:childTnLst>
+                        <p:par>
+                          <p:cTn id="12" fill="hold">
+                            <p:stCondLst>
+                              <p:cond delay="0"/>
+                            </p:stCondLst>
+                            <p:childTnLst>
+                              <p:par>
+                                <p:cTn id="13" presetID="1" presetClass="entr" presetSubtype="0" fill="hold" grpId="0" nodeType="clickEffect">
+                                  <p:stCondLst>
+                                    <p:cond delay="0"/>
+                                  </p:stCondLst>
+                                  <p:childTnLst>
+                                    <p:set>
+                                      <p:cBhvr>
+                                        <p:cTn id="14" dur="1" fill="hold">
+                                          <p:stCondLst>
+                                            <p:cond delay="0"/>
+                                          </p:stCondLst>
+                                        </p:cTn>
+                                        <p:tgtEl>
+                                          <p:spTgt spid="2">
+                                            <p:txEl>
+                                              <p:pRg st="2" end="2"/>
+                                            </p:txEl>
+                                          </p:spTgt>
+                                        </p:tgtEl>
+                                        <p:attrNameLst>
+                                          <p:attrName>style.visibility</p:attrName>
+                                        </p:attrNameLst>
+                                      </p:cBhvr>
+                                      <p:to>
+                                        <p:strVal val="visible"/>
+                                      </p:to>
+                                    </p:set>
+                                  </p:childTnLst>
+                                </p:cTn>
+                              </p:par>
+                            </p:childTnLst>
+                          </p:cTn>
+                        </p:par>
+                      </p:childTnLst>
+                    </p:cTn>
+                  </p:par>
                 </p:childTnLst>
               </p:cTn>
               <p:prevCondLst>
@@ -16728,7 +19738,7 @@
 </p:sld>
 </file>
 
-<file path=ppt/slides/slide9.xml><?xml version="1.0" encoding="utf-8"?>
+<file path=ppt/slides/slide8.xml><?xml version="1.0" encoding="utf-8"?>
 <p:sld xmlns:a="http://schemas.openxmlformats.org/drawingml/2006/main" xmlns:r="http://schemas.openxmlformats.org/officeDocument/2006/relationships" xmlns:p="http://schemas.openxmlformats.org/presentationml/2006/main">
   <p:cSld>
     <p:spTree>
@@ -16833,17 +19843,20 @@
           <a:lstStyle/>
           <a:p>
             <a:r>
-              <a:rPr lang="nb-NO" dirty="0" smtClean="0"/>
-              <a:t>Visitor - bakgrunn</a:t>
-            </a:r>
-            <a:endParaRPr lang="nb-NO" dirty="0"/>
+              <a:rPr lang="nb-NO" dirty="0" err="1"/>
+              <a:t>Strategy</a:t>
+            </a:r>
+            <a:r>
+              <a:rPr lang="nb-NO" dirty="0"/>
+              <a:t> - bakgrunn</a:t>
+            </a:r>
           </a:p>
         </p:txBody>
       </p:sp>
     </p:spTree>
     <p:extLst>
       <p:ext uri="{BB962C8B-B14F-4D97-AF65-F5344CB8AC3E}">
-        <p14:creationId xmlns:p14="http://schemas.microsoft.com/office/powerpoint/2010/main" val="697017918"/>
+        <p14:creationId xmlns:p14="http://schemas.microsoft.com/office/powerpoint/2010/main" val="3550977148"/>
       </p:ext>
     </p:extLst>
   </p:cSld>
@@ -17034,6 +20047,207 @@
                                           <p:spTgt spid="2">
                                             <p:txEl>
                                               <p:pRg st="3" end="3"/>
+                                            </p:txEl>
+                                          </p:spTgt>
+                                        </p:tgtEl>
+                                        <p:attrNameLst>
+                                          <p:attrName>style.visibility</p:attrName>
+                                        </p:attrNameLst>
+                                      </p:cBhvr>
+                                      <p:to>
+                                        <p:strVal val="visible"/>
+                                      </p:to>
+                                    </p:set>
+                                  </p:childTnLst>
+                                </p:cTn>
+                              </p:par>
+                            </p:childTnLst>
+                          </p:cTn>
+                        </p:par>
+                      </p:childTnLst>
+                    </p:cTn>
+                  </p:par>
+                </p:childTnLst>
+              </p:cTn>
+              <p:prevCondLst>
+                <p:cond evt="onPrev" delay="0">
+                  <p:tgtEl>
+                    <p:sldTgt/>
+                  </p:tgtEl>
+                </p:cond>
+              </p:prevCondLst>
+              <p:nextCondLst>
+                <p:cond evt="onNext" delay="0">
+                  <p:tgtEl>
+                    <p:sldTgt/>
+                  </p:tgtEl>
+                </p:cond>
+              </p:nextCondLst>
+            </p:seq>
+          </p:childTnLst>
+        </p:cTn>
+      </p:par>
+    </p:tnLst>
+    <p:bldLst>
+      <p:bldP spid="2" grpId="0" uiExpand="1" build="p"/>
+    </p:bldLst>
+  </p:timing>
+</p:sld>
+</file>
+
+<file path=ppt/slides/slide9.xml><?xml version="1.0" encoding="utf-8"?>
+<p:sld xmlns:a="http://schemas.openxmlformats.org/drawingml/2006/main" xmlns:r="http://schemas.openxmlformats.org/officeDocument/2006/relationships" xmlns:p="http://schemas.openxmlformats.org/presentationml/2006/main">
+  <p:cSld>
+    <p:spTree>
+      <p:nvGrpSpPr>
+        <p:cNvPr id="1" name=""/>
+        <p:cNvGrpSpPr/>
+        <p:nvPr/>
+      </p:nvGrpSpPr>
+      <p:grpSpPr>
+        <a:xfrm>
+          <a:off x="0" y="0"/>
+          <a:ext cx="0" cy="0"/>
+          <a:chOff x="0" y="0"/>
+          <a:chExt cx="0" cy="0"/>
+        </a:xfrm>
+      </p:grpSpPr>
+      <p:sp>
+        <p:nvSpPr>
+          <p:cNvPr id="2" name="Content Placeholder 1"/>
+          <p:cNvSpPr>
+            <a:spLocks noGrp="1"/>
+          </p:cNvSpPr>
+          <p:nvPr>
+            <p:ph idx="1"/>
+          </p:nvPr>
+        </p:nvSpPr>
+        <p:spPr/>
+        <p:txBody>
+          <a:bodyPr/>
+          <a:lstStyle/>
+          <a:p>
+            <a:r>
+              <a:rPr lang="nb-NO" dirty="0"/>
+              <a:t>Skal lagre masse informasjon til database, men ikke alt kan gjøres via bulk </a:t>
+            </a:r>
+            <a:r>
+              <a:rPr lang="nb-NO" dirty="0" err="1"/>
+              <a:t>insert</a:t>
+            </a:r>
+            <a:r>
+              <a:rPr lang="nb-NO" dirty="0"/>
+              <a:t>: Ha logikk for hva som kan legges inn med bulk </a:t>
+            </a:r>
+            <a:r>
+              <a:rPr lang="nb-NO" dirty="0" err="1"/>
+              <a:t>insert</a:t>
+            </a:r>
+            <a:r>
+              <a:rPr lang="nb-NO" dirty="0"/>
+              <a:t>, og kall </a:t>
+            </a:r>
+            <a:r>
+              <a:rPr lang="nb-NO" dirty="0" err="1"/>
+              <a:t>BulkInsert</a:t>
+            </a:r>
+            <a:r>
+              <a:rPr lang="nb-NO" dirty="0"/>
+              <a:t>-strategien med disse radene. Resten legges inn med </a:t>
+            </a:r>
+            <a:r>
+              <a:rPr lang="nb-NO" dirty="0" err="1"/>
+              <a:t>ManualInsert-strategy</a:t>
+            </a:r>
+            <a:r>
+              <a:rPr lang="nb-NO" dirty="0"/>
+              <a:t>.</a:t>
+            </a:r>
+          </a:p>
+          <a:p>
+            <a:endParaRPr lang="nb-NO" dirty="0"/>
+          </a:p>
+          <a:p>
+            <a:pPr marL="0" indent="0">
+              <a:buNone/>
+            </a:pPr>
+            <a:endParaRPr lang="nb-NO" dirty="0"/>
+          </a:p>
+        </p:txBody>
+      </p:sp>
+      <p:sp>
+        <p:nvSpPr>
+          <p:cNvPr id="3" name="Title 2"/>
+          <p:cNvSpPr>
+            <a:spLocks noGrp="1"/>
+          </p:cNvSpPr>
+          <p:nvPr>
+            <p:ph type="title"/>
+          </p:nvPr>
+        </p:nvSpPr>
+        <p:spPr/>
+        <p:txBody>
+          <a:bodyPr/>
+          <a:lstStyle/>
+          <a:p>
+            <a:r>
+              <a:rPr lang="nb-NO" dirty="0" err="1"/>
+              <a:t>Strategy</a:t>
+            </a:r>
+            <a:r>
+              <a:rPr lang="nb-NO" dirty="0"/>
+              <a:t> – eksempler</a:t>
+            </a:r>
+          </a:p>
+        </p:txBody>
+      </p:sp>
+    </p:spTree>
+    <p:extLst>
+      <p:ext uri="{BB962C8B-B14F-4D97-AF65-F5344CB8AC3E}">
+        <p14:creationId xmlns:p14="http://schemas.microsoft.com/office/powerpoint/2010/main" val="3831552312"/>
+      </p:ext>
+    </p:extLst>
+  </p:cSld>
+  <p:clrMapOvr>
+    <a:masterClrMapping/>
+  </p:clrMapOvr>
+  <p:timing>
+    <p:tnLst>
+      <p:par>
+        <p:cTn id="1" dur="indefinite" restart="never" nodeType="tmRoot">
+          <p:childTnLst>
+            <p:seq concurrent="1" nextAc="seek">
+              <p:cTn id="2" dur="indefinite" nodeType="mainSeq">
+                <p:childTnLst>
+                  <p:par>
+                    <p:cTn id="3" fill="hold">
+                      <p:stCondLst>
+                        <p:cond delay="indefinite"/>
+                      </p:stCondLst>
+                      <p:childTnLst>
+                        <p:par>
+                          <p:cTn id="4" fill="hold">
+                            <p:stCondLst>
+                              <p:cond delay="0"/>
+                            </p:stCondLst>
+                            <p:childTnLst>
+                              <p:par>
+                                <p:cTn id="5" presetID="1" presetClass="entr" presetSubtype="0" fill="hold" grpId="0" nodeType="clickEffect">
+                                  <p:stCondLst>
+                                    <p:cond delay="0"/>
+                                  </p:stCondLst>
+                                  <p:childTnLst>
+                                    <p:set>
+                                      <p:cBhvr>
+                                        <p:cTn id="6" dur="1" fill="hold">
+                                          <p:stCondLst>
+                                            <p:cond delay="0"/>
+                                          </p:stCondLst>
+                                        </p:cTn>
+                                        <p:tgtEl>
+                                          <p:spTgt spid="2">
+                                            <p:txEl>
+                                              <p:pRg st="0" end="0"/>
                                             </p:txEl>
                                           </p:spTgt>
                                         </p:tgtEl>
@@ -18615,15 +21829,6 @@
 
 <file path=customXml/item1.xml><?xml version="1.0" encoding="utf-8"?>
 <?mso-contentType ?>
-<FormTemplates xmlns="http://schemas.microsoft.com/sharepoint/v3/contenttype/forms">
-  <Display>DocumentLibraryForm</Display>
-  <Edit>DocumentLibraryForm</Edit>
-  <New>DocumentLibraryForm</New>
-</FormTemplates>
-</file>
-
-<file path=customXml/item2.xml><?xml version="1.0" encoding="utf-8"?>
-<?mso-contentType ?>
 <spe:Receivers xmlns:spe="http://schemas.microsoft.com/sharepoint/events">
   <Receiver>
     <Name>Document ID Generator</Name>
@@ -18668,7 +21873,30 @@
 </spe:Receivers>
 </file>
 
+<file path=customXml/item2.xml><?xml version="1.0" encoding="utf-8"?>
+<?mso-contentType ?>
+<FormTemplates xmlns="http://schemas.microsoft.com/sharepoint/v3/contenttype/forms">
+  <Display>DocumentLibraryForm</Display>
+  <Edit>DocumentLibraryForm</Edit>
+  <New>DocumentLibraryForm</New>
+</FormTemplates>
+</file>
+
 <file path=customXml/item3.xml><?xml version="1.0" encoding="utf-8"?>
+<p:properties xmlns:p="http://schemas.microsoft.com/office/2006/metadata/properties" xmlns:xsi="http://www.w3.org/2001/XMLSchema-instance" xmlns:pc="http://schemas.microsoft.com/office/infopath/2007/PartnerControls">
+  <documentManagement>
+    <PublishingExpirationDate xmlns="http://schemas.microsoft.com/sharepoint/v3" xsi:nil="true"/>
+    <PublishingStartDate xmlns="http://schemas.microsoft.com/sharepoint/v3" xsi:nil="true"/>
+    <_dlc_DocId xmlns="cd7095a3-97f1-4663-a71f-a762e9d8a5de">FK7UAMZMK7QV-3061-70</_dlc_DocId>
+    <_dlc_DocIdUrl xmlns="cd7095a3-97f1-4663-a71f-a762e9d8a5de">
+      <Url>https://pingvinen.bouvet.no/stotte/dokumentmaler/_layouts/DocIdRedir.aspx?ID=FK7UAMZMK7QV-3061-70</Url>
+      <Description>FK7UAMZMK7QV-3061-70</Description>
+    </_dlc_DocIdUrl>
+  </documentManagement>
+</p:properties>
+</file>
+
+<file path=customXml/item4.xml><?xml version="1.0" encoding="utf-8"?>
 <ct:contentTypeSchema xmlns:ct="http://schemas.microsoft.com/office/2006/metadata/contentType" xmlns:ma="http://schemas.microsoft.com/office/2006/metadata/properties/metaAttributes" ct:_="" ma:_="" ma:contentTypeName="Document" ma:contentTypeID="0x0101006DE77A4C69F7B04F983EB828CF8C5433" ma:contentTypeVersion="2" ma:contentTypeDescription="Create a new document." ma:contentTypeScope="" ma:versionID="3f88a36eb5d68a1319bea6a26a0634f9">
   <xsd:schema xmlns:xsd="http://www.w3.org/2001/XMLSchema" xmlns:xs="http://www.w3.org/2001/XMLSchema" xmlns:p="http://schemas.microsoft.com/office/2006/metadata/properties" xmlns:ns1="http://schemas.microsoft.com/sharepoint/v3" xmlns:ns2="cd7095a3-97f1-4663-a71f-a762e9d8a5de" targetNamespace="http://schemas.microsoft.com/office/2006/metadata/properties" ma:root="true" ma:fieldsID="12e73613dd42fd77c3af4275080e49b8" ns1:_="" ns2:_="">
     <xsd:import namespace="http://schemas.microsoft.com/sharepoint/v3"/>
@@ -18830,21 +22058,15 @@
 </ct:contentTypeSchema>
 </file>
 
-<file path=customXml/item4.xml><?xml version="1.0" encoding="utf-8"?>
-<p:properties xmlns:p="http://schemas.microsoft.com/office/2006/metadata/properties" xmlns:xsi="http://www.w3.org/2001/XMLSchema-instance" xmlns:pc="http://schemas.microsoft.com/office/infopath/2007/PartnerControls">
-  <documentManagement>
-    <PublishingExpirationDate xmlns="http://schemas.microsoft.com/sharepoint/v3" xsi:nil="true"/>
-    <PublishingStartDate xmlns="http://schemas.microsoft.com/sharepoint/v3" xsi:nil="true"/>
-    <_dlc_DocId xmlns="cd7095a3-97f1-4663-a71f-a762e9d8a5de">FK7UAMZMK7QV-3061-70</_dlc_DocId>
-    <_dlc_DocIdUrl xmlns="cd7095a3-97f1-4663-a71f-a762e9d8a5de">
-      <Url>https://pingvinen.bouvet.no/stotte/dokumentmaler/_layouts/DocIdRedir.aspx?ID=FK7UAMZMK7QV-3061-70</Url>
-      <Description>FK7UAMZMK7QV-3061-70</Description>
-    </_dlc_DocIdUrl>
-  </documentManagement>
-</p:properties>
+<file path=customXml/itemProps1.xml><?xml version="1.0" encoding="utf-8"?>
+<ds:datastoreItem xmlns:ds="http://schemas.openxmlformats.org/officeDocument/2006/customXml" ds:itemID="{1B3F50AB-02FD-4C47-98D2-8857298FC473}">
+  <ds:schemaRefs>
+    <ds:schemaRef ds:uri="http://schemas.microsoft.com/sharepoint/events"/>
+  </ds:schemaRefs>
+</ds:datastoreItem>
 </file>
 
-<file path=customXml/itemProps1.xml><?xml version="1.0" encoding="utf-8"?>
+<file path=customXml/itemProps2.xml><?xml version="1.0" encoding="utf-8"?>
 <ds:datastoreItem xmlns:ds="http://schemas.openxmlformats.org/officeDocument/2006/customXml" ds:itemID="{BB82CC63-55FC-4D22-9ED3-DB88AF6228E1}">
   <ds:schemaRefs>
     <ds:schemaRef ds:uri="http://schemas.microsoft.com/sharepoint/v3/contenttype/forms"/>
@@ -18852,15 +22074,24 @@
 </ds:datastoreItem>
 </file>
 
-<file path=customXml/itemProps2.xml><?xml version="1.0" encoding="utf-8"?>
-<ds:datastoreItem xmlns:ds="http://schemas.openxmlformats.org/officeDocument/2006/customXml" ds:itemID="{1B3F50AB-02FD-4C47-98D2-8857298FC473}">
+<file path=customXml/itemProps3.xml><?xml version="1.0" encoding="utf-8"?>
+<ds:datastoreItem xmlns:ds="http://schemas.openxmlformats.org/officeDocument/2006/customXml" ds:itemID="{9D2CB842-18D5-4EEF-9009-B0CAFCE7AC3E}">
   <ds:schemaRefs>
-    <ds:schemaRef ds:uri="http://schemas.microsoft.com/sharepoint/events"/>
+    <ds:schemaRef ds:uri="http://purl.org/dc/dcmitype/"/>
+    <ds:schemaRef ds:uri="http://schemas.microsoft.com/office/infopath/2007/PartnerControls"/>
+    <ds:schemaRef ds:uri="cd7095a3-97f1-4663-a71f-a762e9d8a5de"/>
+    <ds:schemaRef ds:uri="http://schemas.microsoft.com/office/2006/documentManagement/types"/>
+    <ds:schemaRef ds:uri="http://purl.org/dc/elements/1.1/"/>
+    <ds:schemaRef ds:uri="http://schemas.microsoft.com/office/2006/metadata/properties"/>
+    <ds:schemaRef ds:uri="http://schemas.microsoft.com/sharepoint/v3"/>
+    <ds:schemaRef ds:uri="http://purl.org/dc/terms/"/>
+    <ds:schemaRef ds:uri="http://schemas.openxmlformats.org/package/2006/metadata/core-properties"/>
+    <ds:schemaRef ds:uri="http://www.w3.org/XML/1998/namespace"/>
   </ds:schemaRefs>
 </ds:datastoreItem>
 </file>
 
-<file path=customXml/itemProps3.xml><?xml version="1.0" encoding="utf-8"?>
+<file path=customXml/itemProps4.xml><?xml version="1.0" encoding="utf-8"?>
 <ds:datastoreItem xmlns:ds="http://schemas.openxmlformats.org/officeDocument/2006/customXml" ds:itemID="{1F8D2ADD-9475-4053-913E-BB32E431EB0D}">
   <ds:schemaRefs>
     <ds:schemaRef ds:uri="http://schemas.microsoft.com/office/2006/metadata/contentType"/>
@@ -18877,21 +22108,4 @@
     <ds:schemaRef ds:uri="http://schemas.microsoft.com/internal/obd"/>
   </ds:schemaRefs>
 </ds:datastoreItem>
-</file>
-
-<file path=customXml/itemProps4.xml><?xml version="1.0" encoding="utf-8"?>
-<ds:datastoreItem xmlns:ds="http://schemas.openxmlformats.org/officeDocument/2006/customXml" ds:itemID="{9D2CB842-18D5-4EEF-9009-B0CAFCE7AC3E}">
-  <ds:schemaRefs>
-    <ds:schemaRef ds:uri="http://purl.org/dc/dcmitype/"/>
-    <ds:schemaRef ds:uri="http://schemas.microsoft.com/office/infopath/2007/PartnerControls"/>
-    <ds:schemaRef ds:uri="cd7095a3-97f1-4663-a71f-a762e9d8a5de"/>
-    <ds:schemaRef ds:uri="http://schemas.microsoft.com/office/2006/documentManagement/types"/>
-    <ds:schemaRef ds:uri="http://purl.org/dc/elements/1.1/"/>
-    <ds:schemaRef ds:uri="http://schemas.microsoft.com/office/2006/metadata/properties"/>
-    <ds:schemaRef ds:uri="http://schemas.microsoft.com/sharepoint/v3"/>
-    <ds:schemaRef ds:uri="http://purl.org/dc/terms/"/>
-    <ds:schemaRef ds:uri="http://schemas.openxmlformats.org/package/2006/metadata/core-properties"/>
-    <ds:schemaRef ds:uri="http://www.w3.org/XML/1998/namespace"/>
-  </ds:schemaRefs>
-</ds:datastoreItem>
 </file>
--- a/Presentasjon.pptx
+++ b/Presentasjon.pptx
@@ -7,10 +7,10 @@
     <p:sldMasterId id="2147483705" r:id="rId7"/>
   </p:sldMasterIdLst>
   <p:notesMasterIdLst>
-    <p:notesMasterId r:id="rId31"/>
+    <p:notesMasterId r:id="rId34"/>
   </p:notesMasterIdLst>
   <p:handoutMasterIdLst>
-    <p:handoutMasterId r:id="rId32"/>
+    <p:handoutMasterId r:id="rId35"/>
   </p:handoutMasterIdLst>
   <p:sldIdLst>
     <p:sldId id="263" r:id="rId8"/>
@@ -20,22 +20,25 @@
     <p:sldId id="268" r:id="rId12"/>
     <p:sldId id="267" r:id="rId13"/>
     <p:sldId id="273" r:id="rId14"/>
-    <p:sldId id="274" r:id="rId15"/>
-    <p:sldId id="278" r:id="rId16"/>
+    <p:sldId id="278" r:id="rId15"/>
+    <p:sldId id="274" r:id="rId16"/>
     <p:sldId id="275" r:id="rId17"/>
     <p:sldId id="276" r:id="rId18"/>
-    <p:sldId id="277" r:id="rId19"/>
-    <p:sldId id="266" r:id="rId20"/>
-    <p:sldId id="256" r:id="rId21"/>
-    <p:sldId id="257" r:id="rId22"/>
-    <p:sldId id="258" r:id="rId23"/>
-    <p:sldId id="259" r:id="rId24"/>
-    <p:sldId id="260" r:id="rId25"/>
-    <p:sldId id="261" r:id="rId26"/>
-    <p:sldId id="262" r:id="rId27"/>
-    <p:sldId id="270" r:id="rId28"/>
-    <p:sldId id="272" r:id="rId29"/>
-    <p:sldId id="271" r:id="rId30"/>
+    <p:sldId id="279" r:id="rId19"/>
+    <p:sldId id="280" r:id="rId20"/>
+    <p:sldId id="281" r:id="rId21"/>
+    <p:sldId id="277" r:id="rId22"/>
+    <p:sldId id="266" r:id="rId23"/>
+    <p:sldId id="256" r:id="rId24"/>
+    <p:sldId id="257" r:id="rId25"/>
+    <p:sldId id="258" r:id="rId26"/>
+    <p:sldId id="259" r:id="rId27"/>
+    <p:sldId id="260" r:id="rId28"/>
+    <p:sldId id="261" r:id="rId29"/>
+    <p:sldId id="262" r:id="rId30"/>
+    <p:sldId id="270" r:id="rId31"/>
+    <p:sldId id="272" r:id="rId32"/>
+    <p:sldId id="271" r:id="rId33"/>
   </p:sldIdLst>
   <p:sldSz cx="12192000" cy="6858000"/>
   <p:notesSz cx="6858000" cy="9144000"/>
@@ -10600,7 +10603,7 @@
         </p:blipFill>
         <p:spPr>
           <a:xfrm>
-            <a:off x="2333539" y="1568741"/>
+            <a:off x="2350317" y="1828800"/>
             <a:ext cx="7482978" cy="3741489"/>
           </a:xfrm>
           <a:prstGeom prst="rect">
@@ -10681,7 +10684,7 @@
         </p:nvSpPr>
         <p:spPr>
           <a:xfrm>
-            <a:off x="1234800" y="1825625"/>
+            <a:off x="1234799" y="1636626"/>
             <a:ext cx="2909817" cy="4351338"/>
           </a:xfrm>
         </p:spPr>
@@ -10694,17 +10697,17 @@
             </a:pPr>
             <a:r>
               <a:rPr lang="nb-NO" dirty="0"/>
-              <a:t>Objekt-struktur</a:t>
+              <a:t>Klient</a:t>
             </a:r>
           </a:p>
         </p:txBody>
       </p:sp>
       <p:sp>
         <p:nvSpPr>
-          <p:cNvPr id="5" name="Rektangel 1">
+          <p:cNvPr id="7" name="Rektangel 6">
             <a:extLst>
               <a:ext uri="{FF2B5EF4-FFF2-40B4-BE49-F238E27FC236}">
-                <a16:creationId xmlns:a16="http://schemas.microsoft.com/office/drawing/2014/main" id="{3BEF0AC1-9401-4053-82E5-96A4AC358384}"/>
+                <a16:creationId xmlns:a16="http://schemas.microsoft.com/office/drawing/2014/main" id="{9F1148A3-89F8-4696-82BA-8301E1248193}"/>
               </a:ext>
             </a:extLst>
           </p:cNvPr>
@@ -10713,30 +10716,30 @@
         </p:nvSpPr>
         <p:spPr>
           <a:xfrm>
-            <a:off x="4990141" y="846638"/>
-            <a:ext cx="6096000" cy="5262979"/>
+            <a:off x="3200400" y="1636626"/>
+            <a:ext cx="8023412" cy="3970318"/>
           </a:xfrm>
           <a:prstGeom prst="rect">
             <a:avLst/>
           </a:prstGeom>
         </p:spPr>
         <p:txBody>
-          <a:bodyPr>
+          <a:bodyPr wrap="square">
             <a:spAutoFit/>
           </a:bodyPr>
           <a:lstStyle/>
           <a:p>
             <a:r>
-              <a:rPr lang="nb-NO" sz="1400" dirty="0" err="1">
+              <a:rPr lang="nb-NO" dirty="0" err="1">
                 <a:solidFill>
                   <a:srgbClr val="0000FF"/>
                 </a:solidFill>
                 <a:latin typeface="Consolas" panose="020B0609020204030204" pitchFamily="49" charset="0"/>
               </a:rPr>
-              <a:t>public</a:t>
-            </a:r>
-            <a:r>
-              <a:rPr lang="nb-NO" sz="1400" dirty="0">
+              <a:t>class</a:t>
+            </a:r>
+            <a:r>
+              <a:rPr lang="nb-NO" dirty="0">
                 <a:solidFill>
                   <a:srgbClr val="000000"/>
                 </a:solidFill>
@@ -10745,110 +10748,15 @@
               <a:t> </a:t>
             </a:r>
             <a:r>
-              <a:rPr lang="nb-NO" sz="1400" dirty="0" err="1">
-                <a:solidFill>
-                  <a:srgbClr val="0000FF"/>
-                </a:solidFill>
-                <a:latin typeface="Consolas" panose="020B0609020204030204" pitchFamily="49" charset="0"/>
-              </a:rPr>
-              <a:t>interface</a:t>
-            </a:r>
-            <a:r>
-              <a:rPr lang="nb-NO" sz="1400" dirty="0">
-                <a:solidFill>
-                  <a:srgbClr val="000000"/>
-                </a:solidFill>
-                <a:latin typeface="Consolas" panose="020B0609020204030204" pitchFamily="49" charset="0"/>
-              </a:rPr>
-              <a:t> </a:t>
-            </a:r>
-            <a:r>
-              <a:rPr lang="nb-NO" sz="1400" dirty="0" err="1">
+              <a:rPr lang="nb-NO" dirty="0">
                 <a:solidFill>
                   <a:srgbClr val="2B91AF"/>
                 </a:solidFill>
                 <a:latin typeface="Consolas" panose="020B0609020204030204" pitchFamily="49" charset="0"/>
               </a:rPr>
-              <a:t>IElement</a:t>
-            </a:r>
-            <a:endParaRPr lang="nb-NO" sz="1400" dirty="0">
-              <a:solidFill>
-                <a:srgbClr val="2B91AF"/>
-              </a:solidFill>
-              <a:latin typeface="Consolas" panose="020B0609020204030204" pitchFamily="49" charset="0"/>
-            </a:endParaRPr>
-          </a:p>
-          <a:p>
-            <a:r>
-              <a:rPr lang="nb-NO" sz="1400" dirty="0">
-                <a:solidFill>
-                  <a:srgbClr val="000000"/>
-                </a:solidFill>
-                <a:latin typeface="Consolas" panose="020B0609020204030204" pitchFamily="49" charset="0"/>
-              </a:rPr>
-              <a:t>{</a:t>
-            </a:r>
-          </a:p>
-          <a:p>
-            <a:r>
-              <a:rPr lang="nb-NO" sz="1400" dirty="0">
-                <a:solidFill>
-                  <a:srgbClr val="000000"/>
-                </a:solidFill>
-                <a:latin typeface="Consolas" panose="020B0609020204030204" pitchFamily="49" charset="0"/>
-              </a:rPr>
-              <a:t>    </a:t>
-            </a:r>
-            <a:r>
-              <a:rPr lang="nb-NO" sz="1400" dirty="0" err="1">
-                <a:solidFill>
-                  <a:srgbClr val="0000FF"/>
-                </a:solidFill>
-                <a:latin typeface="Consolas" panose="020B0609020204030204" pitchFamily="49" charset="0"/>
-              </a:rPr>
-              <a:t>void</a:t>
-            </a:r>
-            <a:r>
-              <a:rPr lang="nb-NO" sz="1400" dirty="0">
-                <a:solidFill>
-                  <a:srgbClr val="000000"/>
-                </a:solidFill>
-                <a:latin typeface="Consolas" panose="020B0609020204030204" pitchFamily="49" charset="0"/>
-              </a:rPr>
-              <a:t> Accept(</a:t>
-            </a:r>
-            <a:r>
-              <a:rPr lang="nb-NO" sz="1400" dirty="0" err="1">
-                <a:solidFill>
-                  <a:srgbClr val="2B91AF"/>
-                </a:solidFill>
-                <a:latin typeface="Consolas" panose="020B0609020204030204" pitchFamily="49" charset="0"/>
-              </a:rPr>
-              <a:t>IVisitor</a:t>
-            </a:r>
-            <a:r>
-              <a:rPr lang="nb-NO" sz="1400" dirty="0">
-                <a:solidFill>
-                  <a:srgbClr val="000000"/>
-                </a:solidFill>
-                <a:latin typeface="Consolas" panose="020B0609020204030204" pitchFamily="49" charset="0"/>
-              </a:rPr>
-              <a:t> visitor);</a:t>
-            </a:r>
-          </a:p>
-          <a:p>
-            <a:r>
-              <a:rPr lang="nb-NO" sz="1400" dirty="0">
-                <a:solidFill>
-                  <a:srgbClr val="000000"/>
-                </a:solidFill>
-                <a:latin typeface="Consolas" panose="020B0609020204030204" pitchFamily="49" charset="0"/>
-              </a:rPr>
-              <a:t>}</a:t>
-            </a:r>
-          </a:p>
-          <a:p>
-            <a:endParaRPr lang="nb-NO" sz="1400" dirty="0">
+              <a:t>Program</a:t>
+            </a:r>
+            <a:endParaRPr lang="nb-NO" dirty="0">
               <a:solidFill>
                 <a:srgbClr val="000000"/>
               </a:solidFill>
@@ -10857,16 +10765,36 @@
           </a:p>
           <a:p>
             <a:r>
-              <a:rPr lang="nb-NO" sz="1400" dirty="0" err="1">
+              <a:rPr lang="nb-NO" dirty="0">
+                <a:solidFill>
+                  <a:srgbClr val="000000"/>
+                </a:solidFill>
+                <a:latin typeface="Consolas" panose="020B0609020204030204" pitchFamily="49" charset="0"/>
+              </a:rPr>
+              <a:t>{</a:t>
+            </a:r>
+          </a:p>
+          <a:p>
+            <a:r>
+              <a:rPr lang="en-US" dirty="0">
+                <a:solidFill>
+                  <a:srgbClr val="000000"/>
+                </a:solidFill>
+                <a:latin typeface="Consolas" panose="020B0609020204030204" pitchFamily="49" charset="0"/>
+              </a:rPr>
+              <a:t>    </a:t>
+            </a:r>
+            <a:r>
+              <a:rPr lang="en-US" dirty="0">
                 <a:solidFill>
                   <a:srgbClr val="0000FF"/>
                 </a:solidFill>
                 <a:latin typeface="Consolas" panose="020B0609020204030204" pitchFamily="49" charset="0"/>
               </a:rPr>
-              <a:t>public</a:t>
-            </a:r>
-            <a:r>
-              <a:rPr lang="nb-NO" sz="1400" dirty="0">
+              <a:t>static</a:t>
+            </a:r>
+            <a:r>
+              <a:rPr lang="en-US" dirty="0">
                 <a:solidFill>
                   <a:srgbClr val="000000"/>
                 </a:solidFill>
@@ -10875,16 +10803,110 @@
               <a:t> </a:t>
             </a:r>
             <a:r>
-              <a:rPr lang="nb-NO" sz="1400" dirty="0" err="1">
+              <a:rPr lang="en-US" dirty="0">
                 <a:solidFill>
                   <a:srgbClr val="0000FF"/>
                 </a:solidFill>
                 <a:latin typeface="Consolas" panose="020B0609020204030204" pitchFamily="49" charset="0"/>
               </a:rPr>
-              <a:t>class</a:t>
-            </a:r>
-            <a:r>
-              <a:rPr lang="nb-NO" sz="1400" dirty="0">
+              <a:t>void</a:t>
+            </a:r>
+            <a:r>
+              <a:rPr lang="en-US" dirty="0">
+                <a:solidFill>
+                  <a:srgbClr val="000000"/>
+                </a:solidFill>
+                <a:latin typeface="Consolas" panose="020B0609020204030204" pitchFamily="49" charset="0"/>
+              </a:rPr>
+              <a:t> Main(</a:t>
+            </a:r>
+            <a:r>
+              <a:rPr lang="en-US" dirty="0">
+                <a:solidFill>
+                  <a:srgbClr val="0000FF"/>
+                </a:solidFill>
+                <a:latin typeface="Consolas" panose="020B0609020204030204" pitchFamily="49" charset="0"/>
+              </a:rPr>
+              <a:t>string</a:t>
+            </a:r>
+            <a:r>
+              <a:rPr lang="en-US" dirty="0">
+                <a:solidFill>
+                  <a:srgbClr val="000000"/>
+                </a:solidFill>
+                <a:latin typeface="Consolas" panose="020B0609020204030204" pitchFamily="49" charset="0"/>
+              </a:rPr>
+              <a:t>[] </a:t>
+            </a:r>
+            <a:r>
+              <a:rPr lang="en-US" dirty="0" err="1">
+                <a:solidFill>
+                  <a:srgbClr val="000000"/>
+                </a:solidFill>
+                <a:latin typeface="Consolas" panose="020B0609020204030204" pitchFamily="49" charset="0"/>
+              </a:rPr>
+              <a:t>args</a:t>
+            </a:r>
+            <a:r>
+              <a:rPr lang="en-US" dirty="0">
+                <a:solidFill>
+                  <a:srgbClr val="000000"/>
+                </a:solidFill>
+                <a:latin typeface="Consolas" panose="020B0609020204030204" pitchFamily="49" charset="0"/>
+              </a:rPr>
+              <a:t>)</a:t>
+            </a:r>
+          </a:p>
+          <a:p>
+            <a:r>
+              <a:rPr lang="nb-NO" dirty="0">
+                <a:solidFill>
+                  <a:srgbClr val="000000"/>
+                </a:solidFill>
+                <a:latin typeface="Consolas" panose="020B0609020204030204" pitchFamily="49" charset="0"/>
+              </a:rPr>
+              <a:t>    {</a:t>
+            </a:r>
+          </a:p>
+          <a:p>
+            <a:r>
+              <a:rPr lang="nb-NO" dirty="0">
+                <a:solidFill>
+                  <a:srgbClr val="000000"/>
+                </a:solidFill>
+                <a:latin typeface="Consolas" panose="020B0609020204030204" pitchFamily="49" charset="0"/>
+              </a:rPr>
+              <a:t>        </a:t>
+            </a:r>
+            <a:r>
+              <a:rPr lang="nb-NO" dirty="0">
+                <a:solidFill>
+                  <a:srgbClr val="0000FF"/>
+                </a:solidFill>
+                <a:latin typeface="Consolas" panose="020B0609020204030204" pitchFamily="49" charset="0"/>
+              </a:rPr>
+              <a:t>var</a:t>
+            </a:r>
+            <a:r>
+              <a:rPr lang="nb-NO" dirty="0">
+                <a:solidFill>
+                  <a:srgbClr val="000000"/>
+                </a:solidFill>
+                <a:latin typeface="Consolas" panose="020B0609020204030204" pitchFamily="49" charset="0"/>
+              </a:rPr>
+              <a:t> r1 = </a:t>
+            </a:r>
+            <a:r>
+              <a:rPr lang="nb-NO" dirty="0" err="1">
+                <a:solidFill>
+                  <a:srgbClr val="0000FF"/>
+                </a:solidFill>
+                <a:latin typeface="Consolas" panose="020B0609020204030204" pitchFamily="49" charset="0"/>
+              </a:rPr>
+              <a:t>new</a:t>
+            </a:r>
+            <a:r>
+              <a:rPr lang="nb-NO" dirty="0">
                 <a:solidFill>
                   <a:srgbClr val="000000"/>
                 </a:solidFill>
@@ -10893,135 +10915,91 @@
               <a:t> </a:t>
             </a:r>
             <a:r>
-              <a:rPr lang="nb-NO" sz="1400" dirty="0">
+              <a:rPr lang="nb-NO" dirty="0">
                 <a:solidFill>
                   <a:srgbClr val="2B91AF"/>
                 </a:solidFill>
                 <a:latin typeface="Consolas" panose="020B0609020204030204" pitchFamily="49" charset="0"/>
               </a:rPr>
-              <a:t>ConcreteElement1</a:t>
-            </a:r>
-            <a:r>
-              <a:rPr lang="nb-NO" sz="1400" dirty="0">
-                <a:solidFill>
-                  <a:srgbClr val="000000"/>
-                </a:solidFill>
-                <a:latin typeface="Consolas" panose="020B0609020204030204" pitchFamily="49" charset="0"/>
-              </a:rPr>
-              <a:t> : </a:t>
-            </a:r>
-            <a:r>
-              <a:rPr lang="nb-NO" sz="1400" dirty="0" err="1">
+              <a:t>Robot</a:t>
+            </a:r>
+            <a:r>
+              <a:rPr lang="nb-NO" dirty="0">
+                <a:solidFill>
+                  <a:srgbClr val="000000"/>
+                </a:solidFill>
+                <a:latin typeface="Consolas" panose="020B0609020204030204" pitchFamily="49" charset="0"/>
+              </a:rPr>
+              <a:t>();</a:t>
+            </a:r>
+          </a:p>
+          <a:p>
+            <a:r>
+              <a:rPr lang="nb-NO" dirty="0">
+                <a:solidFill>
+                  <a:srgbClr val="000000"/>
+                </a:solidFill>
+                <a:latin typeface="Consolas" panose="020B0609020204030204" pitchFamily="49" charset="0"/>
+              </a:rPr>
+              <a:t>        </a:t>
+            </a:r>
+            <a:r>
+              <a:rPr lang="nb-NO" dirty="0">
+                <a:solidFill>
+                  <a:srgbClr val="0000FF"/>
+                </a:solidFill>
+                <a:latin typeface="Consolas" panose="020B0609020204030204" pitchFamily="49" charset="0"/>
+              </a:rPr>
+              <a:t>var</a:t>
+            </a:r>
+            <a:r>
+              <a:rPr lang="nb-NO" dirty="0">
+                <a:solidFill>
+                  <a:srgbClr val="000000"/>
+                </a:solidFill>
+                <a:latin typeface="Consolas" panose="020B0609020204030204" pitchFamily="49" charset="0"/>
+              </a:rPr>
+              <a:t> r2 = </a:t>
+            </a:r>
+            <a:r>
+              <a:rPr lang="nb-NO" dirty="0" err="1">
+                <a:solidFill>
+                  <a:srgbClr val="0000FF"/>
+                </a:solidFill>
+                <a:latin typeface="Consolas" panose="020B0609020204030204" pitchFamily="49" charset="0"/>
+              </a:rPr>
+              <a:t>new</a:t>
+            </a:r>
+            <a:r>
+              <a:rPr lang="nb-NO" dirty="0">
+                <a:solidFill>
+                  <a:srgbClr val="000000"/>
+                </a:solidFill>
+                <a:latin typeface="Consolas" panose="020B0609020204030204" pitchFamily="49" charset="0"/>
+              </a:rPr>
+              <a:t> </a:t>
+            </a:r>
+            <a:r>
+              <a:rPr lang="nb-NO" dirty="0">
                 <a:solidFill>
                   <a:srgbClr val="2B91AF"/>
                 </a:solidFill>
                 <a:latin typeface="Consolas" panose="020B0609020204030204" pitchFamily="49" charset="0"/>
               </a:rPr>
-              <a:t>IElement</a:t>
-            </a:r>
-            <a:endParaRPr lang="nb-NO" sz="1400" dirty="0">
-              <a:solidFill>
-                <a:srgbClr val="2B91AF"/>
-              </a:solidFill>
-              <a:latin typeface="Consolas" panose="020B0609020204030204" pitchFamily="49" charset="0"/>
-            </a:endParaRPr>
-          </a:p>
-          <a:p>
-            <a:r>
-              <a:rPr lang="nb-NO" sz="1400" dirty="0">
-                <a:solidFill>
-                  <a:srgbClr val="000000"/>
-                </a:solidFill>
-                <a:latin typeface="Consolas" panose="020B0609020204030204" pitchFamily="49" charset="0"/>
-              </a:rPr>
-              <a:t>{</a:t>
-            </a:r>
-          </a:p>
-          <a:p>
-            <a:r>
-              <a:rPr lang="en-US" sz="1400" dirty="0">
-                <a:solidFill>
-                  <a:srgbClr val="000000"/>
-                </a:solidFill>
-                <a:latin typeface="Consolas" panose="020B0609020204030204" pitchFamily="49" charset="0"/>
-              </a:rPr>
-              <a:t>    </a:t>
-            </a:r>
-            <a:r>
-              <a:rPr lang="en-US" sz="1400" dirty="0">
-                <a:solidFill>
-                  <a:srgbClr val="0000FF"/>
-                </a:solidFill>
-                <a:latin typeface="Consolas" panose="020B0609020204030204" pitchFamily="49" charset="0"/>
-              </a:rPr>
-              <a:t>public</a:t>
-            </a:r>
-            <a:r>
-              <a:rPr lang="en-US" sz="1400" dirty="0">
-                <a:solidFill>
-                  <a:srgbClr val="000000"/>
-                </a:solidFill>
-                <a:latin typeface="Consolas" panose="020B0609020204030204" pitchFamily="49" charset="0"/>
-              </a:rPr>
-              <a:t> </a:t>
-            </a:r>
-            <a:r>
-              <a:rPr lang="en-US" sz="1400" dirty="0" err="1">
-                <a:solidFill>
-                  <a:srgbClr val="0000FF"/>
-                </a:solidFill>
-                <a:latin typeface="Consolas" panose="020B0609020204030204" pitchFamily="49" charset="0"/>
-              </a:rPr>
-              <a:t>int</a:t>
-            </a:r>
-            <a:r>
-              <a:rPr lang="en-US" sz="1400" dirty="0">
-                <a:solidFill>
-                  <a:srgbClr val="000000"/>
-                </a:solidFill>
-                <a:latin typeface="Consolas" panose="020B0609020204030204" pitchFamily="49" charset="0"/>
-              </a:rPr>
-              <a:t> Foo { </a:t>
-            </a:r>
-            <a:r>
-              <a:rPr lang="en-US" sz="1400" dirty="0">
-                <a:solidFill>
-                  <a:srgbClr val="0000FF"/>
-                </a:solidFill>
-                <a:latin typeface="Consolas" panose="020B0609020204030204" pitchFamily="49" charset="0"/>
-              </a:rPr>
-              <a:t>get</a:t>
-            </a:r>
-            <a:r>
-              <a:rPr lang="en-US" sz="1400" dirty="0">
-                <a:solidFill>
-                  <a:srgbClr val="000000"/>
-                </a:solidFill>
-                <a:latin typeface="Consolas" panose="020B0609020204030204" pitchFamily="49" charset="0"/>
-              </a:rPr>
-              <a:t>; </a:t>
-            </a:r>
-            <a:r>
-              <a:rPr lang="en-US" sz="1400" dirty="0">
-                <a:solidFill>
-                  <a:srgbClr val="0000FF"/>
-                </a:solidFill>
-                <a:latin typeface="Consolas" panose="020B0609020204030204" pitchFamily="49" charset="0"/>
-              </a:rPr>
-              <a:t>set</a:t>
-            </a:r>
-            <a:r>
-              <a:rPr lang="en-US" sz="1400" dirty="0">
-                <a:solidFill>
-                  <a:srgbClr val="000000"/>
-                </a:solidFill>
-                <a:latin typeface="Consolas" panose="020B0609020204030204" pitchFamily="49" charset="0"/>
-              </a:rPr>
-              <a:t>; }</a:t>
-            </a:r>
-          </a:p>
-          <a:p>
-            <a:endParaRPr lang="nb-NO" sz="1400" dirty="0">
+              <a:t>Robot</a:t>
+            </a:r>
+            <a:r>
+              <a:rPr lang="nb-NO" dirty="0">
+                <a:solidFill>
+                  <a:srgbClr val="000000"/>
+                </a:solidFill>
+                <a:latin typeface="Consolas" panose="020B0609020204030204" pitchFamily="49" charset="0"/>
+              </a:rPr>
+              <a:t>();</a:t>
+            </a:r>
+          </a:p>
+          <a:p>
+            <a:endParaRPr lang="nb-NO" dirty="0">
               <a:solidFill>
                 <a:srgbClr val="000000"/>
               </a:solidFill>
@@ -11030,25 +11008,25 @@
           </a:p>
           <a:p>
             <a:r>
-              <a:rPr lang="en-US" sz="1400" dirty="0">
-                <a:solidFill>
-                  <a:srgbClr val="000000"/>
-                </a:solidFill>
-                <a:latin typeface="Consolas" panose="020B0609020204030204" pitchFamily="49" charset="0"/>
-              </a:rPr>
-              <a:t>    </a:t>
-            </a:r>
-            <a:r>
-              <a:rPr lang="en-US" sz="1400" dirty="0">
+              <a:rPr lang="nb-NO" dirty="0">
+                <a:solidFill>
+                  <a:srgbClr val="000000"/>
+                </a:solidFill>
+                <a:latin typeface="Consolas" panose="020B0609020204030204" pitchFamily="49" charset="0"/>
+              </a:rPr>
+              <a:t>        r1.SetBehaviour(</a:t>
+            </a:r>
+            <a:r>
+              <a:rPr lang="nb-NO" dirty="0" err="1">
                 <a:solidFill>
                   <a:srgbClr val="0000FF"/>
                 </a:solidFill>
                 <a:latin typeface="Consolas" panose="020B0609020204030204" pitchFamily="49" charset="0"/>
               </a:rPr>
-              <a:t>public</a:t>
-            </a:r>
-            <a:r>
-              <a:rPr lang="en-US" sz="1400" dirty="0">
+              <a:t>new</a:t>
+            </a:r>
+            <a:r>
+              <a:rPr lang="nb-NO" dirty="0">
                 <a:solidFill>
                   <a:srgbClr val="000000"/>
                 </a:solidFill>
@@ -11057,124 +11035,73 @@
               <a:t> </a:t>
             </a:r>
             <a:r>
-              <a:rPr lang="en-US" sz="1400" dirty="0">
+              <a:rPr lang="nb-NO" dirty="0" err="1">
+                <a:solidFill>
+                  <a:srgbClr val="2B91AF"/>
+                </a:solidFill>
+                <a:latin typeface="Consolas" panose="020B0609020204030204" pitchFamily="49" charset="0"/>
+              </a:rPr>
+              <a:t>AgressiveBehaviour</a:t>
+            </a:r>
+            <a:r>
+              <a:rPr lang="nb-NO" dirty="0">
+                <a:solidFill>
+                  <a:srgbClr val="000000"/>
+                </a:solidFill>
+                <a:latin typeface="Consolas" panose="020B0609020204030204" pitchFamily="49" charset="0"/>
+              </a:rPr>
+              <a:t>());</a:t>
+            </a:r>
+          </a:p>
+          <a:p>
+            <a:r>
+              <a:rPr lang="nb-NO" dirty="0">
+                <a:solidFill>
+                  <a:srgbClr val="000000"/>
+                </a:solidFill>
+                <a:latin typeface="Consolas" panose="020B0609020204030204" pitchFamily="49" charset="0"/>
+              </a:rPr>
+              <a:t>        r2.SetBehaviour(</a:t>
+            </a:r>
+            <a:r>
+              <a:rPr lang="nb-NO" dirty="0" err="1">
                 <a:solidFill>
                   <a:srgbClr val="0000FF"/>
                 </a:solidFill>
                 <a:latin typeface="Consolas" panose="020B0609020204030204" pitchFamily="49" charset="0"/>
               </a:rPr>
-              <a:t>void</a:t>
-            </a:r>
-            <a:r>
-              <a:rPr lang="en-US" sz="1400" dirty="0">
-                <a:solidFill>
-                  <a:srgbClr val="000000"/>
-                </a:solidFill>
-                <a:latin typeface="Consolas" panose="020B0609020204030204" pitchFamily="49" charset="0"/>
-              </a:rPr>
-              <a:t> Accept(</a:t>
-            </a:r>
-            <a:r>
-              <a:rPr lang="en-US" sz="1400" dirty="0" err="1">
+              <a:t>new</a:t>
+            </a:r>
+            <a:r>
+              <a:rPr lang="nb-NO" dirty="0">
+                <a:solidFill>
+                  <a:srgbClr val="000000"/>
+                </a:solidFill>
+                <a:latin typeface="Consolas" panose="020B0609020204030204" pitchFamily="49" charset="0"/>
+              </a:rPr>
+              <a:t> </a:t>
+            </a:r>
+            <a:r>
+              <a:rPr lang="nb-NO" dirty="0" err="1">
                 <a:solidFill>
                   <a:srgbClr val="2B91AF"/>
                 </a:solidFill>
                 <a:latin typeface="Consolas" panose="020B0609020204030204" pitchFamily="49" charset="0"/>
               </a:rPr>
-              <a:t>IVisitor</a:t>
-            </a:r>
-            <a:r>
-              <a:rPr lang="en-US" sz="1400" dirty="0">
-                <a:solidFill>
-                  <a:srgbClr val="000000"/>
-                </a:solidFill>
-                <a:latin typeface="Consolas" panose="020B0609020204030204" pitchFamily="49" charset="0"/>
-              </a:rPr>
-              <a:t> visitor)</a:t>
-            </a:r>
-          </a:p>
-          <a:p>
-            <a:r>
-              <a:rPr lang="nb-NO" sz="1400" dirty="0">
-                <a:solidFill>
-                  <a:srgbClr val="000000"/>
-                </a:solidFill>
-                <a:latin typeface="Consolas" panose="020B0609020204030204" pitchFamily="49" charset="0"/>
-              </a:rPr>
-              <a:t>    {</a:t>
-            </a:r>
-          </a:p>
-          <a:p>
-            <a:r>
-              <a:rPr lang="nb-NO" sz="1400" dirty="0">
-                <a:solidFill>
-                  <a:srgbClr val="000000"/>
-                </a:solidFill>
-                <a:latin typeface="Consolas" panose="020B0609020204030204" pitchFamily="49" charset="0"/>
-              </a:rPr>
-              <a:t>        </a:t>
-            </a:r>
-            <a:r>
-              <a:rPr lang="nb-NO" sz="1400" dirty="0" err="1">
-                <a:solidFill>
-                  <a:srgbClr val="000000"/>
-                </a:solidFill>
-                <a:latin typeface="Consolas" panose="020B0609020204030204" pitchFamily="49" charset="0"/>
-              </a:rPr>
-              <a:t>visitor.Visit</a:t>
-            </a:r>
-            <a:r>
-              <a:rPr lang="nb-NO" sz="1400" dirty="0">
-                <a:solidFill>
-                  <a:srgbClr val="000000"/>
-                </a:solidFill>
-                <a:latin typeface="Consolas" panose="020B0609020204030204" pitchFamily="49" charset="0"/>
-              </a:rPr>
-              <a:t>(</a:t>
-            </a:r>
-            <a:r>
-              <a:rPr lang="nb-NO" sz="1400" dirty="0" err="1">
-                <a:solidFill>
-                  <a:srgbClr val="0000FF"/>
-                </a:solidFill>
-                <a:latin typeface="Consolas" panose="020B0609020204030204" pitchFamily="49" charset="0"/>
-              </a:rPr>
-              <a:t>this</a:t>
-            </a:r>
-            <a:r>
-              <a:rPr lang="nb-NO" sz="1400" dirty="0">
-                <a:solidFill>
-                  <a:srgbClr val="000000"/>
-                </a:solidFill>
-                <a:latin typeface="Consolas" panose="020B0609020204030204" pitchFamily="49" charset="0"/>
-              </a:rPr>
-              <a:t>);</a:t>
-            </a:r>
-          </a:p>
-          <a:p>
-            <a:r>
-              <a:rPr lang="nb-NO" sz="1400" dirty="0">
-                <a:solidFill>
-                  <a:srgbClr val="000000"/>
-                </a:solidFill>
-                <a:latin typeface="Consolas" panose="020B0609020204030204" pitchFamily="49" charset="0"/>
-              </a:rPr>
-              <a:t>    }</a:t>
-            </a:r>
-          </a:p>
-          <a:p>
-            <a:r>
-              <a:rPr lang="nb-NO" sz="1400" dirty="0">
-                <a:solidFill>
-                  <a:srgbClr val="000000"/>
-                </a:solidFill>
-                <a:latin typeface="Consolas" panose="020B0609020204030204" pitchFamily="49" charset="0"/>
-              </a:rPr>
-              <a:t>}</a:t>
-            </a:r>
-          </a:p>
-          <a:p>
-            <a:endParaRPr lang="nb-NO" sz="1400" dirty="0">
+              <a:t>DefensiveBehaviour</a:t>
+            </a:r>
+            <a:r>
+              <a:rPr lang="nb-NO" dirty="0">
+                <a:solidFill>
+                  <a:srgbClr val="000000"/>
+                </a:solidFill>
+                <a:latin typeface="Consolas" panose="020B0609020204030204" pitchFamily="49" charset="0"/>
+              </a:rPr>
+              <a:t>());</a:t>
+            </a:r>
+          </a:p>
+          <a:p>
+            <a:endParaRPr lang="nb-NO" dirty="0">
               <a:solidFill>
                 <a:srgbClr val="000000"/>
               </a:solidFill>
@@ -11183,171 +11110,51 @@
           </a:p>
           <a:p>
             <a:r>
-              <a:rPr lang="nb-NO" sz="1400" dirty="0" err="1">
-                <a:solidFill>
-                  <a:srgbClr val="0000FF"/>
-                </a:solidFill>
-                <a:latin typeface="Consolas" panose="020B0609020204030204" pitchFamily="49" charset="0"/>
-              </a:rPr>
-              <a:t>public</a:t>
-            </a:r>
-            <a:r>
-              <a:rPr lang="nb-NO" sz="1400" dirty="0">
-                <a:solidFill>
-                  <a:srgbClr val="000000"/>
+              <a:rPr lang="nb-NO" dirty="0">
+                <a:solidFill>
+                  <a:srgbClr val="000000"/>
+                </a:solidFill>
+                <a:latin typeface="Consolas" panose="020B0609020204030204" pitchFamily="49" charset="0"/>
+              </a:rPr>
+              <a:t>        r1.Move();  </a:t>
+            </a:r>
+            <a:r>
+              <a:rPr lang="nb-NO" dirty="0">
+                <a:solidFill>
+                  <a:srgbClr val="008000"/>
+                </a:solidFill>
+                <a:latin typeface="Consolas" panose="020B0609020204030204" pitchFamily="49" charset="0"/>
+              </a:rPr>
+              <a:t>// </a:t>
+            </a:r>
+            <a:r>
+              <a:rPr lang="nb-NO" dirty="0" err="1">
+                <a:solidFill>
+                  <a:srgbClr val="008000"/>
+                </a:solidFill>
+                <a:latin typeface="Consolas" panose="020B0609020204030204" pitchFamily="49" charset="0"/>
+              </a:rPr>
+              <a:t>Moves</a:t>
+            </a:r>
+            <a:r>
+              <a:rPr lang="nb-NO" dirty="0">
+                <a:solidFill>
+                  <a:srgbClr val="008000"/>
                 </a:solidFill>
                 <a:latin typeface="Consolas" panose="020B0609020204030204" pitchFamily="49" charset="0"/>
               </a:rPr>
               <a:t> </a:t>
             </a:r>
             <a:r>
-              <a:rPr lang="nb-NO" sz="1400" dirty="0" err="1">
-                <a:solidFill>
-                  <a:srgbClr val="0000FF"/>
-                </a:solidFill>
-                <a:latin typeface="Consolas" panose="020B0609020204030204" pitchFamily="49" charset="0"/>
-              </a:rPr>
-              <a:t>class</a:t>
-            </a:r>
-            <a:r>
-              <a:rPr lang="nb-NO" sz="1400" dirty="0">
-                <a:solidFill>
-                  <a:srgbClr val="000000"/>
-                </a:solidFill>
-                <a:latin typeface="Consolas" panose="020B0609020204030204" pitchFamily="49" charset="0"/>
-              </a:rPr>
-              <a:t> </a:t>
-            </a:r>
-            <a:r>
-              <a:rPr lang="nb-NO" sz="1400" dirty="0">
-                <a:solidFill>
-                  <a:srgbClr val="2B91AF"/>
-                </a:solidFill>
-                <a:latin typeface="Consolas" panose="020B0609020204030204" pitchFamily="49" charset="0"/>
-              </a:rPr>
-              <a:t>ConcreteElement2</a:t>
-            </a:r>
-            <a:r>
-              <a:rPr lang="nb-NO" sz="1400" dirty="0">
-                <a:solidFill>
-                  <a:srgbClr val="000000"/>
-                </a:solidFill>
-                <a:latin typeface="Consolas" panose="020B0609020204030204" pitchFamily="49" charset="0"/>
-              </a:rPr>
-              <a:t> : </a:t>
-            </a:r>
-            <a:r>
-              <a:rPr lang="nb-NO" sz="1400" dirty="0" err="1">
-                <a:solidFill>
-                  <a:srgbClr val="2B91AF"/>
-                </a:solidFill>
-                <a:latin typeface="Consolas" panose="020B0609020204030204" pitchFamily="49" charset="0"/>
-              </a:rPr>
-              <a:t>IElement</a:t>
-            </a:r>
-            <a:endParaRPr lang="nb-NO" sz="1400" dirty="0">
-              <a:solidFill>
-                <a:srgbClr val="2B91AF"/>
-              </a:solidFill>
-              <a:latin typeface="Consolas" panose="020B0609020204030204" pitchFamily="49" charset="0"/>
-            </a:endParaRPr>
-          </a:p>
-          <a:p>
-            <a:r>
-              <a:rPr lang="nb-NO" sz="1400" dirty="0">
-                <a:solidFill>
-                  <a:srgbClr val="000000"/>
-                </a:solidFill>
-                <a:latin typeface="Consolas" panose="020B0609020204030204" pitchFamily="49" charset="0"/>
-              </a:rPr>
-              <a:t>{</a:t>
-            </a:r>
-          </a:p>
-          <a:p>
-            <a:r>
-              <a:rPr lang="en-US" sz="1400" dirty="0">
-                <a:solidFill>
-                  <a:srgbClr val="000000"/>
-                </a:solidFill>
-                <a:latin typeface="Consolas" panose="020B0609020204030204" pitchFamily="49" charset="0"/>
-              </a:rPr>
-              <a:t>    </a:t>
-            </a:r>
-            <a:r>
-              <a:rPr lang="en-US" sz="1400" dirty="0">
-                <a:solidFill>
-                  <a:srgbClr val="0000FF"/>
-                </a:solidFill>
-                <a:latin typeface="Consolas" panose="020B0609020204030204" pitchFamily="49" charset="0"/>
-              </a:rPr>
-              <a:t>public</a:t>
-            </a:r>
-            <a:r>
-              <a:rPr lang="en-US" sz="1400" dirty="0">
-                <a:solidFill>
-                  <a:srgbClr val="000000"/>
-                </a:solidFill>
-                <a:latin typeface="Consolas" panose="020B0609020204030204" pitchFamily="49" charset="0"/>
-              </a:rPr>
-              <a:t> </a:t>
-            </a:r>
-            <a:r>
-              <a:rPr lang="en-US" sz="1400" dirty="0" err="1">
-                <a:solidFill>
-                  <a:srgbClr val="0000FF"/>
-                </a:solidFill>
-                <a:latin typeface="Consolas" panose="020B0609020204030204" pitchFamily="49" charset="0"/>
-              </a:rPr>
-              <a:t>int</a:t>
-            </a:r>
-            <a:r>
-              <a:rPr lang="en-US" sz="1400" dirty="0">
-                <a:solidFill>
-                  <a:srgbClr val="000000"/>
-                </a:solidFill>
-                <a:latin typeface="Consolas" panose="020B0609020204030204" pitchFamily="49" charset="0"/>
-              </a:rPr>
-              <a:t> Bar { </a:t>
-            </a:r>
-            <a:r>
-              <a:rPr lang="en-US" sz="1400" dirty="0">
-                <a:solidFill>
-                  <a:srgbClr val="0000FF"/>
-                </a:solidFill>
-                <a:latin typeface="Consolas" panose="020B0609020204030204" pitchFamily="49" charset="0"/>
-              </a:rPr>
-              <a:t>get</a:t>
-            </a:r>
-            <a:r>
-              <a:rPr lang="en-US" sz="1400" dirty="0">
-                <a:solidFill>
-                  <a:srgbClr val="000000"/>
-                </a:solidFill>
-                <a:latin typeface="Consolas" panose="020B0609020204030204" pitchFamily="49" charset="0"/>
-              </a:rPr>
-              <a:t>; </a:t>
-            </a:r>
-            <a:r>
-              <a:rPr lang="en-US" sz="1400" dirty="0">
-                <a:solidFill>
-                  <a:srgbClr val="0000FF"/>
-                </a:solidFill>
-                <a:latin typeface="Consolas" panose="020B0609020204030204" pitchFamily="49" charset="0"/>
-              </a:rPr>
-              <a:t>set</a:t>
-            </a:r>
-            <a:r>
-              <a:rPr lang="en-US" sz="1400" dirty="0">
-                <a:solidFill>
-                  <a:srgbClr val="000000"/>
-                </a:solidFill>
-                <a:latin typeface="Consolas" panose="020B0609020204030204" pitchFamily="49" charset="0"/>
-              </a:rPr>
-              <a:t>; }</a:t>
-            </a:r>
-          </a:p>
-          <a:p>
-            <a:endParaRPr lang="nb-NO" sz="1400" dirty="0">
+              <a:rPr lang="nb-NO" dirty="0" err="1">
+                <a:solidFill>
+                  <a:srgbClr val="008000"/>
+                </a:solidFill>
+                <a:latin typeface="Consolas" panose="020B0609020204030204" pitchFamily="49" charset="0"/>
+              </a:rPr>
+              <a:t>aggresively</a:t>
+            </a:r>
+            <a:endParaRPr lang="nb-NO" dirty="0">
               <a:solidFill>
                 <a:srgbClr val="000000"/>
               </a:solidFill>
@@ -11356,130 +11163,60 @@
           </a:p>
           <a:p>
             <a:r>
-              <a:rPr lang="en-US" sz="1400" dirty="0">
-                <a:solidFill>
-                  <a:srgbClr val="000000"/>
-                </a:solidFill>
-                <a:latin typeface="Consolas" panose="020B0609020204030204" pitchFamily="49" charset="0"/>
-              </a:rPr>
-              <a:t>    </a:t>
-            </a:r>
-            <a:r>
-              <a:rPr lang="en-US" sz="1400" dirty="0">
-                <a:solidFill>
-                  <a:srgbClr val="0000FF"/>
-                </a:solidFill>
-                <a:latin typeface="Consolas" panose="020B0609020204030204" pitchFamily="49" charset="0"/>
-              </a:rPr>
-              <a:t>public</a:t>
-            </a:r>
-            <a:r>
-              <a:rPr lang="en-US" sz="1400" dirty="0">
-                <a:solidFill>
-                  <a:srgbClr val="000000"/>
+              <a:rPr lang="nb-NO" dirty="0">
+                <a:solidFill>
+                  <a:srgbClr val="000000"/>
+                </a:solidFill>
+                <a:latin typeface="Consolas" panose="020B0609020204030204" pitchFamily="49" charset="0"/>
+              </a:rPr>
+              <a:t>        r2.Move();  </a:t>
+            </a:r>
+            <a:r>
+              <a:rPr lang="nb-NO" dirty="0">
+                <a:solidFill>
+                  <a:srgbClr val="008000"/>
+                </a:solidFill>
+                <a:latin typeface="Consolas" panose="020B0609020204030204" pitchFamily="49" charset="0"/>
+              </a:rPr>
+              <a:t>// </a:t>
+            </a:r>
+            <a:r>
+              <a:rPr lang="nb-NO" dirty="0" err="1">
+                <a:solidFill>
+                  <a:srgbClr val="008000"/>
+                </a:solidFill>
+                <a:latin typeface="Consolas" panose="020B0609020204030204" pitchFamily="49" charset="0"/>
+              </a:rPr>
+              <a:t>Moves</a:t>
+            </a:r>
+            <a:r>
+              <a:rPr lang="nb-NO" dirty="0">
+                <a:solidFill>
+                  <a:srgbClr val="008000"/>
                 </a:solidFill>
                 <a:latin typeface="Consolas" panose="020B0609020204030204" pitchFamily="49" charset="0"/>
               </a:rPr>
               <a:t> </a:t>
             </a:r>
             <a:r>
-              <a:rPr lang="en-US" sz="1400" dirty="0">
-                <a:solidFill>
-                  <a:srgbClr val="0000FF"/>
-                </a:solidFill>
-                <a:latin typeface="Consolas" panose="020B0609020204030204" pitchFamily="49" charset="0"/>
-              </a:rPr>
-              <a:t>void</a:t>
-            </a:r>
-            <a:r>
-              <a:rPr lang="en-US" sz="1400" dirty="0">
-                <a:solidFill>
-                  <a:srgbClr val="000000"/>
-                </a:solidFill>
-                <a:latin typeface="Consolas" panose="020B0609020204030204" pitchFamily="49" charset="0"/>
-              </a:rPr>
-              <a:t> Accept(</a:t>
-            </a:r>
-            <a:r>
-              <a:rPr lang="en-US" sz="1400" dirty="0" err="1">
-                <a:solidFill>
-                  <a:srgbClr val="2B91AF"/>
-                </a:solidFill>
-                <a:latin typeface="Consolas" panose="020B0609020204030204" pitchFamily="49" charset="0"/>
-              </a:rPr>
-              <a:t>IVisitor</a:t>
-            </a:r>
-            <a:r>
-              <a:rPr lang="en-US" sz="1400" dirty="0">
-                <a:solidFill>
-                  <a:srgbClr val="000000"/>
-                </a:solidFill>
-                <a:latin typeface="Consolas" panose="020B0609020204030204" pitchFamily="49" charset="0"/>
-              </a:rPr>
-              <a:t> visitor)</a:t>
-            </a:r>
-          </a:p>
-          <a:p>
-            <a:r>
-              <a:rPr lang="nb-NO" sz="1400" dirty="0">
-                <a:solidFill>
-                  <a:srgbClr val="000000"/>
-                </a:solidFill>
-                <a:latin typeface="Consolas" panose="020B0609020204030204" pitchFamily="49" charset="0"/>
-              </a:rPr>
-              <a:t>    {</a:t>
-            </a:r>
-          </a:p>
-          <a:p>
-            <a:r>
-              <a:rPr lang="nb-NO" sz="1400" dirty="0">
-                <a:solidFill>
-                  <a:srgbClr val="000000"/>
-                </a:solidFill>
-                <a:latin typeface="Consolas" panose="020B0609020204030204" pitchFamily="49" charset="0"/>
-              </a:rPr>
-              <a:t>        </a:t>
-            </a:r>
-            <a:r>
-              <a:rPr lang="nb-NO" sz="1400" dirty="0" err="1">
-                <a:solidFill>
-                  <a:srgbClr val="000000"/>
-                </a:solidFill>
-                <a:latin typeface="Consolas" panose="020B0609020204030204" pitchFamily="49" charset="0"/>
-              </a:rPr>
-              <a:t>visitor.Visit</a:t>
-            </a:r>
-            <a:r>
-              <a:rPr lang="nb-NO" sz="1400" dirty="0">
-                <a:solidFill>
-                  <a:srgbClr val="000000"/>
-                </a:solidFill>
-                <a:latin typeface="Consolas" panose="020B0609020204030204" pitchFamily="49" charset="0"/>
-              </a:rPr>
-              <a:t>(</a:t>
-            </a:r>
-            <a:r>
-              <a:rPr lang="nb-NO" sz="1400" dirty="0" err="1">
-                <a:solidFill>
-                  <a:srgbClr val="0000FF"/>
-                </a:solidFill>
-                <a:latin typeface="Consolas" panose="020B0609020204030204" pitchFamily="49" charset="0"/>
-              </a:rPr>
-              <a:t>this</a:t>
-            </a:r>
-            <a:r>
-              <a:rPr lang="nb-NO" sz="1400" dirty="0">
-                <a:solidFill>
-                  <a:srgbClr val="000000"/>
-                </a:solidFill>
-                <a:latin typeface="Consolas" panose="020B0609020204030204" pitchFamily="49" charset="0"/>
-              </a:rPr>
-              <a:t>);</a:t>
-            </a:r>
-          </a:p>
-          <a:p>
-            <a:r>
-              <a:rPr lang="nb-NO" sz="1400" dirty="0">
+              <a:rPr lang="nb-NO" dirty="0" err="1">
+                <a:solidFill>
+                  <a:srgbClr val="008000"/>
+                </a:solidFill>
+                <a:latin typeface="Consolas" panose="020B0609020204030204" pitchFamily="49" charset="0"/>
+              </a:rPr>
+              <a:t>defensively</a:t>
+            </a:r>
+            <a:endParaRPr lang="nb-NO" dirty="0">
+              <a:solidFill>
+                <a:srgbClr val="000000"/>
+              </a:solidFill>
+              <a:latin typeface="Consolas" panose="020B0609020204030204" pitchFamily="49" charset="0"/>
+            </a:endParaRPr>
+          </a:p>
+          <a:p>
+            <a:r>
+              <a:rPr lang="nb-NO" dirty="0">
                 <a:solidFill>
                   <a:srgbClr val="000000"/>
                 </a:solidFill>
@@ -11490,7 +11227,7 @@
           </a:p>
           <a:p>
             <a:r>
-              <a:rPr lang="nb-NO" sz="1400" dirty="0">
+              <a:rPr lang="nb-NO" dirty="0">
                 <a:solidFill>
                   <a:srgbClr val="000000"/>
                 </a:solidFill>
@@ -11498,6 +11235,7 @@
               </a:rPr>
               <a:t>}</a:t>
             </a:r>
+            <a:endParaRPr lang="nb-NO" dirty="0"/>
           </a:p>
         </p:txBody>
       </p:sp>
@@ -11505,6 +11243,2112 @@
     <p:extLst>
       <p:ext uri="{BB962C8B-B14F-4D97-AF65-F5344CB8AC3E}">
         <p14:creationId xmlns:p14="http://schemas.microsoft.com/office/powerpoint/2010/main" val="3746436238"/>
+      </p:ext>
+    </p:extLst>
+  </p:cSld>
+  <p:clrMapOvr>
+    <a:masterClrMapping/>
+  </p:clrMapOvr>
+  <p:timing>
+    <p:tnLst>
+      <p:par>
+        <p:cTn id="1" dur="indefinite" restart="never" nodeType="tmRoot">
+          <p:childTnLst>
+            <p:seq concurrent="1" nextAc="seek">
+              <p:cTn id="2" dur="indefinite" nodeType="mainSeq">
+                <p:childTnLst>
+                  <p:par>
+                    <p:cTn id="3" fill="hold">
+                      <p:stCondLst>
+                        <p:cond delay="indefinite"/>
+                      </p:stCondLst>
+                      <p:childTnLst>
+                        <p:par>
+                          <p:cTn id="4" fill="hold">
+                            <p:stCondLst>
+                              <p:cond delay="0"/>
+                            </p:stCondLst>
+                            <p:childTnLst>
+                              <p:par>
+                                <p:cTn id="5" presetID="1" presetClass="entr" presetSubtype="0" fill="hold" nodeType="clickEffect">
+                                  <p:stCondLst>
+                                    <p:cond delay="0"/>
+                                  </p:stCondLst>
+                                  <p:childTnLst>
+                                    <p:set>
+                                      <p:cBhvr>
+                                        <p:cTn id="6" dur="1" fill="hold">
+                                          <p:stCondLst>
+                                            <p:cond delay="0"/>
+                                          </p:stCondLst>
+                                        </p:cTn>
+                                        <p:tgtEl>
+                                          <p:spTgt spid="7">
+                                            <p:txEl>
+                                              <p:pRg st="0" end="0"/>
+                                            </p:txEl>
+                                          </p:spTgt>
+                                        </p:tgtEl>
+                                        <p:attrNameLst>
+                                          <p:attrName>style.visibility</p:attrName>
+                                        </p:attrNameLst>
+                                      </p:cBhvr>
+                                      <p:to>
+                                        <p:strVal val="visible"/>
+                                      </p:to>
+                                    </p:set>
+                                  </p:childTnLst>
+                                </p:cTn>
+                              </p:par>
+                              <p:par>
+                                <p:cTn id="7" presetID="1" presetClass="entr" presetSubtype="0" fill="hold" nodeType="withEffect">
+                                  <p:stCondLst>
+                                    <p:cond delay="0"/>
+                                  </p:stCondLst>
+                                  <p:childTnLst>
+                                    <p:set>
+                                      <p:cBhvr>
+                                        <p:cTn id="8" dur="1" fill="hold">
+                                          <p:stCondLst>
+                                            <p:cond delay="0"/>
+                                          </p:stCondLst>
+                                        </p:cTn>
+                                        <p:tgtEl>
+                                          <p:spTgt spid="7">
+                                            <p:txEl>
+                                              <p:pRg st="1" end="1"/>
+                                            </p:txEl>
+                                          </p:spTgt>
+                                        </p:tgtEl>
+                                        <p:attrNameLst>
+                                          <p:attrName>style.visibility</p:attrName>
+                                        </p:attrNameLst>
+                                      </p:cBhvr>
+                                      <p:to>
+                                        <p:strVal val="visible"/>
+                                      </p:to>
+                                    </p:set>
+                                  </p:childTnLst>
+                                </p:cTn>
+                              </p:par>
+                              <p:par>
+                                <p:cTn id="9" presetID="1" presetClass="entr" presetSubtype="0" fill="hold" nodeType="withEffect">
+                                  <p:stCondLst>
+                                    <p:cond delay="0"/>
+                                  </p:stCondLst>
+                                  <p:childTnLst>
+                                    <p:set>
+                                      <p:cBhvr>
+                                        <p:cTn id="10" dur="1" fill="hold">
+                                          <p:stCondLst>
+                                            <p:cond delay="0"/>
+                                          </p:stCondLst>
+                                        </p:cTn>
+                                        <p:tgtEl>
+                                          <p:spTgt spid="7">
+                                            <p:txEl>
+                                              <p:pRg st="2" end="2"/>
+                                            </p:txEl>
+                                          </p:spTgt>
+                                        </p:tgtEl>
+                                        <p:attrNameLst>
+                                          <p:attrName>style.visibility</p:attrName>
+                                        </p:attrNameLst>
+                                      </p:cBhvr>
+                                      <p:to>
+                                        <p:strVal val="visible"/>
+                                      </p:to>
+                                    </p:set>
+                                  </p:childTnLst>
+                                </p:cTn>
+                              </p:par>
+                              <p:par>
+                                <p:cTn id="11" presetID="1" presetClass="entr" presetSubtype="0" fill="hold" nodeType="withEffect">
+                                  <p:stCondLst>
+                                    <p:cond delay="0"/>
+                                  </p:stCondLst>
+                                  <p:childTnLst>
+                                    <p:set>
+                                      <p:cBhvr>
+                                        <p:cTn id="12" dur="1" fill="hold">
+                                          <p:stCondLst>
+                                            <p:cond delay="0"/>
+                                          </p:stCondLst>
+                                        </p:cTn>
+                                        <p:tgtEl>
+                                          <p:spTgt spid="7">
+                                            <p:txEl>
+                                              <p:pRg st="3" end="3"/>
+                                            </p:txEl>
+                                          </p:spTgt>
+                                        </p:tgtEl>
+                                        <p:attrNameLst>
+                                          <p:attrName>style.visibility</p:attrName>
+                                        </p:attrNameLst>
+                                      </p:cBhvr>
+                                      <p:to>
+                                        <p:strVal val="visible"/>
+                                      </p:to>
+                                    </p:set>
+                                  </p:childTnLst>
+                                </p:cTn>
+                              </p:par>
+                              <p:par>
+                                <p:cTn id="13" presetID="1" presetClass="entr" presetSubtype="0" fill="hold" nodeType="withEffect">
+                                  <p:stCondLst>
+                                    <p:cond delay="0"/>
+                                  </p:stCondLst>
+                                  <p:childTnLst>
+                                    <p:set>
+                                      <p:cBhvr>
+                                        <p:cTn id="14" dur="1" fill="hold">
+                                          <p:stCondLst>
+                                            <p:cond delay="0"/>
+                                          </p:stCondLst>
+                                        </p:cTn>
+                                        <p:tgtEl>
+                                          <p:spTgt spid="7">
+                                            <p:txEl>
+                                              <p:pRg st="4" end="4"/>
+                                            </p:txEl>
+                                          </p:spTgt>
+                                        </p:tgtEl>
+                                        <p:attrNameLst>
+                                          <p:attrName>style.visibility</p:attrName>
+                                        </p:attrNameLst>
+                                      </p:cBhvr>
+                                      <p:to>
+                                        <p:strVal val="visible"/>
+                                      </p:to>
+                                    </p:set>
+                                  </p:childTnLst>
+                                </p:cTn>
+                              </p:par>
+                              <p:par>
+                                <p:cTn id="15" presetID="1" presetClass="entr" presetSubtype="0" fill="hold" nodeType="withEffect">
+                                  <p:stCondLst>
+                                    <p:cond delay="0"/>
+                                  </p:stCondLst>
+                                  <p:childTnLst>
+                                    <p:set>
+                                      <p:cBhvr>
+                                        <p:cTn id="16" dur="1" fill="hold">
+                                          <p:stCondLst>
+                                            <p:cond delay="0"/>
+                                          </p:stCondLst>
+                                        </p:cTn>
+                                        <p:tgtEl>
+                                          <p:spTgt spid="7">
+                                            <p:txEl>
+                                              <p:pRg st="5" end="5"/>
+                                            </p:txEl>
+                                          </p:spTgt>
+                                        </p:tgtEl>
+                                        <p:attrNameLst>
+                                          <p:attrName>style.visibility</p:attrName>
+                                        </p:attrNameLst>
+                                      </p:cBhvr>
+                                      <p:to>
+                                        <p:strVal val="visible"/>
+                                      </p:to>
+                                    </p:set>
+                                  </p:childTnLst>
+                                </p:cTn>
+                              </p:par>
+                              <p:par>
+                                <p:cTn id="17" presetID="1" presetClass="entr" presetSubtype="0" fill="hold" nodeType="withEffect">
+                                  <p:stCondLst>
+                                    <p:cond delay="0"/>
+                                  </p:stCondLst>
+                                  <p:childTnLst>
+                                    <p:set>
+                                      <p:cBhvr>
+                                        <p:cTn id="18" dur="1" fill="hold">
+                                          <p:stCondLst>
+                                            <p:cond delay="0"/>
+                                          </p:stCondLst>
+                                        </p:cTn>
+                                        <p:tgtEl>
+                                          <p:spTgt spid="7">
+                                            <p:txEl>
+                                              <p:pRg st="7" end="7"/>
+                                            </p:txEl>
+                                          </p:spTgt>
+                                        </p:tgtEl>
+                                        <p:attrNameLst>
+                                          <p:attrName>style.visibility</p:attrName>
+                                        </p:attrNameLst>
+                                      </p:cBhvr>
+                                      <p:to>
+                                        <p:strVal val="visible"/>
+                                      </p:to>
+                                    </p:set>
+                                  </p:childTnLst>
+                                </p:cTn>
+                              </p:par>
+                              <p:par>
+                                <p:cTn id="19" presetID="1" presetClass="entr" presetSubtype="0" fill="hold" nodeType="withEffect">
+                                  <p:stCondLst>
+                                    <p:cond delay="0"/>
+                                  </p:stCondLst>
+                                  <p:childTnLst>
+                                    <p:set>
+                                      <p:cBhvr>
+                                        <p:cTn id="20" dur="1" fill="hold">
+                                          <p:stCondLst>
+                                            <p:cond delay="0"/>
+                                          </p:stCondLst>
+                                        </p:cTn>
+                                        <p:tgtEl>
+                                          <p:spTgt spid="7">
+                                            <p:txEl>
+                                              <p:pRg st="8" end="8"/>
+                                            </p:txEl>
+                                          </p:spTgt>
+                                        </p:tgtEl>
+                                        <p:attrNameLst>
+                                          <p:attrName>style.visibility</p:attrName>
+                                        </p:attrNameLst>
+                                      </p:cBhvr>
+                                      <p:to>
+                                        <p:strVal val="visible"/>
+                                      </p:to>
+                                    </p:set>
+                                  </p:childTnLst>
+                                </p:cTn>
+                              </p:par>
+                              <p:par>
+                                <p:cTn id="21" presetID="1" presetClass="entr" presetSubtype="0" fill="hold" nodeType="withEffect">
+                                  <p:stCondLst>
+                                    <p:cond delay="0"/>
+                                  </p:stCondLst>
+                                  <p:childTnLst>
+                                    <p:set>
+                                      <p:cBhvr>
+                                        <p:cTn id="22" dur="1" fill="hold">
+                                          <p:stCondLst>
+                                            <p:cond delay="0"/>
+                                          </p:stCondLst>
+                                        </p:cTn>
+                                        <p:tgtEl>
+                                          <p:spTgt spid="7">
+                                            <p:txEl>
+                                              <p:pRg st="10" end="10"/>
+                                            </p:txEl>
+                                          </p:spTgt>
+                                        </p:tgtEl>
+                                        <p:attrNameLst>
+                                          <p:attrName>style.visibility</p:attrName>
+                                        </p:attrNameLst>
+                                      </p:cBhvr>
+                                      <p:to>
+                                        <p:strVal val="visible"/>
+                                      </p:to>
+                                    </p:set>
+                                  </p:childTnLst>
+                                </p:cTn>
+                              </p:par>
+                              <p:par>
+                                <p:cTn id="23" presetID="1" presetClass="entr" presetSubtype="0" fill="hold" nodeType="withEffect">
+                                  <p:stCondLst>
+                                    <p:cond delay="0"/>
+                                  </p:stCondLst>
+                                  <p:childTnLst>
+                                    <p:set>
+                                      <p:cBhvr>
+                                        <p:cTn id="24" dur="1" fill="hold">
+                                          <p:stCondLst>
+                                            <p:cond delay="0"/>
+                                          </p:stCondLst>
+                                        </p:cTn>
+                                        <p:tgtEl>
+                                          <p:spTgt spid="7">
+                                            <p:txEl>
+                                              <p:pRg st="11" end="11"/>
+                                            </p:txEl>
+                                          </p:spTgt>
+                                        </p:tgtEl>
+                                        <p:attrNameLst>
+                                          <p:attrName>style.visibility</p:attrName>
+                                        </p:attrNameLst>
+                                      </p:cBhvr>
+                                      <p:to>
+                                        <p:strVal val="visible"/>
+                                      </p:to>
+                                    </p:set>
+                                  </p:childTnLst>
+                                </p:cTn>
+                              </p:par>
+                              <p:par>
+                                <p:cTn id="25" presetID="1" presetClass="entr" presetSubtype="0" fill="hold" nodeType="withEffect">
+                                  <p:stCondLst>
+                                    <p:cond delay="0"/>
+                                  </p:stCondLst>
+                                  <p:childTnLst>
+                                    <p:set>
+                                      <p:cBhvr>
+                                        <p:cTn id="26" dur="1" fill="hold">
+                                          <p:stCondLst>
+                                            <p:cond delay="0"/>
+                                          </p:stCondLst>
+                                        </p:cTn>
+                                        <p:tgtEl>
+                                          <p:spTgt spid="7">
+                                            <p:txEl>
+                                              <p:pRg st="12" end="12"/>
+                                            </p:txEl>
+                                          </p:spTgt>
+                                        </p:tgtEl>
+                                        <p:attrNameLst>
+                                          <p:attrName>style.visibility</p:attrName>
+                                        </p:attrNameLst>
+                                      </p:cBhvr>
+                                      <p:to>
+                                        <p:strVal val="visible"/>
+                                      </p:to>
+                                    </p:set>
+                                  </p:childTnLst>
+                                </p:cTn>
+                              </p:par>
+                              <p:par>
+                                <p:cTn id="27" presetID="1" presetClass="entr" presetSubtype="0" fill="hold" nodeType="withEffect">
+                                  <p:stCondLst>
+                                    <p:cond delay="0"/>
+                                  </p:stCondLst>
+                                  <p:childTnLst>
+                                    <p:set>
+                                      <p:cBhvr>
+                                        <p:cTn id="28" dur="1" fill="hold">
+                                          <p:stCondLst>
+                                            <p:cond delay="0"/>
+                                          </p:stCondLst>
+                                        </p:cTn>
+                                        <p:tgtEl>
+                                          <p:spTgt spid="7">
+                                            <p:txEl>
+                                              <p:pRg st="13" end="13"/>
+                                            </p:txEl>
+                                          </p:spTgt>
+                                        </p:tgtEl>
+                                        <p:attrNameLst>
+                                          <p:attrName>style.visibility</p:attrName>
+                                        </p:attrNameLst>
+                                      </p:cBhvr>
+                                      <p:to>
+                                        <p:strVal val="visible"/>
+                                      </p:to>
+                                    </p:set>
+                                  </p:childTnLst>
+                                </p:cTn>
+                              </p:par>
+                            </p:childTnLst>
+                          </p:cTn>
+                        </p:par>
+                      </p:childTnLst>
+                    </p:cTn>
+                  </p:par>
+                </p:childTnLst>
+              </p:cTn>
+              <p:prevCondLst>
+                <p:cond evt="onPrev" delay="0">
+                  <p:tgtEl>
+                    <p:sldTgt/>
+                  </p:tgtEl>
+                </p:cond>
+              </p:prevCondLst>
+              <p:nextCondLst>
+                <p:cond evt="onNext" delay="0">
+                  <p:tgtEl>
+                    <p:sldTgt/>
+                  </p:tgtEl>
+                </p:cond>
+              </p:nextCondLst>
+            </p:seq>
+          </p:childTnLst>
+        </p:cTn>
+      </p:par>
+    </p:tnLst>
+  </p:timing>
+</p:sld>
+</file>
+
+<file path=ppt/slides/slide12.xml><?xml version="1.0" encoding="utf-8"?>
+<p:sld xmlns:a="http://schemas.openxmlformats.org/drawingml/2006/main" xmlns:r="http://schemas.openxmlformats.org/officeDocument/2006/relationships" xmlns:p="http://schemas.openxmlformats.org/presentationml/2006/main">
+  <p:cSld>
+    <p:spTree>
+      <p:nvGrpSpPr>
+        <p:cNvPr id="1" name=""/>
+        <p:cNvGrpSpPr/>
+        <p:nvPr/>
+      </p:nvGrpSpPr>
+      <p:grpSpPr>
+        <a:xfrm>
+          <a:off x="0" y="0"/>
+          <a:ext cx="0" cy="0"/>
+          <a:chOff x="0" y="0"/>
+          <a:chExt cx="0" cy="0"/>
+        </a:xfrm>
+      </p:grpSpPr>
+      <p:sp>
+        <p:nvSpPr>
+          <p:cNvPr id="3" name="Title 2"/>
+          <p:cNvSpPr>
+            <a:spLocks noGrp="1"/>
+          </p:cNvSpPr>
+          <p:nvPr>
+            <p:ph type="title"/>
+          </p:nvPr>
+        </p:nvSpPr>
+        <p:spPr>
+          <a:xfrm>
+            <a:off x="1234799" y="365126"/>
+            <a:ext cx="3755341" cy="963024"/>
+          </a:xfrm>
+        </p:spPr>
+        <p:txBody>
+          <a:bodyPr/>
+          <a:lstStyle/>
+          <a:p>
+            <a:r>
+              <a:rPr lang="nb-NO" dirty="0" err="1"/>
+              <a:t>Strategy</a:t>
+            </a:r>
+            <a:r>
+              <a:rPr lang="nb-NO" dirty="0"/>
+              <a:t> - kode</a:t>
+            </a:r>
+          </a:p>
+        </p:txBody>
+      </p:sp>
+      <p:sp>
+        <p:nvSpPr>
+          <p:cNvPr id="4" name="Content Placeholder 3"/>
+          <p:cNvSpPr>
+            <a:spLocks noGrp="1"/>
+          </p:cNvSpPr>
+          <p:nvPr>
+            <p:ph idx="1"/>
+          </p:nvPr>
+        </p:nvSpPr>
+        <p:spPr>
+          <a:xfrm>
+            <a:off x="1234799" y="1636626"/>
+            <a:ext cx="2909817" cy="4351338"/>
+          </a:xfrm>
+        </p:spPr>
+        <p:txBody>
+          <a:bodyPr/>
+          <a:lstStyle/>
+          <a:p>
+            <a:pPr marL="0" indent="0">
+              <a:buNone/>
+            </a:pPr>
+            <a:r>
+              <a:rPr lang="nb-NO" dirty="0"/>
+              <a:t>Robot</a:t>
+            </a:r>
+          </a:p>
+        </p:txBody>
+      </p:sp>
+      <p:sp>
+        <p:nvSpPr>
+          <p:cNvPr id="2" name="Rektangel 1">
+            <a:extLst>
+              <a:ext uri="{FF2B5EF4-FFF2-40B4-BE49-F238E27FC236}">
+                <a16:creationId xmlns:a16="http://schemas.microsoft.com/office/drawing/2014/main" id="{B23235FA-3C5A-4A80-8FA2-036DAB964921}"/>
+              </a:ext>
+            </a:extLst>
+          </p:cNvPr>
+          <p:cNvSpPr/>
+          <p:nvPr/>
+        </p:nvSpPr>
+        <p:spPr>
+          <a:xfrm>
+            <a:off x="3316448" y="1636626"/>
+            <a:ext cx="6876176" cy="3970318"/>
+          </a:xfrm>
+          <a:prstGeom prst="rect">
+            <a:avLst/>
+          </a:prstGeom>
+        </p:spPr>
+        <p:txBody>
+          <a:bodyPr wrap="square">
+            <a:spAutoFit/>
+          </a:bodyPr>
+          <a:lstStyle/>
+          <a:p>
+            <a:r>
+              <a:rPr lang="nb-NO" dirty="0" err="1">
+                <a:solidFill>
+                  <a:srgbClr val="0000FF"/>
+                </a:solidFill>
+                <a:latin typeface="Consolas" panose="020B0609020204030204" pitchFamily="49" charset="0"/>
+              </a:rPr>
+              <a:t>class</a:t>
+            </a:r>
+            <a:r>
+              <a:rPr lang="nb-NO" dirty="0">
+                <a:solidFill>
+                  <a:srgbClr val="000000"/>
+                </a:solidFill>
+                <a:latin typeface="Consolas" panose="020B0609020204030204" pitchFamily="49" charset="0"/>
+              </a:rPr>
+              <a:t> </a:t>
+            </a:r>
+            <a:r>
+              <a:rPr lang="nb-NO" dirty="0">
+                <a:solidFill>
+                  <a:srgbClr val="2B91AF"/>
+                </a:solidFill>
+                <a:latin typeface="Consolas" panose="020B0609020204030204" pitchFamily="49" charset="0"/>
+              </a:rPr>
+              <a:t>Robot</a:t>
+            </a:r>
+            <a:endParaRPr lang="nb-NO" dirty="0">
+              <a:solidFill>
+                <a:srgbClr val="000000"/>
+              </a:solidFill>
+              <a:latin typeface="Consolas" panose="020B0609020204030204" pitchFamily="49" charset="0"/>
+            </a:endParaRPr>
+          </a:p>
+          <a:p>
+            <a:r>
+              <a:rPr lang="nb-NO" dirty="0">
+                <a:solidFill>
+                  <a:srgbClr val="000000"/>
+                </a:solidFill>
+                <a:latin typeface="Consolas" panose="020B0609020204030204" pitchFamily="49" charset="0"/>
+              </a:rPr>
+              <a:t>{</a:t>
+            </a:r>
+          </a:p>
+          <a:p>
+            <a:r>
+              <a:rPr lang="nb-NO" dirty="0">
+                <a:solidFill>
+                  <a:srgbClr val="000000"/>
+                </a:solidFill>
+                <a:latin typeface="Consolas" panose="020B0609020204030204" pitchFamily="49" charset="0"/>
+              </a:rPr>
+              <a:t>    </a:t>
+            </a:r>
+            <a:r>
+              <a:rPr lang="nb-NO" dirty="0" err="1">
+                <a:solidFill>
+                  <a:srgbClr val="2B91AF"/>
+                </a:solidFill>
+                <a:latin typeface="Consolas" panose="020B0609020204030204" pitchFamily="49" charset="0"/>
+              </a:rPr>
+              <a:t>IBehaviour</a:t>
+            </a:r>
+            <a:r>
+              <a:rPr lang="nb-NO" dirty="0">
+                <a:solidFill>
+                  <a:srgbClr val="000000"/>
+                </a:solidFill>
+                <a:latin typeface="Consolas" panose="020B0609020204030204" pitchFamily="49" charset="0"/>
+              </a:rPr>
+              <a:t> _</a:t>
+            </a:r>
+            <a:r>
+              <a:rPr lang="nb-NO" dirty="0" err="1">
+                <a:solidFill>
+                  <a:srgbClr val="000000"/>
+                </a:solidFill>
+                <a:latin typeface="Consolas" panose="020B0609020204030204" pitchFamily="49" charset="0"/>
+              </a:rPr>
+              <a:t>behaviour</a:t>
+            </a:r>
+            <a:r>
+              <a:rPr lang="nb-NO" dirty="0">
+                <a:solidFill>
+                  <a:srgbClr val="000000"/>
+                </a:solidFill>
+                <a:latin typeface="Consolas" panose="020B0609020204030204" pitchFamily="49" charset="0"/>
+              </a:rPr>
+              <a:t>;</a:t>
+            </a:r>
+          </a:p>
+          <a:p>
+            <a:endParaRPr lang="nb-NO" dirty="0">
+              <a:solidFill>
+                <a:srgbClr val="000000"/>
+              </a:solidFill>
+              <a:latin typeface="Consolas" panose="020B0609020204030204" pitchFamily="49" charset="0"/>
+            </a:endParaRPr>
+          </a:p>
+          <a:p>
+            <a:r>
+              <a:rPr lang="en-US" dirty="0">
+                <a:solidFill>
+                  <a:srgbClr val="000000"/>
+                </a:solidFill>
+                <a:latin typeface="Consolas" panose="020B0609020204030204" pitchFamily="49" charset="0"/>
+              </a:rPr>
+              <a:t>    </a:t>
+            </a:r>
+            <a:r>
+              <a:rPr lang="en-US" dirty="0">
+                <a:solidFill>
+                  <a:srgbClr val="0000FF"/>
+                </a:solidFill>
+                <a:latin typeface="Consolas" panose="020B0609020204030204" pitchFamily="49" charset="0"/>
+              </a:rPr>
+              <a:t>public</a:t>
+            </a:r>
+            <a:r>
+              <a:rPr lang="en-US" dirty="0">
+                <a:solidFill>
+                  <a:srgbClr val="000000"/>
+                </a:solidFill>
+                <a:latin typeface="Consolas" panose="020B0609020204030204" pitchFamily="49" charset="0"/>
+              </a:rPr>
+              <a:t> </a:t>
+            </a:r>
+            <a:r>
+              <a:rPr lang="en-US" dirty="0">
+                <a:solidFill>
+                  <a:srgbClr val="0000FF"/>
+                </a:solidFill>
+                <a:latin typeface="Consolas" panose="020B0609020204030204" pitchFamily="49" charset="0"/>
+              </a:rPr>
+              <a:t>void</a:t>
+            </a:r>
+            <a:r>
+              <a:rPr lang="en-US" dirty="0">
+                <a:solidFill>
+                  <a:srgbClr val="000000"/>
+                </a:solidFill>
+                <a:latin typeface="Consolas" panose="020B0609020204030204" pitchFamily="49" charset="0"/>
+              </a:rPr>
+              <a:t> </a:t>
+            </a:r>
+            <a:r>
+              <a:rPr lang="en-US" dirty="0" err="1">
+                <a:solidFill>
+                  <a:srgbClr val="000000"/>
+                </a:solidFill>
+                <a:latin typeface="Consolas" panose="020B0609020204030204" pitchFamily="49" charset="0"/>
+              </a:rPr>
+              <a:t>SetBehaviour</a:t>
+            </a:r>
+            <a:r>
+              <a:rPr lang="en-US" dirty="0">
+                <a:solidFill>
+                  <a:srgbClr val="000000"/>
+                </a:solidFill>
+                <a:latin typeface="Consolas" panose="020B0609020204030204" pitchFamily="49" charset="0"/>
+              </a:rPr>
+              <a:t>(</a:t>
+            </a:r>
+            <a:r>
+              <a:rPr lang="en-US" dirty="0" err="1">
+                <a:solidFill>
+                  <a:srgbClr val="2B91AF"/>
+                </a:solidFill>
+                <a:latin typeface="Consolas" panose="020B0609020204030204" pitchFamily="49" charset="0"/>
+              </a:rPr>
+              <a:t>IBehaviour</a:t>
+            </a:r>
+            <a:r>
+              <a:rPr lang="en-US" dirty="0">
+                <a:solidFill>
+                  <a:srgbClr val="000000"/>
+                </a:solidFill>
+                <a:latin typeface="Consolas" panose="020B0609020204030204" pitchFamily="49" charset="0"/>
+              </a:rPr>
+              <a:t> </a:t>
+            </a:r>
+            <a:r>
+              <a:rPr lang="en-US" dirty="0" err="1">
+                <a:solidFill>
+                  <a:srgbClr val="000000"/>
+                </a:solidFill>
+                <a:latin typeface="Consolas" panose="020B0609020204030204" pitchFamily="49" charset="0"/>
+              </a:rPr>
+              <a:t>behaviour</a:t>
+            </a:r>
+            <a:r>
+              <a:rPr lang="en-US" dirty="0">
+                <a:solidFill>
+                  <a:srgbClr val="000000"/>
+                </a:solidFill>
+                <a:latin typeface="Consolas" panose="020B0609020204030204" pitchFamily="49" charset="0"/>
+              </a:rPr>
+              <a:t>)</a:t>
+            </a:r>
+          </a:p>
+          <a:p>
+            <a:r>
+              <a:rPr lang="nb-NO" dirty="0">
+                <a:solidFill>
+                  <a:srgbClr val="000000"/>
+                </a:solidFill>
+                <a:latin typeface="Consolas" panose="020B0609020204030204" pitchFamily="49" charset="0"/>
+              </a:rPr>
+              <a:t>    {</a:t>
+            </a:r>
+          </a:p>
+          <a:p>
+            <a:r>
+              <a:rPr lang="nb-NO" dirty="0">
+                <a:solidFill>
+                  <a:srgbClr val="000000"/>
+                </a:solidFill>
+                <a:latin typeface="Consolas" panose="020B0609020204030204" pitchFamily="49" charset="0"/>
+              </a:rPr>
+              <a:t>        _</a:t>
+            </a:r>
+            <a:r>
+              <a:rPr lang="nb-NO" dirty="0" err="1">
+                <a:solidFill>
+                  <a:srgbClr val="000000"/>
+                </a:solidFill>
+                <a:latin typeface="Consolas" panose="020B0609020204030204" pitchFamily="49" charset="0"/>
+              </a:rPr>
+              <a:t>behaviour</a:t>
+            </a:r>
+            <a:r>
+              <a:rPr lang="nb-NO" dirty="0">
+                <a:solidFill>
+                  <a:srgbClr val="000000"/>
+                </a:solidFill>
+                <a:latin typeface="Consolas" panose="020B0609020204030204" pitchFamily="49" charset="0"/>
+              </a:rPr>
+              <a:t> = </a:t>
+            </a:r>
+            <a:r>
+              <a:rPr lang="nb-NO" dirty="0" err="1">
+                <a:solidFill>
+                  <a:srgbClr val="000000"/>
+                </a:solidFill>
+                <a:latin typeface="Consolas" panose="020B0609020204030204" pitchFamily="49" charset="0"/>
+              </a:rPr>
+              <a:t>behaviour</a:t>
+            </a:r>
+            <a:r>
+              <a:rPr lang="nb-NO" dirty="0">
+                <a:solidFill>
+                  <a:srgbClr val="000000"/>
+                </a:solidFill>
+                <a:latin typeface="Consolas" panose="020B0609020204030204" pitchFamily="49" charset="0"/>
+              </a:rPr>
+              <a:t>;</a:t>
+            </a:r>
+          </a:p>
+          <a:p>
+            <a:r>
+              <a:rPr lang="nb-NO" dirty="0">
+                <a:solidFill>
+                  <a:srgbClr val="000000"/>
+                </a:solidFill>
+                <a:latin typeface="Consolas" panose="020B0609020204030204" pitchFamily="49" charset="0"/>
+              </a:rPr>
+              <a:t>    }</a:t>
+            </a:r>
+          </a:p>
+          <a:p>
+            <a:endParaRPr lang="nb-NO" dirty="0">
+              <a:solidFill>
+                <a:srgbClr val="000000"/>
+              </a:solidFill>
+              <a:latin typeface="Consolas" panose="020B0609020204030204" pitchFamily="49" charset="0"/>
+            </a:endParaRPr>
+          </a:p>
+          <a:p>
+            <a:r>
+              <a:rPr lang="nb-NO" dirty="0">
+                <a:solidFill>
+                  <a:srgbClr val="000000"/>
+                </a:solidFill>
+                <a:latin typeface="Consolas" panose="020B0609020204030204" pitchFamily="49" charset="0"/>
+              </a:rPr>
+              <a:t>    </a:t>
+            </a:r>
+            <a:r>
+              <a:rPr lang="nb-NO" dirty="0" err="1">
+                <a:solidFill>
+                  <a:srgbClr val="0000FF"/>
+                </a:solidFill>
+                <a:latin typeface="Consolas" panose="020B0609020204030204" pitchFamily="49" charset="0"/>
+              </a:rPr>
+              <a:t>public</a:t>
+            </a:r>
+            <a:r>
+              <a:rPr lang="nb-NO" dirty="0">
+                <a:solidFill>
+                  <a:srgbClr val="000000"/>
+                </a:solidFill>
+                <a:latin typeface="Consolas" panose="020B0609020204030204" pitchFamily="49" charset="0"/>
+              </a:rPr>
+              <a:t> </a:t>
+            </a:r>
+            <a:r>
+              <a:rPr lang="nb-NO" dirty="0" err="1">
+                <a:solidFill>
+                  <a:srgbClr val="0000FF"/>
+                </a:solidFill>
+                <a:latin typeface="Consolas" panose="020B0609020204030204" pitchFamily="49" charset="0"/>
+              </a:rPr>
+              <a:t>void</a:t>
+            </a:r>
+            <a:r>
+              <a:rPr lang="nb-NO" dirty="0">
+                <a:solidFill>
+                  <a:srgbClr val="000000"/>
+                </a:solidFill>
+                <a:latin typeface="Consolas" panose="020B0609020204030204" pitchFamily="49" charset="0"/>
+              </a:rPr>
+              <a:t> </a:t>
+            </a:r>
+            <a:r>
+              <a:rPr lang="nb-NO" dirty="0" err="1">
+                <a:solidFill>
+                  <a:srgbClr val="000000"/>
+                </a:solidFill>
+                <a:latin typeface="Consolas" panose="020B0609020204030204" pitchFamily="49" charset="0"/>
+              </a:rPr>
+              <a:t>Move</a:t>
+            </a:r>
+            <a:r>
+              <a:rPr lang="nb-NO" dirty="0">
+                <a:solidFill>
+                  <a:srgbClr val="000000"/>
+                </a:solidFill>
+                <a:latin typeface="Consolas" panose="020B0609020204030204" pitchFamily="49" charset="0"/>
+              </a:rPr>
+              <a:t>()</a:t>
+            </a:r>
+          </a:p>
+          <a:p>
+            <a:r>
+              <a:rPr lang="nb-NO" dirty="0">
+                <a:solidFill>
+                  <a:srgbClr val="000000"/>
+                </a:solidFill>
+                <a:latin typeface="Consolas" panose="020B0609020204030204" pitchFamily="49" charset="0"/>
+              </a:rPr>
+              <a:t>    {</a:t>
+            </a:r>
+          </a:p>
+          <a:p>
+            <a:r>
+              <a:rPr lang="nb-NO" dirty="0">
+                <a:solidFill>
+                  <a:srgbClr val="000000"/>
+                </a:solidFill>
+                <a:latin typeface="Consolas" panose="020B0609020204030204" pitchFamily="49" charset="0"/>
+              </a:rPr>
+              <a:t>        _</a:t>
+            </a:r>
+            <a:r>
+              <a:rPr lang="nb-NO" dirty="0" err="1">
+                <a:solidFill>
+                  <a:srgbClr val="000000"/>
+                </a:solidFill>
+                <a:latin typeface="Consolas" panose="020B0609020204030204" pitchFamily="49" charset="0"/>
+              </a:rPr>
+              <a:t>behaviour.MoveCommand</a:t>
+            </a:r>
+            <a:r>
+              <a:rPr lang="nb-NO" dirty="0">
+                <a:solidFill>
+                  <a:srgbClr val="000000"/>
+                </a:solidFill>
+                <a:latin typeface="Consolas" panose="020B0609020204030204" pitchFamily="49" charset="0"/>
+              </a:rPr>
+              <a:t>();</a:t>
+            </a:r>
+          </a:p>
+          <a:p>
+            <a:r>
+              <a:rPr lang="nb-NO" dirty="0">
+                <a:solidFill>
+                  <a:srgbClr val="000000"/>
+                </a:solidFill>
+                <a:latin typeface="Consolas" panose="020B0609020204030204" pitchFamily="49" charset="0"/>
+              </a:rPr>
+              <a:t>    }</a:t>
+            </a:r>
+          </a:p>
+          <a:p>
+            <a:r>
+              <a:rPr lang="nb-NO" dirty="0">
+                <a:solidFill>
+                  <a:srgbClr val="000000"/>
+                </a:solidFill>
+                <a:latin typeface="Consolas" panose="020B0609020204030204" pitchFamily="49" charset="0"/>
+              </a:rPr>
+              <a:t>}</a:t>
+            </a:r>
+            <a:endParaRPr lang="nb-NO" dirty="0"/>
+          </a:p>
+        </p:txBody>
+      </p:sp>
+    </p:spTree>
+    <p:extLst>
+      <p:ext uri="{BB962C8B-B14F-4D97-AF65-F5344CB8AC3E}">
+        <p14:creationId xmlns:p14="http://schemas.microsoft.com/office/powerpoint/2010/main" val="989118854"/>
+      </p:ext>
+    </p:extLst>
+  </p:cSld>
+  <p:clrMapOvr>
+    <a:masterClrMapping/>
+  </p:clrMapOvr>
+  <p:timing>
+    <p:tnLst>
+      <p:par>
+        <p:cTn id="1" dur="indefinite" restart="never" nodeType="tmRoot">
+          <p:childTnLst>
+            <p:seq concurrent="1" nextAc="seek">
+              <p:cTn id="2" dur="indefinite" nodeType="mainSeq">
+                <p:childTnLst>
+                  <p:par>
+                    <p:cTn id="3" fill="hold">
+                      <p:stCondLst>
+                        <p:cond delay="indefinite"/>
+                      </p:stCondLst>
+                      <p:childTnLst>
+                        <p:par>
+                          <p:cTn id="4" fill="hold">
+                            <p:stCondLst>
+                              <p:cond delay="0"/>
+                            </p:stCondLst>
+                            <p:childTnLst>
+                              <p:par>
+                                <p:cTn id="5" presetID="1" presetClass="entr" presetSubtype="0" fill="hold" nodeType="clickEffect">
+                                  <p:stCondLst>
+                                    <p:cond delay="0"/>
+                                  </p:stCondLst>
+                                  <p:childTnLst>
+                                    <p:set>
+                                      <p:cBhvr>
+                                        <p:cTn id="6" dur="1" fill="hold">
+                                          <p:stCondLst>
+                                            <p:cond delay="0"/>
+                                          </p:stCondLst>
+                                        </p:cTn>
+                                        <p:tgtEl>
+                                          <p:spTgt spid="2">
+                                            <p:txEl>
+                                              <p:pRg st="0" end="0"/>
+                                            </p:txEl>
+                                          </p:spTgt>
+                                        </p:tgtEl>
+                                        <p:attrNameLst>
+                                          <p:attrName>style.visibility</p:attrName>
+                                        </p:attrNameLst>
+                                      </p:cBhvr>
+                                      <p:to>
+                                        <p:strVal val="visible"/>
+                                      </p:to>
+                                    </p:set>
+                                  </p:childTnLst>
+                                </p:cTn>
+                              </p:par>
+                              <p:par>
+                                <p:cTn id="7" presetID="1" presetClass="entr" presetSubtype="0" fill="hold" nodeType="withEffect">
+                                  <p:stCondLst>
+                                    <p:cond delay="0"/>
+                                  </p:stCondLst>
+                                  <p:childTnLst>
+                                    <p:set>
+                                      <p:cBhvr>
+                                        <p:cTn id="8" dur="1" fill="hold">
+                                          <p:stCondLst>
+                                            <p:cond delay="0"/>
+                                          </p:stCondLst>
+                                        </p:cTn>
+                                        <p:tgtEl>
+                                          <p:spTgt spid="2">
+                                            <p:txEl>
+                                              <p:pRg st="1" end="1"/>
+                                            </p:txEl>
+                                          </p:spTgt>
+                                        </p:tgtEl>
+                                        <p:attrNameLst>
+                                          <p:attrName>style.visibility</p:attrName>
+                                        </p:attrNameLst>
+                                      </p:cBhvr>
+                                      <p:to>
+                                        <p:strVal val="visible"/>
+                                      </p:to>
+                                    </p:set>
+                                  </p:childTnLst>
+                                </p:cTn>
+                              </p:par>
+                              <p:par>
+                                <p:cTn id="9" presetID="1" presetClass="entr" presetSubtype="0" fill="hold" nodeType="withEffect">
+                                  <p:stCondLst>
+                                    <p:cond delay="0"/>
+                                  </p:stCondLst>
+                                  <p:childTnLst>
+                                    <p:set>
+                                      <p:cBhvr>
+                                        <p:cTn id="10" dur="1" fill="hold">
+                                          <p:stCondLst>
+                                            <p:cond delay="0"/>
+                                          </p:stCondLst>
+                                        </p:cTn>
+                                        <p:tgtEl>
+                                          <p:spTgt spid="2">
+                                            <p:txEl>
+                                              <p:pRg st="2" end="2"/>
+                                            </p:txEl>
+                                          </p:spTgt>
+                                        </p:tgtEl>
+                                        <p:attrNameLst>
+                                          <p:attrName>style.visibility</p:attrName>
+                                        </p:attrNameLst>
+                                      </p:cBhvr>
+                                      <p:to>
+                                        <p:strVal val="visible"/>
+                                      </p:to>
+                                    </p:set>
+                                  </p:childTnLst>
+                                </p:cTn>
+                              </p:par>
+                              <p:par>
+                                <p:cTn id="11" presetID="1" presetClass="entr" presetSubtype="0" fill="hold" nodeType="withEffect">
+                                  <p:stCondLst>
+                                    <p:cond delay="0"/>
+                                  </p:stCondLst>
+                                  <p:childTnLst>
+                                    <p:set>
+                                      <p:cBhvr>
+                                        <p:cTn id="12" dur="1" fill="hold">
+                                          <p:stCondLst>
+                                            <p:cond delay="0"/>
+                                          </p:stCondLst>
+                                        </p:cTn>
+                                        <p:tgtEl>
+                                          <p:spTgt spid="2">
+                                            <p:txEl>
+                                              <p:pRg st="4" end="4"/>
+                                            </p:txEl>
+                                          </p:spTgt>
+                                        </p:tgtEl>
+                                        <p:attrNameLst>
+                                          <p:attrName>style.visibility</p:attrName>
+                                        </p:attrNameLst>
+                                      </p:cBhvr>
+                                      <p:to>
+                                        <p:strVal val="visible"/>
+                                      </p:to>
+                                    </p:set>
+                                  </p:childTnLst>
+                                </p:cTn>
+                              </p:par>
+                              <p:par>
+                                <p:cTn id="13" presetID="1" presetClass="entr" presetSubtype="0" fill="hold" nodeType="withEffect">
+                                  <p:stCondLst>
+                                    <p:cond delay="0"/>
+                                  </p:stCondLst>
+                                  <p:childTnLst>
+                                    <p:set>
+                                      <p:cBhvr>
+                                        <p:cTn id="14" dur="1" fill="hold">
+                                          <p:stCondLst>
+                                            <p:cond delay="0"/>
+                                          </p:stCondLst>
+                                        </p:cTn>
+                                        <p:tgtEl>
+                                          <p:spTgt spid="2">
+                                            <p:txEl>
+                                              <p:pRg st="5" end="5"/>
+                                            </p:txEl>
+                                          </p:spTgt>
+                                        </p:tgtEl>
+                                        <p:attrNameLst>
+                                          <p:attrName>style.visibility</p:attrName>
+                                        </p:attrNameLst>
+                                      </p:cBhvr>
+                                      <p:to>
+                                        <p:strVal val="visible"/>
+                                      </p:to>
+                                    </p:set>
+                                  </p:childTnLst>
+                                </p:cTn>
+                              </p:par>
+                              <p:par>
+                                <p:cTn id="15" presetID="1" presetClass="entr" presetSubtype="0" fill="hold" nodeType="withEffect">
+                                  <p:stCondLst>
+                                    <p:cond delay="0"/>
+                                  </p:stCondLst>
+                                  <p:childTnLst>
+                                    <p:set>
+                                      <p:cBhvr>
+                                        <p:cTn id="16" dur="1" fill="hold">
+                                          <p:stCondLst>
+                                            <p:cond delay="0"/>
+                                          </p:stCondLst>
+                                        </p:cTn>
+                                        <p:tgtEl>
+                                          <p:spTgt spid="2">
+                                            <p:txEl>
+                                              <p:pRg st="6" end="6"/>
+                                            </p:txEl>
+                                          </p:spTgt>
+                                        </p:tgtEl>
+                                        <p:attrNameLst>
+                                          <p:attrName>style.visibility</p:attrName>
+                                        </p:attrNameLst>
+                                      </p:cBhvr>
+                                      <p:to>
+                                        <p:strVal val="visible"/>
+                                      </p:to>
+                                    </p:set>
+                                  </p:childTnLst>
+                                </p:cTn>
+                              </p:par>
+                              <p:par>
+                                <p:cTn id="17" presetID="1" presetClass="entr" presetSubtype="0" fill="hold" nodeType="withEffect">
+                                  <p:stCondLst>
+                                    <p:cond delay="0"/>
+                                  </p:stCondLst>
+                                  <p:childTnLst>
+                                    <p:set>
+                                      <p:cBhvr>
+                                        <p:cTn id="18" dur="1" fill="hold">
+                                          <p:stCondLst>
+                                            <p:cond delay="0"/>
+                                          </p:stCondLst>
+                                        </p:cTn>
+                                        <p:tgtEl>
+                                          <p:spTgt spid="2">
+                                            <p:txEl>
+                                              <p:pRg st="7" end="7"/>
+                                            </p:txEl>
+                                          </p:spTgt>
+                                        </p:tgtEl>
+                                        <p:attrNameLst>
+                                          <p:attrName>style.visibility</p:attrName>
+                                        </p:attrNameLst>
+                                      </p:cBhvr>
+                                      <p:to>
+                                        <p:strVal val="visible"/>
+                                      </p:to>
+                                    </p:set>
+                                  </p:childTnLst>
+                                </p:cTn>
+                              </p:par>
+                              <p:par>
+                                <p:cTn id="19" presetID="1" presetClass="entr" presetSubtype="0" fill="hold" nodeType="withEffect">
+                                  <p:stCondLst>
+                                    <p:cond delay="0"/>
+                                  </p:stCondLst>
+                                  <p:childTnLst>
+                                    <p:set>
+                                      <p:cBhvr>
+                                        <p:cTn id="20" dur="1" fill="hold">
+                                          <p:stCondLst>
+                                            <p:cond delay="0"/>
+                                          </p:stCondLst>
+                                        </p:cTn>
+                                        <p:tgtEl>
+                                          <p:spTgt spid="2">
+                                            <p:txEl>
+                                              <p:pRg st="9" end="9"/>
+                                            </p:txEl>
+                                          </p:spTgt>
+                                        </p:tgtEl>
+                                        <p:attrNameLst>
+                                          <p:attrName>style.visibility</p:attrName>
+                                        </p:attrNameLst>
+                                      </p:cBhvr>
+                                      <p:to>
+                                        <p:strVal val="visible"/>
+                                      </p:to>
+                                    </p:set>
+                                  </p:childTnLst>
+                                </p:cTn>
+                              </p:par>
+                              <p:par>
+                                <p:cTn id="21" presetID="1" presetClass="entr" presetSubtype="0" fill="hold" nodeType="withEffect">
+                                  <p:stCondLst>
+                                    <p:cond delay="0"/>
+                                  </p:stCondLst>
+                                  <p:childTnLst>
+                                    <p:set>
+                                      <p:cBhvr>
+                                        <p:cTn id="22" dur="1" fill="hold">
+                                          <p:stCondLst>
+                                            <p:cond delay="0"/>
+                                          </p:stCondLst>
+                                        </p:cTn>
+                                        <p:tgtEl>
+                                          <p:spTgt spid="2">
+                                            <p:txEl>
+                                              <p:pRg st="10" end="10"/>
+                                            </p:txEl>
+                                          </p:spTgt>
+                                        </p:tgtEl>
+                                        <p:attrNameLst>
+                                          <p:attrName>style.visibility</p:attrName>
+                                        </p:attrNameLst>
+                                      </p:cBhvr>
+                                      <p:to>
+                                        <p:strVal val="visible"/>
+                                      </p:to>
+                                    </p:set>
+                                  </p:childTnLst>
+                                </p:cTn>
+                              </p:par>
+                              <p:par>
+                                <p:cTn id="23" presetID="1" presetClass="entr" presetSubtype="0" fill="hold" nodeType="withEffect">
+                                  <p:stCondLst>
+                                    <p:cond delay="0"/>
+                                  </p:stCondLst>
+                                  <p:childTnLst>
+                                    <p:set>
+                                      <p:cBhvr>
+                                        <p:cTn id="24" dur="1" fill="hold">
+                                          <p:stCondLst>
+                                            <p:cond delay="0"/>
+                                          </p:stCondLst>
+                                        </p:cTn>
+                                        <p:tgtEl>
+                                          <p:spTgt spid="2">
+                                            <p:txEl>
+                                              <p:pRg st="11" end="11"/>
+                                            </p:txEl>
+                                          </p:spTgt>
+                                        </p:tgtEl>
+                                        <p:attrNameLst>
+                                          <p:attrName>style.visibility</p:attrName>
+                                        </p:attrNameLst>
+                                      </p:cBhvr>
+                                      <p:to>
+                                        <p:strVal val="visible"/>
+                                      </p:to>
+                                    </p:set>
+                                  </p:childTnLst>
+                                </p:cTn>
+                              </p:par>
+                              <p:par>
+                                <p:cTn id="25" presetID="1" presetClass="entr" presetSubtype="0" fill="hold" nodeType="withEffect">
+                                  <p:stCondLst>
+                                    <p:cond delay="0"/>
+                                  </p:stCondLst>
+                                  <p:childTnLst>
+                                    <p:set>
+                                      <p:cBhvr>
+                                        <p:cTn id="26" dur="1" fill="hold">
+                                          <p:stCondLst>
+                                            <p:cond delay="0"/>
+                                          </p:stCondLst>
+                                        </p:cTn>
+                                        <p:tgtEl>
+                                          <p:spTgt spid="2">
+                                            <p:txEl>
+                                              <p:pRg st="12" end="12"/>
+                                            </p:txEl>
+                                          </p:spTgt>
+                                        </p:tgtEl>
+                                        <p:attrNameLst>
+                                          <p:attrName>style.visibility</p:attrName>
+                                        </p:attrNameLst>
+                                      </p:cBhvr>
+                                      <p:to>
+                                        <p:strVal val="visible"/>
+                                      </p:to>
+                                    </p:set>
+                                  </p:childTnLst>
+                                </p:cTn>
+                              </p:par>
+                              <p:par>
+                                <p:cTn id="27" presetID="1" presetClass="entr" presetSubtype="0" fill="hold" nodeType="withEffect">
+                                  <p:stCondLst>
+                                    <p:cond delay="0"/>
+                                  </p:stCondLst>
+                                  <p:childTnLst>
+                                    <p:set>
+                                      <p:cBhvr>
+                                        <p:cTn id="28" dur="1" fill="hold">
+                                          <p:stCondLst>
+                                            <p:cond delay="0"/>
+                                          </p:stCondLst>
+                                        </p:cTn>
+                                        <p:tgtEl>
+                                          <p:spTgt spid="2">
+                                            <p:txEl>
+                                              <p:pRg st="13" end="13"/>
+                                            </p:txEl>
+                                          </p:spTgt>
+                                        </p:tgtEl>
+                                        <p:attrNameLst>
+                                          <p:attrName>style.visibility</p:attrName>
+                                        </p:attrNameLst>
+                                      </p:cBhvr>
+                                      <p:to>
+                                        <p:strVal val="visible"/>
+                                      </p:to>
+                                    </p:set>
+                                  </p:childTnLst>
+                                </p:cTn>
+                              </p:par>
+                            </p:childTnLst>
+                          </p:cTn>
+                        </p:par>
+                      </p:childTnLst>
+                    </p:cTn>
+                  </p:par>
+                </p:childTnLst>
+              </p:cTn>
+              <p:prevCondLst>
+                <p:cond evt="onPrev" delay="0">
+                  <p:tgtEl>
+                    <p:sldTgt/>
+                  </p:tgtEl>
+                </p:cond>
+              </p:prevCondLst>
+              <p:nextCondLst>
+                <p:cond evt="onNext" delay="0">
+                  <p:tgtEl>
+                    <p:sldTgt/>
+                  </p:tgtEl>
+                </p:cond>
+              </p:nextCondLst>
+            </p:seq>
+          </p:childTnLst>
+        </p:cTn>
+      </p:par>
+    </p:tnLst>
+  </p:timing>
+</p:sld>
+</file>
+
+<file path=ppt/slides/slide13.xml><?xml version="1.0" encoding="utf-8"?>
+<p:sld xmlns:a="http://schemas.openxmlformats.org/drawingml/2006/main" xmlns:r="http://schemas.openxmlformats.org/officeDocument/2006/relationships" xmlns:p="http://schemas.openxmlformats.org/presentationml/2006/main">
+  <p:cSld>
+    <p:spTree>
+      <p:nvGrpSpPr>
+        <p:cNvPr id="1" name=""/>
+        <p:cNvGrpSpPr/>
+        <p:nvPr/>
+      </p:nvGrpSpPr>
+      <p:grpSpPr>
+        <a:xfrm>
+          <a:off x="0" y="0"/>
+          <a:ext cx="0" cy="0"/>
+          <a:chOff x="0" y="0"/>
+          <a:chExt cx="0" cy="0"/>
+        </a:xfrm>
+      </p:grpSpPr>
+      <p:sp>
+        <p:nvSpPr>
+          <p:cNvPr id="3" name="Title 2"/>
+          <p:cNvSpPr>
+            <a:spLocks noGrp="1"/>
+          </p:cNvSpPr>
+          <p:nvPr>
+            <p:ph type="title"/>
+          </p:nvPr>
+        </p:nvSpPr>
+        <p:spPr>
+          <a:xfrm>
+            <a:off x="1234799" y="365126"/>
+            <a:ext cx="3755341" cy="963024"/>
+          </a:xfrm>
+        </p:spPr>
+        <p:txBody>
+          <a:bodyPr/>
+          <a:lstStyle/>
+          <a:p>
+            <a:r>
+              <a:rPr lang="nb-NO" dirty="0" err="1"/>
+              <a:t>Strategy</a:t>
+            </a:r>
+            <a:r>
+              <a:rPr lang="nb-NO" dirty="0"/>
+              <a:t> - kode</a:t>
+            </a:r>
+          </a:p>
+        </p:txBody>
+      </p:sp>
+      <p:sp>
+        <p:nvSpPr>
+          <p:cNvPr id="4" name="Content Placeholder 3"/>
+          <p:cNvSpPr>
+            <a:spLocks noGrp="1"/>
+          </p:cNvSpPr>
+          <p:nvPr>
+            <p:ph idx="1"/>
+          </p:nvPr>
+        </p:nvSpPr>
+        <p:spPr>
+          <a:xfrm>
+            <a:off x="1234799" y="1544470"/>
+            <a:ext cx="2909817" cy="4351338"/>
+          </a:xfrm>
+        </p:spPr>
+        <p:txBody>
+          <a:bodyPr/>
+          <a:lstStyle/>
+          <a:p>
+            <a:pPr marL="0" indent="0">
+              <a:buNone/>
+            </a:pPr>
+            <a:r>
+              <a:rPr lang="nb-NO" dirty="0" err="1"/>
+              <a:t>Behaviour</a:t>
+            </a:r>
+            <a:endParaRPr lang="nb-NO" dirty="0"/>
+          </a:p>
+          <a:p>
+            <a:pPr marL="0" indent="0">
+              <a:buNone/>
+            </a:pPr>
+            <a:r>
+              <a:rPr lang="nb-NO" dirty="0"/>
+              <a:t>(Strategiene)</a:t>
+            </a:r>
+          </a:p>
+        </p:txBody>
+      </p:sp>
+      <p:sp>
+        <p:nvSpPr>
+          <p:cNvPr id="5" name="Rektangel 4">
+            <a:extLst>
+              <a:ext uri="{FF2B5EF4-FFF2-40B4-BE49-F238E27FC236}">
+                <a16:creationId xmlns:a16="http://schemas.microsoft.com/office/drawing/2014/main" id="{9C8DC9AB-4C9A-4307-890A-1742022EB5B5}"/>
+              </a:ext>
+            </a:extLst>
+          </p:cNvPr>
+          <p:cNvSpPr/>
+          <p:nvPr/>
+        </p:nvSpPr>
+        <p:spPr>
+          <a:xfrm>
+            <a:off x="3749879" y="1544470"/>
+            <a:ext cx="8103764" cy="5170646"/>
+          </a:xfrm>
+          <a:prstGeom prst="rect">
+            <a:avLst/>
+          </a:prstGeom>
+        </p:spPr>
+        <p:txBody>
+          <a:bodyPr wrap="square">
+            <a:spAutoFit/>
+          </a:bodyPr>
+          <a:lstStyle/>
+          <a:p>
+            <a:r>
+              <a:rPr lang="nb-NO" sz="1600" dirty="0" err="1">
+                <a:solidFill>
+                  <a:srgbClr val="0000FF"/>
+                </a:solidFill>
+                <a:latin typeface="Consolas" panose="020B0609020204030204" pitchFamily="49" charset="0"/>
+              </a:rPr>
+              <a:t>public</a:t>
+            </a:r>
+            <a:r>
+              <a:rPr lang="nb-NO" sz="1600" dirty="0">
+                <a:solidFill>
+                  <a:srgbClr val="000000"/>
+                </a:solidFill>
+                <a:latin typeface="Consolas" panose="020B0609020204030204" pitchFamily="49" charset="0"/>
+              </a:rPr>
+              <a:t> </a:t>
+            </a:r>
+            <a:r>
+              <a:rPr lang="nb-NO" sz="1600" dirty="0" err="1">
+                <a:solidFill>
+                  <a:srgbClr val="0000FF"/>
+                </a:solidFill>
+                <a:latin typeface="Consolas" panose="020B0609020204030204" pitchFamily="49" charset="0"/>
+              </a:rPr>
+              <a:t>interface</a:t>
+            </a:r>
+            <a:r>
+              <a:rPr lang="nb-NO" sz="1600" dirty="0">
+                <a:solidFill>
+                  <a:srgbClr val="000000"/>
+                </a:solidFill>
+                <a:latin typeface="Consolas" panose="020B0609020204030204" pitchFamily="49" charset="0"/>
+              </a:rPr>
+              <a:t> </a:t>
+            </a:r>
+            <a:r>
+              <a:rPr lang="nb-NO" sz="1600" dirty="0" err="1">
+                <a:solidFill>
+                  <a:srgbClr val="2B91AF"/>
+                </a:solidFill>
+                <a:latin typeface="Consolas" panose="020B0609020204030204" pitchFamily="49" charset="0"/>
+              </a:rPr>
+              <a:t>IBehaviour</a:t>
+            </a:r>
+            <a:endParaRPr lang="nb-NO" sz="1600" dirty="0">
+              <a:solidFill>
+                <a:srgbClr val="000000"/>
+              </a:solidFill>
+              <a:latin typeface="Consolas" panose="020B0609020204030204" pitchFamily="49" charset="0"/>
+            </a:endParaRPr>
+          </a:p>
+          <a:p>
+            <a:r>
+              <a:rPr lang="nb-NO" sz="1600" dirty="0">
+                <a:solidFill>
+                  <a:srgbClr val="000000"/>
+                </a:solidFill>
+                <a:latin typeface="Consolas" panose="020B0609020204030204" pitchFamily="49" charset="0"/>
+              </a:rPr>
+              <a:t>{</a:t>
+            </a:r>
+          </a:p>
+          <a:p>
+            <a:r>
+              <a:rPr lang="nb-NO" sz="1600" dirty="0">
+                <a:solidFill>
+                  <a:srgbClr val="000000"/>
+                </a:solidFill>
+                <a:latin typeface="Consolas" panose="020B0609020204030204" pitchFamily="49" charset="0"/>
+              </a:rPr>
+              <a:t>    </a:t>
+            </a:r>
+            <a:r>
+              <a:rPr lang="nb-NO" sz="1600" dirty="0" err="1">
+                <a:solidFill>
+                  <a:srgbClr val="0000FF"/>
+                </a:solidFill>
+                <a:latin typeface="Consolas" panose="020B0609020204030204" pitchFamily="49" charset="0"/>
+              </a:rPr>
+              <a:t>void</a:t>
+            </a:r>
+            <a:r>
+              <a:rPr lang="nb-NO" sz="1600" dirty="0">
+                <a:solidFill>
+                  <a:srgbClr val="000000"/>
+                </a:solidFill>
+                <a:latin typeface="Consolas" panose="020B0609020204030204" pitchFamily="49" charset="0"/>
+              </a:rPr>
+              <a:t> </a:t>
+            </a:r>
+            <a:r>
+              <a:rPr lang="nb-NO" sz="1600" dirty="0" err="1">
+                <a:solidFill>
+                  <a:srgbClr val="000000"/>
+                </a:solidFill>
+                <a:latin typeface="Consolas" panose="020B0609020204030204" pitchFamily="49" charset="0"/>
+              </a:rPr>
+              <a:t>MoveCommand</a:t>
+            </a:r>
+            <a:r>
+              <a:rPr lang="nb-NO" sz="1600" dirty="0">
+                <a:solidFill>
+                  <a:srgbClr val="000000"/>
+                </a:solidFill>
+                <a:latin typeface="Consolas" panose="020B0609020204030204" pitchFamily="49" charset="0"/>
+              </a:rPr>
+              <a:t>();</a:t>
+            </a:r>
+          </a:p>
+          <a:p>
+            <a:r>
+              <a:rPr lang="nb-NO" sz="1600" dirty="0">
+                <a:solidFill>
+                  <a:srgbClr val="000000"/>
+                </a:solidFill>
+                <a:latin typeface="Consolas" panose="020B0609020204030204" pitchFamily="49" charset="0"/>
+              </a:rPr>
+              <a:t>}</a:t>
+            </a:r>
+          </a:p>
+          <a:p>
+            <a:endParaRPr lang="nb-NO" sz="1600" dirty="0">
+              <a:solidFill>
+                <a:srgbClr val="000000"/>
+              </a:solidFill>
+              <a:latin typeface="Consolas" panose="020B0609020204030204" pitchFamily="49" charset="0"/>
+            </a:endParaRPr>
+          </a:p>
+          <a:p>
+            <a:r>
+              <a:rPr lang="nb-NO" sz="1600" dirty="0" err="1">
+                <a:solidFill>
+                  <a:srgbClr val="0000FF"/>
+                </a:solidFill>
+                <a:latin typeface="Consolas" panose="020B0609020204030204" pitchFamily="49" charset="0"/>
+              </a:rPr>
+              <a:t>public</a:t>
+            </a:r>
+            <a:r>
+              <a:rPr lang="nb-NO" sz="1600" dirty="0">
+                <a:solidFill>
+                  <a:srgbClr val="000000"/>
+                </a:solidFill>
+                <a:latin typeface="Consolas" panose="020B0609020204030204" pitchFamily="49" charset="0"/>
+              </a:rPr>
+              <a:t> </a:t>
+            </a:r>
+            <a:r>
+              <a:rPr lang="nb-NO" sz="1600" dirty="0" err="1">
+                <a:solidFill>
+                  <a:srgbClr val="0000FF"/>
+                </a:solidFill>
+                <a:latin typeface="Consolas" panose="020B0609020204030204" pitchFamily="49" charset="0"/>
+              </a:rPr>
+              <a:t>class</a:t>
+            </a:r>
+            <a:r>
+              <a:rPr lang="nb-NO" sz="1600" dirty="0">
+                <a:solidFill>
+                  <a:srgbClr val="000000"/>
+                </a:solidFill>
+                <a:latin typeface="Consolas" panose="020B0609020204030204" pitchFamily="49" charset="0"/>
+              </a:rPr>
+              <a:t> </a:t>
+            </a:r>
+            <a:r>
+              <a:rPr lang="nb-NO" sz="1600" dirty="0" err="1">
+                <a:solidFill>
+                  <a:srgbClr val="2B91AF"/>
+                </a:solidFill>
+                <a:latin typeface="Consolas" panose="020B0609020204030204" pitchFamily="49" charset="0"/>
+              </a:rPr>
+              <a:t>AgressiveBehaviour</a:t>
+            </a:r>
+            <a:r>
+              <a:rPr lang="nb-NO" sz="1600" dirty="0">
+                <a:solidFill>
+                  <a:srgbClr val="000000"/>
+                </a:solidFill>
+                <a:latin typeface="Consolas" panose="020B0609020204030204" pitchFamily="49" charset="0"/>
+              </a:rPr>
+              <a:t> : </a:t>
+            </a:r>
+            <a:r>
+              <a:rPr lang="nb-NO" sz="1600" dirty="0" err="1">
+                <a:solidFill>
+                  <a:srgbClr val="2B91AF"/>
+                </a:solidFill>
+                <a:latin typeface="Consolas" panose="020B0609020204030204" pitchFamily="49" charset="0"/>
+              </a:rPr>
+              <a:t>IBehaviour</a:t>
+            </a:r>
+            <a:endParaRPr lang="nb-NO" sz="1600" dirty="0">
+              <a:solidFill>
+                <a:srgbClr val="000000"/>
+              </a:solidFill>
+              <a:latin typeface="Consolas" panose="020B0609020204030204" pitchFamily="49" charset="0"/>
+            </a:endParaRPr>
+          </a:p>
+          <a:p>
+            <a:r>
+              <a:rPr lang="nb-NO" sz="1600" dirty="0">
+                <a:solidFill>
+                  <a:srgbClr val="000000"/>
+                </a:solidFill>
+                <a:latin typeface="Consolas" panose="020B0609020204030204" pitchFamily="49" charset="0"/>
+              </a:rPr>
+              <a:t>{</a:t>
+            </a:r>
+          </a:p>
+          <a:p>
+            <a:r>
+              <a:rPr lang="nb-NO" sz="1600" dirty="0">
+                <a:solidFill>
+                  <a:srgbClr val="000000"/>
+                </a:solidFill>
+                <a:latin typeface="Consolas" panose="020B0609020204030204" pitchFamily="49" charset="0"/>
+              </a:rPr>
+              <a:t>    </a:t>
+            </a:r>
+            <a:r>
+              <a:rPr lang="nb-NO" sz="1600" dirty="0" err="1">
+                <a:solidFill>
+                  <a:srgbClr val="0000FF"/>
+                </a:solidFill>
+                <a:latin typeface="Consolas" panose="020B0609020204030204" pitchFamily="49" charset="0"/>
+              </a:rPr>
+              <a:t>public</a:t>
+            </a:r>
+            <a:r>
+              <a:rPr lang="nb-NO" sz="1600" dirty="0">
+                <a:solidFill>
+                  <a:srgbClr val="000000"/>
+                </a:solidFill>
+                <a:latin typeface="Consolas" panose="020B0609020204030204" pitchFamily="49" charset="0"/>
+              </a:rPr>
+              <a:t> </a:t>
+            </a:r>
+            <a:r>
+              <a:rPr lang="nb-NO" sz="1600" dirty="0" err="1">
+                <a:solidFill>
+                  <a:srgbClr val="0000FF"/>
+                </a:solidFill>
+                <a:latin typeface="Consolas" panose="020B0609020204030204" pitchFamily="49" charset="0"/>
+              </a:rPr>
+              <a:t>void</a:t>
+            </a:r>
+            <a:r>
+              <a:rPr lang="nb-NO" sz="1600" dirty="0">
+                <a:solidFill>
+                  <a:srgbClr val="000000"/>
+                </a:solidFill>
+                <a:latin typeface="Consolas" panose="020B0609020204030204" pitchFamily="49" charset="0"/>
+              </a:rPr>
+              <a:t> </a:t>
+            </a:r>
+            <a:r>
+              <a:rPr lang="nb-NO" sz="1600" dirty="0" err="1">
+                <a:solidFill>
+                  <a:srgbClr val="000000"/>
+                </a:solidFill>
+                <a:latin typeface="Consolas" panose="020B0609020204030204" pitchFamily="49" charset="0"/>
+              </a:rPr>
+              <a:t>MoveCommand</a:t>
+            </a:r>
+            <a:r>
+              <a:rPr lang="nb-NO" sz="1600" dirty="0">
+                <a:solidFill>
+                  <a:srgbClr val="000000"/>
+                </a:solidFill>
+                <a:latin typeface="Consolas" panose="020B0609020204030204" pitchFamily="49" charset="0"/>
+              </a:rPr>
+              <a:t>()</a:t>
+            </a:r>
+          </a:p>
+          <a:p>
+            <a:r>
+              <a:rPr lang="nb-NO" sz="1600" dirty="0">
+                <a:solidFill>
+                  <a:srgbClr val="000000"/>
+                </a:solidFill>
+                <a:latin typeface="Consolas" panose="020B0609020204030204" pitchFamily="49" charset="0"/>
+              </a:rPr>
+              <a:t>    {</a:t>
+            </a:r>
+          </a:p>
+          <a:p>
+            <a:r>
+              <a:rPr lang="en-US" sz="1600" dirty="0">
+                <a:solidFill>
+                  <a:srgbClr val="000000"/>
+                </a:solidFill>
+                <a:latin typeface="Consolas" panose="020B0609020204030204" pitchFamily="49" charset="0"/>
+              </a:rPr>
+              <a:t>        </a:t>
+            </a:r>
+            <a:r>
+              <a:rPr lang="en-US" sz="1600" dirty="0" err="1">
+                <a:solidFill>
+                  <a:srgbClr val="2B91AF"/>
+                </a:solidFill>
+                <a:latin typeface="Consolas" panose="020B0609020204030204" pitchFamily="49" charset="0"/>
+              </a:rPr>
+              <a:t>Console</a:t>
+            </a:r>
+            <a:r>
+              <a:rPr lang="en-US" sz="1600" dirty="0" err="1">
+                <a:solidFill>
+                  <a:srgbClr val="000000"/>
+                </a:solidFill>
+                <a:latin typeface="Consolas" panose="020B0609020204030204" pitchFamily="49" charset="0"/>
+              </a:rPr>
+              <a:t>.WriteLine</a:t>
+            </a:r>
+            <a:r>
+              <a:rPr lang="en-US" sz="1600" dirty="0">
+                <a:solidFill>
+                  <a:srgbClr val="000000"/>
+                </a:solidFill>
+                <a:latin typeface="Consolas" panose="020B0609020204030204" pitchFamily="49" charset="0"/>
+              </a:rPr>
+              <a:t>(</a:t>
+            </a:r>
+            <a:r>
+              <a:rPr lang="en-US" sz="1600" dirty="0">
+                <a:solidFill>
+                  <a:srgbClr val="A31515"/>
+                </a:solidFill>
+                <a:latin typeface="Consolas" panose="020B0609020204030204" pitchFamily="49" charset="0"/>
+              </a:rPr>
+              <a:t>“If find another robot attack it"</a:t>
+            </a:r>
+            <a:r>
+              <a:rPr lang="en-US" sz="1600" dirty="0">
+                <a:solidFill>
+                  <a:srgbClr val="000000"/>
+                </a:solidFill>
+                <a:latin typeface="Consolas" panose="020B0609020204030204" pitchFamily="49" charset="0"/>
+              </a:rPr>
+              <a:t>);</a:t>
+            </a:r>
+          </a:p>
+          <a:p>
+            <a:r>
+              <a:rPr lang="nb-NO" sz="1600" dirty="0">
+                <a:solidFill>
+                  <a:srgbClr val="000000"/>
+                </a:solidFill>
+                <a:latin typeface="Consolas" panose="020B0609020204030204" pitchFamily="49" charset="0"/>
+              </a:rPr>
+              <a:t>    }</a:t>
+            </a:r>
+          </a:p>
+          <a:p>
+            <a:r>
+              <a:rPr lang="nb-NO" sz="1600" dirty="0">
+                <a:solidFill>
+                  <a:srgbClr val="000000"/>
+                </a:solidFill>
+                <a:latin typeface="Consolas" panose="020B0609020204030204" pitchFamily="49" charset="0"/>
+              </a:rPr>
+              <a:t>}</a:t>
+            </a:r>
+          </a:p>
+          <a:p>
+            <a:endParaRPr lang="nb-NO" sz="1600" dirty="0">
+              <a:solidFill>
+                <a:srgbClr val="000000"/>
+              </a:solidFill>
+              <a:latin typeface="Consolas" panose="020B0609020204030204" pitchFamily="49" charset="0"/>
+            </a:endParaRPr>
+          </a:p>
+          <a:p>
+            <a:r>
+              <a:rPr lang="nb-NO" sz="1600" dirty="0" err="1">
+                <a:solidFill>
+                  <a:srgbClr val="0000FF"/>
+                </a:solidFill>
+                <a:latin typeface="Consolas" panose="020B0609020204030204" pitchFamily="49" charset="0"/>
+              </a:rPr>
+              <a:t>public</a:t>
+            </a:r>
+            <a:r>
+              <a:rPr lang="nb-NO" sz="1600" dirty="0">
+                <a:solidFill>
+                  <a:srgbClr val="000000"/>
+                </a:solidFill>
+                <a:latin typeface="Consolas" panose="020B0609020204030204" pitchFamily="49" charset="0"/>
+              </a:rPr>
+              <a:t> </a:t>
+            </a:r>
+            <a:r>
+              <a:rPr lang="nb-NO" sz="1600" dirty="0" err="1">
+                <a:solidFill>
+                  <a:srgbClr val="0000FF"/>
+                </a:solidFill>
+                <a:latin typeface="Consolas" panose="020B0609020204030204" pitchFamily="49" charset="0"/>
+              </a:rPr>
+              <a:t>class</a:t>
+            </a:r>
+            <a:r>
+              <a:rPr lang="nb-NO" sz="1600" dirty="0">
+                <a:solidFill>
+                  <a:srgbClr val="000000"/>
+                </a:solidFill>
+                <a:latin typeface="Consolas" panose="020B0609020204030204" pitchFamily="49" charset="0"/>
+              </a:rPr>
+              <a:t> </a:t>
+            </a:r>
+            <a:r>
+              <a:rPr lang="nb-NO" sz="1600" dirty="0" err="1">
+                <a:solidFill>
+                  <a:srgbClr val="2B91AF"/>
+                </a:solidFill>
+                <a:latin typeface="Consolas" panose="020B0609020204030204" pitchFamily="49" charset="0"/>
+              </a:rPr>
+              <a:t>DefensiveBehaviour</a:t>
+            </a:r>
+            <a:r>
+              <a:rPr lang="nb-NO" sz="1600" dirty="0">
+                <a:solidFill>
+                  <a:srgbClr val="000000"/>
+                </a:solidFill>
+                <a:latin typeface="Consolas" panose="020B0609020204030204" pitchFamily="49" charset="0"/>
+              </a:rPr>
+              <a:t> : </a:t>
+            </a:r>
+            <a:r>
+              <a:rPr lang="nb-NO" sz="1600" dirty="0" err="1">
+                <a:solidFill>
+                  <a:srgbClr val="2B91AF"/>
+                </a:solidFill>
+                <a:latin typeface="Consolas" panose="020B0609020204030204" pitchFamily="49" charset="0"/>
+              </a:rPr>
+              <a:t>IBehaviour</a:t>
+            </a:r>
+            <a:endParaRPr lang="nb-NO" sz="1600" dirty="0">
+              <a:solidFill>
+                <a:srgbClr val="000000"/>
+              </a:solidFill>
+              <a:latin typeface="Consolas" panose="020B0609020204030204" pitchFamily="49" charset="0"/>
+            </a:endParaRPr>
+          </a:p>
+          <a:p>
+            <a:r>
+              <a:rPr lang="nb-NO" sz="1600" dirty="0">
+                <a:solidFill>
+                  <a:srgbClr val="000000"/>
+                </a:solidFill>
+                <a:latin typeface="Consolas" panose="020B0609020204030204" pitchFamily="49" charset="0"/>
+              </a:rPr>
+              <a:t>{</a:t>
+            </a:r>
+          </a:p>
+          <a:p>
+            <a:r>
+              <a:rPr lang="nb-NO" sz="1600" dirty="0">
+                <a:solidFill>
+                  <a:srgbClr val="000000"/>
+                </a:solidFill>
+                <a:latin typeface="Consolas" panose="020B0609020204030204" pitchFamily="49" charset="0"/>
+              </a:rPr>
+              <a:t>    </a:t>
+            </a:r>
+            <a:r>
+              <a:rPr lang="nb-NO" sz="1600" dirty="0" err="1">
+                <a:solidFill>
+                  <a:srgbClr val="0000FF"/>
+                </a:solidFill>
+                <a:latin typeface="Consolas" panose="020B0609020204030204" pitchFamily="49" charset="0"/>
+              </a:rPr>
+              <a:t>public</a:t>
+            </a:r>
+            <a:r>
+              <a:rPr lang="nb-NO" sz="1600" dirty="0">
+                <a:solidFill>
+                  <a:srgbClr val="000000"/>
+                </a:solidFill>
+                <a:latin typeface="Consolas" panose="020B0609020204030204" pitchFamily="49" charset="0"/>
+              </a:rPr>
+              <a:t> </a:t>
+            </a:r>
+            <a:r>
+              <a:rPr lang="nb-NO" sz="1600" dirty="0" err="1">
+                <a:solidFill>
+                  <a:srgbClr val="0000FF"/>
+                </a:solidFill>
+                <a:latin typeface="Consolas" panose="020B0609020204030204" pitchFamily="49" charset="0"/>
+              </a:rPr>
+              <a:t>void</a:t>
+            </a:r>
+            <a:r>
+              <a:rPr lang="nb-NO" sz="1600" dirty="0">
+                <a:solidFill>
+                  <a:srgbClr val="000000"/>
+                </a:solidFill>
+                <a:latin typeface="Consolas" panose="020B0609020204030204" pitchFamily="49" charset="0"/>
+              </a:rPr>
+              <a:t> </a:t>
+            </a:r>
+            <a:r>
+              <a:rPr lang="nb-NO" sz="1600" dirty="0" err="1">
+                <a:solidFill>
+                  <a:srgbClr val="000000"/>
+                </a:solidFill>
+                <a:latin typeface="Consolas" panose="020B0609020204030204" pitchFamily="49" charset="0"/>
+              </a:rPr>
+              <a:t>MoveCommand</a:t>
+            </a:r>
+            <a:r>
+              <a:rPr lang="nb-NO" sz="1600" dirty="0">
+                <a:solidFill>
+                  <a:srgbClr val="000000"/>
+                </a:solidFill>
+                <a:latin typeface="Consolas" panose="020B0609020204030204" pitchFamily="49" charset="0"/>
+              </a:rPr>
+              <a:t>()</a:t>
+            </a:r>
+          </a:p>
+          <a:p>
+            <a:r>
+              <a:rPr lang="nb-NO" sz="1600" dirty="0">
+                <a:solidFill>
+                  <a:srgbClr val="000000"/>
+                </a:solidFill>
+                <a:latin typeface="Consolas" panose="020B0609020204030204" pitchFamily="49" charset="0"/>
+              </a:rPr>
+              <a:t>    {</a:t>
+            </a:r>
+          </a:p>
+          <a:p>
+            <a:r>
+              <a:rPr lang="en-US" sz="1600" dirty="0">
+                <a:solidFill>
+                  <a:srgbClr val="000000"/>
+                </a:solidFill>
+                <a:latin typeface="Consolas" panose="020B0609020204030204" pitchFamily="49" charset="0"/>
+              </a:rPr>
+              <a:t>        </a:t>
+            </a:r>
+            <a:r>
+              <a:rPr lang="en-US" sz="1600" dirty="0" err="1">
+                <a:solidFill>
+                  <a:srgbClr val="2B91AF"/>
+                </a:solidFill>
+                <a:latin typeface="Consolas" panose="020B0609020204030204" pitchFamily="49" charset="0"/>
+              </a:rPr>
+              <a:t>Console</a:t>
+            </a:r>
+            <a:r>
+              <a:rPr lang="en-US" sz="1600" dirty="0" err="1">
+                <a:solidFill>
+                  <a:srgbClr val="000000"/>
+                </a:solidFill>
+                <a:latin typeface="Consolas" panose="020B0609020204030204" pitchFamily="49" charset="0"/>
+              </a:rPr>
+              <a:t>.WriteLine</a:t>
+            </a:r>
+            <a:r>
+              <a:rPr lang="en-US" sz="1600" dirty="0">
+                <a:solidFill>
+                  <a:srgbClr val="000000"/>
+                </a:solidFill>
+                <a:latin typeface="Consolas" panose="020B0609020204030204" pitchFamily="49" charset="0"/>
+              </a:rPr>
+              <a:t>(</a:t>
+            </a:r>
+            <a:r>
+              <a:rPr lang="en-US" sz="1600" dirty="0">
+                <a:solidFill>
+                  <a:srgbClr val="A31515"/>
+                </a:solidFill>
+                <a:latin typeface="Consolas" panose="020B0609020204030204" pitchFamily="49" charset="0"/>
+              </a:rPr>
+              <a:t>“If find another robot run from it"</a:t>
+            </a:r>
+            <a:r>
+              <a:rPr lang="en-US" sz="1600" dirty="0">
+                <a:solidFill>
+                  <a:srgbClr val="000000"/>
+                </a:solidFill>
+                <a:latin typeface="Consolas" panose="020B0609020204030204" pitchFamily="49" charset="0"/>
+              </a:rPr>
+              <a:t>);</a:t>
+            </a:r>
+          </a:p>
+          <a:p>
+            <a:r>
+              <a:rPr lang="nb-NO" sz="1600" dirty="0">
+                <a:solidFill>
+                  <a:srgbClr val="000000"/>
+                </a:solidFill>
+                <a:latin typeface="Consolas" panose="020B0609020204030204" pitchFamily="49" charset="0"/>
+              </a:rPr>
+              <a:t>    }</a:t>
+            </a:r>
+          </a:p>
+          <a:p>
+            <a:r>
+              <a:rPr lang="nb-NO" sz="1600" dirty="0">
+                <a:solidFill>
+                  <a:srgbClr val="000000"/>
+                </a:solidFill>
+                <a:latin typeface="Consolas" panose="020B0609020204030204" pitchFamily="49" charset="0"/>
+              </a:rPr>
+              <a:t>}</a:t>
+            </a:r>
+            <a:endParaRPr lang="nb-NO" sz="1600" dirty="0"/>
+          </a:p>
+        </p:txBody>
+      </p:sp>
+    </p:spTree>
+    <p:extLst>
+      <p:ext uri="{BB962C8B-B14F-4D97-AF65-F5344CB8AC3E}">
+        <p14:creationId xmlns:p14="http://schemas.microsoft.com/office/powerpoint/2010/main" val="1480363142"/>
       </p:ext>
     </p:extLst>
   </p:cSld>
@@ -11782,7 +13626,7 @@
                                         <p:tgtEl>
                                           <p:spTgt spid="5">
                                             <p:txEl>
-                                              <p:pRg st="9" end="9"/>
+                                              <p:pRg st="8" end="8"/>
                                             </p:txEl>
                                           </p:spTgt>
                                         </p:tgtEl>
@@ -11813,7 +13657,7 @@
                                         <p:tgtEl>
                                           <p:spTgt spid="5">
                                             <p:txEl>
-                                              <p:pRg st="10" end="10"/>
+                                              <p:pRg st="9" end="9"/>
                                             </p:txEl>
                                           </p:spTgt>
                                         </p:tgtEl>
@@ -11844,7 +13688,7 @@
                                         <p:tgtEl>
                                           <p:spTgt spid="5">
                                             <p:txEl>
-                                              <p:pRg st="11" end="11"/>
+                                              <p:pRg st="10" end="10"/>
                                             </p:txEl>
                                           </p:spTgt>
                                         </p:tgtEl>
@@ -11875,7 +13719,7 @@
                                         <p:tgtEl>
                                           <p:spTgt spid="5">
                                             <p:txEl>
-                                              <p:pRg st="12" end="12"/>
+                                              <p:pRg st="11" end="11"/>
                                             </p:txEl>
                                           </p:spTgt>
                                         </p:tgtEl>
@@ -11890,39 +13734,26 @@
                                   </p:childTnLst>
                                 </p:cTn>
                               </p:par>
+                            </p:childTnLst>
+                          </p:cTn>
+                        </p:par>
+                      </p:childTnLst>
+                    </p:cTn>
+                  </p:par>
+                  <p:par>
+                    <p:cTn id="29" fill="hold">
+                      <p:stCondLst>
+                        <p:cond delay="indefinite"/>
+                      </p:stCondLst>
+                      <p:childTnLst>
+                        <p:par>
+                          <p:cTn id="30" fill="hold">
+                            <p:stCondLst>
+                              <p:cond delay="0"/>
+                            </p:stCondLst>
+                            <p:childTnLst>
                               <p:par>
-                                <p:cTn id="29" presetID="1" presetClass="entr" presetSubtype="0" fill="hold" nodeType="withEffect">
-                                  <p:stCondLst>
-                                    <p:cond delay="0"/>
-                                  </p:stCondLst>
-                                  <p:childTnLst>
-                                    <p:set>
-                                      <p:cBhvr>
-                                        <p:cTn id="30" dur="1" fill="hold">
-                                          <p:stCondLst>
-                                            <p:cond delay="0"/>
-                                          </p:stCondLst>
-                                        </p:cTn>
-                                        <p:tgtEl>
-                                          <p:spTgt spid="5">
-                                            <p:txEl>
-                                              <p:pRg st="13" end="13"/>
-                                            </p:txEl>
-                                          </p:spTgt>
-                                        </p:tgtEl>
-                                        <p:attrNameLst>
-                                          <p:attrName>style.visibility</p:attrName>
-                                        </p:attrNameLst>
-                                      </p:cBhvr>
-                                      <p:to>
-                                        <p:strVal val="visible"/>
-                                      </p:to>
-                                    </p:set>
-                                  </p:childTnLst>
-                                </p:cTn>
-                              </p:par>
-                              <p:par>
-                                <p:cTn id="31" presetID="1" presetClass="entr" presetSubtype="0" fill="hold" nodeType="withEffect">
+                                <p:cTn id="31" presetID="1" presetClass="entr" presetSubtype="0" fill="hold" nodeType="clickEffect">
                                   <p:stCondLst>
                                     <p:cond delay="0"/>
                                   </p:stCondLst>
@@ -11937,7 +13768,7 @@
                                         <p:tgtEl>
                                           <p:spTgt spid="5">
                                             <p:txEl>
-                                              <p:pRg st="15" end="15"/>
+                                              <p:pRg st="13" end="13"/>
                                             </p:txEl>
                                           </p:spTgt>
                                         </p:tgtEl>
@@ -11968,7 +13799,7 @@
                                         <p:tgtEl>
                                           <p:spTgt spid="5">
                                             <p:txEl>
-                                              <p:pRg st="16" end="16"/>
+                                              <p:pRg st="14" end="14"/>
                                             </p:txEl>
                                           </p:spTgt>
                                         </p:tgtEl>
@@ -11999,7 +13830,7 @@
                                         <p:tgtEl>
                                           <p:spTgt spid="5">
                                             <p:txEl>
-                                              <p:pRg st="17" end="17"/>
+                                              <p:pRg st="15" end="15"/>
                                             </p:txEl>
                                           </p:spTgt>
                                         </p:tgtEl>
@@ -12030,7 +13861,7 @@
                                         <p:tgtEl>
                                           <p:spTgt spid="5">
                                             <p:txEl>
-                                              <p:pRg st="19" end="19"/>
+                                              <p:pRg st="16" end="16"/>
                                             </p:txEl>
                                           </p:spTgt>
                                         </p:tgtEl>
@@ -12061,7 +13892,7 @@
                                         <p:tgtEl>
                                           <p:spTgt spid="5">
                                             <p:txEl>
-                                              <p:pRg st="20" end="20"/>
+                                              <p:pRg st="17" end="17"/>
                                             </p:txEl>
                                           </p:spTgt>
                                         </p:tgtEl>
@@ -12092,7 +13923,7 @@
                                         <p:tgtEl>
                                           <p:spTgt spid="5">
                                             <p:txEl>
-                                              <p:pRg st="21" end="21"/>
+                                              <p:pRg st="18" end="18"/>
                                             </p:txEl>
                                           </p:spTgt>
                                         </p:tgtEl>
@@ -12123,38 +13954,7 @@
                                         <p:tgtEl>
                                           <p:spTgt spid="5">
                                             <p:txEl>
-                                              <p:pRg st="22" end="22"/>
-                                            </p:txEl>
-                                          </p:spTgt>
-                                        </p:tgtEl>
-                                        <p:attrNameLst>
-                                          <p:attrName>style.visibility</p:attrName>
-                                        </p:attrNameLst>
-                                      </p:cBhvr>
-                                      <p:to>
-                                        <p:strVal val="visible"/>
-                                      </p:to>
-                                    </p:set>
-                                  </p:childTnLst>
-                                </p:cTn>
-                              </p:par>
-                              <p:par>
-                                <p:cTn id="45" presetID="1" presetClass="entr" presetSubtype="0" fill="hold" nodeType="withEffect">
-                                  <p:stCondLst>
-                                    <p:cond delay="0"/>
-                                  </p:stCondLst>
-                                  <p:childTnLst>
-                                    <p:set>
-                                      <p:cBhvr>
-                                        <p:cTn id="46" dur="1" fill="hold">
-                                          <p:stCondLst>
-                                            <p:cond delay="0"/>
-                                          </p:stCondLst>
-                                        </p:cTn>
-                                        <p:tgtEl>
-                                          <p:spTgt spid="5">
-                                            <p:txEl>
-                                              <p:pRg st="23" end="23"/>
+                                              <p:pRg st="19" end="19"/>
                                             </p:txEl>
                                           </p:spTgt>
                                         </p:tgtEl>
@@ -12200,7 +14000,1055 @@
 </p:sld>
 </file>
 
-<file path=ppt/slides/slide12.xml><?xml version="1.0" encoding="utf-8"?>
+<file path=ppt/slides/slide14.xml><?xml version="1.0" encoding="utf-8"?>
+<p:sld xmlns:a="http://schemas.openxmlformats.org/drawingml/2006/main" xmlns:r="http://schemas.openxmlformats.org/officeDocument/2006/relationships" xmlns:p="http://schemas.openxmlformats.org/presentationml/2006/main">
+  <p:cSld>
+    <p:spTree>
+      <p:nvGrpSpPr>
+        <p:cNvPr id="1" name=""/>
+        <p:cNvGrpSpPr/>
+        <p:nvPr/>
+      </p:nvGrpSpPr>
+      <p:grpSpPr>
+        <a:xfrm>
+          <a:off x="0" y="0"/>
+          <a:ext cx="0" cy="0"/>
+          <a:chOff x="0" y="0"/>
+          <a:chExt cx="0" cy="0"/>
+        </a:xfrm>
+      </p:grpSpPr>
+      <p:sp>
+        <p:nvSpPr>
+          <p:cNvPr id="3" name="Title 2"/>
+          <p:cNvSpPr>
+            <a:spLocks noGrp="1"/>
+          </p:cNvSpPr>
+          <p:nvPr>
+            <p:ph type="title"/>
+          </p:nvPr>
+        </p:nvSpPr>
+        <p:spPr>
+          <a:xfrm>
+            <a:off x="1234799" y="365126"/>
+            <a:ext cx="3755341" cy="963024"/>
+          </a:xfrm>
+        </p:spPr>
+        <p:txBody>
+          <a:bodyPr/>
+          <a:lstStyle/>
+          <a:p>
+            <a:r>
+              <a:rPr lang="nb-NO" dirty="0" err="1"/>
+              <a:t>Strategy</a:t>
+            </a:r>
+            <a:r>
+              <a:rPr lang="nb-NO" dirty="0"/>
+              <a:t> - kode</a:t>
+            </a:r>
+          </a:p>
+        </p:txBody>
+      </p:sp>
+      <p:sp>
+        <p:nvSpPr>
+          <p:cNvPr id="4" name="Content Placeholder 3"/>
+          <p:cNvSpPr>
+            <a:spLocks noGrp="1"/>
+          </p:cNvSpPr>
+          <p:nvPr>
+            <p:ph idx="1"/>
+          </p:nvPr>
+        </p:nvSpPr>
+        <p:spPr>
+          <a:xfrm>
+            <a:off x="1234799" y="1636626"/>
+            <a:ext cx="2909817" cy="4351338"/>
+          </a:xfrm>
+        </p:spPr>
+        <p:txBody>
+          <a:bodyPr/>
+          <a:lstStyle/>
+          <a:p>
+            <a:pPr marL="0" indent="0">
+              <a:buNone/>
+            </a:pPr>
+            <a:r>
+              <a:rPr lang="nb-NO" dirty="0"/>
+              <a:t>Klient</a:t>
+            </a:r>
+          </a:p>
+        </p:txBody>
+      </p:sp>
+      <p:sp>
+        <p:nvSpPr>
+          <p:cNvPr id="7" name="Rektangel 6">
+            <a:extLst>
+              <a:ext uri="{FF2B5EF4-FFF2-40B4-BE49-F238E27FC236}">
+                <a16:creationId xmlns:a16="http://schemas.microsoft.com/office/drawing/2014/main" id="{9F1148A3-89F8-4696-82BA-8301E1248193}"/>
+              </a:ext>
+            </a:extLst>
+          </p:cNvPr>
+          <p:cNvSpPr/>
+          <p:nvPr/>
+        </p:nvSpPr>
+        <p:spPr>
+          <a:xfrm>
+            <a:off x="3200400" y="1636626"/>
+            <a:ext cx="8023412" cy="3970318"/>
+          </a:xfrm>
+          <a:prstGeom prst="rect">
+            <a:avLst/>
+          </a:prstGeom>
+        </p:spPr>
+        <p:txBody>
+          <a:bodyPr wrap="square">
+            <a:spAutoFit/>
+          </a:bodyPr>
+          <a:lstStyle/>
+          <a:p>
+            <a:r>
+              <a:rPr lang="nb-NO" dirty="0" err="1">
+                <a:solidFill>
+                  <a:srgbClr val="0000FF"/>
+                </a:solidFill>
+                <a:latin typeface="Consolas" panose="020B0609020204030204" pitchFamily="49" charset="0"/>
+              </a:rPr>
+              <a:t>class</a:t>
+            </a:r>
+            <a:r>
+              <a:rPr lang="nb-NO" dirty="0">
+                <a:solidFill>
+                  <a:srgbClr val="000000"/>
+                </a:solidFill>
+                <a:latin typeface="Consolas" panose="020B0609020204030204" pitchFamily="49" charset="0"/>
+              </a:rPr>
+              <a:t> </a:t>
+            </a:r>
+            <a:r>
+              <a:rPr lang="nb-NO" dirty="0">
+                <a:solidFill>
+                  <a:srgbClr val="2B91AF"/>
+                </a:solidFill>
+                <a:latin typeface="Consolas" panose="020B0609020204030204" pitchFamily="49" charset="0"/>
+              </a:rPr>
+              <a:t>Program</a:t>
+            </a:r>
+            <a:endParaRPr lang="nb-NO" dirty="0">
+              <a:solidFill>
+                <a:srgbClr val="000000"/>
+              </a:solidFill>
+              <a:latin typeface="Consolas" panose="020B0609020204030204" pitchFamily="49" charset="0"/>
+            </a:endParaRPr>
+          </a:p>
+          <a:p>
+            <a:r>
+              <a:rPr lang="nb-NO" dirty="0">
+                <a:solidFill>
+                  <a:srgbClr val="000000"/>
+                </a:solidFill>
+                <a:latin typeface="Consolas" panose="020B0609020204030204" pitchFamily="49" charset="0"/>
+              </a:rPr>
+              <a:t>{</a:t>
+            </a:r>
+          </a:p>
+          <a:p>
+            <a:r>
+              <a:rPr lang="en-US" dirty="0">
+                <a:solidFill>
+                  <a:srgbClr val="000000"/>
+                </a:solidFill>
+                <a:latin typeface="Consolas" panose="020B0609020204030204" pitchFamily="49" charset="0"/>
+              </a:rPr>
+              <a:t>    </a:t>
+            </a:r>
+            <a:r>
+              <a:rPr lang="en-US" dirty="0">
+                <a:solidFill>
+                  <a:srgbClr val="0000FF"/>
+                </a:solidFill>
+                <a:latin typeface="Consolas" panose="020B0609020204030204" pitchFamily="49" charset="0"/>
+              </a:rPr>
+              <a:t>static</a:t>
+            </a:r>
+            <a:r>
+              <a:rPr lang="en-US" dirty="0">
+                <a:solidFill>
+                  <a:srgbClr val="000000"/>
+                </a:solidFill>
+                <a:latin typeface="Consolas" panose="020B0609020204030204" pitchFamily="49" charset="0"/>
+              </a:rPr>
+              <a:t> </a:t>
+            </a:r>
+            <a:r>
+              <a:rPr lang="en-US" dirty="0">
+                <a:solidFill>
+                  <a:srgbClr val="0000FF"/>
+                </a:solidFill>
+                <a:latin typeface="Consolas" panose="020B0609020204030204" pitchFamily="49" charset="0"/>
+              </a:rPr>
+              <a:t>void</a:t>
+            </a:r>
+            <a:r>
+              <a:rPr lang="en-US" dirty="0">
+                <a:solidFill>
+                  <a:srgbClr val="000000"/>
+                </a:solidFill>
+                <a:latin typeface="Consolas" panose="020B0609020204030204" pitchFamily="49" charset="0"/>
+              </a:rPr>
+              <a:t> Main(</a:t>
+            </a:r>
+            <a:r>
+              <a:rPr lang="en-US" dirty="0">
+                <a:solidFill>
+                  <a:srgbClr val="0000FF"/>
+                </a:solidFill>
+                <a:latin typeface="Consolas" panose="020B0609020204030204" pitchFamily="49" charset="0"/>
+              </a:rPr>
+              <a:t>string</a:t>
+            </a:r>
+            <a:r>
+              <a:rPr lang="en-US" dirty="0">
+                <a:solidFill>
+                  <a:srgbClr val="000000"/>
+                </a:solidFill>
+                <a:latin typeface="Consolas" panose="020B0609020204030204" pitchFamily="49" charset="0"/>
+              </a:rPr>
+              <a:t>[] </a:t>
+            </a:r>
+            <a:r>
+              <a:rPr lang="en-US" dirty="0" err="1">
+                <a:solidFill>
+                  <a:srgbClr val="000000"/>
+                </a:solidFill>
+                <a:latin typeface="Consolas" panose="020B0609020204030204" pitchFamily="49" charset="0"/>
+              </a:rPr>
+              <a:t>args</a:t>
+            </a:r>
+            <a:r>
+              <a:rPr lang="en-US" dirty="0">
+                <a:solidFill>
+                  <a:srgbClr val="000000"/>
+                </a:solidFill>
+                <a:latin typeface="Consolas" panose="020B0609020204030204" pitchFamily="49" charset="0"/>
+              </a:rPr>
+              <a:t>)</a:t>
+            </a:r>
+          </a:p>
+          <a:p>
+            <a:r>
+              <a:rPr lang="nb-NO" dirty="0">
+                <a:solidFill>
+                  <a:srgbClr val="000000"/>
+                </a:solidFill>
+                <a:latin typeface="Consolas" panose="020B0609020204030204" pitchFamily="49" charset="0"/>
+              </a:rPr>
+              <a:t>    {</a:t>
+            </a:r>
+          </a:p>
+          <a:p>
+            <a:r>
+              <a:rPr lang="nb-NO" dirty="0">
+                <a:solidFill>
+                  <a:srgbClr val="000000"/>
+                </a:solidFill>
+                <a:latin typeface="Consolas" panose="020B0609020204030204" pitchFamily="49" charset="0"/>
+              </a:rPr>
+              <a:t>        </a:t>
+            </a:r>
+            <a:r>
+              <a:rPr lang="nb-NO" dirty="0">
+                <a:solidFill>
+                  <a:srgbClr val="0000FF"/>
+                </a:solidFill>
+                <a:latin typeface="Consolas" panose="020B0609020204030204" pitchFamily="49" charset="0"/>
+              </a:rPr>
+              <a:t>var</a:t>
+            </a:r>
+            <a:r>
+              <a:rPr lang="nb-NO" dirty="0">
+                <a:solidFill>
+                  <a:srgbClr val="000000"/>
+                </a:solidFill>
+                <a:latin typeface="Consolas" panose="020B0609020204030204" pitchFamily="49" charset="0"/>
+              </a:rPr>
+              <a:t> r1 = </a:t>
+            </a:r>
+            <a:r>
+              <a:rPr lang="nb-NO" dirty="0" err="1">
+                <a:solidFill>
+                  <a:srgbClr val="0000FF"/>
+                </a:solidFill>
+                <a:latin typeface="Consolas" panose="020B0609020204030204" pitchFamily="49" charset="0"/>
+              </a:rPr>
+              <a:t>new</a:t>
+            </a:r>
+            <a:r>
+              <a:rPr lang="nb-NO" dirty="0">
+                <a:solidFill>
+                  <a:srgbClr val="000000"/>
+                </a:solidFill>
+                <a:latin typeface="Consolas" panose="020B0609020204030204" pitchFamily="49" charset="0"/>
+              </a:rPr>
+              <a:t> </a:t>
+            </a:r>
+            <a:r>
+              <a:rPr lang="nb-NO" dirty="0">
+                <a:solidFill>
+                  <a:srgbClr val="2B91AF"/>
+                </a:solidFill>
+                <a:latin typeface="Consolas" panose="020B0609020204030204" pitchFamily="49" charset="0"/>
+              </a:rPr>
+              <a:t>Robot</a:t>
+            </a:r>
+            <a:r>
+              <a:rPr lang="nb-NO" dirty="0">
+                <a:solidFill>
+                  <a:srgbClr val="000000"/>
+                </a:solidFill>
+                <a:latin typeface="Consolas" panose="020B0609020204030204" pitchFamily="49" charset="0"/>
+              </a:rPr>
+              <a:t>();</a:t>
+            </a:r>
+          </a:p>
+          <a:p>
+            <a:r>
+              <a:rPr lang="nb-NO" dirty="0">
+                <a:solidFill>
+                  <a:srgbClr val="000000"/>
+                </a:solidFill>
+                <a:latin typeface="Consolas" panose="020B0609020204030204" pitchFamily="49" charset="0"/>
+              </a:rPr>
+              <a:t>        </a:t>
+            </a:r>
+            <a:r>
+              <a:rPr lang="nb-NO" dirty="0">
+                <a:solidFill>
+                  <a:srgbClr val="0000FF"/>
+                </a:solidFill>
+                <a:latin typeface="Consolas" panose="020B0609020204030204" pitchFamily="49" charset="0"/>
+              </a:rPr>
+              <a:t>var</a:t>
+            </a:r>
+            <a:r>
+              <a:rPr lang="nb-NO" dirty="0">
+                <a:solidFill>
+                  <a:srgbClr val="000000"/>
+                </a:solidFill>
+                <a:latin typeface="Consolas" panose="020B0609020204030204" pitchFamily="49" charset="0"/>
+              </a:rPr>
+              <a:t> r2 = </a:t>
+            </a:r>
+            <a:r>
+              <a:rPr lang="nb-NO" dirty="0" err="1">
+                <a:solidFill>
+                  <a:srgbClr val="0000FF"/>
+                </a:solidFill>
+                <a:latin typeface="Consolas" panose="020B0609020204030204" pitchFamily="49" charset="0"/>
+              </a:rPr>
+              <a:t>new</a:t>
+            </a:r>
+            <a:r>
+              <a:rPr lang="nb-NO" dirty="0">
+                <a:solidFill>
+                  <a:srgbClr val="000000"/>
+                </a:solidFill>
+                <a:latin typeface="Consolas" panose="020B0609020204030204" pitchFamily="49" charset="0"/>
+              </a:rPr>
+              <a:t> </a:t>
+            </a:r>
+            <a:r>
+              <a:rPr lang="nb-NO" dirty="0">
+                <a:solidFill>
+                  <a:srgbClr val="2B91AF"/>
+                </a:solidFill>
+                <a:latin typeface="Consolas" panose="020B0609020204030204" pitchFamily="49" charset="0"/>
+              </a:rPr>
+              <a:t>Robot</a:t>
+            </a:r>
+            <a:r>
+              <a:rPr lang="nb-NO" dirty="0">
+                <a:solidFill>
+                  <a:srgbClr val="000000"/>
+                </a:solidFill>
+                <a:latin typeface="Consolas" panose="020B0609020204030204" pitchFamily="49" charset="0"/>
+              </a:rPr>
+              <a:t>();</a:t>
+            </a:r>
+          </a:p>
+          <a:p>
+            <a:endParaRPr lang="nb-NO" dirty="0">
+              <a:solidFill>
+                <a:srgbClr val="000000"/>
+              </a:solidFill>
+              <a:latin typeface="Consolas" panose="020B0609020204030204" pitchFamily="49" charset="0"/>
+            </a:endParaRPr>
+          </a:p>
+          <a:p>
+            <a:r>
+              <a:rPr lang="nb-NO" dirty="0">
+                <a:solidFill>
+                  <a:srgbClr val="000000"/>
+                </a:solidFill>
+                <a:latin typeface="Consolas" panose="020B0609020204030204" pitchFamily="49" charset="0"/>
+              </a:rPr>
+              <a:t>        r1.SetBehaviour(</a:t>
+            </a:r>
+            <a:r>
+              <a:rPr lang="nb-NO" dirty="0" err="1">
+                <a:solidFill>
+                  <a:srgbClr val="0000FF"/>
+                </a:solidFill>
+                <a:latin typeface="Consolas" panose="020B0609020204030204" pitchFamily="49" charset="0"/>
+              </a:rPr>
+              <a:t>new</a:t>
+            </a:r>
+            <a:r>
+              <a:rPr lang="nb-NO" dirty="0">
+                <a:solidFill>
+                  <a:srgbClr val="000000"/>
+                </a:solidFill>
+                <a:latin typeface="Consolas" panose="020B0609020204030204" pitchFamily="49" charset="0"/>
+              </a:rPr>
+              <a:t> </a:t>
+            </a:r>
+            <a:r>
+              <a:rPr lang="nb-NO" dirty="0" err="1">
+                <a:solidFill>
+                  <a:srgbClr val="2B91AF"/>
+                </a:solidFill>
+                <a:latin typeface="Consolas" panose="020B0609020204030204" pitchFamily="49" charset="0"/>
+              </a:rPr>
+              <a:t>AgressiveBehaviour</a:t>
+            </a:r>
+            <a:r>
+              <a:rPr lang="nb-NO" dirty="0">
+                <a:solidFill>
+                  <a:srgbClr val="000000"/>
+                </a:solidFill>
+                <a:latin typeface="Consolas" panose="020B0609020204030204" pitchFamily="49" charset="0"/>
+              </a:rPr>
+              <a:t>());</a:t>
+            </a:r>
+          </a:p>
+          <a:p>
+            <a:r>
+              <a:rPr lang="nb-NO" dirty="0">
+                <a:solidFill>
+                  <a:srgbClr val="000000"/>
+                </a:solidFill>
+                <a:latin typeface="Consolas" panose="020B0609020204030204" pitchFamily="49" charset="0"/>
+              </a:rPr>
+              <a:t>        r2.SetBehaviour(</a:t>
+            </a:r>
+            <a:r>
+              <a:rPr lang="nb-NO" dirty="0" err="1">
+                <a:solidFill>
+                  <a:srgbClr val="0000FF"/>
+                </a:solidFill>
+                <a:latin typeface="Consolas" panose="020B0609020204030204" pitchFamily="49" charset="0"/>
+              </a:rPr>
+              <a:t>new</a:t>
+            </a:r>
+            <a:r>
+              <a:rPr lang="nb-NO" dirty="0">
+                <a:solidFill>
+                  <a:srgbClr val="000000"/>
+                </a:solidFill>
+                <a:latin typeface="Consolas" panose="020B0609020204030204" pitchFamily="49" charset="0"/>
+              </a:rPr>
+              <a:t> </a:t>
+            </a:r>
+            <a:r>
+              <a:rPr lang="nb-NO" dirty="0" err="1">
+                <a:solidFill>
+                  <a:srgbClr val="2B91AF"/>
+                </a:solidFill>
+                <a:latin typeface="Consolas" panose="020B0609020204030204" pitchFamily="49" charset="0"/>
+              </a:rPr>
+              <a:t>DefensiveBehaviour</a:t>
+            </a:r>
+            <a:r>
+              <a:rPr lang="nb-NO" dirty="0">
+                <a:solidFill>
+                  <a:srgbClr val="000000"/>
+                </a:solidFill>
+                <a:latin typeface="Consolas" panose="020B0609020204030204" pitchFamily="49" charset="0"/>
+              </a:rPr>
+              <a:t>());</a:t>
+            </a:r>
+          </a:p>
+          <a:p>
+            <a:endParaRPr lang="nb-NO" dirty="0">
+              <a:solidFill>
+                <a:srgbClr val="000000"/>
+              </a:solidFill>
+              <a:latin typeface="Consolas" panose="020B0609020204030204" pitchFamily="49" charset="0"/>
+            </a:endParaRPr>
+          </a:p>
+          <a:p>
+            <a:r>
+              <a:rPr lang="nb-NO" dirty="0">
+                <a:solidFill>
+                  <a:srgbClr val="000000"/>
+                </a:solidFill>
+                <a:latin typeface="Consolas" panose="020B0609020204030204" pitchFamily="49" charset="0"/>
+              </a:rPr>
+              <a:t>        r1.Move();  </a:t>
+            </a:r>
+            <a:r>
+              <a:rPr lang="nb-NO" dirty="0">
+                <a:solidFill>
+                  <a:srgbClr val="008000"/>
+                </a:solidFill>
+                <a:latin typeface="Consolas" panose="020B0609020204030204" pitchFamily="49" charset="0"/>
+              </a:rPr>
+              <a:t>// </a:t>
+            </a:r>
+            <a:r>
+              <a:rPr lang="nb-NO" dirty="0" err="1">
+                <a:solidFill>
+                  <a:srgbClr val="008000"/>
+                </a:solidFill>
+                <a:latin typeface="Consolas" panose="020B0609020204030204" pitchFamily="49" charset="0"/>
+              </a:rPr>
+              <a:t>Moves</a:t>
+            </a:r>
+            <a:r>
+              <a:rPr lang="nb-NO" dirty="0">
+                <a:solidFill>
+                  <a:srgbClr val="008000"/>
+                </a:solidFill>
+                <a:latin typeface="Consolas" panose="020B0609020204030204" pitchFamily="49" charset="0"/>
+              </a:rPr>
+              <a:t> </a:t>
+            </a:r>
+            <a:r>
+              <a:rPr lang="nb-NO" dirty="0" err="1">
+                <a:solidFill>
+                  <a:srgbClr val="008000"/>
+                </a:solidFill>
+                <a:latin typeface="Consolas" panose="020B0609020204030204" pitchFamily="49" charset="0"/>
+              </a:rPr>
+              <a:t>aggresively</a:t>
+            </a:r>
+            <a:endParaRPr lang="nb-NO" dirty="0">
+              <a:solidFill>
+                <a:srgbClr val="000000"/>
+              </a:solidFill>
+              <a:latin typeface="Consolas" panose="020B0609020204030204" pitchFamily="49" charset="0"/>
+            </a:endParaRPr>
+          </a:p>
+          <a:p>
+            <a:r>
+              <a:rPr lang="nb-NO" dirty="0">
+                <a:solidFill>
+                  <a:srgbClr val="000000"/>
+                </a:solidFill>
+                <a:latin typeface="Consolas" panose="020B0609020204030204" pitchFamily="49" charset="0"/>
+              </a:rPr>
+              <a:t>        r2.Move();  </a:t>
+            </a:r>
+            <a:r>
+              <a:rPr lang="nb-NO" dirty="0">
+                <a:solidFill>
+                  <a:srgbClr val="008000"/>
+                </a:solidFill>
+                <a:latin typeface="Consolas" panose="020B0609020204030204" pitchFamily="49" charset="0"/>
+              </a:rPr>
+              <a:t>// </a:t>
+            </a:r>
+            <a:r>
+              <a:rPr lang="nb-NO" dirty="0" err="1">
+                <a:solidFill>
+                  <a:srgbClr val="008000"/>
+                </a:solidFill>
+                <a:latin typeface="Consolas" panose="020B0609020204030204" pitchFamily="49" charset="0"/>
+              </a:rPr>
+              <a:t>Moves</a:t>
+            </a:r>
+            <a:r>
+              <a:rPr lang="nb-NO" dirty="0">
+                <a:solidFill>
+                  <a:srgbClr val="008000"/>
+                </a:solidFill>
+                <a:latin typeface="Consolas" panose="020B0609020204030204" pitchFamily="49" charset="0"/>
+              </a:rPr>
+              <a:t> </a:t>
+            </a:r>
+            <a:r>
+              <a:rPr lang="nb-NO" dirty="0" err="1">
+                <a:solidFill>
+                  <a:srgbClr val="008000"/>
+                </a:solidFill>
+                <a:latin typeface="Consolas" panose="020B0609020204030204" pitchFamily="49" charset="0"/>
+              </a:rPr>
+              <a:t>defensively</a:t>
+            </a:r>
+            <a:endParaRPr lang="nb-NO" dirty="0">
+              <a:solidFill>
+                <a:srgbClr val="000000"/>
+              </a:solidFill>
+              <a:latin typeface="Consolas" panose="020B0609020204030204" pitchFamily="49" charset="0"/>
+            </a:endParaRPr>
+          </a:p>
+          <a:p>
+            <a:r>
+              <a:rPr lang="nb-NO" dirty="0">
+                <a:solidFill>
+                  <a:srgbClr val="000000"/>
+                </a:solidFill>
+                <a:latin typeface="Consolas" panose="020B0609020204030204" pitchFamily="49" charset="0"/>
+              </a:rPr>
+              <a:t>    }</a:t>
+            </a:r>
+          </a:p>
+          <a:p>
+            <a:r>
+              <a:rPr lang="nb-NO" dirty="0">
+                <a:solidFill>
+                  <a:srgbClr val="000000"/>
+                </a:solidFill>
+                <a:latin typeface="Consolas" panose="020B0609020204030204" pitchFamily="49" charset="0"/>
+              </a:rPr>
+              <a:t>}</a:t>
+            </a:r>
+            <a:endParaRPr lang="nb-NO" dirty="0"/>
+          </a:p>
+        </p:txBody>
+      </p:sp>
+    </p:spTree>
+    <p:extLst>
+      <p:ext uri="{BB962C8B-B14F-4D97-AF65-F5344CB8AC3E}">
+        <p14:creationId xmlns:p14="http://schemas.microsoft.com/office/powerpoint/2010/main" val="2714690653"/>
+      </p:ext>
+    </p:extLst>
+  </p:cSld>
+  <p:clrMapOvr>
+    <a:masterClrMapping/>
+  </p:clrMapOvr>
+  <p:timing>
+    <p:tnLst>
+      <p:par>
+        <p:cTn id="1" dur="indefinite" restart="never" nodeType="tmRoot">
+          <p:childTnLst>
+            <p:seq concurrent="1" nextAc="seek">
+              <p:cTn id="2" dur="indefinite" nodeType="mainSeq">
+                <p:childTnLst>
+                  <p:par>
+                    <p:cTn id="3" fill="hold">
+                      <p:stCondLst>
+                        <p:cond delay="indefinite"/>
+                      </p:stCondLst>
+                      <p:childTnLst>
+                        <p:par>
+                          <p:cTn id="4" fill="hold">
+                            <p:stCondLst>
+                              <p:cond delay="0"/>
+                            </p:stCondLst>
+                            <p:childTnLst>
+                              <p:par>
+                                <p:cTn id="5" presetID="1" presetClass="entr" presetSubtype="0" fill="hold" nodeType="clickEffect">
+                                  <p:stCondLst>
+                                    <p:cond delay="0"/>
+                                  </p:stCondLst>
+                                  <p:childTnLst>
+                                    <p:set>
+                                      <p:cBhvr>
+                                        <p:cTn id="6" dur="1" fill="hold">
+                                          <p:stCondLst>
+                                            <p:cond delay="0"/>
+                                          </p:stCondLst>
+                                        </p:cTn>
+                                        <p:tgtEl>
+                                          <p:spTgt spid="7">
+                                            <p:txEl>
+                                              <p:pRg st="0" end="0"/>
+                                            </p:txEl>
+                                          </p:spTgt>
+                                        </p:tgtEl>
+                                        <p:attrNameLst>
+                                          <p:attrName>style.visibility</p:attrName>
+                                        </p:attrNameLst>
+                                      </p:cBhvr>
+                                      <p:to>
+                                        <p:strVal val="visible"/>
+                                      </p:to>
+                                    </p:set>
+                                  </p:childTnLst>
+                                </p:cTn>
+                              </p:par>
+                              <p:par>
+                                <p:cTn id="7" presetID="1" presetClass="entr" presetSubtype="0" fill="hold" nodeType="withEffect">
+                                  <p:stCondLst>
+                                    <p:cond delay="0"/>
+                                  </p:stCondLst>
+                                  <p:childTnLst>
+                                    <p:set>
+                                      <p:cBhvr>
+                                        <p:cTn id="8" dur="1" fill="hold">
+                                          <p:stCondLst>
+                                            <p:cond delay="0"/>
+                                          </p:stCondLst>
+                                        </p:cTn>
+                                        <p:tgtEl>
+                                          <p:spTgt spid="7">
+                                            <p:txEl>
+                                              <p:pRg st="1" end="1"/>
+                                            </p:txEl>
+                                          </p:spTgt>
+                                        </p:tgtEl>
+                                        <p:attrNameLst>
+                                          <p:attrName>style.visibility</p:attrName>
+                                        </p:attrNameLst>
+                                      </p:cBhvr>
+                                      <p:to>
+                                        <p:strVal val="visible"/>
+                                      </p:to>
+                                    </p:set>
+                                  </p:childTnLst>
+                                </p:cTn>
+                              </p:par>
+                              <p:par>
+                                <p:cTn id="9" presetID="1" presetClass="entr" presetSubtype="0" fill="hold" nodeType="withEffect">
+                                  <p:stCondLst>
+                                    <p:cond delay="0"/>
+                                  </p:stCondLst>
+                                  <p:childTnLst>
+                                    <p:set>
+                                      <p:cBhvr>
+                                        <p:cTn id="10" dur="1" fill="hold">
+                                          <p:stCondLst>
+                                            <p:cond delay="0"/>
+                                          </p:stCondLst>
+                                        </p:cTn>
+                                        <p:tgtEl>
+                                          <p:spTgt spid="7">
+                                            <p:txEl>
+                                              <p:pRg st="2" end="2"/>
+                                            </p:txEl>
+                                          </p:spTgt>
+                                        </p:tgtEl>
+                                        <p:attrNameLst>
+                                          <p:attrName>style.visibility</p:attrName>
+                                        </p:attrNameLst>
+                                      </p:cBhvr>
+                                      <p:to>
+                                        <p:strVal val="visible"/>
+                                      </p:to>
+                                    </p:set>
+                                  </p:childTnLst>
+                                </p:cTn>
+                              </p:par>
+                              <p:par>
+                                <p:cTn id="11" presetID="1" presetClass="entr" presetSubtype="0" fill="hold" nodeType="withEffect">
+                                  <p:stCondLst>
+                                    <p:cond delay="0"/>
+                                  </p:stCondLst>
+                                  <p:childTnLst>
+                                    <p:set>
+                                      <p:cBhvr>
+                                        <p:cTn id="12" dur="1" fill="hold">
+                                          <p:stCondLst>
+                                            <p:cond delay="0"/>
+                                          </p:stCondLst>
+                                        </p:cTn>
+                                        <p:tgtEl>
+                                          <p:spTgt spid="7">
+                                            <p:txEl>
+                                              <p:pRg st="3" end="3"/>
+                                            </p:txEl>
+                                          </p:spTgt>
+                                        </p:tgtEl>
+                                        <p:attrNameLst>
+                                          <p:attrName>style.visibility</p:attrName>
+                                        </p:attrNameLst>
+                                      </p:cBhvr>
+                                      <p:to>
+                                        <p:strVal val="visible"/>
+                                      </p:to>
+                                    </p:set>
+                                  </p:childTnLst>
+                                </p:cTn>
+                              </p:par>
+                              <p:par>
+                                <p:cTn id="13" presetID="1" presetClass="entr" presetSubtype="0" fill="hold" nodeType="withEffect">
+                                  <p:stCondLst>
+                                    <p:cond delay="0"/>
+                                  </p:stCondLst>
+                                  <p:childTnLst>
+                                    <p:set>
+                                      <p:cBhvr>
+                                        <p:cTn id="14" dur="1" fill="hold">
+                                          <p:stCondLst>
+                                            <p:cond delay="0"/>
+                                          </p:stCondLst>
+                                        </p:cTn>
+                                        <p:tgtEl>
+                                          <p:spTgt spid="7">
+                                            <p:txEl>
+                                              <p:pRg st="4" end="4"/>
+                                            </p:txEl>
+                                          </p:spTgt>
+                                        </p:tgtEl>
+                                        <p:attrNameLst>
+                                          <p:attrName>style.visibility</p:attrName>
+                                        </p:attrNameLst>
+                                      </p:cBhvr>
+                                      <p:to>
+                                        <p:strVal val="visible"/>
+                                      </p:to>
+                                    </p:set>
+                                  </p:childTnLst>
+                                </p:cTn>
+                              </p:par>
+                              <p:par>
+                                <p:cTn id="15" presetID="1" presetClass="entr" presetSubtype="0" fill="hold" nodeType="withEffect">
+                                  <p:stCondLst>
+                                    <p:cond delay="0"/>
+                                  </p:stCondLst>
+                                  <p:childTnLst>
+                                    <p:set>
+                                      <p:cBhvr>
+                                        <p:cTn id="16" dur="1" fill="hold">
+                                          <p:stCondLst>
+                                            <p:cond delay="0"/>
+                                          </p:stCondLst>
+                                        </p:cTn>
+                                        <p:tgtEl>
+                                          <p:spTgt spid="7">
+                                            <p:txEl>
+                                              <p:pRg st="5" end="5"/>
+                                            </p:txEl>
+                                          </p:spTgt>
+                                        </p:tgtEl>
+                                        <p:attrNameLst>
+                                          <p:attrName>style.visibility</p:attrName>
+                                        </p:attrNameLst>
+                                      </p:cBhvr>
+                                      <p:to>
+                                        <p:strVal val="visible"/>
+                                      </p:to>
+                                    </p:set>
+                                  </p:childTnLst>
+                                </p:cTn>
+                              </p:par>
+                              <p:par>
+                                <p:cTn id="17" presetID="1" presetClass="entr" presetSubtype="0" fill="hold" nodeType="withEffect">
+                                  <p:stCondLst>
+                                    <p:cond delay="0"/>
+                                  </p:stCondLst>
+                                  <p:childTnLst>
+                                    <p:set>
+                                      <p:cBhvr>
+                                        <p:cTn id="18" dur="1" fill="hold">
+                                          <p:stCondLst>
+                                            <p:cond delay="0"/>
+                                          </p:stCondLst>
+                                        </p:cTn>
+                                        <p:tgtEl>
+                                          <p:spTgt spid="7">
+                                            <p:txEl>
+                                              <p:pRg st="7" end="7"/>
+                                            </p:txEl>
+                                          </p:spTgt>
+                                        </p:tgtEl>
+                                        <p:attrNameLst>
+                                          <p:attrName>style.visibility</p:attrName>
+                                        </p:attrNameLst>
+                                      </p:cBhvr>
+                                      <p:to>
+                                        <p:strVal val="visible"/>
+                                      </p:to>
+                                    </p:set>
+                                  </p:childTnLst>
+                                </p:cTn>
+                              </p:par>
+                              <p:par>
+                                <p:cTn id="19" presetID="1" presetClass="entr" presetSubtype="0" fill="hold" nodeType="withEffect">
+                                  <p:stCondLst>
+                                    <p:cond delay="0"/>
+                                  </p:stCondLst>
+                                  <p:childTnLst>
+                                    <p:set>
+                                      <p:cBhvr>
+                                        <p:cTn id="20" dur="1" fill="hold">
+                                          <p:stCondLst>
+                                            <p:cond delay="0"/>
+                                          </p:stCondLst>
+                                        </p:cTn>
+                                        <p:tgtEl>
+                                          <p:spTgt spid="7">
+                                            <p:txEl>
+                                              <p:pRg st="8" end="8"/>
+                                            </p:txEl>
+                                          </p:spTgt>
+                                        </p:tgtEl>
+                                        <p:attrNameLst>
+                                          <p:attrName>style.visibility</p:attrName>
+                                        </p:attrNameLst>
+                                      </p:cBhvr>
+                                      <p:to>
+                                        <p:strVal val="visible"/>
+                                      </p:to>
+                                    </p:set>
+                                  </p:childTnLst>
+                                </p:cTn>
+                              </p:par>
+                              <p:par>
+                                <p:cTn id="21" presetID="1" presetClass="entr" presetSubtype="0" fill="hold" nodeType="withEffect">
+                                  <p:stCondLst>
+                                    <p:cond delay="0"/>
+                                  </p:stCondLst>
+                                  <p:childTnLst>
+                                    <p:set>
+                                      <p:cBhvr>
+                                        <p:cTn id="22" dur="1" fill="hold">
+                                          <p:stCondLst>
+                                            <p:cond delay="0"/>
+                                          </p:stCondLst>
+                                        </p:cTn>
+                                        <p:tgtEl>
+                                          <p:spTgt spid="7">
+                                            <p:txEl>
+                                              <p:pRg st="10" end="10"/>
+                                            </p:txEl>
+                                          </p:spTgt>
+                                        </p:tgtEl>
+                                        <p:attrNameLst>
+                                          <p:attrName>style.visibility</p:attrName>
+                                        </p:attrNameLst>
+                                      </p:cBhvr>
+                                      <p:to>
+                                        <p:strVal val="visible"/>
+                                      </p:to>
+                                    </p:set>
+                                  </p:childTnLst>
+                                </p:cTn>
+                              </p:par>
+                              <p:par>
+                                <p:cTn id="23" presetID="1" presetClass="entr" presetSubtype="0" fill="hold" nodeType="withEffect">
+                                  <p:stCondLst>
+                                    <p:cond delay="0"/>
+                                  </p:stCondLst>
+                                  <p:childTnLst>
+                                    <p:set>
+                                      <p:cBhvr>
+                                        <p:cTn id="24" dur="1" fill="hold">
+                                          <p:stCondLst>
+                                            <p:cond delay="0"/>
+                                          </p:stCondLst>
+                                        </p:cTn>
+                                        <p:tgtEl>
+                                          <p:spTgt spid="7">
+                                            <p:txEl>
+                                              <p:pRg st="11" end="11"/>
+                                            </p:txEl>
+                                          </p:spTgt>
+                                        </p:tgtEl>
+                                        <p:attrNameLst>
+                                          <p:attrName>style.visibility</p:attrName>
+                                        </p:attrNameLst>
+                                      </p:cBhvr>
+                                      <p:to>
+                                        <p:strVal val="visible"/>
+                                      </p:to>
+                                    </p:set>
+                                  </p:childTnLst>
+                                </p:cTn>
+                              </p:par>
+                              <p:par>
+                                <p:cTn id="25" presetID="1" presetClass="entr" presetSubtype="0" fill="hold" nodeType="withEffect">
+                                  <p:stCondLst>
+                                    <p:cond delay="0"/>
+                                  </p:stCondLst>
+                                  <p:childTnLst>
+                                    <p:set>
+                                      <p:cBhvr>
+                                        <p:cTn id="26" dur="1" fill="hold">
+                                          <p:stCondLst>
+                                            <p:cond delay="0"/>
+                                          </p:stCondLst>
+                                        </p:cTn>
+                                        <p:tgtEl>
+                                          <p:spTgt spid="7">
+                                            <p:txEl>
+                                              <p:pRg st="12" end="12"/>
+                                            </p:txEl>
+                                          </p:spTgt>
+                                        </p:tgtEl>
+                                        <p:attrNameLst>
+                                          <p:attrName>style.visibility</p:attrName>
+                                        </p:attrNameLst>
+                                      </p:cBhvr>
+                                      <p:to>
+                                        <p:strVal val="visible"/>
+                                      </p:to>
+                                    </p:set>
+                                  </p:childTnLst>
+                                </p:cTn>
+                              </p:par>
+                              <p:par>
+                                <p:cTn id="27" presetID="1" presetClass="entr" presetSubtype="0" fill="hold" nodeType="withEffect">
+                                  <p:stCondLst>
+                                    <p:cond delay="0"/>
+                                  </p:stCondLst>
+                                  <p:childTnLst>
+                                    <p:set>
+                                      <p:cBhvr>
+                                        <p:cTn id="28" dur="1" fill="hold">
+                                          <p:stCondLst>
+                                            <p:cond delay="0"/>
+                                          </p:stCondLst>
+                                        </p:cTn>
+                                        <p:tgtEl>
+                                          <p:spTgt spid="7">
+                                            <p:txEl>
+                                              <p:pRg st="13" end="13"/>
+                                            </p:txEl>
+                                          </p:spTgt>
+                                        </p:tgtEl>
+                                        <p:attrNameLst>
+                                          <p:attrName>style.visibility</p:attrName>
+                                        </p:attrNameLst>
+                                      </p:cBhvr>
+                                      <p:to>
+                                        <p:strVal val="visible"/>
+                                      </p:to>
+                                    </p:set>
+                                  </p:childTnLst>
+                                </p:cTn>
+                              </p:par>
+                            </p:childTnLst>
+                          </p:cTn>
+                        </p:par>
+                      </p:childTnLst>
+                    </p:cTn>
+                  </p:par>
+                </p:childTnLst>
+              </p:cTn>
+              <p:prevCondLst>
+                <p:cond evt="onPrev" delay="0">
+                  <p:tgtEl>
+                    <p:sldTgt/>
+                  </p:tgtEl>
+                </p:cond>
+              </p:prevCondLst>
+              <p:nextCondLst>
+                <p:cond evt="onNext" delay="0">
+                  <p:tgtEl>
+                    <p:sldTgt/>
+                  </p:tgtEl>
+                </p:cond>
+              </p:nextCondLst>
+            </p:seq>
+          </p:childTnLst>
+        </p:cTn>
+      </p:par>
+    </p:tnLst>
+  </p:timing>
+</p:sld>
+</file>
+
+<file path=ppt/slides/slide15.xml><?xml version="1.0" encoding="utf-8"?>
 <p:sld xmlns:a="http://schemas.openxmlformats.org/drawingml/2006/main" xmlns:r="http://schemas.openxmlformats.org/officeDocument/2006/relationships" xmlns:p="http://schemas.openxmlformats.org/presentationml/2006/main">
   <p:cSld>
     <p:spTree>
@@ -12227,76 +15075,25 @@
             <p:ph idx="1"/>
           </p:nvPr>
         </p:nvSpPr>
-        <p:spPr/>
+        <p:spPr>
+          <a:xfrm>
+            <a:off x="1234800" y="1825625"/>
+            <a:ext cx="8382613" cy="4351338"/>
+          </a:xfrm>
+        </p:spPr>
         <p:txBody>
           <a:bodyPr/>
           <a:lstStyle/>
           <a:p>
             <a:r>
               <a:rPr lang="nb-NO" dirty="0"/>
-              <a:t>Du har en objekt-struktur bestående av ulike klasser, og du ønsker å utføre operasjoner på objektene som er avhengig av den konkrete klassen.</a:t>
+              <a:t>Du har forskjellige måter å løse samme problem på</a:t>
             </a:r>
           </a:p>
           <a:p>
             <a:r>
               <a:rPr lang="nb-NO" dirty="0"/>
-              <a:t>Flere ulike operasjoner skal kunne utføres på objektene i strukturen, og du ønsker å unngå «forurensing» av klassene (</a:t>
-            </a:r>
-            <a:r>
-              <a:rPr lang="nb-NO" dirty="0" err="1"/>
-              <a:t>ref</a:t>
-            </a:r>
-            <a:r>
-              <a:rPr lang="nb-NO" dirty="0"/>
-              <a:t> Single-</a:t>
-            </a:r>
-            <a:r>
-              <a:rPr lang="nb-NO" dirty="0" err="1"/>
-              <a:t>responsibility</a:t>
-            </a:r>
-            <a:r>
-              <a:rPr lang="nb-NO" dirty="0"/>
-              <a:t>)</a:t>
-            </a:r>
-          </a:p>
-          <a:p>
-            <a:r>
-              <a:rPr lang="nb-NO" dirty="0" err="1"/>
-              <a:t>Objektstrukturen</a:t>
-            </a:r>
-            <a:r>
-              <a:rPr lang="nb-NO" dirty="0"/>
-              <a:t> er stabil. Det kommer ikke flere klasser.</a:t>
-            </a:r>
-          </a:p>
-          <a:p>
-            <a:r>
-              <a:rPr lang="nb-NO" dirty="0"/>
-              <a:t>Det kommer stadig flere operasjoner som skal utføres på </a:t>
-            </a:r>
-            <a:r>
-              <a:rPr lang="nb-NO" dirty="0" err="1"/>
-              <a:t>objektstrukturen</a:t>
-            </a:r>
-            <a:r>
-              <a:rPr lang="nb-NO" dirty="0"/>
-              <a:t> (</a:t>
-            </a:r>
-            <a:r>
-              <a:rPr lang="nb-NO" dirty="0" err="1"/>
-              <a:t>ref</a:t>
-            </a:r>
-            <a:r>
-              <a:rPr lang="nb-NO" dirty="0"/>
-              <a:t> Open/</a:t>
-            </a:r>
-            <a:r>
-              <a:rPr lang="nb-NO" dirty="0" err="1"/>
-              <a:t>Closed</a:t>
-            </a:r>
-            <a:r>
-              <a:rPr lang="nb-NO" dirty="0"/>
-              <a:t>)</a:t>
+              <a:t>Når klienten har nok kunnskap til selv å velge strategi</a:t>
             </a:r>
           </a:p>
           <a:p>
@@ -12449,104 +15246,6 @@
                       </p:childTnLst>
                     </p:cTn>
                   </p:par>
-                  <p:par>
-                    <p:cTn id="11" fill="hold">
-                      <p:stCondLst>
-                        <p:cond delay="indefinite"/>
-                      </p:stCondLst>
-                      <p:childTnLst>
-                        <p:par>
-                          <p:cTn id="12" fill="hold">
-                            <p:stCondLst>
-                              <p:cond delay="0"/>
-                            </p:stCondLst>
-                            <p:childTnLst>
-                              <p:par>
-                                <p:cTn id="13" presetID="1" presetClass="entr" presetSubtype="0" fill="hold" grpId="0" nodeType="clickEffect">
-                                  <p:stCondLst>
-                                    <p:cond delay="0"/>
-                                  </p:stCondLst>
-                                  <p:childTnLst>
-                                    <p:set>
-                                      <p:cBhvr>
-                                        <p:cTn id="14" dur="1" fill="hold">
-                                          <p:stCondLst>
-                                            <p:cond delay="0"/>
-                                          </p:stCondLst>
-                                        </p:cTn>
-                                        <p:tgtEl>
-                                          <p:spTgt spid="2">
-                                            <p:txEl>
-                                              <p:pRg st="2" end="2"/>
-                                            </p:txEl>
-                                          </p:spTgt>
-                                        </p:tgtEl>
-                                        <p:attrNameLst>
-                                          <p:attrName>style.visibility</p:attrName>
-                                        </p:attrNameLst>
-                                      </p:cBhvr>
-                                      <p:to>
-                                        <p:strVal val="visible"/>
-                                      </p:to>
-                                    </p:set>
-                                  </p:childTnLst>
-                                </p:cTn>
-                              </p:par>
-                            </p:childTnLst>
-                          </p:cTn>
-                        </p:par>
-                      </p:childTnLst>
-                    </p:cTn>
-                  </p:par>
-                  <p:par>
-                    <p:cTn id="15" fill="hold">
-                      <p:stCondLst>
-                        <p:cond delay="indefinite"/>
-                      </p:stCondLst>
-                      <p:childTnLst>
-                        <p:par>
-                          <p:cTn id="16" fill="hold">
-                            <p:stCondLst>
-                              <p:cond delay="0"/>
-                            </p:stCondLst>
-                            <p:childTnLst>
-                              <p:par>
-                                <p:cTn id="17" presetID="1" presetClass="entr" presetSubtype="0" fill="hold" grpId="0" nodeType="clickEffect">
-                                  <p:stCondLst>
-                                    <p:cond delay="0"/>
-                                  </p:stCondLst>
-                                  <p:childTnLst>
-                                    <p:set>
-                                      <p:cBhvr>
-                                        <p:cTn id="18" dur="1" fill="hold">
-                                          <p:stCondLst>
-                                            <p:cond delay="0"/>
-                                          </p:stCondLst>
-                                        </p:cTn>
-                                        <p:tgtEl>
-                                          <p:spTgt spid="2">
-                                            <p:txEl>
-                                              <p:pRg st="3" end="3"/>
-                                            </p:txEl>
-                                          </p:spTgt>
-                                        </p:tgtEl>
-                                        <p:attrNameLst>
-                                          <p:attrName>style.visibility</p:attrName>
-                                        </p:attrNameLst>
-                                      </p:cBhvr>
-                                      <p:to>
-                                        <p:strVal val="visible"/>
-                                      </p:to>
-                                    </p:set>
-                                  </p:childTnLst>
-                                </p:cTn>
-                              </p:par>
-                            </p:childTnLst>
-                          </p:cTn>
-                        </p:par>
-                      </p:childTnLst>
-                    </p:cTn>
-                  </p:par>
                 </p:childTnLst>
               </p:cTn>
               <p:prevCondLst>
@@ -12575,7 +15274,7 @@
 </p:sld>
 </file>
 
-<file path=ppt/slides/slide13.xml><?xml version="1.0" encoding="utf-8"?>
+<file path=ppt/slides/slide16.xml><?xml version="1.0" encoding="utf-8"?>
 <p:sld xmlns:a="http://schemas.openxmlformats.org/drawingml/2006/main" xmlns:r="http://schemas.openxmlformats.org/officeDocument/2006/relationships" xmlns:p="http://schemas.openxmlformats.org/presentationml/2006/main">
   <p:cSld>
     <p:spTree>
@@ -12649,7 +15348,7 @@
 </p:sld>
 </file>
 
-<file path=ppt/slides/slide14.xml><?xml version="1.0" encoding="utf-8"?>
+<file path=ppt/slides/slide17.xml><?xml version="1.0" encoding="utf-8"?>
 <p:sld xmlns:a="http://schemas.openxmlformats.org/drawingml/2006/main" xmlns:r="http://schemas.openxmlformats.org/officeDocument/2006/relationships" xmlns:p="http://schemas.openxmlformats.org/presentationml/2006/main">
   <p:cSld>
     <p:spTree>
@@ -12866,7 +15565,7 @@
 </p:sld>
 </file>
 
-<file path=ppt/slides/slide15.xml><?xml version="1.0" encoding="utf-8"?>
+<file path=ppt/slides/slide18.xml><?xml version="1.0" encoding="utf-8"?>
 <p:sld xmlns:a="http://schemas.openxmlformats.org/drawingml/2006/main" xmlns:r="http://schemas.openxmlformats.org/officeDocument/2006/relationships" xmlns:p="http://schemas.openxmlformats.org/presentationml/2006/main">
   <p:cSld>
     <p:spTree>
@@ -13219,7 +15918,7 @@
 </p:sld>
 </file>
 
-<file path=ppt/slides/slide16.xml><?xml version="1.0" encoding="utf-8"?>
+<file path=ppt/slides/slide19.xml><?xml version="1.0" encoding="utf-8"?>
 <p:sld xmlns:a="http://schemas.openxmlformats.org/drawingml/2006/main" xmlns:r="http://schemas.openxmlformats.org/officeDocument/2006/relationships" xmlns:p="http://schemas.openxmlformats.org/presentationml/2006/main">
   <p:cSld>
     <p:spTree>
@@ -13323,7 +16022,81 @@
 </p:sld>
 </file>
 
-<file path=ppt/slides/slide17.xml><?xml version="1.0" encoding="utf-8"?>
+<file path=ppt/slides/slide2.xml><?xml version="1.0" encoding="utf-8"?>
+<p:sld xmlns:a="http://schemas.openxmlformats.org/drawingml/2006/main" xmlns:r="http://schemas.openxmlformats.org/officeDocument/2006/relationships" xmlns:p="http://schemas.openxmlformats.org/presentationml/2006/main">
+  <p:cSld>
+    <p:spTree>
+      <p:nvGrpSpPr>
+        <p:cNvPr id="1" name=""/>
+        <p:cNvGrpSpPr/>
+        <p:nvPr/>
+      </p:nvGrpSpPr>
+      <p:grpSpPr>
+        <a:xfrm>
+          <a:off x="0" y="0"/>
+          <a:ext cx="0" cy="0"/>
+          <a:chOff x="0" y="0"/>
+          <a:chExt cx="0" cy="0"/>
+        </a:xfrm>
+      </p:grpSpPr>
+      <p:sp>
+        <p:nvSpPr>
+          <p:cNvPr id="2" name="Tittel 1"/>
+          <p:cNvSpPr>
+            <a:spLocks noGrp="1"/>
+          </p:cNvSpPr>
+          <p:nvPr>
+            <p:ph type="ctrTitle"/>
+          </p:nvPr>
+        </p:nvSpPr>
+        <p:spPr/>
+        <p:txBody>
+          <a:bodyPr/>
+          <a:lstStyle/>
+          <a:p>
+            <a:r>
+              <a:rPr lang="nb-NO" dirty="0"/>
+              <a:t>Innledning</a:t>
+            </a:r>
+          </a:p>
+        </p:txBody>
+      </p:sp>
+      <p:sp>
+        <p:nvSpPr>
+          <p:cNvPr id="3" name="Undertittel 2"/>
+          <p:cNvSpPr>
+            <a:spLocks noGrp="1"/>
+          </p:cNvSpPr>
+          <p:nvPr>
+            <p:ph type="subTitle" idx="1"/>
+          </p:nvPr>
+        </p:nvSpPr>
+        <p:spPr/>
+        <p:txBody>
+          <a:bodyPr/>
+          <a:lstStyle/>
+          <a:p>
+            <a:r>
+              <a:rPr lang="nb-NO" dirty="0"/>
+              <a:t>Øystein Jakobsen</a:t>
+            </a:r>
+          </a:p>
+        </p:txBody>
+      </p:sp>
+    </p:spTree>
+    <p:extLst>
+      <p:ext uri="{BB962C8B-B14F-4D97-AF65-F5344CB8AC3E}">
+        <p14:creationId xmlns:p14="http://schemas.microsoft.com/office/powerpoint/2010/main" val="3698609642"/>
+      </p:ext>
+    </p:extLst>
+  </p:cSld>
+  <p:clrMapOvr>
+    <a:masterClrMapping/>
+  </p:clrMapOvr>
+</p:sld>
+</file>
+
+<file path=ppt/slides/slide20.xml><?xml version="1.0" encoding="utf-8"?>
 <p:sld xmlns:a="http://schemas.openxmlformats.org/drawingml/2006/main" xmlns:r="http://schemas.openxmlformats.org/officeDocument/2006/relationships" xmlns:p="http://schemas.openxmlformats.org/presentationml/2006/main">
   <p:cSld>
     <p:spTree>
@@ -14898,7 +17671,7 @@
 </p:sld>
 </file>
 
-<file path=ppt/slides/slide18.xml><?xml version="1.0" encoding="utf-8"?>
+<file path=ppt/slides/slide21.xml><?xml version="1.0" encoding="utf-8"?>
 <p:sld xmlns:a="http://schemas.openxmlformats.org/drawingml/2006/main" xmlns:r="http://schemas.openxmlformats.org/officeDocument/2006/relationships" xmlns:p="http://schemas.openxmlformats.org/presentationml/2006/main">
   <p:cSld>
     <p:spTree>
@@ -16244,7 +19017,7 @@
 </p:sld>
 </file>
 
-<file path=ppt/slides/slide19.xml><?xml version="1.0" encoding="utf-8"?>
+<file path=ppt/slides/slide22.xml><?xml version="1.0" encoding="utf-8"?>
 <p:sld xmlns:a="http://schemas.openxmlformats.org/drawingml/2006/main" xmlns:r="http://schemas.openxmlformats.org/officeDocument/2006/relationships" xmlns:p="http://schemas.openxmlformats.org/presentationml/2006/main">
   <p:cSld>
     <p:spTree>
@@ -17701,81 +20474,7 @@
 </p:sld>
 </file>
 
-<file path=ppt/slides/slide2.xml><?xml version="1.0" encoding="utf-8"?>
-<p:sld xmlns:a="http://schemas.openxmlformats.org/drawingml/2006/main" xmlns:r="http://schemas.openxmlformats.org/officeDocument/2006/relationships" xmlns:p="http://schemas.openxmlformats.org/presentationml/2006/main">
-  <p:cSld>
-    <p:spTree>
-      <p:nvGrpSpPr>
-        <p:cNvPr id="1" name=""/>
-        <p:cNvGrpSpPr/>
-        <p:nvPr/>
-      </p:nvGrpSpPr>
-      <p:grpSpPr>
-        <a:xfrm>
-          <a:off x="0" y="0"/>
-          <a:ext cx="0" cy="0"/>
-          <a:chOff x="0" y="0"/>
-          <a:chExt cx="0" cy="0"/>
-        </a:xfrm>
-      </p:grpSpPr>
-      <p:sp>
-        <p:nvSpPr>
-          <p:cNvPr id="2" name="Tittel 1"/>
-          <p:cNvSpPr>
-            <a:spLocks noGrp="1"/>
-          </p:cNvSpPr>
-          <p:nvPr>
-            <p:ph type="ctrTitle"/>
-          </p:nvPr>
-        </p:nvSpPr>
-        <p:spPr/>
-        <p:txBody>
-          <a:bodyPr/>
-          <a:lstStyle/>
-          <a:p>
-            <a:r>
-              <a:rPr lang="nb-NO" dirty="0"/>
-              <a:t>Innledning</a:t>
-            </a:r>
-          </a:p>
-        </p:txBody>
-      </p:sp>
-      <p:sp>
-        <p:nvSpPr>
-          <p:cNvPr id="3" name="Undertittel 2"/>
-          <p:cNvSpPr>
-            <a:spLocks noGrp="1"/>
-          </p:cNvSpPr>
-          <p:nvPr>
-            <p:ph type="subTitle" idx="1"/>
-          </p:nvPr>
-        </p:nvSpPr>
-        <p:spPr/>
-        <p:txBody>
-          <a:bodyPr/>
-          <a:lstStyle/>
-          <a:p>
-            <a:r>
-              <a:rPr lang="nb-NO" dirty="0"/>
-              <a:t>Øystein Jakobsen</a:t>
-            </a:r>
-          </a:p>
-        </p:txBody>
-      </p:sp>
-    </p:spTree>
-    <p:extLst>
-      <p:ext uri="{BB962C8B-B14F-4D97-AF65-F5344CB8AC3E}">
-        <p14:creationId xmlns:p14="http://schemas.microsoft.com/office/powerpoint/2010/main" val="3698609642"/>
-      </p:ext>
-    </p:extLst>
-  </p:cSld>
-  <p:clrMapOvr>
-    <a:masterClrMapping/>
-  </p:clrMapOvr>
-</p:sld>
-</file>
-
-<file path=ppt/slides/slide20.xml><?xml version="1.0" encoding="utf-8"?>
+<file path=ppt/slides/slide23.xml><?xml version="1.0" encoding="utf-8"?>
 <p:sld xmlns:a="http://schemas.openxmlformats.org/drawingml/2006/main" xmlns:r="http://schemas.openxmlformats.org/officeDocument/2006/relationships" xmlns:p="http://schemas.openxmlformats.org/presentationml/2006/main">
   <p:cSld>
     <p:spTree>
@@ -18150,7 +20849,7 @@
 </p:sld>
 </file>
 
-<file path=ppt/slides/slide21.xml><?xml version="1.0" encoding="utf-8"?>
+<file path=ppt/slides/slide24.xml><?xml version="1.0" encoding="utf-8"?>
 <p:sld xmlns:a="http://schemas.openxmlformats.org/drawingml/2006/main" xmlns:r="http://schemas.openxmlformats.org/officeDocument/2006/relationships" xmlns:p="http://schemas.openxmlformats.org/presentationml/2006/main">
   <p:cSld>
     <p:spTree>
@@ -18230,7 +20929,7 @@
 </p:sld>
 </file>
 
-<file path=ppt/slides/slide22.xml><?xml version="1.0" encoding="utf-8"?>
+<file path=ppt/slides/slide25.xml><?xml version="1.0" encoding="utf-8"?>
 <p:sld xmlns:a="http://schemas.openxmlformats.org/drawingml/2006/main" xmlns:r="http://schemas.openxmlformats.org/officeDocument/2006/relationships" xmlns:p="http://schemas.openxmlformats.org/presentationml/2006/main">
   <p:cSld>
     <p:spTree>
@@ -18318,7 +21017,7 @@
 </p:sld>
 </file>
 
-<file path=ppt/slides/slide23.xml><?xml version="1.0" encoding="utf-8"?>
+<file path=ppt/slides/slide26.xml><?xml version="1.0" encoding="utf-8"?>
 <p:sld xmlns:a="http://schemas.openxmlformats.org/drawingml/2006/main" xmlns:r="http://schemas.openxmlformats.org/officeDocument/2006/relationships" xmlns:p="http://schemas.openxmlformats.org/presentationml/2006/main">
   <p:cSld>
     <p:spTree>
@@ -19464,7 +22163,15 @@
           <a:p>
             <a:r>
               <a:rPr lang="nb-NO" dirty="0"/>
-              <a:t>Endre strategi for hvordan en operasjon/ algoritme skal utføres – </a:t>
+              <a:t>Et </a:t>
+            </a:r>
+            <a:r>
+              <a:rPr lang="nb-NO" dirty="0" err="1"/>
+              <a:t>pattern</a:t>
+            </a:r>
+            <a:r>
+              <a:rPr lang="nb-NO" dirty="0"/>
+              <a:t> som lar oss endre strategi for hvordan en operasjon/ algoritme skal utføres – </a:t>
             </a:r>
             <a:r>
               <a:rPr lang="nb-NO" dirty="0" err="1"/>
@@ -19474,48 +22181,6 @@
               <a:rPr lang="nb-NO" dirty="0"/>
               <a:t>.</a:t>
             </a:r>
-          </a:p>
-          <a:p>
-            <a:r>
-              <a:rPr lang="nb-NO" dirty="0"/>
-              <a:t>Når det finnes flere måte å gjøre en operasjon på:  Trekk hver operasjon ut i egne klasser, eksponer ved hjelp av et felles </a:t>
-            </a:r>
-            <a:r>
-              <a:rPr lang="nb-NO" dirty="0" err="1"/>
-              <a:t>interface</a:t>
-            </a:r>
-            <a:r>
-              <a:rPr lang="nb-NO" dirty="0"/>
-              <a:t>, og la klient </a:t>
-            </a:r>
-            <a:r>
-              <a:rPr lang="nb-NO" dirty="0" err="1"/>
-              <a:t>runtime</a:t>
-            </a:r>
-            <a:r>
-              <a:rPr lang="nb-NO" dirty="0"/>
-              <a:t> bestemme hvilken strategi som skal brukes.</a:t>
-            </a:r>
-          </a:p>
-          <a:p>
-            <a:r>
-              <a:rPr lang="nb-NO" dirty="0"/>
-              <a:t>Med </a:t>
-            </a:r>
-            <a:r>
-              <a:rPr lang="nb-NO" dirty="0" err="1"/>
-              <a:t>Strategy</a:t>
-            </a:r>
-            <a:r>
-              <a:rPr lang="nb-NO" dirty="0"/>
-              <a:t> kan man legge til nye operasjoner uten å endre på klassene i objekt-strukturen.</a:t>
-            </a:r>
-          </a:p>
-          <a:p>
-            <a:pPr marL="357187" lvl="1" indent="0">
-              <a:buNone/>
-            </a:pPr>
-            <a:endParaRPr lang="nb-NO" dirty="0"/>
           </a:p>
         </p:txBody>
       </p:sp>
@@ -19549,6 +22214,218 @@
     <p:extLst>
       <p:ext uri="{BB962C8B-B14F-4D97-AF65-F5344CB8AC3E}">
         <p14:creationId xmlns:p14="http://schemas.microsoft.com/office/powerpoint/2010/main" val="4024516063"/>
+      </p:ext>
+    </p:extLst>
+  </p:cSld>
+  <p:clrMapOvr>
+    <a:masterClrMapping/>
+  </p:clrMapOvr>
+  <p:timing>
+    <p:tnLst>
+      <p:par>
+        <p:cTn id="1" dur="indefinite" restart="never" nodeType="tmRoot">
+          <p:childTnLst>
+            <p:seq concurrent="1" nextAc="seek">
+              <p:cTn id="2" dur="indefinite" nodeType="mainSeq">
+                <p:childTnLst>
+                  <p:par>
+                    <p:cTn id="3" fill="hold">
+                      <p:stCondLst>
+                        <p:cond delay="indefinite"/>
+                      </p:stCondLst>
+                      <p:childTnLst>
+                        <p:par>
+                          <p:cTn id="4" fill="hold">
+                            <p:stCondLst>
+                              <p:cond delay="0"/>
+                            </p:stCondLst>
+                            <p:childTnLst>
+                              <p:par>
+                                <p:cTn id="5" presetID="1" presetClass="entr" presetSubtype="0" fill="hold" grpId="0" nodeType="clickEffect">
+                                  <p:stCondLst>
+                                    <p:cond delay="0"/>
+                                  </p:stCondLst>
+                                  <p:childTnLst>
+                                    <p:set>
+                                      <p:cBhvr>
+                                        <p:cTn id="6" dur="1" fill="hold">
+                                          <p:stCondLst>
+                                            <p:cond delay="0"/>
+                                          </p:stCondLst>
+                                        </p:cTn>
+                                        <p:tgtEl>
+                                          <p:spTgt spid="2">
+                                            <p:txEl>
+                                              <p:pRg st="0" end="0"/>
+                                            </p:txEl>
+                                          </p:spTgt>
+                                        </p:tgtEl>
+                                        <p:attrNameLst>
+                                          <p:attrName>style.visibility</p:attrName>
+                                        </p:attrNameLst>
+                                      </p:cBhvr>
+                                      <p:to>
+                                        <p:strVal val="visible"/>
+                                      </p:to>
+                                    </p:set>
+                                  </p:childTnLst>
+                                </p:cTn>
+                              </p:par>
+                            </p:childTnLst>
+                          </p:cTn>
+                        </p:par>
+                      </p:childTnLst>
+                    </p:cTn>
+                  </p:par>
+                </p:childTnLst>
+              </p:cTn>
+              <p:prevCondLst>
+                <p:cond evt="onPrev" delay="0">
+                  <p:tgtEl>
+                    <p:sldTgt/>
+                  </p:tgtEl>
+                </p:cond>
+              </p:prevCondLst>
+              <p:nextCondLst>
+                <p:cond evt="onNext" delay="0">
+                  <p:tgtEl>
+                    <p:sldTgt/>
+                  </p:tgtEl>
+                </p:cond>
+              </p:nextCondLst>
+            </p:seq>
+          </p:childTnLst>
+        </p:cTn>
+      </p:par>
+    </p:tnLst>
+    <p:bldLst>
+      <p:bldP spid="2" grpId="0" uiExpand="1" build="p"/>
+    </p:bldLst>
+  </p:timing>
+</p:sld>
+</file>
+
+<file path=ppt/slides/slide8.xml><?xml version="1.0" encoding="utf-8"?>
+<p:sld xmlns:a="http://schemas.openxmlformats.org/drawingml/2006/main" xmlns:r="http://schemas.openxmlformats.org/officeDocument/2006/relationships" xmlns:p="http://schemas.openxmlformats.org/presentationml/2006/main">
+  <p:cSld>
+    <p:spTree>
+      <p:nvGrpSpPr>
+        <p:cNvPr id="1" name=""/>
+        <p:cNvGrpSpPr/>
+        <p:nvPr/>
+      </p:nvGrpSpPr>
+      <p:grpSpPr>
+        <a:xfrm>
+          <a:off x="0" y="0"/>
+          <a:ext cx="0" cy="0"/>
+          <a:chOff x="0" y="0"/>
+          <a:chExt cx="0" cy="0"/>
+        </a:xfrm>
+      </p:grpSpPr>
+      <p:sp>
+        <p:nvSpPr>
+          <p:cNvPr id="2" name="Content Placeholder 1"/>
+          <p:cNvSpPr>
+            <a:spLocks noGrp="1"/>
+          </p:cNvSpPr>
+          <p:nvPr>
+            <p:ph idx="1"/>
+          </p:nvPr>
+        </p:nvSpPr>
+        <p:spPr/>
+        <p:txBody>
+          <a:bodyPr/>
+          <a:lstStyle/>
+          <a:p>
+            <a:r>
+              <a:rPr lang="nb-NO" dirty="0"/>
+              <a:t>log4net/ log4j: Kan velge loggestrategi(er) i </a:t>
+            </a:r>
+            <a:r>
+              <a:rPr lang="nb-NO" dirty="0" err="1"/>
+              <a:t>config</a:t>
+            </a:r>
+            <a:endParaRPr lang="nb-NO" dirty="0"/>
+          </a:p>
+          <a:p>
+            <a:r>
+              <a:rPr lang="nb-NO" dirty="0"/>
+              <a:t>Skal lagre masse informasjon til database, men ikke alt kan gjøres via bulk </a:t>
+            </a:r>
+            <a:r>
+              <a:rPr lang="nb-NO" dirty="0" err="1"/>
+              <a:t>insert</a:t>
+            </a:r>
+            <a:r>
+              <a:rPr lang="nb-NO" dirty="0"/>
+              <a:t>: Ha logikk for hva som kan legges inn med bulk </a:t>
+            </a:r>
+            <a:r>
+              <a:rPr lang="nb-NO" dirty="0" err="1"/>
+              <a:t>insert</a:t>
+            </a:r>
+            <a:r>
+              <a:rPr lang="nb-NO" dirty="0"/>
+              <a:t>, og kall </a:t>
+            </a:r>
+            <a:r>
+              <a:rPr lang="nb-NO" dirty="0" err="1"/>
+              <a:t>BulkInsert</a:t>
+            </a:r>
+            <a:r>
+              <a:rPr lang="nb-NO" dirty="0"/>
+              <a:t>-strategien med disse radene. Resten legges inn med </a:t>
+            </a:r>
+            <a:r>
+              <a:rPr lang="nb-NO" dirty="0" err="1"/>
+              <a:t>ManualInsert-strategy</a:t>
+            </a:r>
+            <a:r>
+              <a:rPr lang="nb-NO" dirty="0"/>
+              <a:t>.</a:t>
+            </a:r>
+          </a:p>
+          <a:p>
+            <a:endParaRPr lang="nb-NO" dirty="0"/>
+          </a:p>
+          <a:p>
+            <a:pPr marL="0" indent="0">
+              <a:buNone/>
+            </a:pPr>
+            <a:endParaRPr lang="nb-NO" dirty="0"/>
+          </a:p>
+        </p:txBody>
+      </p:sp>
+      <p:sp>
+        <p:nvSpPr>
+          <p:cNvPr id="3" name="Title 2"/>
+          <p:cNvSpPr>
+            <a:spLocks noGrp="1"/>
+          </p:cNvSpPr>
+          <p:nvPr>
+            <p:ph type="title"/>
+          </p:nvPr>
+        </p:nvSpPr>
+        <p:spPr/>
+        <p:txBody>
+          <a:bodyPr/>
+          <a:lstStyle/>
+          <a:p>
+            <a:r>
+              <a:rPr lang="nb-NO" dirty="0" err="1"/>
+              <a:t>Strategy</a:t>
+            </a:r>
+            <a:r>
+              <a:rPr lang="nb-NO" dirty="0"/>
+              <a:t> – eksempler</a:t>
+            </a:r>
+          </a:p>
+        </p:txBody>
+      </p:sp>
+    </p:spTree>
+    <p:extLst>
+      <p:ext uri="{BB962C8B-B14F-4D97-AF65-F5344CB8AC3E}">
+        <p14:creationId xmlns:p14="http://schemas.microsoft.com/office/powerpoint/2010/main" val="3831552312"/>
       </p:ext>
     </p:extLst>
   </p:cSld>
@@ -19661,55 +22538,6 @@
                       </p:childTnLst>
                     </p:cTn>
                   </p:par>
-                  <p:par>
-                    <p:cTn id="11" fill="hold">
-                      <p:stCondLst>
-                        <p:cond delay="indefinite"/>
-                      </p:stCondLst>
-                      <p:childTnLst>
-                        <p:par>
-                          <p:cTn id="12" fill="hold">
-                            <p:stCondLst>
-                              <p:cond delay="0"/>
-                            </p:stCondLst>
-                            <p:childTnLst>
-                              <p:par>
-                                <p:cTn id="13" presetID="1" presetClass="entr" presetSubtype="0" fill="hold" grpId="0" nodeType="clickEffect">
-                                  <p:stCondLst>
-                                    <p:cond delay="0"/>
-                                  </p:stCondLst>
-                                  <p:childTnLst>
-                                    <p:set>
-                                      <p:cBhvr>
-                                        <p:cTn id="14" dur="1" fill="hold">
-                                          <p:stCondLst>
-                                            <p:cond delay="0"/>
-                                          </p:stCondLst>
-                                        </p:cTn>
-                                        <p:tgtEl>
-                                          <p:spTgt spid="2">
-                                            <p:txEl>
-                                              <p:pRg st="2" end="2"/>
-                                            </p:txEl>
-                                          </p:spTgt>
-                                        </p:tgtEl>
-                                        <p:attrNameLst>
-                                          <p:attrName>style.visibility</p:attrName>
-                                        </p:attrNameLst>
-                                      </p:cBhvr>
-                                      <p:to>
-                                        <p:strVal val="visible"/>
-                                      </p:to>
-                                    </p:set>
-                                  </p:childTnLst>
-                                </p:cTn>
-                              </p:par>
-                            </p:childTnLst>
-                          </p:cTn>
-                        </p:par>
-                      </p:childTnLst>
-                    </p:cTn>
-                  </p:par>
                 </p:childTnLst>
               </p:cTn>
               <p:prevCondLst>
@@ -19738,7 +22566,7 @@
 </p:sld>
 </file>
 
-<file path=ppt/slides/slide8.xml><?xml version="1.0" encoding="utf-8"?>
+<file path=ppt/slides/slide9.xml><?xml version="1.0" encoding="utf-8"?>
 <p:sld xmlns:a="http://schemas.openxmlformats.org/drawingml/2006/main" xmlns:r="http://schemas.openxmlformats.org/officeDocument/2006/relationships" xmlns:p="http://schemas.openxmlformats.org/presentationml/2006/main">
   <p:cSld>
     <p:spTree>
@@ -19770,53 +22598,154 @@
           <a:bodyPr/>
           <a:lstStyle/>
           <a:p>
+            <a:pPr marL="457200" indent="-457200">
+              <a:buFont typeface="+mj-lt"/>
+              <a:buAutoNum type="arabicPeriod"/>
+            </a:pPr>
+            <a:r>
+              <a:rPr lang="en-US" dirty="0"/>
+              <a:t>Definer </a:t>
+            </a:r>
+            <a:r>
+              <a:rPr lang="en-US" dirty="0" err="1"/>
+              <a:t>algoritmer</a:t>
+            </a:r>
+            <a:r>
+              <a:rPr lang="en-US" dirty="0"/>
+              <a:t> </a:t>
+            </a:r>
+            <a:r>
+              <a:rPr lang="en-US" dirty="0" err="1"/>
+              <a:t>som</a:t>
+            </a:r>
+            <a:r>
+              <a:rPr lang="en-US" dirty="0"/>
+              <a:t> </a:t>
+            </a:r>
+            <a:r>
+              <a:rPr lang="en-US" dirty="0" err="1"/>
+              <a:t>løser</a:t>
+            </a:r>
+            <a:r>
+              <a:rPr lang="en-US" dirty="0"/>
+              <a:t> </a:t>
+            </a:r>
+            <a:r>
+              <a:rPr lang="en-US" dirty="0" err="1"/>
+              <a:t>samme</a:t>
+            </a:r>
+            <a:r>
+              <a:rPr lang="en-US" dirty="0"/>
+              <a:t> problem </a:t>
+            </a:r>
+            <a:r>
+              <a:rPr lang="en-US" dirty="0" err="1"/>
+              <a:t>på</a:t>
+            </a:r>
+            <a:r>
+              <a:rPr lang="en-US" dirty="0"/>
+              <a:t> </a:t>
+            </a:r>
+            <a:r>
+              <a:rPr lang="en-US" dirty="0" err="1"/>
+              <a:t>forskjellige</a:t>
+            </a:r>
+            <a:r>
+              <a:rPr lang="en-US" dirty="0"/>
+              <a:t> </a:t>
+            </a:r>
+            <a:r>
+              <a:rPr lang="en-US" dirty="0" err="1"/>
+              <a:t>måter</a:t>
+            </a:r>
+            <a:endParaRPr lang="en-US" dirty="0"/>
+          </a:p>
+          <a:p>
+            <a:pPr marL="457200" indent="-457200">
+              <a:buFont typeface="+mj-lt"/>
+              <a:buAutoNum type="arabicPeriod"/>
+            </a:pPr>
+            <a:r>
+              <a:rPr lang="en-US" dirty="0" err="1"/>
+              <a:t>Tilgjengeliggjør</a:t>
+            </a:r>
+            <a:r>
+              <a:rPr lang="en-US" dirty="0"/>
+              <a:t> </a:t>
+            </a:r>
+            <a:r>
+              <a:rPr lang="en-US" dirty="0" err="1"/>
+              <a:t>algoritmene</a:t>
+            </a:r>
+            <a:r>
+              <a:rPr lang="en-US" dirty="0"/>
+              <a:t> via et </a:t>
+            </a:r>
+            <a:r>
+              <a:rPr lang="en-US" dirty="0" err="1"/>
+              <a:t>felles</a:t>
+            </a:r>
+            <a:r>
+              <a:rPr lang="en-US" dirty="0"/>
+              <a:t> interface, </a:t>
+            </a:r>
+            <a:r>
+              <a:rPr lang="en-US" dirty="0" err="1"/>
+              <a:t>slik</a:t>
+            </a:r>
+            <a:r>
+              <a:rPr lang="en-US" dirty="0"/>
+              <a:t> at de </a:t>
+            </a:r>
+            <a:r>
+              <a:rPr lang="en-US" dirty="0" err="1"/>
+              <a:t>kan</a:t>
+            </a:r>
+            <a:r>
+              <a:rPr lang="en-US" dirty="0"/>
+              <a:t> </a:t>
+            </a:r>
+            <a:r>
+              <a:rPr lang="en-US" dirty="0" err="1"/>
+              <a:t>kan</a:t>
+            </a:r>
+            <a:r>
+              <a:rPr lang="en-US" dirty="0"/>
+              <a:t> </a:t>
+            </a:r>
+            <a:r>
+              <a:rPr lang="en-US" dirty="0" err="1"/>
+              <a:t>byttes</a:t>
+            </a:r>
+            <a:r>
+              <a:rPr lang="en-US" dirty="0"/>
+              <a:t> </a:t>
+            </a:r>
+            <a:r>
+              <a:rPr lang="en-US" dirty="0" err="1"/>
+              <a:t>ut</a:t>
+            </a:r>
+            <a:r>
+              <a:rPr lang="en-US" dirty="0"/>
+              <a:t> med </a:t>
+            </a:r>
+            <a:r>
+              <a:rPr lang="en-US" dirty="0" err="1"/>
+              <a:t>hverandre</a:t>
+            </a:r>
+            <a:r>
+              <a:rPr lang="en-US" dirty="0"/>
+              <a:t> runtime</a:t>
+            </a:r>
+          </a:p>
+          <a:p>
+            <a:pPr marL="457200" indent="-457200">
+              <a:buFont typeface="+mj-lt"/>
+              <a:buAutoNum type="arabicPeriod"/>
+            </a:pPr>
             <a:r>
               <a:rPr lang="nb-NO" dirty="0"/>
-              <a:t>Man har en objekt-struktur som består av ulike typer (klasser), og man ønsker å traversere gjennom elementene for å utføre en operasjon som er implementert ulikt for de ulike typene.</a:t>
-            </a:r>
-          </a:p>
-          <a:p>
-            <a:r>
-              <a:rPr lang="nb-NO" dirty="0"/>
-              <a:t>En måte å løse problemet på er ved å bruke arv, hvor hver sub-type implementerer sin variant av operasjonen.</a:t>
-            </a:r>
-          </a:p>
-          <a:p>
-            <a:pPr lvl="1"/>
-            <a:r>
-              <a:rPr lang="nb-NO" dirty="0"/>
-              <a:t>Dette kan medføre brudd på Single-</a:t>
-            </a:r>
-            <a:r>
-              <a:rPr lang="nb-NO" dirty="0" err="1"/>
-              <a:t>responsibility</a:t>
-            </a:r>
-            <a:r>
-              <a:rPr lang="nb-NO" dirty="0"/>
-              <a:t> prinsippet da operasjonen ikke nødvendigvis hører hjemme i klassen, og bare er aktuell </a:t>
-            </a:r>
-            <a:r>
-              <a:rPr lang="nb-NO" dirty="0" err="1"/>
-              <a:t>ifm</a:t>
-            </a:r>
-            <a:r>
-              <a:rPr lang="nb-NO" dirty="0"/>
-              <a:t> traverseringen.</a:t>
-            </a:r>
-          </a:p>
-          <a:p>
-            <a:pPr lvl="1"/>
-            <a:r>
-              <a:rPr lang="nb-NO" dirty="0"/>
-              <a:t>Dersom det blir behov for en ny type operasjon, må alle klassene implementere denne, som er et brudd på Open/</a:t>
-            </a:r>
-            <a:r>
-              <a:rPr lang="nb-NO" dirty="0" err="1"/>
-              <a:t>Closed</a:t>
-            </a:r>
-            <a:r>
-              <a:rPr lang="nb-NO" dirty="0"/>
-              <a:t> prinsippet.</a:t>
+              <a:t>La klienten bestemme hvilken algoritme som skal benyttes</a:t>
             </a:r>
           </a:p>
           <a:p>
@@ -19848,7 +22777,7 @@
             </a:r>
             <a:r>
               <a:rPr lang="nb-NO" dirty="0"/>
-              <a:t> - bakgrunn</a:t>
+              <a:t> – fremgangsmåte</a:t>
             </a:r>
           </a:p>
         </p:txBody>
@@ -19998,256 +22927,6 @@
                                           <p:spTgt spid="2">
                                             <p:txEl>
                                               <p:pRg st="2" end="2"/>
-                                            </p:txEl>
-                                          </p:spTgt>
-                                        </p:tgtEl>
-                                        <p:attrNameLst>
-                                          <p:attrName>style.visibility</p:attrName>
-                                        </p:attrNameLst>
-                                      </p:cBhvr>
-                                      <p:to>
-                                        <p:strVal val="visible"/>
-                                      </p:to>
-                                    </p:set>
-                                  </p:childTnLst>
-                                </p:cTn>
-                              </p:par>
-                            </p:childTnLst>
-                          </p:cTn>
-                        </p:par>
-                      </p:childTnLst>
-                    </p:cTn>
-                  </p:par>
-                  <p:par>
-                    <p:cTn id="15" fill="hold">
-                      <p:stCondLst>
-                        <p:cond delay="indefinite"/>
-                      </p:stCondLst>
-                      <p:childTnLst>
-                        <p:par>
-                          <p:cTn id="16" fill="hold">
-                            <p:stCondLst>
-                              <p:cond delay="0"/>
-                            </p:stCondLst>
-                            <p:childTnLst>
-                              <p:par>
-                                <p:cTn id="17" presetID="1" presetClass="entr" presetSubtype="0" fill="hold" grpId="0" nodeType="clickEffect">
-                                  <p:stCondLst>
-                                    <p:cond delay="0"/>
-                                  </p:stCondLst>
-                                  <p:childTnLst>
-                                    <p:set>
-                                      <p:cBhvr>
-                                        <p:cTn id="18" dur="1" fill="hold">
-                                          <p:stCondLst>
-                                            <p:cond delay="0"/>
-                                          </p:stCondLst>
-                                        </p:cTn>
-                                        <p:tgtEl>
-                                          <p:spTgt spid="2">
-                                            <p:txEl>
-                                              <p:pRg st="3" end="3"/>
-                                            </p:txEl>
-                                          </p:spTgt>
-                                        </p:tgtEl>
-                                        <p:attrNameLst>
-                                          <p:attrName>style.visibility</p:attrName>
-                                        </p:attrNameLst>
-                                      </p:cBhvr>
-                                      <p:to>
-                                        <p:strVal val="visible"/>
-                                      </p:to>
-                                    </p:set>
-                                  </p:childTnLst>
-                                </p:cTn>
-                              </p:par>
-                            </p:childTnLst>
-                          </p:cTn>
-                        </p:par>
-                      </p:childTnLst>
-                    </p:cTn>
-                  </p:par>
-                </p:childTnLst>
-              </p:cTn>
-              <p:prevCondLst>
-                <p:cond evt="onPrev" delay="0">
-                  <p:tgtEl>
-                    <p:sldTgt/>
-                  </p:tgtEl>
-                </p:cond>
-              </p:prevCondLst>
-              <p:nextCondLst>
-                <p:cond evt="onNext" delay="0">
-                  <p:tgtEl>
-                    <p:sldTgt/>
-                  </p:tgtEl>
-                </p:cond>
-              </p:nextCondLst>
-            </p:seq>
-          </p:childTnLst>
-        </p:cTn>
-      </p:par>
-    </p:tnLst>
-    <p:bldLst>
-      <p:bldP spid="2" grpId="0" uiExpand="1" build="p"/>
-    </p:bldLst>
-  </p:timing>
-</p:sld>
-</file>
-
-<file path=ppt/slides/slide9.xml><?xml version="1.0" encoding="utf-8"?>
-<p:sld xmlns:a="http://schemas.openxmlformats.org/drawingml/2006/main" xmlns:r="http://schemas.openxmlformats.org/officeDocument/2006/relationships" xmlns:p="http://schemas.openxmlformats.org/presentationml/2006/main">
-  <p:cSld>
-    <p:spTree>
-      <p:nvGrpSpPr>
-        <p:cNvPr id="1" name=""/>
-        <p:cNvGrpSpPr/>
-        <p:nvPr/>
-      </p:nvGrpSpPr>
-      <p:grpSpPr>
-        <a:xfrm>
-          <a:off x="0" y="0"/>
-          <a:ext cx="0" cy="0"/>
-          <a:chOff x="0" y="0"/>
-          <a:chExt cx="0" cy="0"/>
-        </a:xfrm>
-      </p:grpSpPr>
-      <p:sp>
-        <p:nvSpPr>
-          <p:cNvPr id="2" name="Content Placeholder 1"/>
-          <p:cNvSpPr>
-            <a:spLocks noGrp="1"/>
-          </p:cNvSpPr>
-          <p:nvPr>
-            <p:ph idx="1"/>
-          </p:nvPr>
-        </p:nvSpPr>
-        <p:spPr/>
-        <p:txBody>
-          <a:bodyPr/>
-          <a:lstStyle/>
-          <a:p>
-            <a:r>
-              <a:rPr lang="nb-NO" dirty="0"/>
-              <a:t>Skal lagre masse informasjon til database, men ikke alt kan gjøres via bulk </a:t>
-            </a:r>
-            <a:r>
-              <a:rPr lang="nb-NO" dirty="0" err="1"/>
-              <a:t>insert</a:t>
-            </a:r>
-            <a:r>
-              <a:rPr lang="nb-NO" dirty="0"/>
-              <a:t>: Ha logikk for hva som kan legges inn med bulk </a:t>
-            </a:r>
-            <a:r>
-              <a:rPr lang="nb-NO" dirty="0" err="1"/>
-              <a:t>insert</a:t>
-            </a:r>
-            <a:r>
-              <a:rPr lang="nb-NO" dirty="0"/>
-              <a:t>, og kall </a:t>
-            </a:r>
-            <a:r>
-              <a:rPr lang="nb-NO" dirty="0" err="1"/>
-              <a:t>BulkInsert</a:t>
-            </a:r>
-            <a:r>
-              <a:rPr lang="nb-NO" dirty="0"/>
-              <a:t>-strategien med disse radene. Resten legges inn med </a:t>
-            </a:r>
-            <a:r>
-              <a:rPr lang="nb-NO" dirty="0" err="1"/>
-              <a:t>ManualInsert-strategy</a:t>
-            </a:r>
-            <a:r>
-              <a:rPr lang="nb-NO" dirty="0"/>
-              <a:t>.</a:t>
-            </a:r>
-          </a:p>
-          <a:p>
-            <a:endParaRPr lang="nb-NO" dirty="0"/>
-          </a:p>
-          <a:p>
-            <a:pPr marL="0" indent="0">
-              <a:buNone/>
-            </a:pPr>
-            <a:endParaRPr lang="nb-NO" dirty="0"/>
-          </a:p>
-        </p:txBody>
-      </p:sp>
-      <p:sp>
-        <p:nvSpPr>
-          <p:cNvPr id="3" name="Title 2"/>
-          <p:cNvSpPr>
-            <a:spLocks noGrp="1"/>
-          </p:cNvSpPr>
-          <p:nvPr>
-            <p:ph type="title"/>
-          </p:nvPr>
-        </p:nvSpPr>
-        <p:spPr/>
-        <p:txBody>
-          <a:bodyPr/>
-          <a:lstStyle/>
-          <a:p>
-            <a:r>
-              <a:rPr lang="nb-NO" dirty="0" err="1"/>
-              <a:t>Strategy</a:t>
-            </a:r>
-            <a:r>
-              <a:rPr lang="nb-NO" dirty="0"/>
-              <a:t> – eksempler</a:t>
-            </a:r>
-          </a:p>
-        </p:txBody>
-      </p:sp>
-    </p:spTree>
-    <p:extLst>
-      <p:ext uri="{BB962C8B-B14F-4D97-AF65-F5344CB8AC3E}">
-        <p14:creationId xmlns:p14="http://schemas.microsoft.com/office/powerpoint/2010/main" val="3831552312"/>
-      </p:ext>
-    </p:extLst>
-  </p:cSld>
-  <p:clrMapOvr>
-    <a:masterClrMapping/>
-  </p:clrMapOvr>
-  <p:timing>
-    <p:tnLst>
-      <p:par>
-        <p:cTn id="1" dur="indefinite" restart="never" nodeType="tmRoot">
-          <p:childTnLst>
-            <p:seq concurrent="1" nextAc="seek">
-              <p:cTn id="2" dur="indefinite" nodeType="mainSeq">
-                <p:childTnLst>
-                  <p:par>
-                    <p:cTn id="3" fill="hold">
-                      <p:stCondLst>
-                        <p:cond delay="indefinite"/>
-                      </p:stCondLst>
-                      <p:childTnLst>
-                        <p:par>
-                          <p:cTn id="4" fill="hold">
-                            <p:stCondLst>
-                              <p:cond delay="0"/>
-                            </p:stCondLst>
-                            <p:childTnLst>
-                              <p:par>
-                                <p:cTn id="5" presetID="1" presetClass="entr" presetSubtype="0" fill="hold" grpId="0" nodeType="clickEffect">
-                                  <p:stCondLst>
-                                    <p:cond delay="0"/>
-                                  </p:stCondLst>
-                                  <p:childTnLst>
-                                    <p:set>
-                                      <p:cBhvr>
-                                        <p:cTn id="6" dur="1" fill="hold">
-                                          <p:stCondLst>
-                                            <p:cond delay="0"/>
-                                          </p:stCondLst>
-                                        </p:cTn>
-                                        <p:tgtEl>
-                                          <p:spTgt spid="2">
-                                            <p:txEl>
-                                              <p:pRg st="0" end="0"/>
                                             </p:txEl>
                                           </p:spTgt>
                                         </p:tgtEl>
@@ -21829,6 +24508,15 @@
 
 <file path=customXml/item1.xml><?xml version="1.0" encoding="utf-8"?>
 <?mso-contentType ?>
+<FormTemplates xmlns="http://schemas.microsoft.com/sharepoint/v3/contenttype/forms">
+  <Display>DocumentLibraryForm</Display>
+  <Edit>DocumentLibraryForm</Edit>
+  <New>DocumentLibraryForm</New>
+</FormTemplates>
+</file>
+
+<file path=customXml/item2.xml><?xml version="1.0" encoding="utf-8"?>
+<?mso-contentType ?>
 <spe:Receivers xmlns:spe="http://schemas.microsoft.com/sharepoint/events">
   <Receiver>
     <Name>Document ID Generator</Name>
@@ -21873,30 +24561,7 @@
 </spe:Receivers>
 </file>
 
-<file path=customXml/item2.xml><?xml version="1.0" encoding="utf-8"?>
-<?mso-contentType ?>
-<FormTemplates xmlns="http://schemas.microsoft.com/sharepoint/v3/contenttype/forms">
-  <Display>DocumentLibraryForm</Display>
-  <Edit>DocumentLibraryForm</Edit>
-  <New>DocumentLibraryForm</New>
-</FormTemplates>
-</file>
-
 <file path=customXml/item3.xml><?xml version="1.0" encoding="utf-8"?>
-<p:properties xmlns:p="http://schemas.microsoft.com/office/2006/metadata/properties" xmlns:xsi="http://www.w3.org/2001/XMLSchema-instance" xmlns:pc="http://schemas.microsoft.com/office/infopath/2007/PartnerControls">
-  <documentManagement>
-    <PublishingExpirationDate xmlns="http://schemas.microsoft.com/sharepoint/v3" xsi:nil="true"/>
-    <PublishingStartDate xmlns="http://schemas.microsoft.com/sharepoint/v3" xsi:nil="true"/>
-    <_dlc_DocId xmlns="cd7095a3-97f1-4663-a71f-a762e9d8a5de">FK7UAMZMK7QV-3061-70</_dlc_DocId>
-    <_dlc_DocIdUrl xmlns="cd7095a3-97f1-4663-a71f-a762e9d8a5de">
-      <Url>https://pingvinen.bouvet.no/stotte/dokumentmaler/_layouts/DocIdRedir.aspx?ID=FK7UAMZMK7QV-3061-70</Url>
-      <Description>FK7UAMZMK7QV-3061-70</Description>
-    </_dlc_DocIdUrl>
-  </documentManagement>
-</p:properties>
-</file>
-
-<file path=customXml/item4.xml><?xml version="1.0" encoding="utf-8"?>
 <ct:contentTypeSchema xmlns:ct="http://schemas.microsoft.com/office/2006/metadata/contentType" xmlns:ma="http://schemas.microsoft.com/office/2006/metadata/properties/metaAttributes" ct:_="" ma:_="" ma:contentTypeName="Document" ma:contentTypeID="0x0101006DE77A4C69F7B04F983EB828CF8C5433" ma:contentTypeVersion="2" ma:contentTypeDescription="Create a new document." ma:contentTypeScope="" ma:versionID="3f88a36eb5d68a1319bea6a26a0634f9">
   <xsd:schema xmlns:xsd="http://www.w3.org/2001/XMLSchema" xmlns:xs="http://www.w3.org/2001/XMLSchema" xmlns:p="http://schemas.microsoft.com/office/2006/metadata/properties" xmlns:ns1="http://schemas.microsoft.com/sharepoint/v3" xmlns:ns2="cd7095a3-97f1-4663-a71f-a762e9d8a5de" targetNamespace="http://schemas.microsoft.com/office/2006/metadata/properties" ma:root="true" ma:fieldsID="12e73613dd42fd77c3af4275080e49b8" ns1:_="" ns2:_="">
     <xsd:import namespace="http://schemas.microsoft.com/sharepoint/v3"/>
@@ -22058,7 +24723,29 @@
 </ct:contentTypeSchema>
 </file>
 
+<file path=customXml/item4.xml><?xml version="1.0" encoding="utf-8"?>
+<p:properties xmlns:p="http://schemas.microsoft.com/office/2006/metadata/properties" xmlns:xsi="http://www.w3.org/2001/XMLSchema-instance" xmlns:pc="http://schemas.microsoft.com/office/infopath/2007/PartnerControls">
+  <documentManagement>
+    <PublishingExpirationDate xmlns="http://schemas.microsoft.com/sharepoint/v3" xsi:nil="true"/>
+    <PublishingStartDate xmlns="http://schemas.microsoft.com/sharepoint/v3" xsi:nil="true"/>
+    <_dlc_DocId xmlns="cd7095a3-97f1-4663-a71f-a762e9d8a5de">FK7UAMZMK7QV-3061-70</_dlc_DocId>
+    <_dlc_DocIdUrl xmlns="cd7095a3-97f1-4663-a71f-a762e9d8a5de">
+      <Url>https://pingvinen.bouvet.no/stotte/dokumentmaler/_layouts/DocIdRedir.aspx?ID=FK7UAMZMK7QV-3061-70</Url>
+      <Description>FK7UAMZMK7QV-3061-70</Description>
+    </_dlc_DocIdUrl>
+  </documentManagement>
+</p:properties>
+</file>
+
 <file path=customXml/itemProps1.xml><?xml version="1.0" encoding="utf-8"?>
+<ds:datastoreItem xmlns:ds="http://schemas.openxmlformats.org/officeDocument/2006/customXml" ds:itemID="{BB82CC63-55FC-4D22-9ED3-DB88AF6228E1}">
+  <ds:schemaRefs>
+    <ds:schemaRef ds:uri="http://schemas.microsoft.com/sharepoint/v3/contenttype/forms"/>
+  </ds:schemaRefs>
+</ds:datastoreItem>
+</file>
+
+<file path=customXml/itemProps2.xml><?xml version="1.0" encoding="utf-8"?>
 <ds:datastoreItem xmlns:ds="http://schemas.openxmlformats.org/officeDocument/2006/customXml" ds:itemID="{1B3F50AB-02FD-4C47-98D2-8857298FC473}">
   <ds:schemaRefs>
     <ds:schemaRef ds:uri="http://schemas.microsoft.com/sharepoint/events"/>
@@ -22066,32 +24753,7 @@
 </ds:datastoreItem>
 </file>
 
-<file path=customXml/itemProps2.xml><?xml version="1.0" encoding="utf-8"?>
-<ds:datastoreItem xmlns:ds="http://schemas.openxmlformats.org/officeDocument/2006/customXml" ds:itemID="{BB82CC63-55FC-4D22-9ED3-DB88AF6228E1}">
-  <ds:schemaRefs>
-    <ds:schemaRef ds:uri="http://schemas.microsoft.com/sharepoint/v3/contenttype/forms"/>
-  </ds:schemaRefs>
-</ds:datastoreItem>
-</file>
-
 <file path=customXml/itemProps3.xml><?xml version="1.0" encoding="utf-8"?>
-<ds:datastoreItem xmlns:ds="http://schemas.openxmlformats.org/officeDocument/2006/customXml" ds:itemID="{9D2CB842-18D5-4EEF-9009-B0CAFCE7AC3E}">
-  <ds:schemaRefs>
-    <ds:schemaRef ds:uri="http://purl.org/dc/dcmitype/"/>
-    <ds:schemaRef ds:uri="http://schemas.microsoft.com/office/infopath/2007/PartnerControls"/>
-    <ds:schemaRef ds:uri="cd7095a3-97f1-4663-a71f-a762e9d8a5de"/>
-    <ds:schemaRef ds:uri="http://schemas.microsoft.com/office/2006/documentManagement/types"/>
-    <ds:schemaRef ds:uri="http://purl.org/dc/elements/1.1/"/>
-    <ds:schemaRef ds:uri="http://schemas.microsoft.com/office/2006/metadata/properties"/>
-    <ds:schemaRef ds:uri="http://schemas.microsoft.com/sharepoint/v3"/>
-    <ds:schemaRef ds:uri="http://purl.org/dc/terms/"/>
-    <ds:schemaRef ds:uri="http://schemas.openxmlformats.org/package/2006/metadata/core-properties"/>
-    <ds:schemaRef ds:uri="http://www.w3.org/XML/1998/namespace"/>
-  </ds:schemaRefs>
-</ds:datastoreItem>
-</file>
-
-<file path=customXml/itemProps4.xml><?xml version="1.0" encoding="utf-8"?>
 <ds:datastoreItem xmlns:ds="http://schemas.openxmlformats.org/officeDocument/2006/customXml" ds:itemID="{1F8D2ADD-9475-4053-913E-BB32E431EB0D}">
   <ds:schemaRefs>
     <ds:schemaRef ds:uri="http://schemas.microsoft.com/office/2006/metadata/contentType"/>
@@ -22108,4 +24770,21 @@
     <ds:schemaRef ds:uri="http://schemas.microsoft.com/internal/obd"/>
   </ds:schemaRefs>
 </ds:datastoreItem>
+</file>
+
+<file path=customXml/itemProps4.xml><?xml version="1.0" encoding="utf-8"?>
+<ds:datastoreItem xmlns:ds="http://schemas.openxmlformats.org/officeDocument/2006/customXml" ds:itemID="{9D2CB842-18D5-4EEF-9009-B0CAFCE7AC3E}">
+  <ds:schemaRefs>
+    <ds:schemaRef ds:uri="http://purl.org/dc/dcmitype/"/>
+    <ds:schemaRef ds:uri="http://schemas.microsoft.com/office/infopath/2007/PartnerControls"/>
+    <ds:schemaRef ds:uri="cd7095a3-97f1-4663-a71f-a762e9d8a5de"/>
+    <ds:schemaRef ds:uri="http://schemas.microsoft.com/office/2006/documentManagement/types"/>
+    <ds:schemaRef ds:uri="http://purl.org/dc/elements/1.1/"/>
+    <ds:schemaRef ds:uri="http://schemas.microsoft.com/office/2006/metadata/properties"/>
+    <ds:schemaRef ds:uri="http://schemas.microsoft.com/sharepoint/v3"/>
+    <ds:schemaRef ds:uri="http://purl.org/dc/terms/"/>
+    <ds:schemaRef ds:uri="http://schemas.openxmlformats.org/package/2006/metadata/core-properties"/>
+    <ds:schemaRef ds:uri="http://www.w3.org/XML/1998/namespace"/>
+  </ds:schemaRefs>
+</ds:datastoreItem>
 </file>
--- a/Presentasjon.pptx
+++ b/Presentasjon.pptx
@@ -7,10 +7,10 @@
     <p:sldMasterId id="2147483705" r:id="rId7"/>
   </p:sldMasterIdLst>
   <p:notesMasterIdLst>
-    <p:notesMasterId r:id="rId34"/>
+    <p:notesMasterId r:id="rId37"/>
   </p:notesMasterIdLst>
   <p:handoutMasterIdLst>
-    <p:handoutMasterId r:id="rId35"/>
+    <p:handoutMasterId r:id="rId38"/>
   </p:handoutMasterIdLst>
   <p:sldIdLst>
     <p:sldId id="263" r:id="rId8"/>
@@ -32,13 +32,16 @@
     <p:sldId id="256" r:id="rId24"/>
     <p:sldId id="257" r:id="rId25"/>
     <p:sldId id="258" r:id="rId26"/>
-    <p:sldId id="259" r:id="rId27"/>
-    <p:sldId id="260" r:id="rId28"/>
-    <p:sldId id="261" r:id="rId29"/>
-    <p:sldId id="262" r:id="rId30"/>
-    <p:sldId id="270" r:id="rId31"/>
-    <p:sldId id="272" r:id="rId32"/>
-    <p:sldId id="271" r:id="rId33"/>
+    <p:sldId id="282" r:id="rId27"/>
+    <p:sldId id="283" r:id="rId28"/>
+    <p:sldId id="284" r:id="rId29"/>
+    <p:sldId id="259" r:id="rId30"/>
+    <p:sldId id="260" r:id="rId31"/>
+    <p:sldId id="261" r:id="rId32"/>
+    <p:sldId id="262" r:id="rId33"/>
+    <p:sldId id="270" r:id="rId34"/>
+    <p:sldId id="272" r:id="rId35"/>
+    <p:sldId id="271" r:id="rId36"/>
   </p:sldIdLst>
   <p:sldSz cx="12192000" cy="6858000"/>
   <p:notesSz cx="6858000" cy="9144000"/>
@@ -245,7 +248,7 @@
           <a:p>
             <a:fld id="{54C52192-B826-4AE0-9CD6-BEA9467D12B3}" type="datetimeFigureOut">
               <a:rPr lang="nb-NO" smtClean="0"/>
-              <a:t>29.10.2017</a:t>
+              <a:t>30.10.2017</a:t>
             </a:fld>
             <a:endParaRPr lang="nb-NO"/>
           </a:p>
@@ -410,7 +413,7 @@
           <a:p>
             <a:fld id="{2696BCB2-2760-41B1-A1BE-7886EF110FCB}" type="datetimeFigureOut">
               <a:rPr lang="nb-NO" smtClean="0"/>
-              <a:t>29.10.2017</a:t>
+              <a:t>30.10.2017</a:t>
             </a:fld>
             <a:endParaRPr lang="nb-NO"/>
           </a:p>
@@ -10530,6 +10533,13 @@
   <p:clrMapOvr>
     <a:masterClrMapping/>
   </p:clrMapOvr>
+  <p:timing>
+    <p:tnLst>
+      <p:par>
+        <p:cTn id="1" dur="indefinite" restart="never" nodeType="tmRoot"/>
+      </p:par>
+    </p:tnLst>
+  </p:timing>
 </p:sld>
 </file>
 
@@ -10586,7 +10596,7 @@
           <p:cNvPr id="2" name="Bilde 1">
             <a:extLst>
               <a:ext uri="{FF2B5EF4-FFF2-40B4-BE49-F238E27FC236}">
-                <a16:creationId xmlns:a16="http://schemas.microsoft.com/office/drawing/2014/main" id="{7BFD7AAE-8FA8-43E3-929F-29A7B3961AF5}"/>
+                <a16:creationId xmlns:a16="http://schemas.microsoft.com/office/drawing/2014/main" xmlns="" id="{7BFD7AAE-8FA8-43E3-929F-29A7B3961AF5}"/>
               </a:ext>
             </a:extLst>
           </p:cNvPr>
@@ -10621,6 +10631,13 @@
   <p:clrMapOvr>
     <a:masterClrMapping/>
   </p:clrMapOvr>
+  <p:timing>
+    <p:tnLst>
+      <p:par>
+        <p:cTn id="1" dur="indefinite" restart="never" nodeType="tmRoot"/>
+      </p:par>
+    </p:tnLst>
+  </p:timing>
 </p:sld>
 </file>
 
@@ -10707,7 +10724,7 @@
           <p:cNvPr id="7" name="Rektangel 6">
             <a:extLst>
               <a:ext uri="{FF2B5EF4-FFF2-40B4-BE49-F238E27FC236}">
-                <a16:creationId xmlns:a16="http://schemas.microsoft.com/office/drawing/2014/main" id="{9F1148A3-89F8-4696-82BA-8301E1248193}"/>
+                <a16:creationId xmlns:a16="http://schemas.microsoft.com/office/drawing/2014/main" xmlns="" id="{9F1148A3-89F8-4696-82BA-8301E1248193}"/>
               </a:ext>
             </a:extLst>
           </p:cNvPr>
@@ -11755,7 +11772,7 @@
           <p:cNvPr id="2" name="Rektangel 1">
             <a:extLst>
               <a:ext uri="{FF2B5EF4-FFF2-40B4-BE49-F238E27FC236}">
-                <a16:creationId xmlns:a16="http://schemas.microsoft.com/office/drawing/2014/main" id="{B23235FA-3C5A-4A80-8FA2-036DAB964921}"/>
+                <a16:creationId xmlns:a16="http://schemas.microsoft.com/office/drawing/2014/main" xmlns="" id="{B23235FA-3C5A-4A80-8FA2-036DAB964921}"/>
               </a:ext>
             </a:extLst>
           </p:cNvPr>
@@ -12711,7 +12728,7 @@
           <p:cNvPr id="5" name="Rektangel 4">
             <a:extLst>
               <a:ext uri="{FF2B5EF4-FFF2-40B4-BE49-F238E27FC236}">
-                <a16:creationId xmlns:a16="http://schemas.microsoft.com/office/drawing/2014/main" id="{9C8DC9AB-4C9A-4307-890A-1742022EB5B5}"/>
+                <a16:creationId xmlns:a16="http://schemas.microsoft.com/office/drawing/2014/main" xmlns="" id="{9C8DC9AB-4C9A-4307-890A-1742022EB5B5}"/>
               </a:ext>
             </a:extLst>
           </p:cNvPr>
@@ -14083,7 +14100,7 @@
           <p:cNvPr id="7" name="Rektangel 6">
             <a:extLst>
               <a:ext uri="{FF2B5EF4-FFF2-40B4-BE49-F238E27FC236}">
-                <a16:creationId xmlns:a16="http://schemas.microsoft.com/office/drawing/2014/main" id="{9F1148A3-89F8-4696-82BA-8301E1248193}"/>
+                <a16:creationId xmlns:a16="http://schemas.microsoft.com/office/drawing/2014/main" xmlns="" id="{9F1148A3-89F8-4696-82BA-8301E1248193}"/>
               </a:ext>
             </a:extLst>
           </p:cNvPr>
@@ -15329,8 +15346,12 @@
           <a:lstStyle/>
           <a:p>
             <a:r>
+              <a:rPr lang="nb-NO" dirty="0" smtClean="0"/>
+              <a:t>Tore </a:t>
+            </a:r>
+            <a:r>
               <a:rPr lang="nb-NO" dirty="0"/>
-              <a:t>Tor Erstad</a:t>
+              <a:t>Erstad</a:t>
             </a:r>
           </a:p>
         </p:txBody>
@@ -15345,6 +15366,13 @@
   <p:clrMapOvr>
     <a:masterClrMapping/>
   </p:clrMapOvr>
+  <p:timing>
+    <p:tnLst>
+      <p:par>
+        <p:cTn id="1" dur="indefinite" restart="never" nodeType="tmRoot"/>
+      </p:par>
+    </p:tnLst>
+  </p:timing>
 </p:sld>
 </file>
 
@@ -15599,7 +15627,15 @@
           <a:p>
             <a:r>
               <a:rPr lang="nb-NO" dirty="0"/>
-              <a:t>Man har en objekt-struktur som består av ulike typer (klasser), og man ønsker å traversere gjennom elementene for å utføre en operasjon som er implementert ulikt for de ulike typene.</a:t>
+              <a:t>Man har en objekt-struktur som består av ulike typer (klasser), og man ønsker å traversere gjennom elementene for å utføre en operasjon som </a:t>
+            </a:r>
+            <a:r>
+              <a:rPr lang="nb-NO" dirty="0" smtClean="0"/>
+              <a:t>må implementeres </a:t>
+            </a:r>
+            <a:r>
+              <a:rPr lang="nb-NO" dirty="0"/>
+              <a:t>ulikt for de ulike typene.</a:t>
             </a:r>
           </a:p>
           <a:p>
@@ -15967,7 +16003,7 @@
           <p:cNvPr id="6" name="Picture 2" descr="Visitor Pattern - UML Class Diagram">
             <a:extLst>
               <a:ext uri="{FF2B5EF4-FFF2-40B4-BE49-F238E27FC236}">
-                <a16:creationId xmlns:a16="http://schemas.microsoft.com/office/drawing/2014/main" id="{6ECB2638-78CB-4DAA-BB71-94163B2EB52E}"/>
+                <a16:creationId xmlns:a16="http://schemas.microsoft.com/office/drawing/2014/main" xmlns="" id="{6ECB2638-78CB-4DAA-BB71-94163B2EB52E}"/>
               </a:ext>
             </a:extLst>
           </p:cNvPr>
@@ -16019,6 +16055,13 @@
   <p:clrMapOvr>
     <a:masterClrMapping/>
   </p:clrMapOvr>
+  <p:timing>
+    <p:tnLst>
+      <p:par>
+        <p:cTn id="1" dur="indefinite" restart="never" nodeType="tmRoot"/>
+      </p:par>
+    </p:tnLst>
+  </p:timing>
 </p:sld>
 </file>
 
@@ -16093,10 +16136,660 @@
   <p:clrMapOvr>
     <a:masterClrMapping/>
   </p:clrMapOvr>
+  <p:timing>
+    <p:tnLst>
+      <p:par>
+        <p:cTn id="1" dur="indefinite" restart="never" nodeType="tmRoot"/>
+      </p:par>
+    </p:tnLst>
+  </p:timing>
 </p:sld>
 </file>
 
 <file path=ppt/slides/slide20.xml><?xml version="1.0" encoding="utf-8"?>
+<p:sld xmlns:a="http://schemas.openxmlformats.org/drawingml/2006/main" xmlns:r="http://schemas.openxmlformats.org/officeDocument/2006/relationships" xmlns:p="http://schemas.openxmlformats.org/presentationml/2006/main">
+  <p:cSld>
+    <p:spTree>
+      <p:nvGrpSpPr>
+        <p:cNvPr id="1" name=""/>
+        <p:cNvGrpSpPr/>
+        <p:nvPr/>
+      </p:nvGrpSpPr>
+      <p:grpSpPr>
+        <a:xfrm>
+          <a:off x="0" y="0"/>
+          <a:ext cx="0" cy="0"/>
+          <a:chOff x="0" y="0"/>
+          <a:chExt cx="0" cy="0"/>
+        </a:xfrm>
+      </p:grpSpPr>
+      <p:sp>
+        <p:nvSpPr>
+          <p:cNvPr id="3" name="Title 2"/>
+          <p:cNvSpPr>
+            <a:spLocks noGrp="1"/>
+          </p:cNvSpPr>
+          <p:nvPr>
+            <p:ph type="title"/>
+          </p:nvPr>
+        </p:nvSpPr>
+        <p:spPr>
+          <a:xfrm>
+            <a:off x="1234800" y="365126"/>
+            <a:ext cx="3237809" cy="963024"/>
+          </a:xfrm>
+        </p:spPr>
+        <p:txBody>
+          <a:bodyPr/>
+          <a:lstStyle/>
+          <a:p>
+            <a:r>
+              <a:rPr lang="nb-NO" dirty="0"/>
+              <a:t>Visitor - struktur</a:t>
+            </a:r>
+          </a:p>
+        </p:txBody>
+      </p:sp>
+      <p:pic>
+        <p:nvPicPr>
+          <p:cNvPr id="6" name="Picture 2" descr="Visitor Pattern - UML Class Diagram">
+            <a:extLst>
+              <a:ext uri="{FF2B5EF4-FFF2-40B4-BE49-F238E27FC236}">
+                <a16:creationId xmlns:a16="http://schemas.microsoft.com/office/drawing/2014/main" xmlns="" id="{6ECB2638-78CB-4DAA-BB71-94163B2EB52E}"/>
+              </a:ext>
+            </a:extLst>
+          </p:cNvPr>
+          <p:cNvPicPr>
+            <a:picLocks noChangeAspect="1" noChangeArrowheads="1"/>
+          </p:cNvPicPr>
+          <p:nvPr/>
+        </p:nvPicPr>
+        <p:blipFill>
+          <a:blip r:embed="rId2">
+            <a:extLst>
+              <a:ext uri="{28A0092B-C50C-407E-A947-70E740481C1C}">
+                <a14:useLocalDpi xmlns:a14="http://schemas.microsoft.com/office/drawing/2010/main" val="0"/>
+              </a:ext>
+            </a:extLst>
+          </a:blip>
+          <a:srcRect/>
+          <a:stretch>
+            <a:fillRect/>
+          </a:stretch>
+        </p:blipFill>
+        <p:spPr bwMode="auto">
+          <a:xfrm>
+            <a:off x="4684432" y="611539"/>
+            <a:ext cx="5532296" cy="5565424"/>
+          </a:xfrm>
+          <a:prstGeom prst="rect">
+            <a:avLst/>
+          </a:prstGeom>
+          <a:noFill/>
+          <a:extLst>
+            <a:ext uri="{909E8E84-426E-40DD-AFC4-6F175D3DCCD1}">
+              <a14:hiddenFill xmlns:a14="http://schemas.microsoft.com/office/drawing/2010/main">
+                <a:solidFill>
+                  <a:srgbClr val="FFFFFF"/>
+                </a:solidFill>
+              </a14:hiddenFill>
+            </a:ext>
+          </a:extLst>
+        </p:spPr>
+      </p:pic>
+      <p:sp>
+        <p:nvSpPr>
+          <p:cNvPr id="4" name="Rectangle 3"/>
+          <p:cNvSpPr/>
+          <p:nvPr/>
+        </p:nvSpPr>
+        <p:spPr>
+          <a:xfrm>
+            <a:off x="5198076" y="3665838"/>
+            <a:ext cx="4572000" cy="2388973"/>
+          </a:xfrm>
+          <a:prstGeom prst="rect">
+            <a:avLst/>
+          </a:prstGeom>
+          <a:noFill/>
+          <a:ln w="38100">
+            <a:solidFill>
+              <a:srgbClr val="FF0000"/>
+            </a:solidFill>
+          </a:ln>
+        </p:spPr>
+        <p:style>
+          <a:lnRef idx="2">
+            <a:schemeClr val="accent1">
+              <a:shade val="50000"/>
+            </a:schemeClr>
+          </a:lnRef>
+          <a:fillRef idx="1">
+            <a:schemeClr val="accent1"/>
+          </a:fillRef>
+          <a:effectRef idx="0">
+            <a:schemeClr val="accent1"/>
+          </a:effectRef>
+          <a:fontRef idx="minor">
+            <a:schemeClr val="lt1"/>
+          </a:fontRef>
+        </p:style>
+        <p:txBody>
+          <a:bodyPr rtlCol="0" anchor="ctr"/>
+          <a:lstStyle/>
+          <a:p>
+            <a:pPr algn="ctr"/>
+            <a:endParaRPr lang="nb-NO">
+              <a:solidFill>
+                <a:schemeClr val="bg1"/>
+              </a:solidFill>
+            </a:endParaRPr>
+          </a:p>
+        </p:txBody>
+      </p:sp>
+    </p:spTree>
+    <p:extLst>
+      <p:ext uri="{BB962C8B-B14F-4D97-AF65-F5344CB8AC3E}">
+        <p14:creationId xmlns:p14="http://schemas.microsoft.com/office/powerpoint/2010/main" val="1904773112"/>
+      </p:ext>
+    </p:extLst>
+  </p:cSld>
+  <p:clrMapOvr>
+    <a:masterClrMapping/>
+  </p:clrMapOvr>
+  <p:timing>
+    <p:tnLst>
+      <p:par>
+        <p:cTn id="1" dur="indefinite" restart="never" nodeType="tmRoot"/>
+      </p:par>
+    </p:tnLst>
+  </p:timing>
+</p:sld>
+</file>
+
+<file path=ppt/slides/slide21.xml><?xml version="1.0" encoding="utf-8"?>
+<p:sld xmlns:a="http://schemas.openxmlformats.org/drawingml/2006/main" xmlns:r="http://schemas.openxmlformats.org/officeDocument/2006/relationships" xmlns:p="http://schemas.openxmlformats.org/presentationml/2006/main">
+  <p:cSld>
+    <p:spTree>
+      <p:nvGrpSpPr>
+        <p:cNvPr id="1" name=""/>
+        <p:cNvGrpSpPr/>
+        <p:nvPr/>
+      </p:nvGrpSpPr>
+      <p:grpSpPr>
+        <a:xfrm>
+          <a:off x="0" y="0"/>
+          <a:ext cx="0" cy="0"/>
+          <a:chOff x="0" y="0"/>
+          <a:chExt cx="0" cy="0"/>
+        </a:xfrm>
+      </p:grpSpPr>
+      <p:sp>
+        <p:nvSpPr>
+          <p:cNvPr id="3" name="Title 2"/>
+          <p:cNvSpPr>
+            <a:spLocks noGrp="1"/>
+          </p:cNvSpPr>
+          <p:nvPr>
+            <p:ph type="title"/>
+          </p:nvPr>
+        </p:nvSpPr>
+        <p:spPr>
+          <a:xfrm>
+            <a:off x="1234800" y="365126"/>
+            <a:ext cx="3237809" cy="963024"/>
+          </a:xfrm>
+        </p:spPr>
+        <p:txBody>
+          <a:bodyPr/>
+          <a:lstStyle/>
+          <a:p>
+            <a:r>
+              <a:rPr lang="nb-NO" dirty="0"/>
+              <a:t>Visitor - struktur</a:t>
+            </a:r>
+          </a:p>
+        </p:txBody>
+      </p:sp>
+      <p:pic>
+        <p:nvPicPr>
+          <p:cNvPr id="6" name="Picture 2" descr="Visitor Pattern - UML Class Diagram">
+            <a:extLst>
+              <a:ext uri="{FF2B5EF4-FFF2-40B4-BE49-F238E27FC236}">
+                <a16:creationId xmlns:a16="http://schemas.microsoft.com/office/drawing/2014/main" xmlns="" id="{6ECB2638-78CB-4DAA-BB71-94163B2EB52E}"/>
+              </a:ext>
+            </a:extLst>
+          </p:cNvPr>
+          <p:cNvPicPr>
+            <a:picLocks noChangeAspect="1" noChangeArrowheads="1"/>
+          </p:cNvPicPr>
+          <p:nvPr/>
+        </p:nvPicPr>
+        <p:blipFill>
+          <a:blip r:embed="rId2">
+            <a:extLst>
+              <a:ext uri="{28A0092B-C50C-407E-A947-70E740481C1C}">
+                <a14:useLocalDpi xmlns:a14="http://schemas.microsoft.com/office/drawing/2010/main" val="0"/>
+              </a:ext>
+            </a:extLst>
+          </a:blip>
+          <a:srcRect/>
+          <a:stretch>
+            <a:fillRect/>
+          </a:stretch>
+        </p:blipFill>
+        <p:spPr bwMode="auto">
+          <a:xfrm>
+            <a:off x="4684432" y="611539"/>
+            <a:ext cx="5532296" cy="5565424"/>
+          </a:xfrm>
+          <a:prstGeom prst="rect">
+            <a:avLst/>
+          </a:prstGeom>
+          <a:noFill/>
+          <a:extLst>
+            <a:ext uri="{909E8E84-426E-40DD-AFC4-6F175D3DCCD1}">
+              <a14:hiddenFill xmlns:a14="http://schemas.microsoft.com/office/drawing/2010/main">
+                <a:solidFill>
+                  <a:srgbClr val="FFFFFF"/>
+                </a:solidFill>
+              </a14:hiddenFill>
+            </a:ext>
+          </a:extLst>
+        </p:spPr>
+      </p:pic>
+      <p:cxnSp>
+        <p:nvCxnSpPr>
+          <p:cNvPr id="5" name="Straight Connector 4"/>
+          <p:cNvCxnSpPr/>
+          <p:nvPr/>
+        </p:nvCxnSpPr>
+        <p:spPr>
+          <a:xfrm>
+            <a:off x="6997566" y="1001027"/>
+            <a:ext cx="3031958" cy="9626"/>
+          </a:xfrm>
+          <a:prstGeom prst="line">
+            <a:avLst/>
+          </a:prstGeom>
+          <a:ln w="34925">
+            <a:solidFill>
+              <a:srgbClr val="FF0000"/>
+            </a:solidFill>
+          </a:ln>
+        </p:spPr>
+        <p:style>
+          <a:lnRef idx="1">
+            <a:schemeClr val="accent1"/>
+          </a:lnRef>
+          <a:fillRef idx="0">
+            <a:schemeClr val="accent1"/>
+          </a:fillRef>
+          <a:effectRef idx="0">
+            <a:schemeClr val="accent1"/>
+          </a:effectRef>
+          <a:fontRef idx="minor">
+            <a:schemeClr val="tx1"/>
+          </a:fontRef>
+        </p:style>
+      </p:cxnSp>
+      <p:cxnSp>
+        <p:nvCxnSpPr>
+          <p:cNvPr id="7" name="Straight Connector 6"/>
+          <p:cNvCxnSpPr/>
+          <p:nvPr/>
+        </p:nvCxnSpPr>
+        <p:spPr>
+          <a:xfrm>
+            <a:off x="5186413" y="3588995"/>
+            <a:ext cx="4843111" cy="0"/>
+          </a:xfrm>
+          <a:prstGeom prst="line">
+            <a:avLst/>
+          </a:prstGeom>
+          <a:ln w="34925">
+            <a:solidFill>
+              <a:srgbClr val="FF0000"/>
+            </a:solidFill>
+          </a:ln>
+        </p:spPr>
+        <p:style>
+          <a:lnRef idx="1">
+            <a:schemeClr val="accent1"/>
+          </a:lnRef>
+          <a:fillRef idx="0">
+            <a:schemeClr val="accent1"/>
+          </a:fillRef>
+          <a:effectRef idx="0">
+            <a:schemeClr val="accent1"/>
+          </a:effectRef>
+          <a:fontRef idx="minor">
+            <a:schemeClr val="tx1"/>
+          </a:fontRef>
+        </p:style>
+      </p:cxnSp>
+      <p:cxnSp>
+        <p:nvCxnSpPr>
+          <p:cNvPr id="9" name="Straight Connector 8"/>
+          <p:cNvCxnSpPr/>
+          <p:nvPr/>
+        </p:nvCxnSpPr>
+        <p:spPr>
+          <a:xfrm flipV="1">
+            <a:off x="10029524" y="1001027"/>
+            <a:ext cx="0" cy="2587968"/>
+          </a:xfrm>
+          <a:prstGeom prst="line">
+            <a:avLst/>
+          </a:prstGeom>
+          <a:ln w="34925">
+            <a:solidFill>
+              <a:srgbClr val="FF0000"/>
+            </a:solidFill>
+          </a:ln>
+        </p:spPr>
+        <p:style>
+          <a:lnRef idx="1">
+            <a:schemeClr val="accent1"/>
+          </a:lnRef>
+          <a:fillRef idx="0">
+            <a:schemeClr val="accent1"/>
+          </a:fillRef>
+          <a:effectRef idx="0">
+            <a:schemeClr val="accent1"/>
+          </a:effectRef>
+          <a:fontRef idx="minor">
+            <a:schemeClr val="tx1"/>
+          </a:fontRef>
+        </p:style>
+      </p:cxnSp>
+      <p:cxnSp>
+        <p:nvCxnSpPr>
+          <p:cNvPr id="13" name="Straight Connector 12"/>
+          <p:cNvCxnSpPr/>
+          <p:nvPr/>
+        </p:nvCxnSpPr>
+        <p:spPr>
+          <a:xfrm flipV="1">
+            <a:off x="5186413" y="2117558"/>
+            <a:ext cx="1811153" cy="9625"/>
+          </a:xfrm>
+          <a:prstGeom prst="line">
+            <a:avLst/>
+          </a:prstGeom>
+          <a:ln w="34925">
+            <a:solidFill>
+              <a:srgbClr val="FF0000"/>
+            </a:solidFill>
+          </a:ln>
+        </p:spPr>
+        <p:style>
+          <a:lnRef idx="1">
+            <a:schemeClr val="accent1"/>
+          </a:lnRef>
+          <a:fillRef idx="0">
+            <a:schemeClr val="accent1"/>
+          </a:fillRef>
+          <a:effectRef idx="0">
+            <a:schemeClr val="accent1"/>
+          </a:effectRef>
+          <a:fontRef idx="minor">
+            <a:schemeClr val="tx1"/>
+          </a:fontRef>
+        </p:style>
+      </p:cxnSp>
+      <p:cxnSp>
+        <p:nvCxnSpPr>
+          <p:cNvPr id="16" name="Straight Connector 15"/>
+          <p:cNvCxnSpPr/>
+          <p:nvPr/>
+        </p:nvCxnSpPr>
+        <p:spPr>
+          <a:xfrm flipV="1">
+            <a:off x="6997566" y="1010654"/>
+            <a:ext cx="0" cy="1106904"/>
+          </a:xfrm>
+          <a:prstGeom prst="line">
+            <a:avLst/>
+          </a:prstGeom>
+          <a:ln w="34925">
+            <a:solidFill>
+              <a:srgbClr val="FF0000"/>
+            </a:solidFill>
+          </a:ln>
+        </p:spPr>
+        <p:style>
+          <a:lnRef idx="1">
+            <a:schemeClr val="accent1"/>
+          </a:lnRef>
+          <a:fillRef idx="0">
+            <a:schemeClr val="accent1"/>
+          </a:fillRef>
+          <a:effectRef idx="0">
+            <a:schemeClr val="accent1"/>
+          </a:effectRef>
+          <a:fontRef idx="minor">
+            <a:schemeClr val="tx1"/>
+          </a:fontRef>
+        </p:style>
+      </p:cxnSp>
+      <p:cxnSp>
+        <p:nvCxnSpPr>
+          <p:cNvPr id="19" name="Straight Connector 18"/>
+          <p:cNvCxnSpPr/>
+          <p:nvPr/>
+        </p:nvCxnSpPr>
+        <p:spPr>
+          <a:xfrm>
+            <a:off x="5186413" y="2127183"/>
+            <a:ext cx="0" cy="1461812"/>
+          </a:xfrm>
+          <a:prstGeom prst="line">
+            <a:avLst/>
+          </a:prstGeom>
+          <a:ln w="34925">
+            <a:solidFill>
+              <a:srgbClr val="FF0000"/>
+            </a:solidFill>
+          </a:ln>
+        </p:spPr>
+        <p:style>
+          <a:lnRef idx="1">
+            <a:schemeClr val="accent1"/>
+          </a:lnRef>
+          <a:fillRef idx="0">
+            <a:schemeClr val="accent1"/>
+          </a:fillRef>
+          <a:effectRef idx="0">
+            <a:schemeClr val="accent1"/>
+          </a:effectRef>
+          <a:fontRef idx="minor">
+            <a:schemeClr val="tx1"/>
+          </a:fontRef>
+        </p:style>
+      </p:cxnSp>
+    </p:spTree>
+    <p:extLst>
+      <p:ext uri="{BB962C8B-B14F-4D97-AF65-F5344CB8AC3E}">
+        <p14:creationId xmlns:p14="http://schemas.microsoft.com/office/powerpoint/2010/main" val="3316980445"/>
+      </p:ext>
+    </p:extLst>
+  </p:cSld>
+  <p:clrMapOvr>
+    <a:masterClrMapping/>
+  </p:clrMapOvr>
+  <p:timing>
+    <p:tnLst>
+      <p:par>
+        <p:cTn id="1" dur="indefinite" restart="never" nodeType="tmRoot"/>
+      </p:par>
+    </p:tnLst>
+  </p:timing>
+</p:sld>
+</file>
+
+<file path=ppt/slides/slide22.xml><?xml version="1.0" encoding="utf-8"?>
+<p:sld xmlns:a="http://schemas.openxmlformats.org/drawingml/2006/main" xmlns:r="http://schemas.openxmlformats.org/officeDocument/2006/relationships" xmlns:p="http://schemas.openxmlformats.org/presentationml/2006/main">
+  <p:cSld>
+    <p:spTree>
+      <p:nvGrpSpPr>
+        <p:cNvPr id="1" name=""/>
+        <p:cNvGrpSpPr/>
+        <p:nvPr/>
+      </p:nvGrpSpPr>
+      <p:grpSpPr>
+        <a:xfrm>
+          <a:off x="0" y="0"/>
+          <a:ext cx="0" cy="0"/>
+          <a:chOff x="0" y="0"/>
+          <a:chExt cx="0" cy="0"/>
+        </a:xfrm>
+      </p:grpSpPr>
+      <p:sp>
+        <p:nvSpPr>
+          <p:cNvPr id="3" name="Title 2"/>
+          <p:cNvSpPr>
+            <a:spLocks noGrp="1"/>
+          </p:cNvSpPr>
+          <p:nvPr>
+            <p:ph type="title"/>
+          </p:nvPr>
+        </p:nvSpPr>
+        <p:spPr>
+          <a:xfrm>
+            <a:off x="1234800" y="365126"/>
+            <a:ext cx="3237809" cy="963024"/>
+          </a:xfrm>
+        </p:spPr>
+        <p:txBody>
+          <a:bodyPr/>
+          <a:lstStyle/>
+          <a:p>
+            <a:r>
+              <a:rPr lang="nb-NO" dirty="0"/>
+              <a:t>Visitor - struktur</a:t>
+            </a:r>
+          </a:p>
+        </p:txBody>
+      </p:sp>
+      <p:pic>
+        <p:nvPicPr>
+          <p:cNvPr id="6" name="Picture 2" descr="Visitor Pattern - UML Class Diagram">
+            <a:extLst>
+              <a:ext uri="{FF2B5EF4-FFF2-40B4-BE49-F238E27FC236}">
+                <a16:creationId xmlns:a16="http://schemas.microsoft.com/office/drawing/2014/main" xmlns="" id="{6ECB2638-78CB-4DAA-BB71-94163B2EB52E}"/>
+              </a:ext>
+            </a:extLst>
+          </p:cNvPr>
+          <p:cNvPicPr>
+            <a:picLocks noChangeAspect="1" noChangeArrowheads="1"/>
+          </p:cNvPicPr>
+          <p:nvPr/>
+        </p:nvPicPr>
+        <p:blipFill>
+          <a:blip r:embed="rId2">
+            <a:extLst>
+              <a:ext uri="{28A0092B-C50C-407E-A947-70E740481C1C}">
+                <a14:useLocalDpi xmlns:a14="http://schemas.microsoft.com/office/drawing/2010/main" val="0"/>
+              </a:ext>
+            </a:extLst>
+          </a:blip>
+          <a:srcRect/>
+          <a:stretch>
+            <a:fillRect/>
+          </a:stretch>
+        </p:blipFill>
+        <p:spPr bwMode="auto">
+          <a:xfrm>
+            <a:off x="4684432" y="611539"/>
+            <a:ext cx="5532296" cy="5565424"/>
+          </a:xfrm>
+          <a:prstGeom prst="rect">
+            <a:avLst/>
+          </a:prstGeom>
+          <a:noFill/>
+          <a:extLst>
+            <a:ext uri="{909E8E84-426E-40DD-AFC4-6F175D3DCCD1}">
+              <a14:hiddenFill xmlns:a14="http://schemas.microsoft.com/office/drawing/2010/main">
+                <a:solidFill>
+                  <a:srgbClr val="FFFFFF"/>
+                </a:solidFill>
+              </a14:hiddenFill>
+            </a:ext>
+          </a:extLst>
+        </p:spPr>
+      </p:pic>
+      <p:sp>
+        <p:nvSpPr>
+          <p:cNvPr id="2" name="Rectangle 1"/>
+          <p:cNvSpPr/>
+          <p:nvPr/>
+        </p:nvSpPr>
+        <p:spPr>
+          <a:xfrm>
+            <a:off x="5178392" y="1155032"/>
+            <a:ext cx="1434164" cy="721894"/>
+          </a:xfrm>
+          <a:prstGeom prst="rect">
+            <a:avLst/>
+          </a:prstGeom>
+          <a:noFill/>
+          <a:ln w="38100">
+            <a:solidFill>
+              <a:srgbClr val="FF0000"/>
+            </a:solidFill>
+          </a:ln>
+        </p:spPr>
+        <p:style>
+          <a:lnRef idx="2">
+            <a:schemeClr val="accent1">
+              <a:shade val="50000"/>
+            </a:schemeClr>
+          </a:lnRef>
+          <a:fillRef idx="1">
+            <a:schemeClr val="accent1"/>
+          </a:fillRef>
+          <a:effectRef idx="0">
+            <a:schemeClr val="accent1"/>
+          </a:effectRef>
+          <a:fontRef idx="minor">
+            <a:schemeClr val="lt1"/>
+          </a:fontRef>
+        </p:style>
+        <p:txBody>
+          <a:bodyPr rtlCol="0" anchor="ctr"/>
+          <a:lstStyle/>
+          <a:p>
+            <a:pPr algn="ctr"/>
+            <a:endParaRPr lang="nb-NO">
+              <a:solidFill>
+                <a:schemeClr val="bg1"/>
+              </a:solidFill>
+            </a:endParaRPr>
+          </a:p>
+        </p:txBody>
+      </p:sp>
+    </p:spTree>
+    <p:extLst>
+      <p:ext uri="{BB962C8B-B14F-4D97-AF65-F5344CB8AC3E}">
+        <p14:creationId xmlns:p14="http://schemas.microsoft.com/office/powerpoint/2010/main" val="1447721741"/>
+      </p:ext>
+    </p:extLst>
+  </p:cSld>
+  <p:clrMapOvr>
+    <a:masterClrMapping/>
+  </p:clrMapOvr>
+  <p:timing>
+    <p:tnLst>
+      <p:par>
+        <p:cTn id="1" dur="indefinite" restart="never" nodeType="tmRoot"/>
+      </p:par>
+    </p:tnLst>
+  </p:timing>
+</p:sld>
+</file>
+
+<file path=ppt/slides/slide23.xml><?xml version="1.0" encoding="utf-8"?>
 <p:sld xmlns:a="http://schemas.openxmlformats.org/drawingml/2006/main" xmlns:r="http://schemas.openxmlformats.org/officeDocument/2006/relationships" xmlns:p="http://schemas.openxmlformats.org/presentationml/2006/main">
   <p:cSld>
     <p:spTree>
@@ -16175,7 +16868,7 @@
           <p:cNvPr id="5" name="Rektangel 1">
             <a:extLst>
               <a:ext uri="{FF2B5EF4-FFF2-40B4-BE49-F238E27FC236}">
-                <a16:creationId xmlns:a16="http://schemas.microsoft.com/office/drawing/2014/main" id="{3BEF0AC1-9401-4053-82E5-96A4AC358384}"/>
+                <a16:creationId xmlns:a16="http://schemas.microsoft.com/office/drawing/2014/main" xmlns="" id="{3BEF0AC1-9401-4053-82E5-96A4AC358384}"/>
               </a:ext>
             </a:extLst>
           </p:cNvPr>
@@ -17671,7 +18364,7 @@
 </p:sld>
 </file>
 
-<file path=ppt/slides/slide21.xml><?xml version="1.0" encoding="utf-8"?>
+<file path=ppt/slides/slide24.xml><?xml version="1.0" encoding="utf-8"?>
 <p:sld xmlns:a="http://schemas.openxmlformats.org/drawingml/2006/main" xmlns:r="http://schemas.openxmlformats.org/officeDocument/2006/relationships" xmlns:p="http://schemas.openxmlformats.org/presentationml/2006/main">
   <p:cSld>
     <p:spTree>
@@ -17750,7 +18443,7 @@
           <p:cNvPr id="7" name="Rektangel 1">
             <a:extLst>
               <a:ext uri="{FF2B5EF4-FFF2-40B4-BE49-F238E27FC236}">
-                <a16:creationId xmlns:a16="http://schemas.microsoft.com/office/drawing/2014/main" id="{63988271-58E0-4D95-9B6F-CBA92D24F708}"/>
+                <a16:creationId xmlns:a16="http://schemas.microsoft.com/office/drawing/2014/main" xmlns="" id="{63988271-58E0-4D95-9B6F-CBA92D24F708}"/>
               </a:ext>
             </a:extLst>
           </p:cNvPr>
@@ -19017,7 +19710,7 @@
 </p:sld>
 </file>
 
-<file path=ppt/slides/slide22.xml><?xml version="1.0" encoding="utf-8"?>
+<file path=ppt/slides/slide25.xml><?xml version="1.0" encoding="utf-8"?>
 <p:sld xmlns:a="http://schemas.openxmlformats.org/drawingml/2006/main" xmlns:r="http://schemas.openxmlformats.org/officeDocument/2006/relationships" xmlns:p="http://schemas.openxmlformats.org/presentationml/2006/main">
   <p:cSld>
     <p:spTree>
@@ -19096,7 +19789,7 @@
           <p:cNvPr id="5" name="Rektangel 1">
             <a:extLst>
               <a:ext uri="{FF2B5EF4-FFF2-40B4-BE49-F238E27FC236}">
-                <a16:creationId xmlns:a16="http://schemas.microsoft.com/office/drawing/2014/main" id="{FA736312-75CA-4887-9F29-9AF851C77593}"/>
+                <a16:creationId xmlns:a16="http://schemas.microsoft.com/office/drawing/2014/main" xmlns="" id="{FA736312-75CA-4887-9F29-9AF851C77593}"/>
               </a:ext>
             </a:extLst>
           </p:cNvPr>
@@ -20474,7 +21167,7 @@
 </p:sld>
 </file>
 
-<file path=ppt/slides/slide23.xml><?xml version="1.0" encoding="utf-8"?>
+<file path=ppt/slides/slide26.xml><?xml version="1.0" encoding="utf-8"?>
 <p:sld xmlns:a="http://schemas.openxmlformats.org/drawingml/2006/main" xmlns:r="http://schemas.openxmlformats.org/officeDocument/2006/relationships" xmlns:p="http://schemas.openxmlformats.org/presentationml/2006/main">
   <p:cSld>
     <p:spTree>
@@ -20849,7 +21542,7 @@
 </p:sld>
 </file>
 
-<file path=ppt/slides/slide24.xml><?xml version="1.0" encoding="utf-8"?>
+<file path=ppt/slides/slide27.xml><?xml version="1.0" encoding="utf-8"?>
 <p:sld xmlns:a="http://schemas.openxmlformats.org/drawingml/2006/main" xmlns:r="http://schemas.openxmlformats.org/officeDocument/2006/relationships" xmlns:p="http://schemas.openxmlformats.org/presentationml/2006/main">
   <p:cSld>
     <p:spTree>
@@ -20926,10 +21619,17 @@
   <p:clrMapOvr>
     <a:masterClrMapping/>
   </p:clrMapOvr>
+  <p:timing>
+    <p:tnLst>
+      <p:par>
+        <p:cTn id="1" dur="indefinite" restart="never" nodeType="tmRoot"/>
+      </p:par>
+    </p:tnLst>
+  </p:timing>
 </p:sld>
 </file>
 
-<file path=ppt/slides/slide25.xml><?xml version="1.0" encoding="utf-8"?>
+<file path=ppt/slides/slide28.xml><?xml version="1.0" encoding="utf-8"?>
 <p:sld xmlns:a="http://schemas.openxmlformats.org/drawingml/2006/main" xmlns:r="http://schemas.openxmlformats.org/officeDocument/2006/relationships" xmlns:p="http://schemas.openxmlformats.org/presentationml/2006/main">
   <p:cSld>
     <p:spTree>
@@ -21014,10 +21714,17 @@
   <p:clrMapOvr>
     <a:masterClrMapping/>
   </p:clrMapOvr>
+  <p:timing>
+    <p:tnLst>
+      <p:par>
+        <p:cTn id="1" dur="indefinite" restart="never" nodeType="tmRoot"/>
+      </p:par>
+    </p:tnLst>
+  </p:timing>
 </p:sld>
 </file>
 
-<file path=ppt/slides/slide26.xml><?xml version="1.0" encoding="utf-8"?>
+<file path=ppt/slides/slide29.xml><?xml version="1.0" encoding="utf-8"?>
 <p:sld xmlns:a="http://schemas.openxmlformats.org/drawingml/2006/main" xmlns:r="http://schemas.openxmlformats.org/officeDocument/2006/relationships" xmlns:p="http://schemas.openxmlformats.org/presentationml/2006/main">
   <p:cSld>
     <p:spTree>
@@ -21177,6 +21884,13 @@
   <p:clrMapOvr>
     <a:masterClrMapping/>
   </p:clrMapOvr>
+  <p:timing>
+    <p:tnLst>
+      <p:par>
+        <p:cTn id="1" dur="indefinite" restart="never" nodeType="tmRoot"/>
+      </p:par>
+    </p:tnLst>
+  </p:timing>
 </p:sld>
 </file>
 
@@ -21953,6 +22667,13 @@
   <p:clrMapOvr>
     <a:masterClrMapping/>
   </p:clrMapOvr>
+  <p:timing>
+    <p:tnLst>
+      <p:par>
+        <p:cTn id="1" dur="indefinite" restart="never" nodeType="tmRoot"/>
+      </p:par>
+    </p:tnLst>
+  </p:timing>
 </p:sld>
 </file>
 
@@ -22051,6 +22772,13 @@
   <p:clrMapOvr>
     <a:masterClrMapping/>
   </p:clrMapOvr>
+  <p:timing>
+    <p:tnLst>
+      <p:par>
+        <p:cTn id="1" dur="indefinite" restart="never" nodeType="tmRoot"/>
+      </p:par>
+    </p:tnLst>
+  </p:timing>
 </p:sld>
 </file>
 
@@ -22126,6 +22854,13 @@
   <p:clrMapOvr>
     <a:masterClrMapping/>
   </p:clrMapOvr>
+  <p:timing>
+    <p:tnLst>
+      <p:par>
+        <p:cTn id="1" dur="indefinite" restart="never" nodeType="tmRoot"/>
+      </p:par>
+    </p:tnLst>
+  </p:timing>
 </p:sld>
 </file>
 
@@ -24507,61 +25242,6 @@
 </file>
 
 <file path=customXml/item1.xml><?xml version="1.0" encoding="utf-8"?>
-<?mso-contentType ?>
-<FormTemplates xmlns="http://schemas.microsoft.com/sharepoint/v3/contenttype/forms">
-  <Display>DocumentLibraryForm</Display>
-  <Edit>DocumentLibraryForm</Edit>
-  <New>DocumentLibraryForm</New>
-</FormTemplates>
-</file>
-
-<file path=customXml/item2.xml><?xml version="1.0" encoding="utf-8"?>
-<?mso-contentType ?>
-<spe:Receivers xmlns:spe="http://schemas.microsoft.com/sharepoint/events">
-  <Receiver>
-    <Name>Document ID Generator</Name>
-    <Synchronization>Synchronous</Synchronization>
-    <Type>10001</Type>
-    <SequenceNumber>1000</SequenceNumber>
-    <Assembly>Microsoft.Office.DocumentManagement, Version=14.0.0.0, Culture=neutral, PublicKeyToken=71e9bce111e9429c</Assembly>
-    <Class>Microsoft.Office.DocumentManagement.Internal.DocIdHandler</Class>
-    <Data/>
-    <Filter/>
-  </Receiver>
-  <Receiver>
-    <Name>Document ID Generator</Name>
-    <Synchronization>Synchronous</Synchronization>
-    <Type>10002</Type>
-    <SequenceNumber>1001</SequenceNumber>
-    <Assembly>Microsoft.Office.DocumentManagement, Version=14.0.0.0, Culture=neutral, PublicKeyToken=71e9bce111e9429c</Assembly>
-    <Class>Microsoft.Office.DocumentManagement.Internal.DocIdHandler</Class>
-    <Data/>
-    <Filter/>
-  </Receiver>
-  <Receiver>
-    <Name>Document ID Generator</Name>
-    <Synchronization>Synchronous</Synchronization>
-    <Type>10004</Type>
-    <SequenceNumber>1002</SequenceNumber>
-    <Assembly>Microsoft.Office.DocumentManagement, Version=14.0.0.0, Culture=neutral, PublicKeyToken=71e9bce111e9429c</Assembly>
-    <Class>Microsoft.Office.DocumentManagement.Internal.DocIdHandler</Class>
-    <Data/>
-    <Filter/>
-  </Receiver>
-  <Receiver>
-    <Name>Document ID Generator</Name>
-    <Synchronization>Synchronous</Synchronization>
-    <Type>10006</Type>
-    <SequenceNumber>1003</SequenceNumber>
-    <Assembly>Microsoft.Office.DocumentManagement, Version=14.0.0.0, Culture=neutral, PublicKeyToken=71e9bce111e9429c</Assembly>
-    <Class>Microsoft.Office.DocumentManagement.Internal.DocIdHandler</Class>
-    <Data/>
-    <Filter/>
-  </Receiver>
-</spe:Receivers>
-</file>
-
-<file path=customXml/item3.xml><?xml version="1.0" encoding="utf-8"?>
 <ct:contentTypeSchema xmlns:ct="http://schemas.microsoft.com/office/2006/metadata/contentType" xmlns:ma="http://schemas.microsoft.com/office/2006/metadata/properties/metaAttributes" ct:_="" ma:_="" ma:contentTypeName="Document" ma:contentTypeID="0x0101006DE77A4C69F7B04F983EB828CF8C5433" ma:contentTypeVersion="2" ma:contentTypeDescription="Create a new document." ma:contentTypeScope="" ma:versionID="3f88a36eb5d68a1319bea6a26a0634f9">
   <xsd:schema xmlns:xsd="http://www.w3.org/2001/XMLSchema" xmlns:xs="http://www.w3.org/2001/XMLSchema" xmlns:p="http://schemas.microsoft.com/office/2006/metadata/properties" xmlns:ns1="http://schemas.microsoft.com/sharepoint/v3" xmlns:ns2="cd7095a3-97f1-4663-a71f-a762e9d8a5de" targetNamespace="http://schemas.microsoft.com/office/2006/metadata/properties" ma:root="true" ma:fieldsID="12e73613dd42fd77c3af4275080e49b8" ns1:_="" ns2:_="">
     <xsd:import namespace="http://schemas.microsoft.com/sharepoint/v3"/>
@@ -24723,6 +25403,61 @@
 </ct:contentTypeSchema>
 </file>
 
+<file path=customXml/item2.xml><?xml version="1.0" encoding="utf-8"?>
+<?mso-contentType ?>
+<spe:Receivers xmlns:spe="http://schemas.microsoft.com/sharepoint/events">
+  <Receiver>
+    <Name>Document ID Generator</Name>
+    <Synchronization>Synchronous</Synchronization>
+    <Type>10001</Type>
+    <SequenceNumber>1000</SequenceNumber>
+    <Assembly>Microsoft.Office.DocumentManagement, Version=14.0.0.0, Culture=neutral, PublicKeyToken=71e9bce111e9429c</Assembly>
+    <Class>Microsoft.Office.DocumentManagement.Internal.DocIdHandler</Class>
+    <Data/>
+    <Filter/>
+  </Receiver>
+  <Receiver>
+    <Name>Document ID Generator</Name>
+    <Synchronization>Synchronous</Synchronization>
+    <Type>10002</Type>
+    <SequenceNumber>1001</SequenceNumber>
+    <Assembly>Microsoft.Office.DocumentManagement, Version=14.0.0.0, Culture=neutral, PublicKeyToken=71e9bce111e9429c</Assembly>
+    <Class>Microsoft.Office.DocumentManagement.Internal.DocIdHandler</Class>
+    <Data/>
+    <Filter/>
+  </Receiver>
+  <Receiver>
+    <Name>Document ID Generator</Name>
+    <Synchronization>Synchronous</Synchronization>
+    <Type>10004</Type>
+    <SequenceNumber>1002</SequenceNumber>
+    <Assembly>Microsoft.Office.DocumentManagement, Version=14.0.0.0, Culture=neutral, PublicKeyToken=71e9bce111e9429c</Assembly>
+    <Class>Microsoft.Office.DocumentManagement.Internal.DocIdHandler</Class>
+    <Data/>
+    <Filter/>
+  </Receiver>
+  <Receiver>
+    <Name>Document ID Generator</Name>
+    <Synchronization>Synchronous</Synchronization>
+    <Type>10006</Type>
+    <SequenceNumber>1003</SequenceNumber>
+    <Assembly>Microsoft.Office.DocumentManagement, Version=14.0.0.0, Culture=neutral, PublicKeyToken=71e9bce111e9429c</Assembly>
+    <Class>Microsoft.Office.DocumentManagement.Internal.DocIdHandler</Class>
+    <Data/>
+    <Filter/>
+  </Receiver>
+</spe:Receivers>
+</file>
+
+<file path=customXml/item3.xml><?xml version="1.0" encoding="utf-8"?>
+<?mso-contentType ?>
+<FormTemplates xmlns="http://schemas.microsoft.com/sharepoint/v3/contenttype/forms">
+  <Display>DocumentLibraryForm</Display>
+  <Edit>DocumentLibraryForm</Edit>
+  <New>DocumentLibraryForm</New>
+</FormTemplates>
+</file>
+
 <file path=customXml/item4.xml><?xml version="1.0" encoding="utf-8"?>
 <p:properties xmlns:p="http://schemas.microsoft.com/office/2006/metadata/properties" xmlns:xsi="http://www.w3.org/2001/XMLSchema-instance" xmlns:pc="http://schemas.microsoft.com/office/infopath/2007/PartnerControls">
   <documentManagement>
@@ -24738,22 +25473,6 @@
 </file>
 
 <file path=customXml/itemProps1.xml><?xml version="1.0" encoding="utf-8"?>
-<ds:datastoreItem xmlns:ds="http://schemas.openxmlformats.org/officeDocument/2006/customXml" ds:itemID="{BB82CC63-55FC-4D22-9ED3-DB88AF6228E1}">
-  <ds:schemaRefs>
-    <ds:schemaRef ds:uri="http://schemas.microsoft.com/sharepoint/v3/contenttype/forms"/>
-  </ds:schemaRefs>
-</ds:datastoreItem>
-</file>
-
-<file path=customXml/itemProps2.xml><?xml version="1.0" encoding="utf-8"?>
-<ds:datastoreItem xmlns:ds="http://schemas.openxmlformats.org/officeDocument/2006/customXml" ds:itemID="{1B3F50AB-02FD-4C47-98D2-8857298FC473}">
-  <ds:schemaRefs>
-    <ds:schemaRef ds:uri="http://schemas.microsoft.com/sharepoint/events"/>
-  </ds:schemaRefs>
-</ds:datastoreItem>
-</file>
-
-<file path=customXml/itemProps3.xml><?xml version="1.0" encoding="utf-8"?>
 <ds:datastoreItem xmlns:ds="http://schemas.openxmlformats.org/officeDocument/2006/customXml" ds:itemID="{1F8D2ADD-9475-4053-913E-BB32E431EB0D}">
   <ds:schemaRefs>
     <ds:schemaRef ds:uri="http://schemas.microsoft.com/office/2006/metadata/contentType"/>
@@ -24768,6 +25487,22 @@
     <ds:schemaRef ds:uri="http://purl.org/dc/elements/1.1/"/>
     <ds:schemaRef ds:uri="http://purl.org/dc/terms/"/>
     <ds:schemaRef ds:uri="http://schemas.microsoft.com/internal/obd"/>
+  </ds:schemaRefs>
+</ds:datastoreItem>
+</file>
+
+<file path=customXml/itemProps2.xml><?xml version="1.0" encoding="utf-8"?>
+<ds:datastoreItem xmlns:ds="http://schemas.openxmlformats.org/officeDocument/2006/customXml" ds:itemID="{1B3F50AB-02FD-4C47-98D2-8857298FC473}">
+  <ds:schemaRefs>
+    <ds:schemaRef ds:uri="http://schemas.microsoft.com/sharepoint/events"/>
+  </ds:schemaRefs>
+</ds:datastoreItem>
+</file>
+
+<file path=customXml/itemProps3.xml><?xml version="1.0" encoding="utf-8"?>
+<ds:datastoreItem xmlns:ds="http://schemas.openxmlformats.org/officeDocument/2006/customXml" ds:itemID="{BB82CC63-55FC-4D22-9ED3-DB88AF6228E1}">
+  <ds:schemaRefs>
+    <ds:schemaRef ds:uri="http://schemas.microsoft.com/sharepoint/v3/contenttype/forms"/>
   </ds:schemaRefs>
 </ds:datastoreItem>
 </file>

--- a/Presentasjon.pptx
+++ b/Presentasjon.pptx
@@ -248,7 +248,7 @@
           <a:p>
             <a:fld id="{54C52192-B826-4AE0-9CD6-BEA9467D12B3}" type="datetimeFigureOut">
               <a:rPr lang="nb-NO" smtClean="0"/>
-              <a:t>30.10.2017</a:t>
+              <a:t>11.09.2018</a:t>
             </a:fld>
             <a:endParaRPr lang="nb-NO"/>
           </a:p>
@@ -413,7 +413,7 @@
           <a:p>
             <a:fld id="{2696BCB2-2760-41B1-A1BE-7886EF110FCB}" type="datetimeFigureOut">
               <a:rPr lang="nb-NO" smtClean="0"/>
-              <a:t>30.10.2017</a:t>
+              <a:t>11.09.2018</a:t>
             </a:fld>
             <a:endParaRPr lang="nb-NO"/>
           </a:p>
@@ -679,6 +679,202 @@
     </a:lvl9pPr>
   </p:notesStyle>
 </p:notesMaster>
+</file>
+
+<file path=ppt/notesSlides/notesSlide1.xml><?xml version="1.0" encoding="utf-8"?>
+<p:notes xmlns:a="http://schemas.openxmlformats.org/drawingml/2006/main" xmlns:r="http://schemas.openxmlformats.org/officeDocument/2006/relationships" xmlns:p="http://schemas.openxmlformats.org/presentationml/2006/main">
+  <p:cSld>
+    <p:spTree>
+      <p:nvGrpSpPr>
+        <p:cNvPr id="1" name=""/>
+        <p:cNvGrpSpPr/>
+        <p:nvPr/>
+      </p:nvGrpSpPr>
+      <p:grpSpPr>
+        <a:xfrm>
+          <a:off x="0" y="0"/>
+          <a:ext cx="0" cy="0"/>
+          <a:chOff x="0" y="0"/>
+          <a:chExt cx="0" cy="0"/>
+        </a:xfrm>
+      </p:grpSpPr>
+      <p:sp>
+        <p:nvSpPr>
+          <p:cNvPr id="2" name="Slide Image Placeholder 1"/>
+          <p:cNvSpPr>
+            <a:spLocks noGrp="1" noRot="1" noChangeAspect="1"/>
+          </p:cNvSpPr>
+          <p:nvPr>
+            <p:ph type="sldImg"/>
+          </p:nvPr>
+        </p:nvSpPr>
+        <p:spPr/>
+      </p:sp>
+      <p:sp>
+        <p:nvSpPr>
+          <p:cNvPr id="3" name="Notes Placeholder 2"/>
+          <p:cNvSpPr>
+            <a:spLocks noGrp="1"/>
+          </p:cNvSpPr>
+          <p:nvPr>
+            <p:ph type="body" idx="1"/>
+          </p:nvPr>
+        </p:nvSpPr>
+        <p:spPr/>
+        <p:txBody>
+          <a:bodyPr/>
+          <a:lstStyle/>
+          <a:p>
+            <a:r>
+              <a:rPr lang="nb-NO" dirty="0"/>
+              <a:t>Design </a:t>
+            </a:r>
+            <a:r>
+              <a:rPr lang="nb-NO" dirty="0" err="1"/>
+              <a:t>Patterns</a:t>
+            </a:r>
+            <a:r>
+              <a:rPr lang="nb-NO" dirty="0"/>
+              <a:t> (</a:t>
+            </a:r>
+            <a:r>
+              <a:rPr lang="nb-NO" sz="1200" b="0" i="0" kern="1200" dirty="0">
+                <a:solidFill>
+                  <a:schemeClr val="tx1"/>
+                </a:solidFill>
+                <a:effectLst/>
+                <a:latin typeface="+mn-lt"/>
+                <a:ea typeface="+mn-ea"/>
+                <a:cs typeface="+mn-cs"/>
+              </a:rPr>
+              <a:t>1994)</a:t>
+            </a:r>
+          </a:p>
+          <a:p>
+            <a:r>
+              <a:rPr lang="nb-NO" sz="1200" b="0" i="0" kern="1200" dirty="0">
+                <a:solidFill>
+                  <a:schemeClr val="tx1"/>
+                </a:solidFill>
+                <a:effectLst/>
+                <a:latin typeface="+mn-lt"/>
+                <a:ea typeface="+mn-ea"/>
+                <a:cs typeface="+mn-cs"/>
+              </a:rPr>
+              <a:t>Fowler (2002): MVC, OR-</a:t>
+            </a:r>
+            <a:r>
+              <a:rPr lang="nb-NO" sz="1200" b="0" i="0" kern="1200" dirty="0" err="1">
+                <a:solidFill>
+                  <a:schemeClr val="tx1"/>
+                </a:solidFill>
+                <a:effectLst/>
+                <a:latin typeface="+mn-lt"/>
+                <a:ea typeface="+mn-ea"/>
+                <a:cs typeface="+mn-cs"/>
+              </a:rPr>
+              <a:t>mapping</a:t>
+            </a:r>
+            <a:r>
+              <a:rPr lang="nb-NO" sz="1200" b="0" i="0" kern="1200" dirty="0">
+                <a:solidFill>
+                  <a:schemeClr val="tx1"/>
+                </a:solidFill>
+                <a:effectLst/>
+                <a:latin typeface="+mn-lt"/>
+                <a:ea typeface="+mn-ea"/>
+                <a:cs typeface="+mn-cs"/>
+              </a:rPr>
+              <a:t>,</a:t>
+            </a:r>
+            <a:r>
+              <a:rPr lang="nb-NO" sz="1200" b="0" i="0" kern="1200" baseline="0" dirty="0">
+                <a:solidFill>
+                  <a:schemeClr val="tx1"/>
+                </a:solidFill>
+                <a:effectLst/>
+                <a:latin typeface="+mn-lt"/>
+                <a:ea typeface="+mn-ea"/>
+                <a:cs typeface="+mn-cs"/>
+              </a:rPr>
+              <a:t> …</a:t>
+            </a:r>
+          </a:p>
+          <a:p>
+            <a:r>
+              <a:rPr lang="nb-NO" sz="1200" b="0" i="0" kern="1200" baseline="0" dirty="0">
+                <a:solidFill>
+                  <a:schemeClr val="tx1"/>
+                </a:solidFill>
+                <a:effectLst/>
+                <a:latin typeface="+mn-lt"/>
+                <a:ea typeface="+mn-ea"/>
+                <a:cs typeface="+mn-cs"/>
+              </a:rPr>
+              <a:t>Enterprise Integration </a:t>
+            </a:r>
+            <a:r>
+              <a:rPr lang="nb-NO" sz="1200" b="0" i="0" kern="1200" baseline="0" dirty="0" err="1">
+                <a:solidFill>
+                  <a:schemeClr val="tx1"/>
+                </a:solidFill>
+                <a:effectLst/>
+                <a:latin typeface="+mn-lt"/>
+                <a:ea typeface="+mn-ea"/>
+                <a:cs typeface="+mn-cs"/>
+              </a:rPr>
+              <a:t>Patterns</a:t>
+            </a:r>
+            <a:r>
+              <a:rPr lang="nb-NO" sz="1200" b="0" i="0" kern="1200" baseline="0" dirty="0">
+                <a:solidFill>
+                  <a:schemeClr val="tx1"/>
+                </a:solidFill>
+                <a:effectLst/>
+                <a:latin typeface="+mn-lt"/>
+                <a:ea typeface="+mn-ea"/>
+                <a:cs typeface="+mn-cs"/>
+              </a:rPr>
+              <a:t> (2003)</a:t>
+            </a:r>
+            <a:endParaRPr lang="nb-NO" dirty="0"/>
+          </a:p>
+        </p:txBody>
+      </p:sp>
+      <p:sp>
+        <p:nvSpPr>
+          <p:cNvPr id="4" name="Slide Number Placeholder 3"/>
+          <p:cNvSpPr>
+            <a:spLocks noGrp="1"/>
+          </p:cNvSpPr>
+          <p:nvPr>
+            <p:ph type="sldNum" sz="quarter" idx="10"/>
+          </p:nvPr>
+        </p:nvSpPr>
+        <p:spPr/>
+        <p:txBody>
+          <a:bodyPr/>
+          <a:lstStyle/>
+          <a:p>
+            <a:fld id="{180377DB-C4B0-49B2-8838-0F01BA83B7C4}" type="slidenum">
+              <a:rPr lang="nb-NO" smtClean="0"/>
+              <a:t>3</a:t>
+            </a:fld>
+            <a:endParaRPr lang="nb-NO"/>
+          </a:p>
+        </p:txBody>
+      </p:sp>
+    </p:spTree>
+    <p:extLst>
+      <p:ext uri="{BB962C8B-B14F-4D97-AF65-F5344CB8AC3E}">
+        <p14:creationId xmlns:p14="http://schemas.microsoft.com/office/powerpoint/2010/main" val="3844038639"/>
+      </p:ext>
+    </p:extLst>
+  </p:cSld>
+  <p:clrMapOvr>
+    <a:masterClrMapping/>
+  </p:clrMapOvr>
+</p:notes>
 </file>
 
 <file path=ppt/slideLayouts/slideLayout1.xml><?xml version="1.0" encoding="utf-8"?>
@@ -10533,13 +10729,6 @@
   <p:clrMapOvr>
     <a:masterClrMapping/>
   </p:clrMapOvr>
-  <p:timing>
-    <p:tnLst>
-      <p:par>
-        <p:cTn id="1" dur="indefinite" restart="never" nodeType="tmRoot"/>
-      </p:par>
-    </p:tnLst>
-  </p:timing>
 </p:sld>
 </file>
 
@@ -10596,7 +10785,7 @@
           <p:cNvPr id="2" name="Bilde 1">
             <a:extLst>
               <a:ext uri="{FF2B5EF4-FFF2-40B4-BE49-F238E27FC236}">
-                <a16:creationId xmlns:a16="http://schemas.microsoft.com/office/drawing/2014/main" xmlns="" id="{7BFD7AAE-8FA8-43E3-929F-29A7B3961AF5}"/>
+                <a16:creationId xmlns:a16="http://schemas.microsoft.com/office/drawing/2014/main" id="{7BFD7AAE-8FA8-43E3-929F-29A7B3961AF5}"/>
               </a:ext>
             </a:extLst>
           </p:cNvPr>
@@ -10631,13 +10820,6 @@
   <p:clrMapOvr>
     <a:masterClrMapping/>
   </p:clrMapOvr>
-  <p:timing>
-    <p:tnLst>
-      <p:par>
-        <p:cTn id="1" dur="indefinite" restart="never" nodeType="tmRoot"/>
-      </p:par>
-    </p:tnLst>
-  </p:timing>
 </p:sld>
 </file>
 
@@ -10724,7 +10906,7 @@
           <p:cNvPr id="7" name="Rektangel 6">
             <a:extLst>
               <a:ext uri="{FF2B5EF4-FFF2-40B4-BE49-F238E27FC236}">
-                <a16:creationId xmlns:a16="http://schemas.microsoft.com/office/drawing/2014/main" xmlns="" id="{9F1148A3-89F8-4696-82BA-8301E1248193}"/>
+                <a16:creationId xmlns:a16="http://schemas.microsoft.com/office/drawing/2014/main" id="{9F1148A3-89F8-4696-82BA-8301E1248193}"/>
               </a:ext>
             </a:extLst>
           </p:cNvPr>
@@ -11772,7 +11954,7 @@
           <p:cNvPr id="2" name="Rektangel 1">
             <a:extLst>
               <a:ext uri="{FF2B5EF4-FFF2-40B4-BE49-F238E27FC236}">
-                <a16:creationId xmlns:a16="http://schemas.microsoft.com/office/drawing/2014/main" xmlns="" id="{B23235FA-3C5A-4A80-8FA2-036DAB964921}"/>
+                <a16:creationId xmlns:a16="http://schemas.microsoft.com/office/drawing/2014/main" id="{B23235FA-3C5A-4A80-8FA2-036DAB964921}"/>
               </a:ext>
             </a:extLst>
           </p:cNvPr>
@@ -12728,7 +12910,7 @@
           <p:cNvPr id="5" name="Rektangel 4">
             <a:extLst>
               <a:ext uri="{FF2B5EF4-FFF2-40B4-BE49-F238E27FC236}">
-                <a16:creationId xmlns:a16="http://schemas.microsoft.com/office/drawing/2014/main" xmlns="" id="{9C8DC9AB-4C9A-4307-890A-1742022EB5B5}"/>
+                <a16:creationId xmlns:a16="http://schemas.microsoft.com/office/drawing/2014/main" id="{9C8DC9AB-4C9A-4307-890A-1742022EB5B5}"/>
               </a:ext>
             </a:extLst>
           </p:cNvPr>
@@ -14100,7 +14282,7 @@
           <p:cNvPr id="7" name="Rektangel 6">
             <a:extLst>
               <a:ext uri="{FF2B5EF4-FFF2-40B4-BE49-F238E27FC236}">
-                <a16:creationId xmlns:a16="http://schemas.microsoft.com/office/drawing/2014/main" xmlns="" id="{9F1148A3-89F8-4696-82BA-8301E1248193}"/>
+                <a16:creationId xmlns:a16="http://schemas.microsoft.com/office/drawing/2014/main" id="{9F1148A3-89F8-4696-82BA-8301E1248193}"/>
               </a:ext>
             </a:extLst>
           </p:cNvPr>
@@ -15345,14 +15527,7 @@
           <a:bodyPr/>
           <a:lstStyle/>
           <a:p>
-            <a:r>
-              <a:rPr lang="nb-NO" dirty="0" smtClean="0"/>
-              <a:t>Tore </a:t>
-            </a:r>
-            <a:r>
-              <a:rPr lang="nb-NO" dirty="0"/>
-              <a:t>Erstad</a:t>
-            </a:r>
+            <a:endParaRPr lang="nb-NO" dirty="0"/>
           </a:p>
         </p:txBody>
       </p:sp>
@@ -15366,13 +15541,6 @@
   <p:clrMapOvr>
     <a:masterClrMapping/>
   </p:clrMapOvr>
-  <p:timing>
-    <p:tnLst>
-      <p:par>
-        <p:cTn id="1" dur="indefinite" restart="never" nodeType="tmRoot"/>
-      </p:par>
-    </p:tnLst>
-  </p:timing>
 </p:sld>
 </file>
 
@@ -15627,15 +15795,7 @@
           <a:p>
             <a:r>
               <a:rPr lang="nb-NO" dirty="0"/>
-              <a:t>Man har en objekt-struktur som består av ulike typer (klasser), og man ønsker å traversere gjennom elementene for å utføre en operasjon som </a:t>
-            </a:r>
-            <a:r>
-              <a:rPr lang="nb-NO" dirty="0" smtClean="0"/>
-              <a:t>må implementeres </a:t>
-            </a:r>
-            <a:r>
-              <a:rPr lang="nb-NO" dirty="0"/>
-              <a:t>ulikt for de ulike typene.</a:t>
+              <a:t>Man har en objekt-struktur som består av ulike typer (klasser), og man ønsker å traversere gjennom elementene for å utføre en operasjon som må implementeres ulikt for de ulike typene.</a:t>
             </a:r>
           </a:p>
           <a:p>
@@ -16003,7 +16163,7 @@
           <p:cNvPr id="6" name="Picture 2" descr="Visitor Pattern - UML Class Diagram">
             <a:extLst>
               <a:ext uri="{FF2B5EF4-FFF2-40B4-BE49-F238E27FC236}">
-                <a16:creationId xmlns:a16="http://schemas.microsoft.com/office/drawing/2014/main" xmlns="" id="{6ECB2638-78CB-4DAA-BB71-94163B2EB52E}"/>
+                <a16:creationId xmlns:a16="http://schemas.microsoft.com/office/drawing/2014/main" id="{6ECB2638-78CB-4DAA-BB71-94163B2EB52E}"/>
               </a:ext>
             </a:extLst>
           </p:cNvPr>
@@ -16055,13 +16215,6 @@
   <p:clrMapOvr>
     <a:masterClrMapping/>
   </p:clrMapOvr>
-  <p:timing>
-    <p:tnLst>
-      <p:par>
-        <p:cTn id="1" dur="indefinite" restart="never" nodeType="tmRoot"/>
-      </p:par>
-    </p:tnLst>
-  </p:timing>
 </p:sld>
 </file>
 
@@ -16119,10 +16272,7 @@
           <a:bodyPr/>
           <a:lstStyle/>
           <a:p>
-            <a:r>
-              <a:rPr lang="nb-NO" dirty="0"/>
-              <a:t>Øystein Jakobsen</a:t>
-            </a:r>
+            <a:endParaRPr lang="nb-NO" dirty="0"/>
           </a:p>
         </p:txBody>
       </p:sp>
@@ -16136,13 +16286,6 @@
   <p:clrMapOvr>
     <a:masterClrMapping/>
   </p:clrMapOvr>
-  <p:timing>
-    <p:tnLst>
-      <p:par>
-        <p:cTn id="1" dur="indefinite" restart="never" nodeType="tmRoot"/>
-      </p:par>
-    </p:tnLst>
-  </p:timing>
 </p:sld>
 </file>
 
@@ -16195,7 +16338,7 @@
           <p:cNvPr id="6" name="Picture 2" descr="Visitor Pattern - UML Class Diagram">
             <a:extLst>
               <a:ext uri="{FF2B5EF4-FFF2-40B4-BE49-F238E27FC236}">
-                <a16:creationId xmlns:a16="http://schemas.microsoft.com/office/drawing/2014/main" xmlns="" id="{6ECB2638-78CB-4DAA-BB71-94163B2EB52E}"/>
+                <a16:creationId xmlns:a16="http://schemas.microsoft.com/office/drawing/2014/main" id="{6ECB2638-78CB-4DAA-BB71-94163B2EB52E}"/>
               </a:ext>
             </a:extLst>
           </p:cNvPr>
@@ -16297,13 +16440,6 @@
   <p:clrMapOvr>
     <a:masterClrMapping/>
   </p:clrMapOvr>
-  <p:timing>
-    <p:tnLst>
-      <p:par>
-        <p:cTn id="1" dur="indefinite" restart="never" nodeType="tmRoot"/>
-      </p:par>
-    </p:tnLst>
-  </p:timing>
 </p:sld>
 </file>
 
@@ -16356,7 +16492,7 @@
           <p:cNvPr id="6" name="Picture 2" descr="Visitor Pattern - UML Class Diagram">
             <a:extLst>
               <a:ext uri="{FF2B5EF4-FFF2-40B4-BE49-F238E27FC236}">
-                <a16:creationId xmlns:a16="http://schemas.microsoft.com/office/drawing/2014/main" xmlns="" id="{6ECB2638-78CB-4DAA-BB71-94163B2EB52E}"/>
+                <a16:creationId xmlns:a16="http://schemas.microsoft.com/office/drawing/2014/main" id="{6ECB2638-78CB-4DAA-BB71-94163B2EB52E}"/>
               </a:ext>
             </a:extLst>
           </p:cNvPr>
@@ -16618,13 +16754,6 @@
   <p:clrMapOvr>
     <a:masterClrMapping/>
   </p:clrMapOvr>
-  <p:timing>
-    <p:tnLst>
-      <p:par>
-        <p:cTn id="1" dur="indefinite" restart="never" nodeType="tmRoot"/>
-      </p:par>
-    </p:tnLst>
-  </p:timing>
 </p:sld>
 </file>
 
@@ -16677,7 +16806,7 @@
           <p:cNvPr id="6" name="Picture 2" descr="Visitor Pattern - UML Class Diagram">
             <a:extLst>
               <a:ext uri="{FF2B5EF4-FFF2-40B4-BE49-F238E27FC236}">
-                <a16:creationId xmlns:a16="http://schemas.microsoft.com/office/drawing/2014/main" xmlns="" id="{6ECB2638-78CB-4DAA-BB71-94163B2EB52E}"/>
+                <a16:creationId xmlns:a16="http://schemas.microsoft.com/office/drawing/2014/main" id="{6ECB2638-78CB-4DAA-BB71-94163B2EB52E}"/>
               </a:ext>
             </a:extLst>
           </p:cNvPr>
@@ -16779,13 +16908,6 @@
   <p:clrMapOvr>
     <a:masterClrMapping/>
   </p:clrMapOvr>
-  <p:timing>
-    <p:tnLst>
-      <p:par>
-        <p:cTn id="1" dur="indefinite" restart="never" nodeType="tmRoot"/>
-      </p:par>
-    </p:tnLst>
-  </p:timing>
 </p:sld>
 </file>
 
@@ -16868,7 +16990,7 @@
           <p:cNvPr id="5" name="Rektangel 1">
             <a:extLst>
               <a:ext uri="{FF2B5EF4-FFF2-40B4-BE49-F238E27FC236}">
-                <a16:creationId xmlns:a16="http://schemas.microsoft.com/office/drawing/2014/main" xmlns="" id="{3BEF0AC1-9401-4053-82E5-96A4AC358384}"/>
+                <a16:creationId xmlns:a16="http://schemas.microsoft.com/office/drawing/2014/main" id="{3BEF0AC1-9401-4053-82E5-96A4AC358384}"/>
               </a:ext>
             </a:extLst>
           </p:cNvPr>
@@ -18443,7 +18565,7 @@
           <p:cNvPr id="7" name="Rektangel 1">
             <a:extLst>
               <a:ext uri="{FF2B5EF4-FFF2-40B4-BE49-F238E27FC236}">
-                <a16:creationId xmlns:a16="http://schemas.microsoft.com/office/drawing/2014/main" xmlns="" id="{63988271-58E0-4D95-9B6F-CBA92D24F708}"/>
+                <a16:creationId xmlns:a16="http://schemas.microsoft.com/office/drawing/2014/main" id="{63988271-58E0-4D95-9B6F-CBA92D24F708}"/>
               </a:ext>
             </a:extLst>
           </p:cNvPr>
@@ -19789,7 +19911,7 @@
           <p:cNvPr id="5" name="Rektangel 1">
             <a:extLst>
               <a:ext uri="{FF2B5EF4-FFF2-40B4-BE49-F238E27FC236}">
-                <a16:creationId xmlns:a16="http://schemas.microsoft.com/office/drawing/2014/main" xmlns="" id="{FA736312-75CA-4887-9F29-9AF851C77593}"/>
+                <a16:creationId xmlns:a16="http://schemas.microsoft.com/office/drawing/2014/main" id="{FA736312-75CA-4887-9F29-9AF851C77593}"/>
               </a:ext>
             </a:extLst>
           </p:cNvPr>
@@ -21619,13 +21741,6 @@
   <p:clrMapOvr>
     <a:masterClrMapping/>
   </p:clrMapOvr>
-  <p:timing>
-    <p:tnLst>
-      <p:par>
-        <p:cTn id="1" dur="indefinite" restart="never" nodeType="tmRoot"/>
-      </p:par>
-    </p:tnLst>
-  </p:timing>
 </p:sld>
 </file>
 
@@ -21714,13 +21829,6 @@
   <p:clrMapOvr>
     <a:masterClrMapping/>
   </p:clrMapOvr>
-  <p:timing>
-    <p:tnLst>
-      <p:par>
-        <p:cTn id="1" dur="indefinite" restart="never" nodeType="tmRoot"/>
-      </p:par>
-    </p:tnLst>
-  </p:timing>
 </p:sld>
 </file>
 
@@ -21884,13 +21992,6 @@
   <p:clrMapOvr>
     <a:masterClrMapping/>
   </p:clrMapOvr>
-  <p:timing>
-    <p:tnLst>
-      <p:par>
-        <p:cTn id="1" dur="indefinite" restart="never" nodeType="tmRoot"/>
-      </p:par>
-    </p:tnLst>
-  </p:timing>
 </p:sld>
 </file>
 
@@ -21982,7 +22083,7 @@
           <p:nvPr/>
         </p:nvPicPr>
         <p:blipFill>
-          <a:blip r:embed="rId2" cstate="print">
+          <a:blip r:embed="rId3" cstate="print">
             <a:extLst>
               <a:ext uri="{28A0092B-C50C-407E-A947-70E740481C1C}">
                 <a14:useLocalDpi xmlns:a14="http://schemas.microsoft.com/office/drawing/2010/main" val="0"/>
@@ -22003,6 +22104,13 @@
             <a:avLst/>
           </a:prstGeom>
           <a:noFill/>
+          <a:effectLst>
+            <a:outerShdw blurRad="114300" dist="38100" dir="2700000" sx="101000" sy="101000" algn="tl" rotWithShape="0">
+              <a:prstClr val="black">
+                <a:alpha val="40000"/>
+              </a:prstClr>
+            </a:outerShdw>
+          </a:effectLst>
           <a:extLst>
             <a:ext uri="{909E8E84-426E-40DD-AFC4-6F175D3DCCD1}">
               <a14:hiddenFill xmlns:a14="http://schemas.microsoft.com/office/drawing/2010/main">
@@ -22017,47 +22125,6 @@
       <p:pic>
         <p:nvPicPr>
           <p:cNvPr id="1030" name="Picture 6" descr="https://images-na.ssl-images-amazon.com/images/I/51eqtvacK7L._SX376_BO1,204,203,200_.jpg"/>
-          <p:cNvPicPr>
-            <a:picLocks noChangeAspect="1" noChangeArrowheads="1"/>
-          </p:cNvPicPr>
-          <p:nvPr/>
-        </p:nvPicPr>
-        <p:blipFill>
-          <a:blip r:embed="rId3">
-            <a:extLst>
-              <a:ext uri="{28A0092B-C50C-407E-A947-70E740481C1C}">
-                <a14:useLocalDpi xmlns:a14="http://schemas.microsoft.com/office/drawing/2010/main" val="0"/>
-              </a:ext>
-            </a:extLst>
-          </a:blip>
-          <a:srcRect/>
-          <a:stretch>
-            <a:fillRect/>
-          </a:stretch>
-        </p:blipFill>
-        <p:spPr bwMode="auto">
-          <a:xfrm>
-            <a:off x="8615869" y="3233777"/>
-            <a:ext cx="2688986" cy="3549747"/>
-          </a:xfrm>
-          <a:prstGeom prst="rect">
-            <a:avLst/>
-          </a:prstGeom>
-          <a:noFill/>
-          <a:extLst>
-            <a:ext uri="{909E8E84-426E-40DD-AFC4-6F175D3DCCD1}">
-              <a14:hiddenFill xmlns:a14="http://schemas.microsoft.com/office/drawing/2010/main">
-                <a:solidFill>
-                  <a:srgbClr val="FFFFFF"/>
-                </a:solidFill>
-              </a14:hiddenFill>
-            </a:ext>
-          </a:extLst>
-        </p:spPr>
-      </p:pic>
-      <p:pic>
-        <p:nvPicPr>
-          <p:cNvPr id="1032" name="Picture 8" descr="https://www.martinfowler.com/books/eaa.jpg"/>
           <p:cNvPicPr>
             <a:picLocks noChangeAspect="1" noChangeArrowheads="1"/>
           </p:cNvPicPr>
@@ -22078,6 +22145,54 @@
         </p:blipFill>
         <p:spPr bwMode="auto">
           <a:xfrm>
+            <a:off x="8615869" y="3086132"/>
+            <a:ext cx="2688986" cy="3549747"/>
+          </a:xfrm>
+          <a:prstGeom prst="rect">
+            <a:avLst/>
+          </a:prstGeom>
+          <a:noFill/>
+          <a:effectLst>
+            <a:outerShdw blurRad="114300" dist="38100" dir="2700000" sx="101000" sy="101000" algn="tl" rotWithShape="0">
+              <a:prstClr val="black">
+                <a:alpha val="40000"/>
+              </a:prstClr>
+            </a:outerShdw>
+          </a:effectLst>
+          <a:extLst>
+            <a:ext uri="{909E8E84-426E-40DD-AFC4-6F175D3DCCD1}">
+              <a14:hiddenFill xmlns:a14="http://schemas.microsoft.com/office/drawing/2010/main">
+                <a:solidFill>
+                  <a:srgbClr val="FFFFFF"/>
+                </a:solidFill>
+              </a14:hiddenFill>
+            </a:ext>
+          </a:extLst>
+        </p:spPr>
+      </p:pic>
+      <p:pic>
+        <p:nvPicPr>
+          <p:cNvPr id="1032" name="Picture 8" descr="https://www.martinfowler.com/books/eaa.jpg"/>
+          <p:cNvPicPr>
+            <a:picLocks noChangeAspect="1" noChangeArrowheads="1"/>
+          </p:cNvPicPr>
+          <p:nvPr/>
+        </p:nvPicPr>
+        <p:blipFill>
+          <a:blip r:embed="rId5">
+            <a:extLst>
+              <a:ext uri="{28A0092B-C50C-407E-A947-70E740481C1C}">
+                <a14:useLocalDpi xmlns:a14="http://schemas.microsoft.com/office/drawing/2010/main" val="0"/>
+              </a:ext>
+            </a:extLst>
+          </a:blip>
+          <a:srcRect/>
+          <a:stretch>
+            <a:fillRect/>
+          </a:stretch>
+        </p:blipFill>
+        <p:spPr bwMode="auto">
+          <a:xfrm>
             <a:off x="5310676" y="2410239"/>
             <a:ext cx="2826204" cy="3544060"/>
           </a:xfrm>
@@ -22085,6 +22200,13 @@
             <a:avLst/>
           </a:prstGeom>
           <a:noFill/>
+          <a:effectLst>
+            <a:outerShdw blurRad="114300" dist="38100" dir="2700000" sx="101000" sy="101000" algn="tl" rotWithShape="0">
+              <a:prstClr val="black">
+                <a:alpha val="40000"/>
+              </a:prstClr>
+            </a:outerShdw>
+          </a:effectLst>
           <a:extLst>
             <a:ext uri="{909E8E84-426E-40DD-AFC4-6F175D3DCCD1}">
               <a14:hiddenFill xmlns:a14="http://schemas.microsoft.com/office/drawing/2010/main">
@@ -22667,13 +22789,6 @@
   <p:clrMapOvr>
     <a:masterClrMapping/>
   </p:clrMapOvr>
-  <p:timing>
-    <p:tnLst>
-      <p:par>
-        <p:cTn id="1" dur="indefinite" restart="never" nodeType="tmRoot"/>
-      </p:par>
-    </p:tnLst>
-  </p:timing>
 </p:sld>
 </file>
 
@@ -22772,13 +22887,6 @@
   <p:clrMapOvr>
     <a:masterClrMapping/>
   </p:clrMapOvr>
-  <p:timing>
-    <p:tnLst>
-      <p:par>
-        <p:cTn id="1" dur="indefinite" restart="never" nodeType="tmRoot"/>
-      </p:par>
-    </p:tnLst>
-  </p:timing>
 </p:sld>
 </file>
 
@@ -22837,10 +22945,7 @@
           <a:bodyPr/>
           <a:lstStyle/>
           <a:p>
-            <a:r>
-              <a:rPr lang="nb-NO" dirty="0"/>
-              <a:t>Jon-Thomas Eliassen</a:t>
-            </a:r>
+            <a:endParaRPr lang="nb-NO" dirty="0"/>
           </a:p>
         </p:txBody>
       </p:sp>
@@ -22854,13 +22959,6 @@
   <p:clrMapOvr>
     <a:masterClrMapping/>
   </p:clrMapOvr>
-  <p:timing>
-    <p:tnLst>
-      <p:par>
-        <p:cTn id="1" dur="indefinite" restart="never" nodeType="tmRoot"/>
-      </p:par>
-    </p:tnLst>
-  </p:timing>
 </p:sld>
 </file>
 
@@ -23074,7 +23172,7 @@
           <a:p>
             <a:r>
               <a:rPr lang="nb-NO" dirty="0"/>
-              <a:t>log4net/ log4j: Kan velge loggestrategi(er) i </a:t>
+              <a:t>log4net / slf4j: Kan velge loggestrategi(er) i </a:t>
             </a:r>
             <a:r>
               <a:rPr lang="nb-NO" dirty="0" err="1"/>
@@ -25242,6 +25340,52 @@
 </file>
 
 <file path=customXml/item1.xml><?xml version="1.0" encoding="utf-8"?>
+<?mso-contentType ?>
+<spe:Receivers xmlns:spe="http://schemas.microsoft.com/sharepoint/events">
+  <Receiver>
+    <Name>Document ID Generator</Name>
+    <Synchronization>Synchronous</Synchronization>
+    <Type>10001</Type>
+    <SequenceNumber>1000</SequenceNumber>
+    <Assembly>Microsoft.Office.DocumentManagement, Version=14.0.0.0, Culture=neutral, PublicKeyToken=71e9bce111e9429c</Assembly>
+    <Class>Microsoft.Office.DocumentManagement.Internal.DocIdHandler</Class>
+    <Data/>
+    <Filter/>
+  </Receiver>
+  <Receiver>
+    <Name>Document ID Generator</Name>
+    <Synchronization>Synchronous</Synchronization>
+    <Type>10002</Type>
+    <SequenceNumber>1001</SequenceNumber>
+    <Assembly>Microsoft.Office.DocumentManagement, Version=14.0.0.0, Culture=neutral, PublicKeyToken=71e9bce111e9429c</Assembly>
+    <Class>Microsoft.Office.DocumentManagement.Internal.DocIdHandler</Class>
+    <Data/>
+    <Filter/>
+  </Receiver>
+  <Receiver>
+    <Name>Document ID Generator</Name>
+    <Synchronization>Synchronous</Synchronization>
+    <Type>10004</Type>
+    <SequenceNumber>1002</SequenceNumber>
+    <Assembly>Microsoft.Office.DocumentManagement, Version=14.0.0.0, Culture=neutral, PublicKeyToken=71e9bce111e9429c</Assembly>
+    <Class>Microsoft.Office.DocumentManagement.Internal.DocIdHandler</Class>
+    <Data/>
+    <Filter/>
+  </Receiver>
+  <Receiver>
+    <Name>Document ID Generator</Name>
+    <Synchronization>Synchronous</Synchronization>
+    <Type>10006</Type>
+    <SequenceNumber>1003</SequenceNumber>
+    <Assembly>Microsoft.Office.DocumentManagement, Version=14.0.0.0, Culture=neutral, PublicKeyToken=71e9bce111e9429c</Assembly>
+    <Class>Microsoft.Office.DocumentManagement.Internal.DocIdHandler</Class>
+    <Data/>
+    <Filter/>
+  </Receiver>
+</spe:Receivers>
+</file>
+
+<file path=customXml/item2.xml><?xml version="1.0" encoding="utf-8"?>
 <ct:contentTypeSchema xmlns:ct="http://schemas.microsoft.com/office/2006/metadata/contentType" xmlns:ma="http://schemas.microsoft.com/office/2006/metadata/properties/metaAttributes" ct:_="" ma:_="" ma:contentTypeName="Document" ma:contentTypeID="0x0101006DE77A4C69F7B04F983EB828CF8C5433" ma:contentTypeVersion="2" ma:contentTypeDescription="Create a new document." ma:contentTypeScope="" ma:versionID="3f88a36eb5d68a1319bea6a26a0634f9">
   <xsd:schema xmlns:xsd="http://www.w3.org/2001/XMLSchema" xmlns:xs="http://www.w3.org/2001/XMLSchema" xmlns:p="http://schemas.microsoft.com/office/2006/metadata/properties" xmlns:ns1="http://schemas.microsoft.com/sharepoint/v3" xmlns:ns2="cd7095a3-97f1-4663-a71f-a762e9d8a5de" targetNamespace="http://schemas.microsoft.com/office/2006/metadata/properties" ma:root="true" ma:fieldsID="12e73613dd42fd77c3af4275080e49b8" ns1:_="" ns2:_="">
     <xsd:import namespace="http://schemas.microsoft.com/sharepoint/v3"/>
@@ -25403,62 +25547,7 @@
 </ct:contentTypeSchema>
 </file>
 
-<file path=customXml/item2.xml><?xml version="1.0" encoding="utf-8"?>
-<?mso-contentType ?>
-<spe:Receivers xmlns:spe="http://schemas.microsoft.com/sharepoint/events">
-  <Receiver>
-    <Name>Document ID Generator</Name>
-    <Synchronization>Synchronous</Synchronization>
-    <Type>10001</Type>
-    <SequenceNumber>1000</SequenceNumber>
-    <Assembly>Microsoft.Office.DocumentManagement, Version=14.0.0.0, Culture=neutral, PublicKeyToken=71e9bce111e9429c</Assembly>
-    <Class>Microsoft.Office.DocumentManagement.Internal.DocIdHandler</Class>
-    <Data/>
-    <Filter/>
-  </Receiver>
-  <Receiver>
-    <Name>Document ID Generator</Name>
-    <Synchronization>Synchronous</Synchronization>
-    <Type>10002</Type>
-    <SequenceNumber>1001</SequenceNumber>
-    <Assembly>Microsoft.Office.DocumentManagement, Version=14.0.0.0, Culture=neutral, PublicKeyToken=71e9bce111e9429c</Assembly>
-    <Class>Microsoft.Office.DocumentManagement.Internal.DocIdHandler</Class>
-    <Data/>
-    <Filter/>
-  </Receiver>
-  <Receiver>
-    <Name>Document ID Generator</Name>
-    <Synchronization>Synchronous</Synchronization>
-    <Type>10004</Type>
-    <SequenceNumber>1002</SequenceNumber>
-    <Assembly>Microsoft.Office.DocumentManagement, Version=14.0.0.0, Culture=neutral, PublicKeyToken=71e9bce111e9429c</Assembly>
-    <Class>Microsoft.Office.DocumentManagement.Internal.DocIdHandler</Class>
-    <Data/>
-    <Filter/>
-  </Receiver>
-  <Receiver>
-    <Name>Document ID Generator</Name>
-    <Synchronization>Synchronous</Synchronization>
-    <Type>10006</Type>
-    <SequenceNumber>1003</SequenceNumber>
-    <Assembly>Microsoft.Office.DocumentManagement, Version=14.0.0.0, Culture=neutral, PublicKeyToken=71e9bce111e9429c</Assembly>
-    <Class>Microsoft.Office.DocumentManagement.Internal.DocIdHandler</Class>
-    <Data/>
-    <Filter/>
-  </Receiver>
-</spe:Receivers>
-</file>
-
 <file path=customXml/item3.xml><?xml version="1.0" encoding="utf-8"?>
-<?mso-contentType ?>
-<FormTemplates xmlns="http://schemas.microsoft.com/sharepoint/v3/contenttype/forms">
-  <Display>DocumentLibraryForm</Display>
-  <Edit>DocumentLibraryForm</Edit>
-  <New>DocumentLibraryForm</New>
-</FormTemplates>
-</file>
-
-<file path=customXml/item4.xml><?xml version="1.0" encoding="utf-8"?>
 <p:properties xmlns:p="http://schemas.microsoft.com/office/2006/metadata/properties" xmlns:xsi="http://www.w3.org/2001/XMLSchema-instance" xmlns:pc="http://schemas.microsoft.com/office/infopath/2007/PartnerControls">
   <documentManagement>
     <PublishingExpirationDate xmlns="http://schemas.microsoft.com/sharepoint/v3" xsi:nil="true"/>
@@ -25472,7 +25561,24 @@
 </p:properties>
 </file>
 
+<file path=customXml/item4.xml><?xml version="1.0" encoding="utf-8"?>
+<?mso-contentType ?>
+<FormTemplates xmlns="http://schemas.microsoft.com/sharepoint/v3/contenttype/forms">
+  <Display>DocumentLibraryForm</Display>
+  <Edit>DocumentLibraryForm</Edit>
+  <New>DocumentLibraryForm</New>
+</FormTemplates>
+</file>
+
 <file path=customXml/itemProps1.xml><?xml version="1.0" encoding="utf-8"?>
+<ds:datastoreItem xmlns:ds="http://schemas.openxmlformats.org/officeDocument/2006/customXml" ds:itemID="{1B3F50AB-02FD-4C47-98D2-8857298FC473}">
+  <ds:schemaRefs>
+    <ds:schemaRef ds:uri="http://schemas.microsoft.com/sharepoint/events"/>
+  </ds:schemaRefs>
+</ds:datastoreItem>
+</file>
+
+<file path=customXml/itemProps2.xml><?xml version="1.0" encoding="utf-8"?>
 <ds:datastoreItem xmlns:ds="http://schemas.openxmlformats.org/officeDocument/2006/customXml" ds:itemID="{1F8D2ADD-9475-4053-913E-BB32E431EB0D}">
   <ds:schemaRefs>
     <ds:schemaRef ds:uri="http://schemas.microsoft.com/office/2006/metadata/contentType"/>
@@ -25491,23 +25597,7 @@
 </ds:datastoreItem>
 </file>
 
-<file path=customXml/itemProps2.xml><?xml version="1.0" encoding="utf-8"?>
-<ds:datastoreItem xmlns:ds="http://schemas.openxmlformats.org/officeDocument/2006/customXml" ds:itemID="{1B3F50AB-02FD-4C47-98D2-8857298FC473}">
-  <ds:schemaRefs>
-    <ds:schemaRef ds:uri="http://schemas.microsoft.com/sharepoint/events"/>
-  </ds:schemaRefs>
-</ds:datastoreItem>
-</file>
-
 <file path=customXml/itemProps3.xml><?xml version="1.0" encoding="utf-8"?>
-<ds:datastoreItem xmlns:ds="http://schemas.openxmlformats.org/officeDocument/2006/customXml" ds:itemID="{BB82CC63-55FC-4D22-9ED3-DB88AF6228E1}">
-  <ds:schemaRefs>
-    <ds:schemaRef ds:uri="http://schemas.microsoft.com/sharepoint/v3/contenttype/forms"/>
-  </ds:schemaRefs>
-</ds:datastoreItem>
-</file>
-
-<file path=customXml/itemProps4.xml><?xml version="1.0" encoding="utf-8"?>
 <ds:datastoreItem xmlns:ds="http://schemas.openxmlformats.org/officeDocument/2006/customXml" ds:itemID="{9D2CB842-18D5-4EEF-9009-B0CAFCE7AC3E}">
   <ds:schemaRefs>
     <ds:schemaRef ds:uri="http://purl.org/dc/dcmitype/"/>
@@ -25522,4 +25612,12 @@
     <ds:schemaRef ds:uri="http://www.w3.org/XML/1998/namespace"/>
   </ds:schemaRefs>
 </ds:datastoreItem>
+</file>
+
+<file path=customXml/itemProps4.xml><?xml version="1.0" encoding="utf-8"?>
+<ds:datastoreItem xmlns:ds="http://schemas.openxmlformats.org/officeDocument/2006/customXml" ds:itemID="{BB82CC63-55FC-4D22-9ED3-DB88AF6228E1}">
+  <ds:schemaRefs>
+    <ds:schemaRef ds:uri="http://schemas.microsoft.com/sharepoint/v3/contenttype/forms"/>
+  </ds:schemaRefs>
+</ds:datastoreItem>
 </file>
--- a/Presentasjon.pptx
+++ b/Presentasjon.pptx
@@ -248,7 +248,7 @@
           <a:p>
             <a:fld id="{54C52192-B826-4AE0-9CD6-BEA9467D12B3}" type="datetimeFigureOut">
               <a:rPr lang="nb-NO" smtClean="0"/>
-              <a:t>11.09.2018</a:t>
+              <a:t>17.09.2018</a:t>
             </a:fld>
             <a:endParaRPr lang="nb-NO"/>
           </a:p>
@@ -413,7 +413,7 @@
           <a:p>
             <a:fld id="{2696BCB2-2760-41B1-A1BE-7886EF110FCB}" type="datetimeFigureOut">
               <a:rPr lang="nb-NO" smtClean="0"/>
-              <a:t>11.09.2018</a:t>
+              <a:t>17.09.2018</a:t>
             </a:fld>
             <a:endParaRPr lang="nb-NO"/>
           </a:p>
@@ -23531,20 +23531,8 @@
               <a:t> at de </a:t>
             </a:r>
             <a:r>
-              <a:rPr lang="en-US" dirty="0" err="1"/>
-              <a:t>kan</a:t>
-            </a:r>
-            <a:r>
-              <a:rPr lang="en-US" dirty="0"/>
-              <a:t> </a:t>
-            </a:r>
-            <a:r>
-              <a:rPr lang="en-US" dirty="0" err="1"/>
-              <a:t>kan</a:t>
-            </a:r>
-            <a:r>
-              <a:rPr lang="en-US" dirty="0"/>
-              <a:t> </a:t>
+              <a:rPr lang="en-US"/>
+              <a:t>kan </a:t>
             </a:r>
             <a:r>
               <a:rPr lang="en-US" dirty="0" err="1"/>
@@ -25340,52 +25328,6 @@
 </file>
 
 <file path=customXml/item1.xml><?xml version="1.0" encoding="utf-8"?>
-<?mso-contentType ?>
-<spe:Receivers xmlns:spe="http://schemas.microsoft.com/sharepoint/events">
-  <Receiver>
-    <Name>Document ID Generator</Name>
-    <Synchronization>Synchronous</Synchronization>
-    <Type>10001</Type>
-    <SequenceNumber>1000</SequenceNumber>
-    <Assembly>Microsoft.Office.DocumentManagement, Version=14.0.0.0, Culture=neutral, PublicKeyToken=71e9bce111e9429c</Assembly>
-    <Class>Microsoft.Office.DocumentManagement.Internal.DocIdHandler</Class>
-    <Data/>
-    <Filter/>
-  </Receiver>
-  <Receiver>
-    <Name>Document ID Generator</Name>
-    <Synchronization>Synchronous</Synchronization>
-    <Type>10002</Type>
-    <SequenceNumber>1001</SequenceNumber>
-    <Assembly>Microsoft.Office.DocumentManagement, Version=14.0.0.0, Culture=neutral, PublicKeyToken=71e9bce111e9429c</Assembly>
-    <Class>Microsoft.Office.DocumentManagement.Internal.DocIdHandler</Class>
-    <Data/>
-    <Filter/>
-  </Receiver>
-  <Receiver>
-    <Name>Document ID Generator</Name>
-    <Synchronization>Synchronous</Synchronization>
-    <Type>10004</Type>
-    <SequenceNumber>1002</SequenceNumber>
-    <Assembly>Microsoft.Office.DocumentManagement, Version=14.0.0.0, Culture=neutral, PublicKeyToken=71e9bce111e9429c</Assembly>
-    <Class>Microsoft.Office.DocumentManagement.Internal.DocIdHandler</Class>
-    <Data/>
-    <Filter/>
-  </Receiver>
-  <Receiver>
-    <Name>Document ID Generator</Name>
-    <Synchronization>Synchronous</Synchronization>
-    <Type>10006</Type>
-    <SequenceNumber>1003</SequenceNumber>
-    <Assembly>Microsoft.Office.DocumentManagement, Version=14.0.0.0, Culture=neutral, PublicKeyToken=71e9bce111e9429c</Assembly>
-    <Class>Microsoft.Office.DocumentManagement.Internal.DocIdHandler</Class>
-    <Data/>
-    <Filter/>
-  </Receiver>
-</spe:Receivers>
-</file>
-
-<file path=customXml/item2.xml><?xml version="1.0" encoding="utf-8"?>
 <ct:contentTypeSchema xmlns:ct="http://schemas.microsoft.com/office/2006/metadata/contentType" xmlns:ma="http://schemas.microsoft.com/office/2006/metadata/properties/metaAttributes" ct:_="" ma:_="" ma:contentTypeName="Document" ma:contentTypeID="0x0101006DE77A4C69F7B04F983EB828CF8C5433" ma:contentTypeVersion="2" ma:contentTypeDescription="Create a new document." ma:contentTypeScope="" ma:versionID="3f88a36eb5d68a1319bea6a26a0634f9">
   <xsd:schema xmlns:xsd="http://www.w3.org/2001/XMLSchema" xmlns:xs="http://www.w3.org/2001/XMLSchema" xmlns:p="http://schemas.microsoft.com/office/2006/metadata/properties" xmlns:ns1="http://schemas.microsoft.com/sharepoint/v3" xmlns:ns2="cd7095a3-97f1-4663-a71f-a762e9d8a5de" targetNamespace="http://schemas.microsoft.com/office/2006/metadata/properties" ma:root="true" ma:fieldsID="12e73613dd42fd77c3af4275080e49b8" ns1:_="" ns2:_="">
     <xsd:import namespace="http://schemas.microsoft.com/sharepoint/v3"/>
@@ -25547,7 +25489,62 @@
 </ct:contentTypeSchema>
 </file>
 
+<file path=customXml/item2.xml><?xml version="1.0" encoding="utf-8"?>
+<?mso-contentType ?>
+<spe:Receivers xmlns:spe="http://schemas.microsoft.com/sharepoint/events">
+  <Receiver>
+    <Name>Document ID Generator</Name>
+    <Synchronization>Synchronous</Synchronization>
+    <Type>10001</Type>
+    <SequenceNumber>1000</SequenceNumber>
+    <Assembly>Microsoft.Office.DocumentManagement, Version=14.0.0.0, Culture=neutral, PublicKeyToken=71e9bce111e9429c</Assembly>
+    <Class>Microsoft.Office.DocumentManagement.Internal.DocIdHandler</Class>
+    <Data/>
+    <Filter/>
+  </Receiver>
+  <Receiver>
+    <Name>Document ID Generator</Name>
+    <Synchronization>Synchronous</Synchronization>
+    <Type>10002</Type>
+    <SequenceNumber>1001</SequenceNumber>
+    <Assembly>Microsoft.Office.DocumentManagement, Version=14.0.0.0, Culture=neutral, PublicKeyToken=71e9bce111e9429c</Assembly>
+    <Class>Microsoft.Office.DocumentManagement.Internal.DocIdHandler</Class>
+    <Data/>
+    <Filter/>
+  </Receiver>
+  <Receiver>
+    <Name>Document ID Generator</Name>
+    <Synchronization>Synchronous</Synchronization>
+    <Type>10004</Type>
+    <SequenceNumber>1002</SequenceNumber>
+    <Assembly>Microsoft.Office.DocumentManagement, Version=14.0.0.0, Culture=neutral, PublicKeyToken=71e9bce111e9429c</Assembly>
+    <Class>Microsoft.Office.DocumentManagement.Internal.DocIdHandler</Class>
+    <Data/>
+    <Filter/>
+  </Receiver>
+  <Receiver>
+    <Name>Document ID Generator</Name>
+    <Synchronization>Synchronous</Synchronization>
+    <Type>10006</Type>
+    <SequenceNumber>1003</SequenceNumber>
+    <Assembly>Microsoft.Office.DocumentManagement, Version=14.0.0.0, Culture=neutral, PublicKeyToken=71e9bce111e9429c</Assembly>
+    <Class>Microsoft.Office.DocumentManagement.Internal.DocIdHandler</Class>
+    <Data/>
+    <Filter/>
+  </Receiver>
+</spe:Receivers>
+</file>
+
 <file path=customXml/item3.xml><?xml version="1.0" encoding="utf-8"?>
+<?mso-contentType ?>
+<FormTemplates xmlns="http://schemas.microsoft.com/sharepoint/v3/contenttype/forms">
+  <Display>DocumentLibraryForm</Display>
+  <Edit>DocumentLibraryForm</Edit>
+  <New>DocumentLibraryForm</New>
+</FormTemplates>
+</file>
+
+<file path=customXml/item4.xml><?xml version="1.0" encoding="utf-8"?>
 <p:properties xmlns:p="http://schemas.microsoft.com/office/2006/metadata/properties" xmlns:xsi="http://www.w3.org/2001/XMLSchema-instance" xmlns:pc="http://schemas.microsoft.com/office/infopath/2007/PartnerControls">
   <documentManagement>
     <PublishingExpirationDate xmlns="http://schemas.microsoft.com/sharepoint/v3" xsi:nil="true"/>
@@ -25561,24 +25558,7 @@
 </p:properties>
 </file>
 
-<file path=customXml/item4.xml><?xml version="1.0" encoding="utf-8"?>
-<?mso-contentType ?>
-<FormTemplates xmlns="http://schemas.microsoft.com/sharepoint/v3/contenttype/forms">
-  <Display>DocumentLibraryForm</Display>
-  <Edit>DocumentLibraryForm</Edit>
-  <New>DocumentLibraryForm</New>
-</FormTemplates>
-</file>
-
 <file path=customXml/itemProps1.xml><?xml version="1.0" encoding="utf-8"?>
-<ds:datastoreItem xmlns:ds="http://schemas.openxmlformats.org/officeDocument/2006/customXml" ds:itemID="{1B3F50AB-02FD-4C47-98D2-8857298FC473}">
-  <ds:schemaRefs>
-    <ds:schemaRef ds:uri="http://schemas.microsoft.com/sharepoint/events"/>
-  </ds:schemaRefs>
-</ds:datastoreItem>
-</file>
-
-<file path=customXml/itemProps2.xml><?xml version="1.0" encoding="utf-8"?>
 <ds:datastoreItem xmlns:ds="http://schemas.openxmlformats.org/officeDocument/2006/customXml" ds:itemID="{1F8D2ADD-9475-4053-913E-BB32E431EB0D}">
   <ds:schemaRefs>
     <ds:schemaRef ds:uri="http://schemas.microsoft.com/office/2006/metadata/contentType"/>
@@ -25597,7 +25577,23 @@
 </ds:datastoreItem>
 </file>
 
+<file path=customXml/itemProps2.xml><?xml version="1.0" encoding="utf-8"?>
+<ds:datastoreItem xmlns:ds="http://schemas.openxmlformats.org/officeDocument/2006/customXml" ds:itemID="{1B3F50AB-02FD-4C47-98D2-8857298FC473}">
+  <ds:schemaRefs>
+    <ds:schemaRef ds:uri="http://schemas.microsoft.com/sharepoint/events"/>
+  </ds:schemaRefs>
+</ds:datastoreItem>
+</file>
+
 <file path=customXml/itemProps3.xml><?xml version="1.0" encoding="utf-8"?>
+<ds:datastoreItem xmlns:ds="http://schemas.openxmlformats.org/officeDocument/2006/customXml" ds:itemID="{BB82CC63-55FC-4D22-9ED3-DB88AF6228E1}">
+  <ds:schemaRefs>
+    <ds:schemaRef ds:uri="http://schemas.microsoft.com/sharepoint/v3/contenttype/forms"/>
+  </ds:schemaRefs>
+</ds:datastoreItem>
+</file>
+
+<file path=customXml/itemProps4.xml><?xml version="1.0" encoding="utf-8"?>
 <ds:datastoreItem xmlns:ds="http://schemas.openxmlformats.org/officeDocument/2006/customXml" ds:itemID="{9D2CB842-18D5-4EEF-9009-B0CAFCE7AC3E}">
   <ds:schemaRefs>
     <ds:schemaRef ds:uri="http://purl.org/dc/dcmitype/"/>
@@ -25612,12 +25608,4 @@
     <ds:schemaRef ds:uri="http://www.w3.org/XML/1998/namespace"/>
   </ds:schemaRefs>
 </ds:datastoreItem>
-</file>
-
-<file path=customXml/itemProps4.xml><?xml version="1.0" encoding="utf-8"?>
-<ds:datastoreItem xmlns:ds="http://schemas.openxmlformats.org/officeDocument/2006/customXml" ds:itemID="{BB82CC63-55FC-4D22-9ED3-DB88AF6228E1}">
-  <ds:schemaRefs>
-    <ds:schemaRef ds:uri="http://schemas.microsoft.com/sharepoint/v3/contenttype/forms"/>
-  </ds:schemaRefs>
-</ds:datastoreItem>
 </file>